--- a/susanedge-presentation.pptx
+++ b/susanedge-presentation.pptx
@@ -8,16 +8,18 @@
     <p:sldId id="256" r:id="rId2"/>
     <p:sldId id="257" r:id="rId3"/>
     <p:sldId id="258" r:id="rId4"/>
-    <p:sldId id="259" r:id="rId5"/>
-    <p:sldId id="264" r:id="rId6"/>
-    <p:sldId id="269" r:id="rId7"/>
-    <p:sldId id="265" r:id="rId8"/>
-    <p:sldId id="268" r:id="rId9"/>
-    <p:sldId id="267" r:id="rId10"/>
-    <p:sldId id="260" r:id="rId11"/>
-    <p:sldId id="261" r:id="rId12"/>
-    <p:sldId id="262" r:id="rId13"/>
-    <p:sldId id="263" r:id="rId14"/>
+    <p:sldId id="270" r:id="rId5"/>
+    <p:sldId id="271" r:id="rId6"/>
+    <p:sldId id="259" r:id="rId7"/>
+    <p:sldId id="264" r:id="rId8"/>
+    <p:sldId id="269" r:id="rId9"/>
+    <p:sldId id="265" r:id="rId10"/>
+    <p:sldId id="268" r:id="rId11"/>
+    <p:sldId id="267" r:id="rId12"/>
+    <p:sldId id="260" r:id="rId13"/>
+    <p:sldId id="261" r:id="rId14"/>
+    <p:sldId id="262" r:id="rId15"/>
+    <p:sldId id="263" r:id="rId16"/>
   </p:sldIdLst>
   <p:sldSz cx="9144000" cy="6858000" type="screen4x3"/>
   <p:notesSz cx="6858000" cy="9144000"/>
@@ -300,7 +302,8 @@
           <a:p>
             <a:fld id="{420D65D8-03CC-42D4-89C4-CB770DA01089}" type="datetimeFigureOut">
               <a:rPr lang="en-GB" smtClean="0"/>
-              <a:t>03/02/2012</a:t>
+              <a:pPr/>
+              <a:t>04/02/2012</a:t>
             </a:fld>
             <a:endParaRPr lang="en-GB"/>
           </a:p>
@@ -342,6 +345,7 @@
           <a:p>
             <a:fld id="{1C3235DC-F0B5-4826-A1BD-45CBBD4C9D31}" type="slidenum">
               <a:rPr lang="en-GB" smtClean="0"/>
+              <a:pPr/>
               <a:t>‹#›</a:t>
             </a:fld>
             <a:endParaRPr lang="en-GB"/>
@@ -351,7 +355,7 @@
     </p:spTree>
     <p:extLst>
       <p:ext uri="{BB962C8B-B14F-4D97-AF65-F5344CB8AC3E}">
-        <p14:creationId xmlns:p14="http://schemas.microsoft.com/office/powerpoint/2010/main" val="158945681"/>
+        <p14:creationId xmlns:p14="http://schemas.microsoft.com/office/powerpoint/2010/main" xmlns="" val="158945681"/>
       </p:ext>
     </p:extLst>
   </p:cSld>
@@ -470,7 +474,8 @@
           <a:p>
             <a:fld id="{420D65D8-03CC-42D4-89C4-CB770DA01089}" type="datetimeFigureOut">
               <a:rPr lang="en-GB" smtClean="0"/>
-              <a:t>03/02/2012</a:t>
+              <a:pPr/>
+              <a:t>04/02/2012</a:t>
             </a:fld>
             <a:endParaRPr lang="en-GB"/>
           </a:p>
@@ -512,6 +517,7 @@
           <a:p>
             <a:fld id="{1C3235DC-F0B5-4826-A1BD-45CBBD4C9D31}" type="slidenum">
               <a:rPr lang="en-GB" smtClean="0"/>
+              <a:pPr/>
               <a:t>‹#›</a:t>
             </a:fld>
             <a:endParaRPr lang="en-GB"/>
@@ -521,7 +527,7 @@
     </p:spTree>
     <p:extLst>
       <p:ext uri="{BB962C8B-B14F-4D97-AF65-F5344CB8AC3E}">
-        <p14:creationId xmlns:p14="http://schemas.microsoft.com/office/powerpoint/2010/main" val="2097151947"/>
+        <p14:creationId xmlns:p14="http://schemas.microsoft.com/office/powerpoint/2010/main" xmlns="" val="2097151947"/>
       </p:ext>
     </p:extLst>
   </p:cSld>
@@ -650,7 +656,8 @@
           <a:p>
             <a:fld id="{420D65D8-03CC-42D4-89C4-CB770DA01089}" type="datetimeFigureOut">
               <a:rPr lang="en-GB" smtClean="0"/>
-              <a:t>03/02/2012</a:t>
+              <a:pPr/>
+              <a:t>04/02/2012</a:t>
             </a:fld>
             <a:endParaRPr lang="en-GB"/>
           </a:p>
@@ -692,6 +699,7 @@
           <a:p>
             <a:fld id="{1C3235DC-F0B5-4826-A1BD-45CBBD4C9D31}" type="slidenum">
               <a:rPr lang="en-GB" smtClean="0"/>
+              <a:pPr/>
               <a:t>‹#›</a:t>
             </a:fld>
             <a:endParaRPr lang="en-GB"/>
@@ -701,7 +709,7 @@
     </p:spTree>
     <p:extLst>
       <p:ext uri="{BB962C8B-B14F-4D97-AF65-F5344CB8AC3E}">
-        <p14:creationId xmlns:p14="http://schemas.microsoft.com/office/powerpoint/2010/main" val="4271639342"/>
+        <p14:creationId xmlns:p14="http://schemas.microsoft.com/office/powerpoint/2010/main" xmlns="" val="4271639342"/>
       </p:ext>
     </p:extLst>
   </p:cSld>
@@ -820,7 +828,8 @@
           <a:p>
             <a:fld id="{420D65D8-03CC-42D4-89C4-CB770DA01089}" type="datetimeFigureOut">
               <a:rPr lang="en-GB" smtClean="0"/>
-              <a:t>03/02/2012</a:t>
+              <a:pPr/>
+              <a:t>04/02/2012</a:t>
             </a:fld>
             <a:endParaRPr lang="en-GB"/>
           </a:p>
@@ -862,6 +871,7 @@
           <a:p>
             <a:fld id="{1C3235DC-F0B5-4826-A1BD-45CBBD4C9D31}" type="slidenum">
               <a:rPr lang="en-GB" smtClean="0"/>
+              <a:pPr/>
               <a:t>‹#›</a:t>
             </a:fld>
             <a:endParaRPr lang="en-GB"/>
@@ -871,7 +881,7 @@
     </p:spTree>
     <p:extLst>
       <p:ext uri="{BB962C8B-B14F-4D97-AF65-F5344CB8AC3E}">
-        <p14:creationId xmlns:p14="http://schemas.microsoft.com/office/powerpoint/2010/main" val="4219831927"/>
+        <p14:creationId xmlns:p14="http://schemas.microsoft.com/office/powerpoint/2010/main" xmlns="" val="4219831927"/>
       </p:ext>
     </p:extLst>
   </p:cSld>
@@ -1066,7 +1076,8 @@
           <a:p>
             <a:fld id="{420D65D8-03CC-42D4-89C4-CB770DA01089}" type="datetimeFigureOut">
               <a:rPr lang="en-GB" smtClean="0"/>
-              <a:t>03/02/2012</a:t>
+              <a:pPr/>
+              <a:t>04/02/2012</a:t>
             </a:fld>
             <a:endParaRPr lang="en-GB"/>
           </a:p>
@@ -1108,6 +1119,7 @@
           <a:p>
             <a:fld id="{1C3235DC-F0B5-4826-A1BD-45CBBD4C9D31}" type="slidenum">
               <a:rPr lang="en-GB" smtClean="0"/>
+              <a:pPr/>
               <a:t>‹#›</a:t>
             </a:fld>
             <a:endParaRPr lang="en-GB"/>
@@ -1117,7 +1129,7 @@
     </p:spTree>
     <p:extLst>
       <p:ext uri="{BB962C8B-B14F-4D97-AF65-F5344CB8AC3E}">
-        <p14:creationId xmlns:p14="http://schemas.microsoft.com/office/powerpoint/2010/main" val="148751217"/>
+        <p14:creationId xmlns:p14="http://schemas.microsoft.com/office/powerpoint/2010/main" xmlns="" val="148751217"/>
       </p:ext>
     </p:extLst>
   </p:cSld>
@@ -1354,7 +1366,8 @@
           <a:p>
             <a:fld id="{420D65D8-03CC-42D4-89C4-CB770DA01089}" type="datetimeFigureOut">
               <a:rPr lang="en-GB" smtClean="0"/>
-              <a:t>03/02/2012</a:t>
+              <a:pPr/>
+              <a:t>04/02/2012</a:t>
             </a:fld>
             <a:endParaRPr lang="en-GB"/>
           </a:p>
@@ -1396,6 +1409,7 @@
           <a:p>
             <a:fld id="{1C3235DC-F0B5-4826-A1BD-45CBBD4C9D31}" type="slidenum">
               <a:rPr lang="en-GB" smtClean="0"/>
+              <a:pPr/>
               <a:t>‹#›</a:t>
             </a:fld>
             <a:endParaRPr lang="en-GB"/>
@@ -1405,7 +1419,7 @@
     </p:spTree>
     <p:extLst>
       <p:ext uri="{BB962C8B-B14F-4D97-AF65-F5344CB8AC3E}">
-        <p14:creationId xmlns:p14="http://schemas.microsoft.com/office/powerpoint/2010/main" val="30041719"/>
+        <p14:creationId xmlns:p14="http://schemas.microsoft.com/office/powerpoint/2010/main" xmlns="" val="30041719"/>
       </p:ext>
     </p:extLst>
   </p:cSld>
@@ -1776,7 +1790,8 @@
           <a:p>
             <a:fld id="{420D65D8-03CC-42D4-89C4-CB770DA01089}" type="datetimeFigureOut">
               <a:rPr lang="en-GB" smtClean="0"/>
-              <a:t>03/02/2012</a:t>
+              <a:pPr/>
+              <a:t>04/02/2012</a:t>
             </a:fld>
             <a:endParaRPr lang="en-GB"/>
           </a:p>
@@ -1818,6 +1833,7 @@
           <a:p>
             <a:fld id="{1C3235DC-F0B5-4826-A1BD-45CBBD4C9D31}" type="slidenum">
               <a:rPr lang="en-GB" smtClean="0"/>
+              <a:pPr/>
               <a:t>‹#›</a:t>
             </a:fld>
             <a:endParaRPr lang="en-GB"/>
@@ -1827,7 +1843,7 @@
     </p:spTree>
     <p:extLst>
       <p:ext uri="{BB962C8B-B14F-4D97-AF65-F5344CB8AC3E}">
-        <p14:creationId xmlns:p14="http://schemas.microsoft.com/office/powerpoint/2010/main" val="1034348362"/>
+        <p14:creationId xmlns:p14="http://schemas.microsoft.com/office/powerpoint/2010/main" xmlns="" val="1034348362"/>
       </p:ext>
     </p:extLst>
   </p:cSld>
@@ -1894,7 +1910,8 @@
           <a:p>
             <a:fld id="{420D65D8-03CC-42D4-89C4-CB770DA01089}" type="datetimeFigureOut">
               <a:rPr lang="en-GB" smtClean="0"/>
-              <a:t>03/02/2012</a:t>
+              <a:pPr/>
+              <a:t>04/02/2012</a:t>
             </a:fld>
             <a:endParaRPr lang="en-GB"/>
           </a:p>
@@ -1936,6 +1953,7 @@
           <a:p>
             <a:fld id="{1C3235DC-F0B5-4826-A1BD-45CBBD4C9D31}" type="slidenum">
               <a:rPr lang="en-GB" smtClean="0"/>
+              <a:pPr/>
               <a:t>‹#›</a:t>
             </a:fld>
             <a:endParaRPr lang="en-GB"/>
@@ -1945,7 +1963,7 @@
     </p:spTree>
     <p:extLst>
       <p:ext uri="{BB962C8B-B14F-4D97-AF65-F5344CB8AC3E}">
-        <p14:creationId xmlns:p14="http://schemas.microsoft.com/office/powerpoint/2010/main" val="290425148"/>
+        <p14:creationId xmlns:p14="http://schemas.microsoft.com/office/powerpoint/2010/main" xmlns="" val="290425148"/>
       </p:ext>
     </p:extLst>
   </p:cSld>
@@ -1989,7 +2007,8 @@
           <a:p>
             <a:fld id="{420D65D8-03CC-42D4-89C4-CB770DA01089}" type="datetimeFigureOut">
               <a:rPr lang="en-GB" smtClean="0"/>
-              <a:t>03/02/2012</a:t>
+              <a:pPr/>
+              <a:t>04/02/2012</a:t>
             </a:fld>
             <a:endParaRPr lang="en-GB"/>
           </a:p>
@@ -2031,6 +2050,7 @@
           <a:p>
             <a:fld id="{1C3235DC-F0B5-4826-A1BD-45CBBD4C9D31}" type="slidenum">
               <a:rPr lang="en-GB" smtClean="0"/>
+              <a:pPr/>
               <a:t>‹#›</a:t>
             </a:fld>
             <a:endParaRPr lang="en-GB"/>
@@ -2040,7 +2060,7 @@
     </p:spTree>
     <p:extLst>
       <p:ext uri="{BB962C8B-B14F-4D97-AF65-F5344CB8AC3E}">
-        <p14:creationId xmlns:p14="http://schemas.microsoft.com/office/powerpoint/2010/main" val="182345889"/>
+        <p14:creationId xmlns:p14="http://schemas.microsoft.com/office/powerpoint/2010/main" xmlns="" val="182345889"/>
       </p:ext>
     </p:extLst>
   </p:cSld>
@@ -2266,7 +2286,8 @@
           <a:p>
             <a:fld id="{420D65D8-03CC-42D4-89C4-CB770DA01089}" type="datetimeFigureOut">
               <a:rPr lang="en-GB" smtClean="0"/>
-              <a:t>03/02/2012</a:t>
+              <a:pPr/>
+              <a:t>04/02/2012</a:t>
             </a:fld>
             <a:endParaRPr lang="en-GB"/>
           </a:p>
@@ -2308,6 +2329,7 @@
           <a:p>
             <a:fld id="{1C3235DC-F0B5-4826-A1BD-45CBBD4C9D31}" type="slidenum">
               <a:rPr lang="en-GB" smtClean="0"/>
+              <a:pPr/>
               <a:t>‹#›</a:t>
             </a:fld>
             <a:endParaRPr lang="en-GB"/>
@@ -2317,7 +2339,7 @@
     </p:spTree>
     <p:extLst>
       <p:ext uri="{BB962C8B-B14F-4D97-AF65-F5344CB8AC3E}">
-        <p14:creationId xmlns:p14="http://schemas.microsoft.com/office/powerpoint/2010/main" val="2186173485"/>
+        <p14:creationId xmlns:p14="http://schemas.microsoft.com/office/powerpoint/2010/main" xmlns="" val="2186173485"/>
       </p:ext>
     </p:extLst>
   </p:cSld>
@@ -2519,7 +2541,8 @@
           <a:p>
             <a:fld id="{420D65D8-03CC-42D4-89C4-CB770DA01089}" type="datetimeFigureOut">
               <a:rPr lang="en-GB" smtClean="0"/>
-              <a:t>03/02/2012</a:t>
+              <a:pPr/>
+              <a:t>04/02/2012</a:t>
             </a:fld>
             <a:endParaRPr lang="en-GB"/>
           </a:p>
@@ -2561,6 +2584,7 @@
           <a:p>
             <a:fld id="{1C3235DC-F0B5-4826-A1BD-45CBBD4C9D31}" type="slidenum">
               <a:rPr lang="en-GB" smtClean="0"/>
+              <a:pPr/>
               <a:t>‹#›</a:t>
             </a:fld>
             <a:endParaRPr lang="en-GB"/>
@@ -2570,7 +2594,7 @@
     </p:spTree>
     <p:extLst>
       <p:ext uri="{BB962C8B-B14F-4D97-AF65-F5344CB8AC3E}">
-        <p14:creationId xmlns:p14="http://schemas.microsoft.com/office/powerpoint/2010/main" val="4028586268"/>
+        <p14:creationId xmlns:p14="http://schemas.microsoft.com/office/powerpoint/2010/main" xmlns="" val="4028586268"/>
       </p:ext>
     </p:extLst>
   </p:cSld>
@@ -2732,7 +2756,8 @@
           <a:p>
             <a:fld id="{420D65D8-03CC-42D4-89C4-CB770DA01089}" type="datetimeFigureOut">
               <a:rPr lang="en-GB" smtClean="0"/>
-              <a:t>03/02/2012</a:t>
+              <a:pPr/>
+              <a:t>04/02/2012</a:t>
             </a:fld>
             <a:endParaRPr lang="en-GB"/>
           </a:p>
@@ -2810,6 +2835,7 @@
           <a:p>
             <a:fld id="{1C3235DC-F0B5-4826-A1BD-45CBBD4C9D31}" type="slidenum">
               <a:rPr lang="en-GB" smtClean="0"/>
+              <a:pPr/>
               <a:t>‹#›</a:t>
             </a:fld>
             <a:endParaRPr lang="en-GB"/>
@@ -2819,7 +2845,7 @@
     </p:spTree>
     <p:extLst>
       <p:ext uri="{BB962C8B-B14F-4D97-AF65-F5344CB8AC3E}">
-        <p14:creationId xmlns:p14="http://schemas.microsoft.com/office/powerpoint/2010/main" val="2046728892"/>
+        <p14:creationId xmlns:p14="http://schemas.microsoft.com/office/powerpoint/2010/main" xmlns="" val="2046728892"/>
       </p:ext>
     </p:extLst>
   </p:cSld>
@@ -3162,7 +3188,7 @@
     </p:spTree>
     <p:extLst>
       <p:ext uri="{BB962C8B-B14F-4D97-AF65-F5344CB8AC3E}">
-        <p14:creationId xmlns:p14="http://schemas.microsoft.com/office/powerpoint/2010/main" val="1771199691"/>
+        <p14:creationId xmlns:p14="http://schemas.microsoft.com/office/powerpoint/2010/main" xmlns="" val="1771199691"/>
       </p:ext>
     </p:extLst>
   </p:cSld>
@@ -3198,12 +3224,12 @@
       </p:grpSpPr>
       <p:sp>
         <p:nvSpPr>
-          <p:cNvPr id="6" name="Title 5"/>
-          <p:cNvSpPr>
-            <a:spLocks noGrp="1"/>
-          </p:cNvSpPr>
-          <p:nvPr>
-            <p:ph type="ctrTitle"/>
+          <p:cNvPr id="2" name="Title 1"/>
+          <p:cNvSpPr>
+            <a:spLocks noGrp="1"/>
+          </p:cNvSpPr>
+          <p:nvPr>
+            <p:ph type="title"/>
           </p:nvPr>
         </p:nvSpPr>
         <p:spPr/>
@@ -3213,611 +3239,7 @@
           <a:p>
             <a:r>
               <a:rPr lang="en-GB" dirty="0" smtClean="0"/>
-              <a:t>Demo</a:t>
-            </a:r>
-            <a:endParaRPr lang="en-GB" dirty="0"/>
-          </a:p>
-        </p:txBody>
-      </p:sp>
-      <p:sp>
-        <p:nvSpPr>
-          <p:cNvPr id="8" name="Subtitle 7"/>
-          <p:cNvSpPr>
-            <a:spLocks noGrp="1"/>
-          </p:cNvSpPr>
-          <p:nvPr>
-            <p:ph type="subTitle" idx="1"/>
-          </p:nvPr>
-        </p:nvSpPr>
-        <p:spPr/>
-        <p:txBody>
-          <a:bodyPr/>
-          <a:lstStyle/>
-          <a:p>
-            <a:endParaRPr lang="en-GB" dirty="0"/>
-          </a:p>
-        </p:txBody>
-      </p:sp>
-    </p:spTree>
-    <p:extLst>
-      <p:ext uri="{BB962C8B-B14F-4D97-AF65-F5344CB8AC3E}">
-        <p14:creationId xmlns:p14="http://schemas.microsoft.com/office/powerpoint/2010/main" val="2001286214"/>
-      </p:ext>
-    </p:extLst>
-  </p:cSld>
-  <p:clrMapOvr>
-    <a:masterClrMapping/>
-  </p:clrMapOvr>
-  <p:timing>
-    <p:tnLst>
-      <p:par>
-        <p:cTn id="1" dur="indefinite" restart="never" nodeType="tmRoot"/>
-      </p:par>
-    </p:tnLst>
-  </p:timing>
-</p:sld>
-</file>
-
-<file path=ppt/slides/slide11.xml><?xml version="1.0" encoding="utf-8"?>
-<p:sld xmlns:a="http://schemas.openxmlformats.org/drawingml/2006/main" xmlns:r="http://schemas.openxmlformats.org/officeDocument/2006/relationships" xmlns:p="http://schemas.openxmlformats.org/presentationml/2006/main">
-  <p:cSld>
-    <p:spTree>
-      <p:nvGrpSpPr>
-        <p:cNvPr id="1" name=""/>
-        <p:cNvGrpSpPr/>
-        <p:nvPr/>
-      </p:nvGrpSpPr>
-      <p:grpSpPr>
-        <a:xfrm>
-          <a:off x="0" y="0"/>
-          <a:ext cx="0" cy="0"/>
-          <a:chOff x="0" y="0"/>
-          <a:chExt cx="0" cy="0"/>
-        </a:xfrm>
-      </p:grpSpPr>
-      <p:sp>
-        <p:nvSpPr>
-          <p:cNvPr id="2" name="Title 1"/>
-          <p:cNvSpPr>
-            <a:spLocks noGrp="1"/>
-          </p:cNvSpPr>
-          <p:nvPr>
-            <p:ph type="ctrTitle"/>
-          </p:nvPr>
-        </p:nvSpPr>
-        <p:spPr/>
-        <p:txBody>
-          <a:bodyPr/>
-          <a:lstStyle/>
-          <a:p>
-            <a:r>
-              <a:rPr lang="en-GB" dirty="0" smtClean="0"/>
-              <a:t>Experimentation</a:t>
-            </a:r>
-            <a:endParaRPr lang="en-GB" dirty="0"/>
-          </a:p>
-        </p:txBody>
-      </p:sp>
-      <p:sp>
-        <p:nvSpPr>
-          <p:cNvPr id="4" name="Subtitle 3"/>
-          <p:cNvSpPr>
-            <a:spLocks noGrp="1"/>
-          </p:cNvSpPr>
-          <p:nvPr>
-            <p:ph type="subTitle" idx="1"/>
-          </p:nvPr>
-        </p:nvSpPr>
-        <p:spPr/>
-        <p:txBody>
-          <a:bodyPr/>
-          <a:lstStyle/>
-          <a:p>
-            <a:endParaRPr lang="en-GB"/>
-          </a:p>
-        </p:txBody>
-      </p:sp>
-    </p:spTree>
-    <p:extLst>
-      <p:ext uri="{BB962C8B-B14F-4D97-AF65-F5344CB8AC3E}">
-        <p14:creationId xmlns:p14="http://schemas.microsoft.com/office/powerpoint/2010/main" val="378800283"/>
-      </p:ext>
-    </p:extLst>
-  </p:cSld>
-  <p:clrMapOvr>
-    <a:masterClrMapping/>
-  </p:clrMapOvr>
-  <p:timing>
-    <p:tnLst>
-      <p:par>
-        <p:cTn id="1" dur="indefinite" restart="never" nodeType="tmRoot"/>
-      </p:par>
-    </p:tnLst>
-  </p:timing>
-</p:sld>
-</file>
-
-<file path=ppt/slides/slide12.xml><?xml version="1.0" encoding="utf-8"?>
-<p:sld xmlns:a="http://schemas.openxmlformats.org/drawingml/2006/main" xmlns:r="http://schemas.openxmlformats.org/officeDocument/2006/relationships" xmlns:p="http://schemas.openxmlformats.org/presentationml/2006/main">
-  <p:cSld>
-    <p:spTree>
-      <p:nvGrpSpPr>
-        <p:cNvPr id="1" name=""/>
-        <p:cNvGrpSpPr/>
-        <p:nvPr/>
-      </p:nvGrpSpPr>
-      <p:grpSpPr>
-        <a:xfrm>
-          <a:off x="0" y="0"/>
-          <a:ext cx="0" cy="0"/>
-          <a:chOff x="0" y="0"/>
-          <a:chExt cx="0" cy="0"/>
-        </a:xfrm>
-      </p:grpSpPr>
-      <p:sp>
-        <p:nvSpPr>
-          <p:cNvPr id="2" name="Title 1"/>
-          <p:cNvSpPr>
-            <a:spLocks noGrp="1"/>
-          </p:cNvSpPr>
-          <p:nvPr>
-            <p:ph type="ctrTitle"/>
-          </p:nvPr>
-        </p:nvSpPr>
-        <p:spPr/>
-        <p:txBody>
-          <a:bodyPr/>
-          <a:lstStyle/>
-          <a:p>
-            <a:r>
-              <a:rPr lang="en-GB" dirty="0" smtClean="0"/>
-              <a:t>Comparison</a:t>
-            </a:r>
-            <a:endParaRPr lang="en-GB" dirty="0"/>
-          </a:p>
-        </p:txBody>
-      </p:sp>
-      <p:sp>
-        <p:nvSpPr>
-          <p:cNvPr id="4" name="Subtitle 3"/>
-          <p:cNvSpPr>
-            <a:spLocks noGrp="1"/>
-          </p:cNvSpPr>
-          <p:nvPr>
-            <p:ph type="subTitle" idx="1"/>
-          </p:nvPr>
-        </p:nvSpPr>
-        <p:spPr/>
-        <p:txBody>
-          <a:bodyPr/>
-          <a:lstStyle/>
-          <a:p>
-            <a:endParaRPr lang="en-GB"/>
-          </a:p>
-        </p:txBody>
-      </p:sp>
-    </p:spTree>
-    <p:extLst>
-      <p:ext uri="{BB962C8B-B14F-4D97-AF65-F5344CB8AC3E}">
-        <p14:creationId xmlns:p14="http://schemas.microsoft.com/office/powerpoint/2010/main" val="2697055445"/>
-      </p:ext>
-    </p:extLst>
-  </p:cSld>
-  <p:clrMapOvr>
-    <a:masterClrMapping/>
-  </p:clrMapOvr>
-  <p:timing>
-    <p:tnLst>
-      <p:par>
-        <p:cTn id="1" dur="indefinite" restart="never" nodeType="tmRoot"/>
-      </p:par>
-    </p:tnLst>
-  </p:timing>
-</p:sld>
-</file>
-
-<file path=ppt/slides/slide13.xml><?xml version="1.0" encoding="utf-8"?>
-<p:sld xmlns:a="http://schemas.openxmlformats.org/drawingml/2006/main" xmlns:r="http://schemas.openxmlformats.org/officeDocument/2006/relationships" xmlns:p="http://schemas.openxmlformats.org/presentationml/2006/main">
-  <p:cSld>
-    <p:spTree>
-      <p:nvGrpSpPr>
-        <p:cNvPr id="1" name=""/>
-        <p:cNvGrpSpPr/>
-        <p:nvPr/>
-      </p:nvGrpSpPr>
-      <p:grpSpPr>
-        <a:xfrm>
-          <a:off x="0" y="0"/>
-          <a:ext cx="0" cy="0"/>
-          <a:chOff x="0" y="0"/>
-          <a:chExt cx="0" cy="0"/>
-        </a:xfrm>
-      </p:grpSpPr>
-      <p:sp>
-        <p:nvSpPr>
-          <p:cNvPr id="2" name="Title 1"/>
-          <p:cNvSpPr>
-            <a:spLocks noGrp="1"/>
-          </p:cNvSpPr>
-          <p:nvPr>
-            <p:ph type="title"/>
-          </p:nvPr>
-        </p:nvSpPr>
-        <p:spPr/>
-        <p:txBody>
-          <a:bodyPr/>
-          <a:lstStyle/>
-          <a:p>
-            <a:r>
-              <a:rPr lang="en-GB" dirty="0" smtClean="0"/>
-              <a:t>References</a:t>
-            </a:r>
-            <a:endParaRPr lang="en-GB" dirty="0"/>
-          </a:p>
-        </p:txBody>
-      </p:sp>
-      <p:sp>
-        <p:nvSpPr>
-          <p:cNvPr id="3" name="Content Placeholder 2"/>
-          <p:cNvSpPr>
-            <a:spLocks noGrp="1"/>
-          </p:cNvSpPr>
-          <p:nvPr>
-            <p:ph idx="1"/>
-          </p:nvPr>
-        </p:nvSpPr>
-        <p:spPr/>
-        <p:txBody>
-          <a:bodyPr/>
-          <a:lstStyle/>
-          <a:p>
-            <a:endParaRPr lang="en-GB" dirty="0"/>
-          </a:p>
-        </p:txBody>
-      </p:sp>
-    </p:spTree>
-    <p:extLst>
-      <p:ext uri="{BB962C8B-B14F-4D97-AF65-F5344CB8AC3E}">
-        <p14:creationId xmlns:p14="http://schemas.microsoft.com/office/powerpoint/2010/main" val="1568749011"/>
-      </p:ext>
-    </p:extLst>
-  </p:cSld>
-  <p:clrMapOvr>
-    <a:masterClrMapping/>
-  </p:clrMapOvr>
-  <p:timing>
-    <p:tnLst>
-      <p:par>
-        <p:cTn id="1" dur="indefinite" restart="never" nodeType="tmRoot"/>
-      </p:par>
-    </p:tnLst>
-  </p:timing>
-</p:sld>
-</file>
-
-<file path=ppt/slides/slide2.xml><?xml version="1.0" encoding="utf-8"?>
-<p:sld xmlns:a="http://schemas.openxmlformats.org/drawingml/2006/main" xmlns:r="http://schemas.openxmlformats.org/officeDocument/2006/relationships" xmlns:p="http://schemas.openxmlformats.org/presentationml/2006/main">
-  <p:cSld>
-    <p:spTree>
-      <p:nvGrpSpPr>
-        <p:cNvPr id="1" name=""/>
-        <p:cNvGrpSpPr/>
-        <p:nvPr/>
-      </p:nvGrpSpPr>
-      <p:grpSpPr>
-        <a:xfrm>
-          <a:off x="0" y="0"/>
-          <a:ext cx="0" cy="0"/>
-          <a:chOff x="0" y="0"/>
-          <a:chExt cx="0" cy="0"/>
-        </a:xfrm>
-      </p:grpSpPr>
-      <p:sp>
-        <p:nvSpPr>
-          <p:cNvPr id="2" name="Title 1"/>
-          <p:cNvSpPr>
-            <a:spLocks noGrp="1"/>
-          </p:cNvSpPr>
-          <p:nvPr>
-            <p:ph type="title"/>
-          </p:nvPr>
-        </p:nvSpPr>
-        <p:spPr/>
-        <p:txBody>
-          <a:bodyPr/>
-          <a:lstStyle/>
-          <a:p>
-            <a:r>
-              <a:rPr lang="en-GB" dirty="0" smtClean="0"/>
-              <a:t>Introduction</a:t>
-            </a:r>
-            <a:endParaRPr lang="en-GB" dirty="0"/>
-          </a:p>
-        </p:txBody>
-      </p:sp>
-      <p:sp>
-        <p:nvSpPr>
-          <p:cNvPr id="3" name="Content Placeholder 2"/>
-          <p:cNvSpPr>
-            <a:spLocks noGrp="1"/>
-          </p:cNvSpPr>
-          <p:nvPr>
-            <p:ph idx="1"/>
-          </p:nvPr>
-        </p:nvSpPr>
-        <p:spPr/>
-        <p:txBody>
-          <a:bodyPr/>
-          <a:lstStyle/>
-          <a:p>
-            <a:r>
-              <a:rPr lang="en-GB" b="1" dirty="0" smtClean="0"/>
-              <a:t>SUSAN</a:t>
-            </a:r>
-            <a:r>
-              <a:rPr lang="en-GB" dirty="0" smtClean="0"/>
-              <a:t> Edge Detector</a:t>
-            </a:r>
-          </a:p>
-          <a:p>
-            <a:pPr lvl="1"/>
-            <a:r>
-              <a:rPr lang="en-GB" b="1" dirty="0" smtClean="0"/>
-              <a:t>S</a:t>
-            </a:r>
-            <a:r>
-              <a:rPr lang="en-GB" dirty="0" smtClean="0"/>
-              <a:t>mallest </a:t>
-            </a:r>
-            <a:r>
-              <a:rPr lang="en-GB" b="1" dirty="0" smtClean="0"/>
-              <a:t>U</a:t>
-            </a:r>
-            <a:r>
-              <a:rPr lang="en-GB" dirty="0" smtClean="0"/>
-              <a:t>nivalve </a:t>
-            </a:r>
-            <a:r>
-              <a:rPr lang="en-GB" b="1" dirty="0" smtClean="0"/>
-              <a:t>S</a:t>
-            </a:r>
-            <a:r>
-              <a:rPr lang="en-GB" dirty="0" smtClean="0"/>
-              <a:t>egment </a:t>
-            </a:r>
-            <a:r>
-              <a:rPr lang="en-GB" b="1" dirty="0" smtClean="0"/>
-              <a:t>A</a:t>
-            </a:r>
-            <a:r>
-              <a:rPr lang="en-GB" dirty="0" smtClean="0"/>
-              <a:t>ssimilating </a:t>
-            </a:r>
-            <a:r>
-              <a:rPr lang="en-GB" b="1" dirty="0" smtClean="0"/>
-              <a:t>N</a:t>
-            </a:r>
-            <a:r>
-              <a:rPr lang="en-GB" dirty="0" smtClean="0"/>
-              <a:t>ucleus</a:t>
-            </a:r>
-            <a:endParaRPr lang="en-GB" dirty="0"/>
-          </a:p>
-        </p:txBody>
-      </p:sp>
-    </p:spTree>
-    <p:extLst>
-      <p:ext uri="{BB962C8B-B14F-4D97-AF65-F5344CB8AC3E}">
-        <p14:creationId xmlns:p14="http://schemas.microsoft.com/office/powerpoint/2010/main" val="3044184147"/>
-      </p:ext>
-    </p:extLst>
-  </p:cSld>
-  <p:clrMapOvr>
-    <a:masterClrMapping/>
-  </p:clrMapOvr>
-  <p:timing>
-    <p:tnLst>
-      <p:par>
-        <p:cTn id="1" dur="indefinite" restart="never" nodeType="tmRoot"/>
-      </p:par>
-    </p:tnLst>
-  </p:timing>
-</p:sld>
-</file>
-
-<file path=ppt/slides/slide3.xml><?xml version="1.0" encoding="utf-8"?>
-<p:sld xmlns:a="http://schemas.openxmlformats.org/drawingml/2006/main" xmlns:r="http://schemas.openxmlformats.org/officeDocument/2006/relationships" xmlns:p="http://schemas.openxmlformats.org/presentationml/2006/main">
-  <p:cSld>
-    <p:spTree>
-      <p:nvGrpSpPr>
-        <p:cNvPr id="1" name=""/>
-        <p:cNvGrpSpPr/>
-        <p:nvPr/>
-      </p:nvGrpSpPr>
-      <p:grpSpPr>
-        <a:xfrm>
-          <a:off x="0" y="0"/>
-          <a:ext cx="0" cy="0"/>
-          <a:chOff x="0" y="0"/>
-          <a:chExt cx="0" cy="0"/>
-        </a:xfrm>
-      </p:grpSpPr>
-      <p:sp>
-        <p:nvSpPr>
-          <p:cNvPr id="2" name="Title 1"/>
-          <p:cNvSpPr>
-            <a:spLocks noGrp="1"/>
-          </p:cNvSpPr>
-          <p:nvPr>
-            <p:ph type="ctrTitle"/>
-          </p:nvPr>
-        </p:nvSpPr>
-        <p:spPr/>
-        <p:txBody>
-          <a:bodyPr/>
-          <a:lstStyle/>
-          <a:p>
-            <a:r>
-              <a:rPr lang="en-GB" dirty="0" smtClean="0"/>
-              <a:t>Theory</a:t>
-            </a:r>
-            <a:endParaRPr lang="en-GB" dirty="0"/>
-          </a:p>
-        </p:txBody>
-      </p:sp>
-      <p:sp>
-        <p:nvSpPr>
-          <p:cNvPr id="4" name="Subtitle 3"/>
-          <p:cNvSpPr>
-            <a:spLocks noGrp="1"/>
-          </p:cNvSpPr>
-          <p:nvPr>
-            <p:ph type="subTitle" idx="1"/>
-          </p:nvPr>
-        </p:nvSpPr>
-        <p:spPr/>
-        <p:txBody>
-          <a:bodyPr/>
-          <a:lstStyle/>
-          <a:p>
-            <a:endParaRPr lang="en-GB"/>
-          </a:p>
-        </p:txBody>
-      </p:sp>
-    </p:spTree>
-    <p:extLst>
-      <p:ext uri="{BB962C8B-B14F-4D97-AF65-F5344CB8AC3E}">
-        <p14:creationId xmlns:p14="http://schemas.microsoft.com/office/powerpoint/2010/main" val="2118226303"/>
-      </p:ext>
-    </p:extLst>
-  </p:cSld>
-  <p:clrMapOvr>
-    <a:masterClrMapping/>
-  </p:clrMapOvr>
-  <p:timing>
-    <p:tnLst>
-      <p:par>
-        <p:cTn id="1" dur="indefinite" restart="never" nodeType="tmRoot"/>
-      </p:par>
-    </p:tnLst>
-  </p:timing>
-</p:sld>
-</file>
-
-<file path=ppt/slides/slide4.xml><?xml version="1.0" encoding="utf-8"?>
-<p:sld xmlns:a="http://schemas.openxmlformats.org/drawingml/2006/main" xmlns:r="http://schemas.openxmlformats.org/officeDocument/2006/relationships" xmlns:p="http://schemas.openxmlformats.org/presentationml/2006/main">
-  <p:cSld>
-    <p:spTree>
-      <p:nvGrpSpPr>
-        <p:cNvPr id="1" name=""/>
-        <p:cNvGrpSpPr/>
-        <p:nvPr/>
-      </p:nvGrpSpPr>
-      <p:grpSpPr>
-        <a:xfrm>
-          <a:off x="0" y="0"/>
-          <a:ext cx="0" cy="0"/>
-          <a:chOff x="0" y="0"/>
-          <a:chExt cx="0" cy="0"/>
-        </a:xfrm>
-      </p:grpSpPr>
-      <p:sp>
-        <p:nvSpPr>
-          <p:cNvPr id="2" name="Title 1"/>
-          <p:cNvSpPr>
-            <a:spLocks noGrp="1"/>
-          </p:cNvSpPr>
-          <p:nvPr>
-            <p:ph type="ctrTitle"/>
-          </p:nvPr>
-        </p:nvSpPr>
-        <p:spPr/>
-        <p:txBody>
-          <a:bodyPr/>
-          <a:lstStyle/>
-          <a:p>
-            <a:r>
-              <a:rPr lang="en-GB" dirty="0" smtClean="0"/>
-              <a:t>Implementation</a:t>
-            </a:r>
-            <a:endParaRPr lang="en-GB" dirty="0"/>
-          </a:p>
-        </p:txBody>
-      </p:sp>
-      <p:sp>
-        <p:nvSpPr>
-          <p:cNvPr id="4" name="Subtitle 3"/>
-          <p:cNvSpPr>
-            <a:spLocks noGrp="1"/>
-          </p:cNvSpPr>
-          <p:nvPr>
-            <p:ph type="subTitle" idx="1"/>
-          </p:nvPr>
-        </p:nvSpPr>
-        <p:spPr/>
-        <p:txBody>
-          <a:bodyPr/>
-          <a:lstStyle/>
-          <a:p>
-            <a:endParaRPr lang="en-GB"/>
-          </a:p>
-        </p:txBody>
-      </p:sp>
-    </p:spTree>
-    <p:extLst>
-      <p:ext uri="{BB962C8B-B14F-4D97-AF65-F5344CB8AC3E}">
-        <p14:creationId xmlns:p14="http://schemas.microsoft.com/office/powerpoint/2010/main" val="2813178390"/>
-      </p:ext>
-    </p:extLst>
-  </p:cSld>
-  <p:clrMapOvr>
-    <a:masterClrMapping/>
-  </p:clrMapOvr>
-  <p:timing>
-    <p:tnLst>
-      <p:par>
-        <p:cTn id="1" dur="indefinite" restart="never" nodeType="tmRoot"/>
-      </p:par>
-    </p:tnLst>
-  </p:timing>
-</p:sld>
-</file>
-
-<file path=ppt/slides/slide5.xml><?xml version="1.0" encoding="utf-8"?>
-<p:sld xmlns:a="http://schemas.openxmlformats.org/drawingml/2006/main" xmlns:r="http://schemas.openxmlformats.org/officeDocument/2006/relationships" xmlns:p="http://schemas.openxmlformats.org/presentationml/2006/main">
-  <p:cSld>
-    <p:spTree>
-      <p:nvGrpSpPr>
-        <p:cNvPr id="1" name=""/>
-        <p:cNvGrpSpPr/>
-        <p:nvPr/>
-      </p:nvGrpSpPr>
-      <p:grpSpPr>
-        <a:xfrm>
-          <a:off x="0" y="0"/>
-          <a:ext cx="0" cy="0"/>
-          <a:chOff x="0" y="0"/>
-          <a:chExt cx="0" cy="0"/>
-        </a:xfrm>
-      </p:grpSpPr>
-      <p:sp>
-        <p:nvSpPr>
-          <p:cNvPr id="2" name="Title 1"/>
-          <p:cNvSpPr>
-            <a:spLocks noGrp="1"/>
-          </p:cNvSpPr>
-          <p:nvPr>
-            <p:ph type="title"/>
-          </p:nvPr>
-        </p:nvSpPr>
-        <p:spPr/>
-        <p:txBody>
-          <a:bodyPr/>
-          <a:lstStyle/>
-          <a:p>
-            <a:r>
-              <a:rPr lang="en-GB" dirty="0" smtClean="0"/>
-              <a:t>Implementation – Overview</a:t>
+              <a:t>Implementation – Achievements</a:t>
             </a:r>
             <a:endParaRPr lang="en-GB" dirty="0"/>
           </a:p>
@@ -3836,143 +3258,74 @@
         <p:spPr>
           <a:xfrm>
             <a:off x="457200" y="1600201"/>
-            <a:ext cx="8229600" cy="676672"/>
+            <a:ext cx="8229600" cy="748680"/>
           </a:xfrm>
         </p:spPr>
         <p:txBody>
           <a:bodyPr/>
           <a:lstStyle/>
           <a:p>
+            <a:pPr marL="514350" indent="-514350">
+              <a:buFont typeface="+mj-lt"/>
+              <a:buAutoNum type="arabicPeriod" startAt="2"/>
+            </a:pPr>
+            <a:r>
+              <a:rPr lang="en-GB" dirty="0" smtClean="0"/>
+              <a:t> </a:t>
+            </a:r>
             <a:r>
               <a:rPr lang="en-GB" b="1" dirty="0" smtClean="0"/>
-              <a:t>Python</a:t>
+              <a:t>Smoothed </a:t>
             </a:r>
             <a:r>
               <a:rPr lang="en-GB" dirty="0" smtClean="0"/>
-              <a:t> with </a:t>
-            </a:r>
-            <a:r>
-              <a:rPr lang="en-GB" dirty="0" err="1" smtClean="0"/>
-              <a:t>Numpy</a:t>
-            </a:r>
-            <a:r>
-              <a:rPr lang="en-GB" dirty="0" smtClean="0"/>
-              <a:t> and </a:t>
-            </a:r>
-            <a:r>
-              <a:rPr lang="en-GB" dirty="0" err="1" smtClean="0"/>
-              <a:t>Matplotlib</a:t>
-            </a:r>
-            <a:endParaRPr lang="en-GB" dirty="0"/>
-          </a:p>
-        </p:txBody>
-      </p:sp>
-      <p:sp>
-        <p:nvSpPr>
-          <p:cNvPr id="4" name="Rectangle 3"/>
-          <p:cNvSpPr/>
-          <p:nvPr/>
-        </p:nvSpPr>
-        <p:spPr>
-          <a:xfrm>
-            <a:off x="65076" y="6304002"/>
-            <a:ext cx="8928992" cy="553998"/>
-          </a:xfrm>
-          <a:prstGeom prst="rect">
-            <a:avLst/>
-          </a:prstGeom>
-        </p:spPr>
-        <p:txBody>
-          <a:bodyPr wrap="square">
-            <a:spAutoFit/>
-          </a:bodyPr>
-          <a:lstStyle/>
-          <a:p>
-            <a:r>
-              <a:rPr lang="en-GB" sz="1000" dirty="0" smtClean="0"/>
-              <a:t>Images:</a:t>
-            </a:r>
-          </a:p>
-          <a:p>
-            <a:pPr marL="171450" indent="-171450">
-              <a:buFont typeface="Arial" pitchFamily="34" charset="0"/>
-              <a:buChar char="•"/>
-            </a:pPr>
-            <a:r>
-              <a:rPr lang="en-GB" sz="1000" dirty="0" smtClean="0"/>
-              <a:t>http://urania.udea.edu.co/sites/astronomia-2.0/pages/descargas.rs/files/descargasdt5vi/Cursos/CursosElectivos/FisicaAstrofisicaComputacional/2009-2/Documentacion/matplotlib/examples/pylab_examples/quiver_demo.html </a:t>
-            </a:r>
-            <a:endParaRPr lang="en-GB" sz="1000" dirty="0"/>
+              <a:t>similarity equation implemented</a:t>
+            </a:r>
           </a:p>
         </p:txBody>
       </p:sp>
       <p:pic>
         <p:nvPicPr>
-          <p:cNvPr id="1027" name="Picture 3"/>
+          <p:cNvPr id="3074" name="Picture 2" descr="H:\susanedge\susanedge\figures\smooth_square_susan_test.png"/>
           <p:cNvPicPr>
             <a:picLocks noChangeAspect="1" noChangeArrowheads="1"/>
           </p:cNvPicPr>
           <p:nvPr/>
         </p:nvPicPr>
-        <p:blipFill>
-          <a:blip r:embed="rId2">
+        <p:blipFill rotWithShape="1">
+          <a:blip r:embed="rId2" cstate="print">
             <a:extLst>
               <a:ext uri="{28A0092B-C50C-407E-A947-70E740481C1C}">
-                <a14:useLocalDpi xmlns:a14="http://schemas.microsoft.com/office/drawing/2010/main" val="0"/>
+                <a14:useLocalDpi xmlns:a14="http://schemas.microsoft.com/office/drawing/2010/main" xmlns="" val="0"/>
               </a:ext>
             </a:extLst>
           </a:blip>
-          <a:srcRect/>
-          <a:stretch>
-            <a:fillRect/>
-          </a:stretch>
+          <a:srcRect l="28299" t="8238" r="28038" b="7052"/>
+          <a:stretch/>
         </p:blipFill>
         <p:spPr bwMode="auto">
           <a:xfrm>
-            <a:off x="3419872" y="2200425"/>
-            <a:ext cx="2448272" cy="2003132"/>
+            <a:off x="4211960" y="2204864"/>
+            <a:ext cx="4651848" cy="4540870"/>
           </a:xfrm>
           <a:prstGeom prst="rect">
             <a:avLst/>
           </a:prstGeom>
           <a:noFill/>
-          <a:ln>
-            <a:noFill/>
-          </a:ln>
-          <a:effectLst/>
           <a:extLst>
             <a:ext uri="{909E8E84-426E-40DD-AFC4-6F175D3DCCD1}">
-              <a14:hiddenFill xmlns:a14="http://schemas.microsoft.com/office/drawing/2010/main">
+              <a14:hiddenFill xmlns:a14="http://schemas.microsoft.com/office/drawing/2010/main" xmlns="">
                 <a:solidFill>
-                  <a:schemeClr val="accent1"/>
+                  <a:srgbClr val="FFFFFF"/>
                 </a:solidFill>
               </a14:hiddenFill>
-            </a:ext>
-            <a:ext uri="{91240B29-F687-4F45-9708-019B960494DF}">
-              <a14:hiddenLine xmlns:a14="http://schemas.microsoft.com/office/drawing/2010/main" w="9525">
-                <a:solidFill>
-                  <a:schemeClr val="tx1"/>
-                </a:solidFill>
-                <a:miter lim="800000"/>
-                <a:headEnd/>
-                <a:tailEnd/>
-              </a14:hiddenLine>
-            </a:ext>
-            <a:ext uri="{AF507438-7753-43E0-B8FC-AC1667EBCBE1}">
-              <a14:hiddenEffects xmlns:a14="http://schemas.microsoft.com/office/drawing/2010/main">
-                <a:effectLst>
-                  <a:outerShdw dist="35921" dir="2700000" algn="ctr" rotWithShape="0">
-                    <a:schemeClr val="bg2"/>
-                  </a:outerShdw>
-                </a:effectLst>
-              </a14:hiddenEffects>
             </a:ext>
           </a:extLst>
         </p:spPr>
       </p:pic>
       <p:sp>
         <p:nvSpPr>
-          <p:cNvPr id="7" name="Content Placeholder 2"/>
+          <p:cNvPr id="5" name="Content Placeholder 2"/>
           <p:cNvSpPr txBox="1">
             <a:spLocks/>
           </p:cNvSpPr>
@@ -3980,8 +3333,8 @@
         </p:nvSpPr>
         <p:spPr>
           <a:xfrm>
-            <a:off x="446856" y="4264496"/>
-            <a:ext cx="8229600" cy="676672"/>
+            <a:off x="467544" y="2276872"/>
+            <a:ext cx="3888432" cy="2808312"/>
           </a:xfrm>
           <a:prstGeom prst="rect">
             <a:avLst/>
@@ -4129,17 +3482,21 @@
             </a:lvl9pPr>
           </a:lstStyle>
           <a:p>
+            <a:pPr marL="514350" indent="-514350">
+              <a:buFont typeface="+mj-lt"/>
+              <a:buAutoNum type="arabicPeriod" startAt="3"/>
+            </a:pPr>
             <a:r>
               <a:rPr lang="en-GB" dirty="0" smtClean="0"/>
-              <a:t>Slow </a:t>
-            </a:r>
-            <a:r>
-              <a:rPr lang="en-GB" b="1" dirty="0" smtClean="0"/>
-              <a:t>pixel loop</a:t>
+              <a:t>Algorithm </a:t>
+            </a:r>
+            <a:r>
+              <a:rPr lang="en-GB" dirty="0" err="1" smtClean="0"/>
+              <a:t>vectorised</a:t>
             </a:r>
             <a:r>
               <a:rPr lang="en-GB" dirty="0" smtClean="0"/>
-              <a:t> implementation</a:t>
+              <a:t> to improve speed</a:t>
             </a:r>
             <a:endParaRPr lang="en-GB" dirty="0"/>
           </a:p>
@@ -4148,7 +3505,7 @@
     </p:spTree>
     <p:extLst>
       <p:ext uri="{BB962C8B-B14F-4D97-AF65-F5344CB8AC3E}">
-        <p14:creationId xmlns:p14="http://schemas.microsoft.com/office/powerpoint/2010/main" val="4186463740"/>
+        <p14:creationId xmlns:p14="http://schemas.microsoft.com/office/powerpoint/2010/main" xmlns="" val="3107077440"/>
       </p:ext>
     </p:extLst>
   </p:cSld>
@@ -4162,6 +3519,1452 @@
       </p:par>
     </p:tnLst>
   </p:timing>
+</p:sld>
+</file>
+
+<file path=ppt/slides/slide11.xml><?xml version="1.0" encoding="utf-8"?>
+<p:sld xmlns:a="http://schemas.openxmlformats.org/drawingml/2006/main" xmlns:r="http://schemas.openxmlformats.org/officeDocument/2006/relationships" xmlns:p="http://schemas.openxmlformats.org/presentationml/2006/main">
+  <p:cSld>
+    <p:spTree>
+      <p:nvGrpSpPr>
+        <p:cNvPr id="1" name=""/>
+        <p:cNvGrpSpPr/>
+        <p:nvPr/>
+      </p:nvGrpSpPr>
+      <p:grpSpPr>
+        <a:xfrm>
+          <a:off x="0" y="0"/>
+          <a:ext cx="0" cy="0"/>
+          <a:chOff x="0" y="0"/>
+          <a:chExt cx="0" cy="0"/>
+        </a:xfrm>
+      </p:grpSpPr>
+      <p:sp>
+        <p:nvSpPr>
+          <p:cNvPr id="2" name="Title 1"/>
+          <p:cNvSpPr>
+            <a:spLocks noGrp="1"/>
+          </p:cNvSpPr>
+          <p:nvPr>
+            <p:ph type="title"/>
+          </p:nvPr>
+        </p:nvSpPr>
+        <p:spPr/>
+        <p:txBody>
+          <a:bodyPr/>
+          <a:lstStyle/>
+          <a:p>
+            <a:r>
+              <a:rPr lang="en-GB" dirty="0" smtClean="0"/>
+              <a:t>Implementation – Achievements</a:t>
+            </a:r>
+            <a:endParaRPr lang="en-GB" dirty="0"/>
+          </a:p>
+        </p:txBody>
+      </p:sp>
+      <p:sp>
+        <p:nvSpPr>
+          <p:cNvPr id="3" name="Content Placeholder 2"/>
+          <p:cNvSpPr>
+            <a:spLocks noGrp="1"/>
+          </p:cNvSpPr>
+          <p:nvPr>
+            <p:ph idx="1"/>
+          </p:nvPr>
+        </p:nvSpPr>
+        <p:spPr/>
+        <p:txBody>
+          <a:bodyPr/>
+          <a:lstStyle/>
+          <a:p>
+            <a:pPr marL="514350" indent="-514350">
+              <a:buFont typeface="+mj-lt"/>
+              <a:buAutoNum type="arabicPeriod"/>
+            </a:pPr>
+            <a:r>
+              <a:rPr lang="en-GB" dirty="0" smtClean="0"/>
+              <a:t>Implementation with </a:t>
+            </a:r>
+            <a:r>
+              <a:rPr lang="en-GB" b="1" dirty="0" smtClean="0"/>
+              <a:t>square mask </a:t>
+            </a:r>
+            <a:r>
+              <a:rPr lang="en-GB" dirty="0" smtClean="0"/>
+              <a:t>and </a:t>
+            </a:r>
+            <a:r>
+              <a:rPr lang="en-GB" b="1" dirty="0" smtClean="0"/>
+              <a:t>simple</a:t>
+            </a:r>
+            <a:r>
+              <a:rPr lang="en-GB" dirty="0" smtClean="0"/>
+              <a:t>  </a:t>
+            </a:r>
+            <a:r>
+              <a:rPr lang="en-GB" b="1" dirty="0" smtClean="0"/>
+              <a:t>similarity equation</a:t>
+            </a:r>
+          </a:p>
+          <a:p>
+            <a:pPr marL="571500" indent="-514350">
+              <a:buFont typeface="+mj-lt"/>
+              <a:buAutoNum type="arabicPeriod"/>
+            </a:pPr>
+            <a:r>
+              <a:rPr lang="en-GB" dirty="0" smtClean="0"/>
+              <a:t> </a:t>
+            </a:r>
+            <a:r>
+              <a:rPr lang="en-GB" b="1" dirty="0" smtClean="0"/>
+              <a:t>Smoothed </a:t>
+            </a:r>
+            <a:r>
+              <a:rPr lang="en-GB" dirty="0" smtClean="0"/>
+              <a:t>similarity equation implemented</a:t>
+            </a:r>
+          </a:p>
+          <a:p>
+            <a:pPr marL="571500" indent="-514350">
+              <a:buFont typeface="+mj-lt"/>
+              <a:buAutoNum type="arabicPeriod"/>
+            </a:pPr>
+            <a:r>
+              <a:rPr lang="en-GB" dirty="0" smtClean="0"/>
+              <a:t> </a:t>
+            </a:r>
+            <a:r>
+              <a:rPr lang="en-GB" b="1" dirty="0" smtClean="0"/>
+              <a:t>Circular</a:t>
+            </a:r>
+            <a:r>
+              <a:rPr lang="en-GB" dirty="0" smtClean="0"/>
+              <a:t> mask implemented</a:t>
+            </a:r>
+          </a:p>
+          <a:p>
+            <a:pPr marL="571500" indent="-514350">
+              <a:buFont typeface="+mj-lt"/>
+              <a:buAutoNum type="arabicPeriod"/>
+            </a:pPr>
+            <a:r>
+              <a:rPr lang="en-GB" dirty="0"/>
+              <a:t>  </a:t>
+            </a:r>
+            <a:r>
+              <a:rPr lang="en-GB" b="1" dirty="0" smtClean="0"/>
+              <a:t>Inter</a:t>
+            </a:r>
+            <a:r>
+              <a:rPr lang="en-GB" dirty="0" smtClean="0"/>
+              <a:t>-Pixel </a:t>
+            </a:r>
+            <a:r>
+              <a:rPr lang="en-GB" b="1" dirty="0" smtClean="0"/>
+              <a:t>edge direction</a:t>
+            </a:r>
+            <a:r>
+              <a:rPr lang="en-GB" dirty="0" smtClean="0"/>
+              <a:t> measurement implemented</a:t>
+            </a:r>
+          </a:p>
+          <a:p>
+            <a:pPr marL="571500" indent="-514350">
+              <a:buFont typeface="+mj-lt"/>
+              <a:buAutoNum type="arabicPeriod"/>
+            </a:pPr>
+            <a:r>
+              <a:rPr lang="en-GB" dirty="0" smtClean="0"/>
+              <a:t> </a:t>
+            </a:r>
+            <a:r>
+              <a:rPr lang="en-GB" b="1" dirty="0" smtClean="0"/>
+              <a:t>Intra</a:t>
+            </a:r>
+            <a:r>
+              <a:rPr lang="en-GB" dirty="0" smtClean="0"/>
+              <a:t>-Pixel </a:t>
+            </a:r>
+            <a:r>
+              <a:rPr lang="en-GB" b="1" dirty="0" smtClean="0"/>
+              <a:t>edge direction</a:t>
+            </a:r>
+            <a:r>
+              <a:rPr lang="en-GB" dirty="0" smtClean="0"/>
+              <a:t> measurement implemented</a:t>
+            </a:r>
+          </a:p>
+          <a:p>
+            <a:pPr marL="971550" lvl="1" indent="-514350">
+              <a:buFont typeface="+mj-lt"/>
+              <a:buAutoNum type="arabicPeriod"/>
+            </a:pPr>
+            <a:endParaRPr lang="en-GB" dirty="0" smtClean="0"/>
+          </a:p>
+          <a:p>
+            <a:pPr marL="971550" lvl="1" indent="-514350">
+              <a:buFont typeface="+mj-lt"/>
+              <a:buAutoNum type="arabicPeriod"/>
+            </a:pPr>
+            <a:endParaRPr lang="en-GB" dirty="0" smtClean="0"/>
+          </a:p>
+          <a:p>
+            <a:pPr marL="971550" lvl="1" indent="-514350">
+              <a:buFont typeface="+mj-lt"/>
+              <a:buAutoNum type="arabicPeriod"/>
+            </a:pPr>
+            <a:endParaRPr lang="en-GB" dirty="0"/>
+          </a:p>
+        </p:txBody>
+      </p:sp>
+    </p:spTree>
+    <p:extLst>
+      <p:ext uri="{BB962C8B-B14F-4D97-AF65-F5344CB8AC3E}">
+        <p14:creationId xmlns:p14="http://schemas.microsoft.com/office/powerpoint/2010/main" xmlns="" val="543308162"/>
+      </p:ext>
+    </p:extLst>
+  </p:cSld>
+  <p:clrMapOvr>
+    <a:masterClrMapping/>
+  </p:clrMapOvr>
+  <p:timing>
+    <p:tnLst>
+      <p:par>
+        <p:cTn id="1" dur="indefinite" restart="never" nodeType="tmRoot"/>
+      </p:par>
+    </p:tnLst>
+  </p:timing>
+</p:sld>
+</file>
+
+<file path=ppt/slides/slide12.xml><?xml version="1.0" encoding="utf-8"?>
+<p:sld xmlns:a="http://schemas.openxmlformats.org/drawingml/2006/main" xmlns:r="http://schemas.openxmlformats.org/officeDocument/2006/relationships" xmlns:p="http://schemas.openxmlformats.org/presentationml/2006/main">
+  <p:cSld>
+    <p:spTree>
+      <p:nvGrpSpPr>
+        <p:cNvPr id="1" name=""/>
+        <p:cNvGrpSpPr/>
+        <p:nvPr/>
+      </p:nvGrpSpPr>
+      <p:grpSpPr>
+        <a:xfrm>
+          <a:off x="0" y="0"/>
+          <a:ext cx="0" cy="0"/>
+          <a:chOff x="0" y="0"/>
+          <a:chExt cx="0" cy="0"/>
+        </a:xfrm>
+      </p:grpSpPr>
+      <p:sp>
+        <p:nvSpPr>
+          <p:cNvPr id="6" name="Title 5"/>
+          <p:cNvSpPr>
+            <a:spLocks noGrp="1"/>
+          </p:cNvSpPr>
+          <p:nvPr>
+            <p:ph type="ctrTitle"/>
+          </p:nvPr>
+        </p:nvSpPr>
+        <p:spPr/>
+        <p:txBody>
+          <a:bodyPr/>
+          <a:lstStyle/>
+          <a:p>
+            <a:r>
+              <a:rPr lang="en-GB" dirty="0" smtClean="0"/>
+              <a:t>Demo</a:t>
+            </a:r>
+            <a:endParaRPr lang="en-GB" dirty="0"/>
+          </a:p>
+        </p:txBody>
+      </p:sp>
+      <p:sp>
+        <p:nvSpPr>
+          <p:cNvPr id="8" name="Subtitle 7"/>
+          <p:cNvSpPr>
+            <a:spLocks noGrp="1"/>
+          </p:cNvSpPr>
+          <p:nvPr>
+            <p:ph type="subTitle" idx="1"/>
+          </p:nvPr>
+        </p:nvSpPr>
+        <p:spPr/>
+        <p:txBody>
+          <a:bodyPr/>
+          <a:lstStyle/>
+          <a:p>
+            <a:endParaRPr lang="en-GB" dirty="0"/>
+          </a:p>
+        </p:txBody>
+      </p:sp>
+    </p:spTree>
+    <p:extLst>
+      <p:ext uri="{BB962C8B-B14F-4D97-AF65-F5344CB8AC3E}">
+        <p14:creationId xmlns:p14="http://schemas.microsoft.com/office/powerpoint/2010/main" xmlns="" val="2001286214"/>
+      </p:ext>
+    </p:extLst>
+  </p:cSld>
+  <p:clrMapOvr>
+    <a:masterClrMapping/>
+  </p:clrMapOvr>
+  <p:timing>
+    <p:tnLst>
+      <p:par>
+        <p:cTn id="1" dur="indefinite" restart="never" nodeType="tmRoot"/>
+      </p:par>
+    </p:tnLst>
+  </p:timing>
+</p:sld>
+</file>
+
+<file path=ppt/slides/slide13.xml><?xml version="1.0" encoding="utf-8"?>
+<p:sld xmlns:a="http://schemas.openxmlformats.org/drawingml/2006/main" xmlns:r="http://schemas.openxmlformats.org/officeDocument/2006/relationships" xmlns:p="http://schemas.openxmlformats.org/presentationml/2006/main">
+  <p:cSld>
+    <p:spTree>
+      <p:nvGrpSpPr>
+        <p:cNvPr id="1" name=""/>
+        <p:cNvGrpSpPr/>
+        <p:nvPr/>
+      </p:nvGrpSpPr>
+      <p:grpSpPr>
+        <a:xfrm>
+          <a:off x="0" y="0"/>
+          <a:ext cx="0" cy="0"/>
+          <a:chOff x="0" y="0"/>
+          <a:chExt cx="0" cy="0"/>
+        </a:xfrm>
+      </p:grpSpPr>
+      <p:sp>
+        <p:nvSpPr>
+          <p:cNvPr id="2" name="Title 1"/>
+          <p:cNvSpPr>
+            <a:spLocks noGrp="1"/>
+          </p:cNvSpPr>
+          <p:nvPr>
+            <p:ph type="ctrTitle"/>
+          </p:nvPr>
+        </p:nvSpPr>
+        <p:spPr/>
+        <p:txBody>
+          <a:bodyPr/>
+          <a:lstStyle/>
+          <a:p>
+            <a:r>
+              <a:rPr lang="en-GB" dirty="0" smtClean="0"/>
+              <a:t>Experimentation</a:t>
+            </a:r>
+            <a:endParaRPr lang="en-GB" dirty="0"/>
+          </a:p>
+        </p:txBody>
+      </p:sp>
+      <p:sp>
+        <p:nvSpPr>
+          <p:cNvPr id="4" name="Subtitle 3"/>
+          <p:cNvSpPr>
+            <a:spLocks noGrp="1"/>
+          </p:cNvSpPr>
+          <p:nvPr>
+            <p:ph type="subTitle" idx="1"/>
+          </p:nvPr>
+        </p:nvSpPr>
+        <p:spPr/>
+        <p:txBody>
+          <a:bodyPr/>
+          <a:lstStyle/>
+          <a:p>
+            <a:endParaRPr lang="en-GB"/>
+          </a:p>
+        </p:txBody>
+      </p:sp>
+    </p:spTree>
+    <p:extLst>
+      <p:ext uri="{BB962C8B-B14F-4D97-AF65-F5344CB8AC3E}">
+        <p14:creationId xmlns:p14="http://schemas.microsoft.com/office/powerpoint/2010/main" xmlns="" val="378800283"/>
+      </p:ext>
+    </p:extLst>
+  </p:cSld>
+  <p:clrMapOvr>
+    <a:masterClrMapping/>
+  </p:clrMapOvr>
+  <p:timing>
+    <p:tnLst>
+      <p:par>
+        <p:cTn id="1" dur="indefinite" restart="never" nodeType="tmRoot"/>
+      </p:par>
+    </p:tnLst>
+  </p:timing>
+</p:sld>
+</file>
+
+<file path=ppt/slides/slide14.xml><?xml version="1.0" encoding="utf-8"?>
+<p:sld xmlns:a="http://schemas.openxmlformats.org/drawingml/2006/main" xmlns:r="http://schemas.openxmlformats.org/officeDocument/2006/relationships" xmlns:p="http://schemas.openxmlformats.org/presentationml/2006/main">
+  <p:cSld>
+    <p:spTree>
+      <p:nvGrpSpPr>
+        <p:cNvPr id="1" name=""/>
+        <p:cNvGrpSpPr/>
+        <p:nvPr/>
+      </p:nvGrpSpPr>
+      <p:grpSpPr>
+        <a:xfrm>
+          <a:off x="0" y="0"/>
+          <a:ext cx="0" cy="0"/>
+          <a:chOff x="0" y="0"/>
+          <a:chExt cx="0" cy="0"/>
+        </a:xfrm>
+      </p:grpSpPr>
+      <p:sp>
+        <p:nvSpPr>
+          <p:cNvPr id="2" name="Title 1"/>
+          <p:cNvSpPr>
+            <a:spLocks noGrp="1"/>
+          </p:cNvSpPr>
+          <p:nvPr>
+            <p:ph type="ctrTitle"/>
+          </p:nvPr>
+        </p:nvSpPr>
+        <p:spPr/>
+        <p:txBody>
+          <a:bodyPr/>
+          <a:lstStyle/>
+          <a:p>
+            <a:r>
+              <a:rPr lang="en-GB" dirty="0" smtClean="0"/>
+              <a:t>Comparison</a:t>
+            </a:r>
+            <a:endParaRPr lang="en-GB" dirty="0"/>
+          </a:p>
+        </p:txBody>
+      </p:sp>
+      <p:sp>
+        <p:nvSpPr>
+          <p:cNvPr id="4" name="Subtitle 3"/>
+          <p:cNvSpPr>
+            <a:spLocks noGrp="1"/>
+          </p:cNvSpPr>
+          <p:nvPr>
+            <p:ph type="subTitle" idx="1"/>
+          </p:nvPr>
+        </p:nvSpPr>
+        <p:spPr/>
+        <p:txBody>
+          <a:bodyPr/>
+          <a:lstStyle/>
+          <a:p>
+            <a:endParaRPr lang="en-GB"/>
+          </a:p>
+        </p:txBody>
+      </p:sp>
+    </p:spTree>
+    <p:extLst>
+      <p:ext uri="{BB962C8B-B14F-4D97-AF65-F5344CB8AC3E}">
+        <p14:creationId xmlns:p14="http://schemas.microsoft.com/office/powerpoint/2010/main" xmlns="" val="2697055445"/>
+      </p:ext>
+    </p:extLst>
+  </p:cSld>
+  <p:clrMapOvr>
+    <a:masterClrMapping/>
+  </p:clrMapOvr>
+  <p:timing>
+    <p:tnLst>
+      <p:par>
+        <p:cTn id="1" dur="indefinite" restart="never" nodeType="tmRoot"/>
+      </p:par>
+    </p:tnLst>
+  </p:timing>
+</p:sld>
+</file>
+
+<file path=ppt/slides/slide15.xml><?xml version="1.0" encoding="utf-8"?>
+<p:sld xmlns:a="http://schemas.openxmlformats.org/drawingml/2006/main" xmlns:r="http://schemas.openxmlformats.org/officeDocument/2006/relationships" xmlns:p="http://schemas.openxmlformats.org/presentationml/2006/main">
+  <p:cSld>
+    <p:spTree>
+      <p:nvGrpSpPr>
+        <p:cNvPr id="1" name=""/>
+        <p:cNvGrpSpPr/>
+        <p:nvPr/>
+      </p:nvGrpSpPr>
+      <p:grpSpPr>
+        <a:xfrm>
+          <a:off x="0" y="0"/>
+          <a:ext cx="0" cy="0"/>
+          <a:chOff x="0" y="0"/>
+          <a:chExt cx="0" cy="0"/>
+        </a:xfrm>
+      </p:grpSpPr>
+      <p:sp>
+        <p:nvSpPr>
+          <p:cNvPr id="2" name="Title 1"/>
+          <p:cNvSpPr>
+            <a:spLocks noGrp="1"/>
+          </p:cNvSpPr>
+          <p:nvPr>
+            <p:ph type="title"/>
+          </p:nvPr>
+        </p:nvSpPr>
+        <p:spPr/>
+        <p:txBody>
+          <a:bodyPr/>
+          <a:lstStyle/>
+          <a:p>
+            <a:r>
+              <a:rPr lang="en-GB" dirty="0" smtClean="0"/>
+              <a:t>References</a:t>
+            </a:r>
+            <a:endParaRPr lang="en-GB" dirty="0"/>
+          </a:p>
+        </p:txBody>
+      </p:sp>
+      <p:sp>
+        <p:nvSpPr>
+          <p:cNvPr id="3" name="Content Placeholder 2"/>
+          <p:cNvSpPr>
+            <a:spLocks noGrp="1"/>
+          </p:cNvSpPr>
+          <p:nvPr>
+            <p:ph idx="1"/>
+          </p:nvPr>
+        </p:nvSpPr>
+        <p:spPr/>
+        <p:txBody>
+          <a:bodyPr/>
+          <a:lstStyle/>
+          <a:p>
+            <a:r>
+              <a:rPr lang="en-GB" dirty="0" smtClean="0">
+                <a:hlinkClick r:id="rId2"/>
+              </a:rPr>
+              <a:t>http://users.fmrib.ox.ac.uk/~</a:t>
+            </a:r>
+            <a:r>
+              <a:rPr lang="en-GB" dirty="0" smtClean="0">
+                <a:hlinkClick r:id="rId2"/>
+              </a:rPr>
+              <a:t>steve/susan/susan/susan.html</a:t>
+            </a:r>
+            <a:endParaRPr lang="en-GB" dirty="0" smtClean="0"/>
+          </a:p>
+          <a:p>
+            <a:endParaRPr lang="en-GB" dirty="0"/>
+          </a:p>
+        </p:txBody>
+      </p:sp>
+    </p:spTree>
+    <p:extLst>
+      <p:ext uri="{BB962C8B-B14F-4D97-AF65-F5344CB8AC3E}">
+        <p14:creationId xmlns:p14="http://schemas.microsoft.com/office/powerpoint/2010/main" xmlns="" val="1568749011"/>
+      </p:ext>
+    </p:extLst>
+  </p:cSld>
+  <p:clrMapOvr>
+    <a:masterClrMapping/>
+  </p:clrMapOvr>
+  <p:timing>
+    <p:tnLst>
+      <p:par>
+        <p:cTn id="1" dur="indefinite" restart="never" nodeType="tmRoot"/>
+      </p:par>
+    </p:tnLst>
+  </p:timing>
+</p:sld>
+</file>
+
+<file path=ppt/slides/slide2.xml><?xml version="1.0" encoding="utf-8"?>
+<p:sld xmlns:a="http://schemas.openxmlformats.org/drawingml/2006/main" xmlns:r="http://schemas.openxmlformats.org/officeDocument/2006/relationships" xmlns:p="http://schemas.openxmlformats.org/presentationml/2006/main">
+  <p:cSld>
+    <p:spTree>
+      <p:nvGrpSpPr>
+        <p:cNvPr id="1" name=""/>
+        <p:cNvGrpSpPr/>
+        <p:nvPr/>
+      </p:nvGrpSpPr>
+      <p:grpSpPr>
+        <a:xfrm>
+          <a:off x="0" y="0"/>
+          <a:ext cx="0" cy="0"/>
+          <a:chOff x="0" y="0"/>
+          <a:chExt cx="0" cy="0"/>
+        </a:xfrm>
+      </p:grpSpPr>
+      <p:sp>
+        <p:nvSpPr>
+          <p:cNvPr id="2" name="Title 1"/>
+          <p:cNvSpPr>
+            <a:spLocks noGrp="1"/>
+          </p:cNvSpPr>
+          <p:nvPr>
+            <p:ph type="title"/>
+          </p:nvPr>
+        </p:nvSpPr>
+        <p:spPr/>
+        <p:txBody>
+          <a:bodyPr/>
+          <a:lstStyle/>
+          <a:p>
+            <a:r>
+              <a:rPr lang="en-GB" dirty="0" smtClean="0"/>
+              <a:t>Introduction</a:t>
+            </a:r>
+            <a:endParaRPr lang="en-GB" dirty="0"/>
+          </a:p>
+        </p:txBody>
+      </p:sp>
+      <p:sp>
+        <p:nvSpPr>
+          <p:cNvPr id="3" name="Content Placeholder 2"/>
+          <p:cNvSpPr>
+            <a:spLocks noGrp="1"/>
+          </p:cNvSpPr>
+          <p:nvPr>
+            <p:ph idx="1"/>
+          </p:nvPr>
+        </p:nvSpPr>
+        <p:spPr/>
+        <p:txBody>
+          <a:bodyPr/>
+          <a:lstStyle/>
+          <a:p>
+            <a:r>
+              <a:rPr lang="en-GB" b="1" dirty="0" smtClean="0"/>
+              <a:t>SUSAN</a:t>
+            </a:r>
+            <a:r>
+              <a:rPr lang="en-GB" dirty="0" smtClean="0"/>
+              <a:t> Edge Detector</a:t>
+            </a:r>
+          </a:p>
+          <a:p>
+            <a:pPr lvl="1"/>
+            <a:r>
+              <a:rPr lang="en-GB" b="1" dirty="0" smtClean="0"/>
+              <a:t>S</a:t>
+            </a:r>
+            <a:r>
+              <a:rPr lang="en-GB" dirty="0" smtClean="0"/>
+              <a:t>mallest </a:t>
+            </a:r>
+            <a:r>
+              <a:rPr lang="en-GB" b="1" dirty="0" smtClean="0"/>
+              <a:t>U</a:t>
+            </a:r>
+            <a:r>
+              <a:rPr lang="en-GB" dirty="0" smtClean="0"/>
+              <a:t>nivalve </a:t>
+            </a:r>
+            <a:r>
+              <a:rPr lang="en-GB" b="1" dirty="0" smtClean="0"/>
+              <a:t>S</a:t>
+            </a:r>
+            <a:r>
+              <a:rPr lang="en-GB" dirty="0" smtClean="0"/>
+              <a:t>egment </a:t>
+            </a:r>
+            <a:r>
+              <a:rPr lang="en-GB" b="1" dirty="0" smtClean="0"/>
+              <a:t>A</a:t>
+            </a:r>
+            <a:r>
+              <a:rPr lang="en-GB" dirty="0" smtClean="0"/>
+              <a:t>ssimilating </a:t>
+            </a:r>
+            <a:r>
+              <a:rPr lang="en-GB" b="1" dirty="0" smtClean="0"/>
+              <a:t>N</a:t>
+            </a:r>
+            <a:r>
+              <a:rPr lang="en-GB" dirty="0" smtClean="0"/>
+              <a:t>ucleus</a:t>
+            </a:r>
+            <a:endParaRPr lang="en-GB" dirty="0"/>
+          </a:p>
+        </p:txBody>
+      </p:sp>
+    </p:spTree>
+    <p:extLst>
+      <p:ext uri="{BB962C8B-B14F-4D97-AF65-F5344CB8AC3E}">
+        <p14:creationId xmlns:p14="http://schemas.microsoft.com/office/powerpoint/2010/main" xmlns="" val="3044184147"/>
+      </p:ext>
+    </p:extLst>
+  </p:cSld>
+  <p:clrMapOvr>
+    <a:masterClrMapping/>
+  </p:clrMapOvr>
+  <p:timing>
+    <p:tnLst>
+      <p:par>
+        <p:cTn id="1" dur="indefinite" restart="never" nodeType="tmRoot"/>
+      </p:par>
+    </p:tnLst>
+  </p:timing>
+</p:sld>
+</file>
+
+<file path=ppt/slides/slide3.xml><?xml version="1.0" encoding="utf-8"?>
+<p:sld xmlns:a="http://schemas.openxmlformats.org/drawingml/2006/main" xmlns:r="http://schemas.openxmlformats.org/officeDocument/2006/relationships" xmlns:p="http://schemas.openxmlformats.org/presentationml/2006/main">
+  <p:cSld>
+    <p:spTree>
+      <p:nvGrpSpPr>
+        <p:cNvPr id="1" name=""/>
+        <p:cNvGrpSpPr/>
+        <p:nvPr/>
+      </p:nvGrpSpPr>
+      <p:grpSpPr>
+        <a:xfrm>
+          <a:off x="0" y="0"/>
+          <a:ext cx="0" cy="0"/>
+          <a:chOff x="0" y="0"/>
+          <a:chExt cx="0" cy="0"/>
+        </a:xfrm>
+      </p:grpSpPr>
+      <p:sp>
+        <p:nvSpPr>
+          <p:cNvPr id="2" name="Title 1"/>
+          <p:cNvSpPr>
+            <a:spLocks noGrp="1"/>
+          </p:cNvSpPr>
+          <p:nvPr>
+            <p:ph type="ctrTitle"/>
+          </p:nvPr>
+        </p:nvSpPr>
+        <p:spPr/>
+        <p:txBody>
+          <a:bodyPr/>
+          <a:lstStyle/>
+          <a:p>
+            <a:r>
+              <a:rPr lang="en-GB" dirty="0" smtClean="0"/>
+              <a:t>Theory</a:t>
+            </a:r>
+            <a:endParaRPr lang="en-GB" dirty="0"/>
+          </a:p>
+        </p:txBody>
+      </p:sp>
+      <p:sp>
+        <p:nvSpPr>
+          <p:cNvPr id="4" name="Subtitle 3"/>
+          <p:cNvSpPr>
+            <a:spLocks noGrp="1"/>
+          </p:cNvSpPr>
+          <p:nvPr>
+            <p:ph type="subTitle" idx="1"/>
+          </p:nvPr>
+        </p:nvSpPr>
+        <p:spPr/>
+        <p:txBody>
+          <a:bodyPr/>
+          <a:lstStyle/>
+          <a:p>
+            <a:endParaRPr lang="en-GB"/>
+          </a:p>
+        </p:txBody>
+      </p:sp>
+    </p:spTree>
+    <p:extLst>
+      <p:ext uri="{BB962C8B-B14F-4D97-AF65-F5344CB8AC3E}">
+        <p14:creationId xmlns:p14="http://schemas.microsoft.com/office/powerpoint/2010/main" xmlns="" val="2118226303"/>
+      </p:ext>
+    </p:extLst>
+  </p:cSld>
+  <p:clrMapOvr>
+    <a:masterClrMapping/>
+  </p:clrMapOvr>
+  <p:timing>
+    <p:tnLst>
+      <p:par>
+        <p:cTn id="1" dur="indefinite" restart="never" nodeType="tmRoot"/>
+      </p:par>
+    </p:tnLst>
+  </p:timing>
+</p:sld>
+</file>
+
+<file path=ppt/slides/slide4.xml><?xml version="1.0" encoding="utf-8"?>
+<p:sld xmlns:a="http://schemas.openxmlformats.org/drawingml/2006/main" xmlns:r="http://schemas.openxmlformats.org/officeDocument/2006/relationships" xmlns:p="http://schemas.openxmlformats.org/presentationml/2006/main">
+  <p:cSld>
+    <p:spTree>
+      <p:nvGrpSpPr>
+        <p:cNvPr id="1" name=""/>
+        <p:cNvGrpSpPr/>
+        <p:nvPr/>
+      </p:nvGrpSpPr>
+      <p:grpSpPr>
+        <a:xfrm>
+          <a:off x="0" y="0"/>
+          <a:ext cx="0" cy="0"/>
+          <a:chOff x="0" y="0"/>
+          <a:chExt cx="0" cy="0"/>
+        </a:xfrm>
+      </p:grpSpPr>
+      <p:sp>
+        <p:nvSpPr>
+          <p:cNvPr id="2" name="Title 1"/>
+          <p:cNvSpPr>
+            <a:spLocks noGrp="1"/>
+          </p:cNvSpPr>
+          <p:nvPr>
+            <p:ph type="title"/>
+          </p:nvPr>
+        </p:nvSpPr>
+        <p:spPr/>
+        <p:txBody>
+          <a:bodyPr/>
+          <a:lstStyle/>
+          <a:p>
+            <a:r>
+              <a:rPr lang="en-GB" dirty="0" smtClean="0"/>
+              <a:t>Theory – The USAN</a:t>
+            </a:r>
+            <a:endParaRPr lang="en-GB" dirty="0"/>
+          </a:p>
+        </p:txBody>
+      </p:sp>
+      <p:sp>
+        <p:nvSpPr>
+          <p:cNvPr id="3" name="Content Placeholder 2"/>
+          <p:cNvSpPr>
+            <a:spLocks noGrp="1"/>
+          </p:cNvSpPr>
+          <p:nvPr>
+            <p:ph idx="1"/>
+          </p:nvPr>
+        </p:nvSpPr>
+        <p:spPr>
+          <a:xfrm>
+            <a:off x="457200" y="1600200"/>
+            <a:ext cx="4690864" cy="4525963"/>
+          </a:xfrm>
+        </p:spPr>
+        <p:txBody>
+          <a:bodyPr>
+            <a:normAutofit lnSpcReduction="10000"/>
+          </a:bodyPr>
+          <a:lstStyle/>
+          <a:p>
+            <a:r>
+              <a:rPr lang="en-GB" dirty="0" smtClean="0"/>
+              <a:t>Comparison of pixel values to the nucleus within a mask</a:t>
+            </a:r>
+          </a:p>
+          <a:p>
+            <a:r>
+              <a:rPr lang="en-GB" dirty="0" smtClean="0"/>
+              <a:t>Sum of comparisons give a value for the “area” of the USAN</a:t>
+            </a:r>
+          </a:p>
+          <a:p>
+            <a:r>
+              <a:rPr lang="en-GB" dirty="0" smtClean="0"/>
+              <a:t>High in flat regions, lower at edges and corners</a:t>
+            </a:r>
+            <a:endParaRPr lang="en-GB" dirty="0"/>
+          </a:p>
+        </p:txBody>
+      </p:sp>
+      <p:grpSp>
+        <p:nvGrpSpPr>
+          <p:cNvPr id="6" name="Group 5"/>
+          <p:cNvGrpSpPr/>
+          <p:nvPr/>
+        </p:nvGrpSpPr>
+        <p:grpSpPr>
+          <a:xfrm>
+            <a:off x="5580112" y="1916832"/>
+            <a:ext cx="2952328" cy="3744416"/>
+            <a:chOff x="5580112" y="1916832"/>
+            <a:chExt cx="2952328" cy="3744416"/>
+          </a:xfrm>
+        </p:grpSpPr>
+        <p:sp>
+          <p:nvSpPr>
+            <p:cNvPr id="4" name="Rectangle 3"/>
+            <p:cNvSpPr/>
+            <p:nvPr/>
+          </p:nvSpPr>
+          <p:spPr>
+            <a:xfrm>
+              <a:off x="5580112" y="1916832"/>
+              <a:ext cx="2952328" cy="3744416"/>
+            </a:xfrm>
+            <a:prstGeom prst="rect">
+              <a:avLst/>
+            </a:prstGeom>
+            <a:solidFill>
+              <a:schemeClr val="bg1"/>
+            </a:solidFill>
+          </p:spPr>
+          <p:style>
+            <a:lnRef idx="2">
+              <a:schemeClr val="accent1">
+                <a:shade val="50000"/>
+              </a:schemeClr>
+            </a:lnRef>
+            <a:fillRef idx="1">
+              <a:schemeClr val="accent1"/>
+            </a:fillRef>
+            <a:effectRef idx="0">
+              <a:schemeClr val="accent1"/>
+            </a:effectRef>
+            <a:fontRef idx="minor">
+              <a:schemeClr val="lt1"/>
+            </a:fontRef>
+          </p:style>
+          <p:txBody>
+            <a:bodyPr rtlCol="0" anchor="ctr"/>
+            <a:lstStyle/>
+            <a:p>
+              <a:pPr algn="ctr"/>
+              <a:endParaRPr lang="en-GB"/>
+            </a:p>
+          </p:txBody>
+        </p:sp>
+        <p:sp>
+          <p:nvSpPr>
+            <p:cNvPr id="5" name="Rectangle 4"/>
+            <p:cNvSpPr/>
+            <p:nvPr/>
+          </p:nvSpPr>
+          <p:spPr>
+            <a:xfrm>
+              <a:off x="6732240" y="3789040"/>
+              <a:ext cx="1800200" cy="1872208"/>
+            </a:xfrm>
+            <a:prstGeom prst="rect">
+              <a:avLst/>
+            </a:prstGeom>
+          </p:spPr>
+          <p:style>
+            <a:lnRef idx="2">
+              <a:schemeClr val="accent1">
+                <a:shade val="50000"/>
+              </a:schemeClr>
+            </a:lnRef>
+            <a:fillRef idx="1">
+              <a:schemeClr val="accent1"/>
+            </a:fillRef>
+            <a:effectRef idx="0">
+              <a:schemeClr val="accent1"/>
+            </a:effectRef>
+            <a:fontRef idx="minor">
+              <a:schemeClr val="lt1"/>
+            </a:fontRef>
+          </p:style>
+          <p:txBody>
+            <a:bodyPr rtlCol="0" anchor="ctr"/>
+            <a:lstStyle/>
+            <a:p>
+              <a:pPr algn="ctr"/>
+              <a:endParaRPr lang="en-GB"/>
+            </a:p>
+          </p:txBody>
+        </p:sp>
+      </p:grpSp>
+      <p:grpSp>
+        <p:nvGrpSpPr>
+          <p:cNvPr id="9" name="Group 8"/>
+          <p:cNvGrpSpPr/>
+          <p:nvPr/>
+        </p:nvGrpSpPr>
+        <p:grpSpPr>
+          <a:xfrm>
+            <a:off x="5940152" y="2204864"/>
+            <a:ext cx="648072" cy="648072"/>
+            <a:chOff x="5940152" y="2204864"/>
+            <a:chExt cx="648072" cy="648072"/>
+          </a:xfrm>
+        </p:grpSpPr>
+        <p:sp>
+          <p:nvSpPr>
+            <p:cNvPr id="7" name="Oval 6"/>
+            <p:cNvSpPr/>
+            <p:nvPr/>
+          </p:nvSpPr>
+          <p:spPr>
+            <a:xfrm>
+              <a:off x="5940152" y="2204864"/>
+              <a:ext cx="648072" cy="648072"/>
+            </a:xfrm>
+            <a:prstGeom prst="ellipse">
+              <a:avLst/>
+            </a:prstGeom>
+            <a:noFill/>
+            <a:ln>
+              <a:solidFill>
+                <a:schemeClr val="accent2"/>
+              </a:solidFill>
+            </a:ln>
+          </p:spPr>
+          <p:style>
+            <a:lnRef idx="2">
+              <a:schemeClr val="accent1">
+                <a:shade val="50000"/>
+              </a:schemeClr>
+            </a:lnRef>
+            <a:fillRef idx="1">
+              <a:schemeClr val="accent1"/>
+            </a:fillRef>
+            <a:effectRef idx="0">
+              <a:schemeClr val="accent1"/>
+            </a:effectRef>
+            <a:fontRef idx="minor">
+              <a:schemeClr val="lt1"/>
+            </a:fontRef>
+          </p:style>
+          <p:txBody>
+            <a:bodyPr rtlCol="0" anchor="ctr"/>
+            <a:lstStyle/>
+            <a:p>
+              <a:pPr algn="ctr"/>
+              <a:endParaRPr lang="en-GB"/>
+            </a:p>
+          </p:txBody>
+        </p:sp>
+        <p:sp>
+          <p:nvSpPr>
+            <p:cNvPr id="8" name="Multiply 7"/>
+            <p:cNvSpPr/>
+            <p:nvPr/>
+          </p:nvSpPr>
+          <p:spPr>
+            <a:xfrm>
+              <a:off x="6156176" y="2420888"/>
+              <a:ext cx="216024" cy="216024"/>
+            </a:xfrm>
+            <a:prstGeom prst="mathMultiply">
+              <a:avLst/>
+            </a:prstGeom>
+            <a:solidFill>
+              <a:schemeClr val="accent2"/>
+            </a:solidFill>
+            <a:ln>
+              <a:solidFill>
+                <a:schemeClr val="accent2"/>
+              </a:solidFill>
+            </a:ln>
+          </p:spPr>
+          <p:style>
+            <a:lnRef idx="2">
+              <a:schemeClr val="accent1">
+                <a:shade val="50000"/>
+              </a:schemeClr>
+            </a:lnRef>
+            <a:fillRef idx="1">
+              <a:schemeClr val="accent1"/>
+            </a:fillRef>
+            <a:effectRef idx="0">
+              <a:schemeClr val="accent1"/>
+            </a:effectRef>
+            <a:fontRef idx="minor">
+              <a:schemeClr val="lt1"/>
+            </a:fontRef>
+          </p:style>
+          <p:txBody>
+            <a:bodyPr rtlCol="0" anchor="ctr"/>
+            <a:lstStyle/>
+            <a:p>
+              <a:pPr algn="ctr"/>
+              <a:endParaRPr lang="en-GB"/>
+            </a:p>
+          </p:txBody>
+        </p:sp>
+      </p:grpSp>
+      <p:grpSp>
+        <p:nvGrpSpPr>
+          <p:cNvPr id="10" name="Group 9"/>
+          <p:cNvGrpSpPr/>
+          <p:nvPr/>
+        </p:nvGrpSpPr>
+        <p:grpSpPr>
+          <a:xfrm>
+            <a:off x="6516216" y="3573016"/>
+            <a:ext cx="648072" cy="648072"/>
+            <a:chOff x="5940152" y="2204864"/>
+            <a:chExt cx="648072" cy="648072"/>
+          </a:xfrm>
+        </p:grpSpPr>
+        <p:sp>
+          <p:nvSpPr>
+            <p:cNvPr id="11" name="Oval 10"/>
+            <p:cNvSpPr/>
+            <p:nvPr/>
+          </p:nvSpPr>
+          <p:spPr>
+            <a:xfrm>
+              <a:off x="5940152" y="2204864"/>
+              <a:ext cx="648072" cy="648072"/>
+            </a:xfrm>
+            <a:prstGeom prst="ellipse">
+              <a:avLst/>
+            </a:prstGeom>
+            <a:noFill/>
+            <a:ln>
+              <a:solidFill>
+                <a:schemeClr val="accent2"/>
+              </a:solidFill>
+            </a:ln>
+          </p:spPr>
+          <p:style>
+            <a:lnRef idx="2">
+              <a:schemeClr val="accent1">
+                <a:shade val="50000"/>
+              </a:schemeClr>
+            </a:lnRef>
+            <a:fillRef idx="1">
+              <a:schemeClr val="accent1"/>
+            </a:fillRef>
+            <a:effectRef idx="0">
+              <a:schemeClr val="accent1"/>
+            </a:effectRef>
+            <a:fontRef idx="minor">
+              <a:schemeClr val="lt1"/>
+            </a:fontRef>
+          </p:style>
+          <p:txBody>
+            <a:bodyPr rtlCol="0" anchor="ctr"/>
+            <a:lstStyle/>
+            <a:p>
+              <a:pPr algn="ctr"/>
+              <a:endParaRPr lang="en-GB"/>
+            </a:p>
+          </p:txBody>
+        </p:sp>
+        <p:sp>
+          <p:nvSpPr>
+            <p:cNvPr id="12" name="Multiply 11"/>
+            <p:cNvSpPr/>
+            <p:nvPr/>
+          </p:nvSpPr>
+          <p:spPr>
+            <a:xfrm>
+              <a:off x="6156176" y="2420888"/>
+              <a:ext cx="216024" cy="216024"/>
+            </a:xfrm>
+            <a:prstGeom prst="mathMultiply">
+              <a:avLst/>
+            </a:prstGeom>
+            <a:solidFill>
+              <a:schemeClr val="accent2"/>
+            </a:solidFill>
+            <a:ln>
+              <a:solidFill>
+                <a:schemeClr val="accent2"/>
+              </a:solidFill>
+            </a:ln>
+          </p:spPr>
+          <p:style>
+            <a:lnRef idx="2">
+              <a:schemeClr val="accent1">
+                <a:shade val="50000"/>
+              </a:schemeClr>
+            </a:lnRef>
+            <a:fillRef idx="1">
+              <a:schemeClr val="accent1"/>
+            </a:fillRef>
+            <a:effectRef idx="0">
+              <a:schemeClr val="accent1"/>
+            </a:effectRef>
+            <a:fontRef idx="minor">
+              <a:schemeClr val="lt1"/>
+            </a:fontRef>
+          </p:style>
+          <p:txBody>
+            <a:bodyPr rtlCol="0" anchor="ctr"/>
+            <a:lstStyle/>
+            <a:p>
+              <a:pPr algn="ctr"/>
+              <a:endParaRPr lang="en-GB"/>
+            </a:p>
+          </p:txBody>
+        </p:sp>
+      </p:grpSp>
+      <p:grpSp>
+        <p:nvGrpSpPr>
+          <p:cNvPr id="13" name="Group 12"/>
+          <p:cNvGrpSpPr/>
+          <p:nvPr/>
+        </p:nvGrpSpPr>
+        <p:grpSpPr>
+          <a:xfrm>
+            <a:off x="7668344" y="3573016"/>
+            <a:ext cx="648072" cy="648072"/>
+            <a:chOff x="5940152" y="2204864"/>
+            <a:chExt cx="648072" cy="648072"/>
+          </a:xfrm>
+        </p:grpSpPr>
+        <p:sp>
+          <p:nvSpPr>
+            <p:cNvPr id="14" name="Oval 13"/>
+            <p:cNvSpPr/>
+            <p:nvPr/>
+          </p:nvSpPr>
+          <p:spPr>
+            <a:xfrm>
+              <a:off x="5940152" y="2204864"/>
+              <a:ext cx="648072" cy="648072"/>
+            </a:xfrm>
+            <a:prstGeom prst="ellipse">
+              <a:avLst/>
+            </a:prstGeom>
+            <a:noFill/>
+            <a:ln>
+              <a:solidFill>
+                <a:schemeClr val="accent2"/>
+              </a:solidFill>
+            </a:ln>
+          </p:spPr>
+          <p:style>
+            <a:lnRef idx="2">
+              <a:schemeClr val="accent1">
+                <a:shade val="50000"/>
+              </a:schemeClr>
+            </a:lnRef>
+            <a:fillRef idx="1">
+              <a:schemeClr val="accent1"/>
+            </a:fillRef>
+            <a:effectRef idx="0">
+              <a:schemeClr val="accent1"/>
+            </a:effectRef>
+            <a:fontRef idx="minor">
+              <a:schemeClr val="lt1"/>
+            </a:fontRef>
+          </p:style>
+          <p:txBody>
+            <a:bodyPr rtlCol="0" anchor="ctr"/>
+            <a:lstStyle/>
+            <a:p>
+              <a:pPr algn="ctr"/>
+              <a:endParaRPr lang="en-GB"/>
+            </a:p>
+          </p:txBody>
+        </p:sp>
+        <p:sp>
+          <p:nvSpPr>
+            <p:cNvPr id="15" name="Multiply 14"/>
+            <p:cNvSpPr/>
+            <p:nvPr/>
+          </p:nvSpPr>
+          <p:spPr>
+            <a:xfrm>
+              <a:off x="6156176" y="2420888"/>
+              <a:ext cx="216024" cy="216024"/>
+            </a:xfrm>
+            <a:prstGeom prst="mathMultiply">
+              <a:avLst/>
+            </a:prstGeom>
+            <a:solidFill>
+              <a:schemeClr val="accent2"/>
+            </a:solidFill>
+            <a:ln>
+              <a:solidFill>
+                <a:schemeClr val="accent2"/>
+              </a:solidFill>
+            </a:ln>
+          </p:spPr>
+          <p:style>
+            <a:lnRef idx="2">
+              <a:schemeClr val="accent1">
+                <a:shade val="50000"/>
+              </a:schemeClr>
+            </a:lnRef>
+            <a:fillRef idx="1">
+              <a:schemeClr val="accent1"/>
+            </a:fillRef>
+            <a:effectRef idx="0">
+              <a:schemeClr val="accent1"/>
+            </a:effectRef>
+            <a:fontRef idx="minor">
+              <a:schemeClr val="lt1"/>
+            </a:fontRef>
+          </p:style>
+          <p:txBody>
+            <a:bodyPr rtlCol="0" anchor="ctr"/>
+            <a:lstStyle/>
+            <a:p>
+              <a:pPr algn="ctr"/>
+              <a:endParaRPr lang="en-GB"/>
+            </a:p>
+          </p:txBody>
+        </p:sp>
+      </p:grpSp>
+      <p:grpSp>
+        <p:nvGrpSpPr>
+          <p:cNvPr id="16" name="Group 15"/>
+          <p:cNvGrpSpPr/>
+          <p:nvPr/>
+        </p:nvGrpSpPr>
+        <p:grpSpPr>
+          <a:xfrm>
+            <a:off x="7380312" y="4581128"/>
+            <a:ext cx="648072" cy="648072"/>
+            <a:chOff x="5940152" y="2204864"/>
+            <a:chExt cx="648072" cy="648072"/>
+          </a:xfrm>
+        </p:grpSpPr>
+        <p:sp>
+          <p:nvSpPr>
+            <p:cNvPr id="17" name="Oval 16"/>
+            <p:cNvSpPr/>
+            <p:nvPr/>
+          </p:nvSpPr>
+          <p:spPr>
+            <a:xfrm>
+              <a:off x="5940152" y="2204864"/>
+              <a:ext cx="648072" cy="648072"/>
+            </a:xfrm>
+            <a:prstGeom prst="ellipse">
+              <a:avLst/>
+            </a:prstGeom>
+            <a:noFill/>
+            <a:ln>
+              <a:solidFill>
+                <a:schemeClr val="accent2"/>
+              </a:solidFill>
+            </a:ln>
+          </p:spPr>
+          <p:style>
+            <a:lnRef idx="2">
+              <a:schemeClr val="accent1">
+                <a:shade val="50000"/>
+              </a:schemeClr>
+            </a:lnRef>
+            <a:fillRef idx="1">
+              <a:schemeClr val="accent1"/>
+            </a:fillRef>
+            <a:effectRef idx="0">
+              <a:schemeClr val="accent1"/>
+            </a:effectRef>
+            <a:fontRef idx="minor">
+              <a:schemeClr val="lt1"/>
+            </a:fontRef>
+          </p:style>
+          <p:txBody>
+            <a:bodyPr rtlCol="0" anchor="ctr"/>
+            <a:lstStyle/>
+            <a:p>
+              <a:pPr algn="ctr"/>
+              <a:endParaRPr lang="en-GB"/>
+            </a:p>
+          </p:txBody>
+        </p:sp>
+        <p:sp>
+          <p:nvSpPr>
+            <p:cNvPr id="18" name="Multiply 17"/>
+            <p:cNvSpPr/>
+            <p:nvPr/>
+          </p:nvSpPr>
+          <p:spPr>
+            <a:xfrm>
+              <a:off x="6156176" y="2420888"/>
+              <a:ext cx="216024" cy="216024"/>
+            </a:xfrm>
+            <a:prstGeom prst="mathMultiply">
+              <a:avLst/>
+            </a:prstGeom>
+            <a:solidFill>
+              <a:schemeClr val="accent2"/>
+            </a:solidFill>
+            <a:ln>
+              <a:solidFill>
+                <a:schemeClr val="accent2"/>
+              </a:solidFill>
+            </a:ln>
+          </p:spPr>
+          <p:style>
+            <a:lnRef idx="2">
+              <a:schemeClr val="accent1">
+                <a:shade val="50000"/>
+              </a:schemeClr>
+            </a:lnRef>
+            <a:fillRef idx="1">
+              <a:schemeClr val="accent1"/>
+            </a:fillRef>
+            <a:effectRef idx="0">
+              <a:schemeClr val="accent1"/>
+            </a:effectRef>
+            <a:fontRef idx="minor">
+              <a:schemeClr val="lt1"/>
+            </a:fontRef>
+          </p:style>
+          <p:txBody>
+            <a:bodyPr rtlCol="0" anchor="ctr"/>
+            <a:lstStyle/>
+            <a:p>
+              <a:pPr algn="ctr"/>
+              <a:endParaRPr lang="en-GB"/>
+            </a:p>
+          </p:txBody>
+        </p:sp>
+      </p:grpSp>
+    </p:spTree>
+  </p:cSld>
+  <p:clrMapOvr>
+    <a:masterClrMapping/>
+  </p:clrMapOvr>
+</p:sld>
+</file>
+
+<file path=ppt/slides/slide5.xml><?xml version="1.0" encoding="utf-8"?>
+<p:sld xmlns:a="http://schemas.openxmlformats.org/drawingml/2006/main" xmlns:r="http://schemas.openxmlformats.org/officeDocument/2006/relationships" xmlns:p="http://schemas.openxmlformats.org/presentationml/2006/main">
+  <p:cSld>
+    <p:spTree>
+      <p:nvGrpSpPr>
+        <p:cNvPr id="1" name=""/>
+        <p:cNvGrpSpPr/>
+        <p:nvPr/>
+      </p:nvGrpSpPr>
+      <p:grpSpPr>
+        <a:xfrm>
+          <a:off x="0" y="0"/>
+          <a:ext cx="0" cy="0"/>
+          <a:chOff x="0" y="0"/>
+          <a:chExt cx="0" cy="0"/>
+        </a:xfrm>
+      </p:grpSpPr>
+      <p:sp>
+        <p:nvSpPr>
+          <p:cNvPr id="2" name="Title 1"/>
+          <p:cNvSpPr>
+            <a:spLocks noGrp="1"/>
+          </p:cNvSpPr>
+          <p:nvPr>
+            <p:ph type="title"/>
+          </p:nvPr>
+        </p:nvSpPr>
+        <p:spPr/>
+        <p:txBody>
+          <a:bodyPr/>
+          <a:lstStyle/>
+          <a:p>
+            <a:r>
+              <a:rPr lang="en-GB" dirty="0" smtClean="0"/>
+              <a:t>Theory – The Maths</a:t>
+            </a:r>
+            <a:endParaRPr lang="en-GB" dirty="0"/>
+          </a:p>
+        </p:txBody>
+      </p:sp>
+      <p:sp>
+        <p:nvSpPr>
+          <p:cNvPr id="3" name="Content Placeholder 2"/>
+          <p:cNvSpPr>
+            <a:spLocks noGrp="1"/>
+          </p:cNvSpPr>
+          <p:nvPr>
+            <p:ph idx="1"/>
+          </p:nvPr>
+        </p:nvSpPr>
+        <p:spPr/>
+        <p:txBody>
+          <a:bodyPr/>
+          <a:lstStyle/>
+          <a:p>
+            <a:endParaRPr lang="en-GB" dirty="0"/>
+          </a:p>
+        </p:txBody>
+      </p:sp>
+    </p:spTree>
+  </p:cSld>
+  <p:clrMapOvr>
+    <a:masterClrMapping/>
+  </p:clrMapOvr>
 </p:sld>
 </file>
 
@@ -4189,7 +4992,7 @@
             <a:spLocks noGrp="1"/>
           </p:cNvSpPr>
           <p:nvPr>
-            <p:ph type="title"/>
+            <p:ph type="ctrTitle"/>
           </p:nvPr>
         </p:nvSpPr>
         <p:spPr/>
@@ -4199,7 +5002,7 @@
           <a:p>
             <a:r>
               <a:rPr lang="en-GB" dirty="0" smtClean="0"/>
-              <a:t>Implementation – Achievements</a:t>
+              <a:t>Implementation</a:t>
             </a:r>
             <a:endParaRPr lang="en-GB" dirty="0"/>
           </a:p>
@@ -4207,39 +5010,27 @@
       </p:sp>
       <p:sp>
         <p:nvSpPr>
-          <p:cNvPr id="3" name="Content Placeholder 2"/>
-          <p:cNvSpPr>
-            <a:spLocks noGrp="1"/>
-          </p:cNvSpPr>
-          <p:nvPr>
-            <p:ph idx="1"/>
-          </p:nvPr>
-        </p:nvSpPr>
-        <p:spPr/>
-        <p:txBody>
-          <a:bodyPr/>
-          <a:lstStyle/>
-          <a:p>
-            <a:r>
-              <a:rPr lang="en-GB" dirty="0" smtClean="0"/>
-              <a:t>Took </a:t>
-            </a:r>
-            <a:r>
-              <a:rPr lang="en-GB" b="1" dirty="0" smtClean="0"/>
-              <a:t>iterative</a:t>
-            </a:r>
-            <a:r>
-              <a:rPr lang="en-GB" dirty="0" smtClean="0"/>
-              <a:t> approach to implementation</a:t>
-            </a:r>
-            <a:endParaRPr lang="en-GB" dirty="0"/>
+          <p:cNvPr id="4" name="Subtitle 3"/>
+          <p:cNvSpPr>
+            <a:spLocks noGrp="1"/>
+          </p:cNvSpPr>
+          <p:nvPr>
+            <p:ph type="subTitle" idx="1"/>
+          </p:nvPr>
+        </p:nvSpPr>
+        <p:spPr/>
+        <p:txBody>
+          <a:bodyPr/>
+          <a:lstStyle/>
+          <a:p>
+            <a:endParaRPr lang="en-GB"/>
           </a:p>
         </p:txBody>
       </p:sp>
     </p:spTree>
     <p:extLst>
       <p:ext uri="{BB962C8B-B14F-4D97-AF65-F5344CB8AC3E}">
-        <p14:creationId xmlns:p14="http://schemas.microsoft.com/office/powerpoint/2010/main" val="1216218812"/>
+        <p14:creationId xmlns:p14="http://schemas.microsoft.com/office/powerpoint/2010/main" xmlns="" val="2813178390"/>
       </p:ext>
     </p:extLst>
   </p:cSld>
@@ -4290,7 +5081,7 @@
           <a:p>
             <a:r>
               <a:rPr lang="en-GB" dirty="0" smtClean="0"/>
-              <a:t>Implementation – Achievements</a:t>
+              <a:t>Implementation – Overview</a:t>
             </a:r>
             <a:endParaRPr lang="en-GB" dirty="0"/>
           </a:p>
@@ -4306,246 +5097,155 @@
             <p:ph idx="1"/>
           </p:nvPr>
         </p:nvSpPr>
-        <p:spPr/>
-        <p:txBody>
-          <a:bodyPr/>
-          <a:lstStyle/>
-          <a:p>
-            <a:pPr marL="514350" indent="-514350">
-              <a:buFont typeface="+mj-lt"/>
-              <a:buAutoNum type="arabicPeriod"/>
+        <p:spPr>
+          <a:xfrm>
+            <a:off x="457200" y="1600201"/>
+            <a:ext cx="8229600" cy="676672"/>
+          </a:xfrm>
+        </p:spPr>
+        <p:txBody>
+          <a:bodyPr/>
+          <a:lstStyle/>
+          <a:p>
+            <a:r>
+              <a:rPr lang="en-GB" b="1" dirty="0" smtClean="0"/>
+              <a:t>Python</a:t>
+            </a:r>
+            <a:r>
+              <a:rPr lang="en-GB" dirty="0" smtClean="0"/>
+              <a:t> with </a:t>
+            </a:r>
+            <a:r>
+              <a:rPr lang="en-GB" dirty="0" err="1" smtClean="0"/>
+              <a:t>Numpy</a:t>
+            </a:r>
+            <a:r>
+              <a:rPr lang="en-GB" dirty="0" smtClean="0"/>
+              <a:t> and </a:t>
+            </a:r>
+            <a:r>
+              <a:rPr lang="en-GB" dirty="0" err="1" smtClean="0"/>
+              <a:t>Matplotlib</a:t>
+            </a:r>
+            <a:endParaRPr lang="en-GB" dirty="0"/>
+          </a:p>
+        </p:txBody>
+      </p:sp>
+      <p:sp>
+        <p:nvSpPr>
+          <p:cNvPr id="4" name="Rectangle 3"/>
+          <p:cNvSpPr/>
+          <p:nvPr/>
+        </p:nvSpPr>
+        <p:spPr>
+          <a:xfrm>
+            <a:off x="65076" y="6304002"/>
+            <a:ext cx="8928992" cy="553998"/>
+          </a:xfrm>
+          <a:prstGeom prst="rect">
+            <a:avLst/>
+          </a:prstGeom>
+        </p:spPr>
+        <p:txBody>
+          <a:bodyPr wrap="square">
+            <a:spAutoFit/>
+          </a:bodyPr>
+          <a:lstStyle/>
+          <a:p>
+            <a:r>
+              <a:rPr lang="en-GB" sz="1000" dirty="0" smtClean="0"/>
+              <a:t>Images:</a:t>
+            </a:r>
+          </a:p>
+          <a:p>
+            <a:pPr marL="171450" indent="-171450">
+              <a:buFont typeface="Arial" pitchFamily="34" charset="0"/>
+              <a:buChar char="•"/>
             </a:pPr>
             <a:r>
-              <a:rPr lang="en-GB" dirty="0" smtClean="0"/>
-              <a:t>Implementation with </a:t>
-            </a:r>
-            <a:r>
-              <a:rPr lang="en-GB" b="1" dirty="0" smtClean="0"/>
-              <a:t>square mask </a:t>
-            </a:r>
-            <a:r>
-              <a:rPr lang="en-GB" dirty="0" smtClean="0"/>
-              <a:t>and </a:t>
-            </a:r>
-            <a:r>
-              <a:rPr lang="en-GB" b="1" dirty="0" smtClean="0"/>
-              <a:t>simple</a:t>
-            </a:r>
-            <a:r>
-              <a:rPr lang="en-GB" dirty="0" smtClean="0"/>
-              <a:t>  </a:t>
-            </a:r>
-            <a:r>
-              <a:rPr lang="en-GB" b="1" dirty="0" smtClean="0"/>
-              <a:t>similarity equation</a:t>
-            </a:r>
-            <a:endParaRPr lang="en-GB" dirty="0" smtClean="0"/>
-          </a:p>
-          <a:p>
-            <a:pPr marL="971550" lvl="1" indent="-514350">
-              <a:buFont typeface="+mj-lt"/>
-              <a:buAutoNum type="arabicPeriod"/>
-            </a:pPr>
-            <a:endParaRPr lang="en-GB" dirty="0" smtClean="0"/>
-          </a:p>
-          <a:p>
-            <a:pPr marL="971550" lvl="1" indent="-514350">
-              <a:buFont typeface="+mj-lt"/>
-              <a:buAutoNum type="arabicPeriod"/>
-            </a:pPr>
-            <a:endParaRPr lang="en-GB" dirty="0"/>
+              <a:rPr lang="en-GB" sz="1000" dirty="0" smtClean="0"/>
+              <a:t>http://urania.udea.edu.co/sites/astronomia-2.0/pages/descargas.rs/files/descargasdt5vi/Cursos/CursosElectivos/FisicaAstrofisicaComputacional/2009-2/Documentacion/matplotlib/examples/pylab_examples/quiver_demo.html </a:t>
+            </a:r>
+            <a:endParaRPr lang="en-GB" sz="1000" dirty="0"/>
           </a:p>
         </p:txBody>
       </p:sp>
       <p:pic>
         <p:nvPicPr>
-          <p:cNvPr id="2050" name="Picture 2" descr="H:\susanedge\susanedge\figures\simple_square_susan_test.png"/>
+          <p:cNvPr id="1027" name="Picture 3"/>
           <p:cNvPicPr>
             <a:picLocks noChangeAspect="1" noChangeArrowheads="1"/>
           </p:cNvPicPr>
           <p:nvPr/>
         </p:nvPicPr>
-        <p:blipFill rotWithShape="1">
-          <a:blip r:embed="rId2">
+        <p:blipFill>
+          <a:blip r:embed="rId2" cstate="print">
             <a:extLst>
               <a:ext uri="{28A0092B-C50C-407E-A947-70E740481C1C}">
-                <a14:useLocalDpi xmlns:a14="http://schemas.microsoft.com/office/drawing/2010/main" val="0"/>
+                <a14:useLocalDpi xmlns:a14="http://schemas.microsoft.com/office/drawing/2010/main" xmlns="" val="0"/>
               </a:ext>
             </a:extLst>
           </a:blip>
-          <a:srcRect l="28643" t="7158" r="27869" b="6235"/>
-          <a:stretch/>
+          <a:srcRect/>
+          <a:stretch>
+            <a:fillRect/>
+          </a:stretch>
         </p:blipFill>
         <p:spPr bwMode="auto">
           <a:xfrm>
-            <a:off x="2699792" y="2676252"/>
-            <a:ext cx="3798350" cy="3805932"/>
+            <a:off x="3419872" y="2200425"/>
+            <a:ext cx="2448272" cy="2003132"/>
           </a:xfrm>
           <a:prstGeom prst="rect">
             <a:avLst/>
           </a:prstGeom>
           <a:noFill/>
+          <a:ln>
+            <a:noFill/>
+          </a:ln>
+          <a:effectLst/>
           <a:extLst>
             <a:ext uri="{909E8E84-426E-40DD-AFC4-6F175D3DCCD1}">
-              <a14:hiddenFill xmlns:a14="http://schemas.microsoft.com/office/drawing/2010/main">
+              <a14:hiddenFill xmlns:a14="http://schemas.microsoft.com/office/drawing/2010/main" xmlns="">
                 <a:solidFill>
-                  <a:srgbClr val="FFFFFF"/>
+                  <a:schemeClr val="accent1"/>
                 </a:solidFill>
               </a14:hiddenFill>
+            </a:ext>
+            <a:ext uri="{91240B29-F687-4F45-9708-019B960494DF}">
+              <a14:hiddenLine xmlns:a14="http://schemas.microsoft.com/office/drawing/2010/main" xmlns="" w="9525">
+                <a:solidFill>
+                  <a:schemeClr val="tx1"/>
+                </a:solidFill>
+                <a:miter lim="800000"/>
+                <a:headEnd/>
+                <a:tailEnd/>
+              </a14:hiddenLine>
+            </a:ext>
+            <a:ext uri="{AF507438-7753-43E0-B8FC-AC1667EBCBE1}">
+              <a14:hiddenEffects xmlns:a14="http://schemas.microsoft.com/office/drawing/2010/main" xmlns="">
+                <a:effectLst>
+                  <a:outerShdw dist="35921" dir="2700000" algn="ctr" rotWithShape="0">
+                    <a:schemeClr val="bg2"/>
+                  </a:outerShdw>
+                </a:effectLst>
+              </a14:hiddenEffects>
             </a:ext>
           </a:extLst>
         </p:spPr>
       </p:pic>
-    </p:spTree>
-    <p:extLst>
-      <p:ext uri="{BB962C8B-B14F-4D97-AF65-F5344CB8AC3E}">
-        <p14:creationId xmlns:p14="http://schemas.microsoft.com/office/powerpoint/2010/main" val="1537013682"/>
-      </p:ext>
-    </p:extLst>
-  </p:cSld>
-  <p:clrMapOvr>
-    <a:masterClrMapping/>
-  </p:clrMapOvr>
-  <p:timing>
-    <p:tnLst>
-      <p:par>
-        <p:cTn id="1" dur="indefinite" restart="never" nodeType="tmRoot"/>
-      </p:par>
-    </p:tnLst>
-  </p:timing>
-</p:sld>
-</file>
-
-<file path=ppt/slides/slide8.xml><?xml version="1.0" encoding="utf-8"?>
-<p:sld xmlns:a="http://schemas.openxmlformats.org/drawingml/2006/main" xmlns:r="http://schemas.openxmlformats.org/officeDocument/2006/relationships" xmlns:p="http://schemas.openxmlformats.org/presentationml/2006/main">
-  <p:cSld>
-    <p:spTree>
-      <p:nvGrpSpPr>
-        <p:cNvPr id="1" name=""/>
-        <p:cNvGrpSpPr/>
-        <p:nvPr/>
-      </p:nvGrpSpPr>
-      <p:grpSpPr>
-        <a:xfrm>
-          <a:off x="0" y="0"/>
-          <a:ext cx="0" cy="0"/>
-          <a:chOff x="0" y="0"/>
-          <a:chExt cx="0" cy="0"/>
-        </a:xfrm>
-      </p:grpSpPr>
-      <p:sp>
-        <p:nvSpPr>
-          <p:cNvPr id="2" name="Title 1"/>
-          <p:cNvSpPr>
-            <a:spLocks noGrp="1"/>
-          </p:cNvSpPr>
-          <p:nvPr>
-            <p:ph type="title"/>
-          </p:nvPr>
-        </p:nvSpPr>
-        <p:spPr/>
-        <p:txBody>
-          <a:bodyPr/>
-          <a:lstStyle/>
-          <a:p>
-            <a:r>
-              <a:rPr lang="en-GB" dirty="0" smtClean="0"/>
-              <a:t>Implementation – Achievements</a:t>
-            </a:r>
-            <a:endParaRPr lang="en-GB" dirty="0"/>
-          </a:p>
-        </p:txBody>
-      </p:sp>
-      <p:sp>
-        <p:nvSpPr>
-          <p:cNvPr id="3" name="Content Placeholder 2"/>
-          <p:cNvSpPr>
-            <a:spLocks noGrp="1"/>
-          </p:cNvSpPr>
-          <p:nvPr>
-            <p:ph idx="1"/>
-          </p:nvPr>
+      <p:sp>
+        <p:nvSpPr>
+          <p:cNvPr id="7" name="Content Placeholder 2"/>
+          <p:cNvSpPr txBox="1">
+            <a:spLocks/>
+          </p:cNvSpPr>
+          <p:nvPr/>
         </p:nvSpPr>
         <p:spPr>
           <a:xfrm>
-            <a:off x="457200" y="1600201"/>
-            <a:ext cx="8229600" cy="748680"/>
-          </a:xfrm>
-        </p:spPr>
-        <p:txBody>
-          <a:bodyPr/>
-          <a:lstStyle/>
-          <a:p>
-            <a:pPr marL="514350" indent="-514350">
-              <a:buFont typeface="+mj-lt"/>
-              <a:buAutoNum type="arabicPeriod" startAt="2"/>
-            </a:pPr>
-            <a:r>
-              <a:rPr lang="en-GB" dirty="0" smtClean="0"/>
-              <a:t> </a:t>
-            </a:r>
-            <a:r>
-              <a:rPr lang="en-GB" b="1" dirty="0" smtClean="0"/>
-              <a:t>Smoothed </a:t>
-            </a:r>
-            <a:r>
-              <a:rPr lang="en-GB" dirty="0" smtClean="0"/>
-              <a:t>similarity equation implemented</a:t>
-            </a:r>
-          </a:p>
-        </p:txBody>
-      </p:sp>
-      <p:pic>
-        <p:nvPicPr>
-          <p:cNvPr id="3074" name="Picture 2" descr="H:\susanedge\susanedge\figures\smooth_square_susan_test.png"/>
-          <p:cNvPicPr>
-            <a:picLocks noChangeAspect="1" noChangeArrowheads="1"/>
-          </p:cNvPicPr>
-          <p:nvPr/>
-        </p:nvPicPr>
-        <p:blipFill rotWithShape="1">
-          <a:blip r:embed="rId2">
-            <a:extLst>
-              <a:ext uri="{28A0092B-C50C-407E-A947-70E740481C1C}">
-                <a14:useLocalDpi xmlns:a14="http://schemas.microsoft.com/office/drawing/2010/main" val="0"/>
-              </a:ext>
-            </a:extLst>
-          </a:blip>
-          <a:srcRect l="28299" t="8238" r="28038" b="7052"/>
-          <a:stretch/>
-        </p:blipFill>
-        <p:spPr bwMode="auto">
-          <a:xfrm>
-            <a:off x="4211960" y="2204864"/>
-            <a:ext cx="4651848" cy="4540870"/>
-          </a:xfrm>
-          <a:prstGeom prst="rect">
-            <a:avLst/>
-          </a:prstGeom>
-          <a:noFill/>
-          <a:extLst>
-            <a:ext uri="{909E8E84-426E-40DD-AFC4-6F175D3DCCD1}">
-              <a14:hiddenFill xmlns:a14="http://schemas.microsoft.com/office/drawing/2010/main">
-                <a:solidFill>
-                  <a:srgbClr val="FFFFFF"/>
-                </a:solidFill>
-              </a14:hiddenFill>
-            </a:ext>
-          </a:extLst>
-        </p:spPr>
-      </p:pic>
-      <p:sp>
-        <p:nvSpPr>
-          <p:cNvPr id="5" name="Content Placeholder 2"/>
-          <p:cNvSpPr txBox="1">
-            <a:spLocks/>
-          </p:cNvSpPr>
-          <p:nvPr/>
-        </p:nvSpPr>
-        <p:spPr>
-          <a:xfrm>
-            <a:off x="467544" y="2276872"/>
-            <a:ext cx="3888432" cy="2808312"/>
+            <a:off x="446856" y="4264496"/>
+            <a:ext cx="8229600" cy="676672"/>
           </a:xfrm>
           <a:prstGeom prst="rect">
             <a:avLst/>
@@ -4693,21 +5393,17 @@
             </a:lvl9pPr>
           </a:lstStyle>
           <a:p>
-            <a:pPr marL="514350" indent="-514350">
-              <a:buFont typeface="+mj-lt"/>
-              <a:buAutoNum type="arabicPeriod" startAt="3"/>
-            </a:pPr>
             <a:r>
               <a:rPr lang="en-GB" dirty="0" smtClean="0"/>
-              <a:t>Algorithm </a:t>
-            </a:r>
-            <a:r>
-              <a:rPr lang="en-GB" dirty="0" err="1" smtClean="0"/>
-              <a:t>vectorised</a:t>
+              <a:t>Slow </a:t>
+            </a:r>
+            <a:r>
+              <a:rPr lang="en-GB" b="1" dirty="0" smtClean="0"/>
+              <a:t>pixel loop</a:t>
             </a:r>
             <a:r>
               <a:rPr lang="en-GB" dirty="0" smtClean="0"/>
-              <a:t> to improve speed</a:t>
+              <a:t> implementation</a:t>
             </a:r>
             <a:endParaRPr lang="en-GB" dirty="0"/>
           </a:p>
@@ -4716,7 +5412,98 @@
     </p:spTree>
     <p:extLst>
       <p:ext uri="{BB962C8B-B14F-4D97-AF65-F5344CB8AC3E}">
-        <p14:creationId xmlns:p14="http://schemas.microsoft.com/office/powerpoint/2010/main" val="3107077440"/>
+        <p14:creationId xmlns:p14="http://schemas.microsoft.com/office/powerpoint/2010/main" xmlns="" val="4186463740"/>
+      </p:ext>
+    </p:extLst>
+  </p:cSld>
+  <p:clrMapOvr>
+    <a:masterClrMapping/>
+  </p:clrMapOvr>
+  <p:timing>
+    <p:tnLst>
+      <p:par>
+        <p:cTn id="1" dur="indefinite" restart="never" nodeType="tmRoot"/>
+      </p:par>
+    </p:tnLst>
+  </p:timing>
+</p:sld>
+</file>
+
+<file path=ppt/slides/slide8.xml><?xml version="1.0" encoding="utf-8"?>
+<p:sld xmlns:a="http://schemas.openxmlformats.org/drawingml/2006/main" xmlns:r="http://schemas.openxmlformats.org/officeDocument/2006/relationships" xmlns:p="http://schemas.openxmlformats.org/presentationml/2006/main">
+  <p:cSld>
+    <p:spTree>
+      <p:nvGrpSpPr>
+        <p:cNvPr id="1" name=""/>
+        <p:cNvGrpSpPr/>
+        <p:nvPr/>
+      </p:nvGrpSpPr>
+      <p:grpSpPr>
+        <a:xfrm>
+          <a:off x="0" y="0"/>
+          <a:ext cx="0" cy="0"/>
+          <a:chOff x="0" y="0"/>
+          <a:chExt cx="0" cy="0"/>
+        </a:xfrm>
+      </p:grpSpPr>
+      <p:sp>
+        <p:nvSpPr>
+          <p:cNvPr id="2" name="Title 1"/>
+          <p:cNvSpPr>
+            <a:spLocks noGrp="1"/>
+          </p:cNvSpPr>
+          <p:nvPr>
+            <p:ph type="title"/>
+          </p:nvPr>
+        </p:nvSpPr>
+        <p:spPr/>
+        <p:txBody>
+          <a:bodyPr/>
+          <a:lstStyle/>
+          <a:p>
+            <a:r>
+              <a:rPr lang="en-GB" dirty="0" smtClean="0"/>
+              <a:t>Implementation – Achievements</a:t>
+            </a:r>
+            <a:endParaRPr lang="en-GB" dirty="0"/>
+          </a:p>
+        </p:txBody>
+      </p:sp>
+      <p:sp>
+        <p:nvSpPr>
+          <p:cNvPr id="3" name="Content Placeholder 2"/>
+          <p:cNvSpPr>
+            <a:spLocks noGrp="1"/>
+          </p:cNvSpPr>
+          <p:nvPr>
+            <p:ph idx="1"/>
+          </p:nvPr>
+        </p:nvSpPr>
+        <p:spPr/>
+        <p:txBody>
+          <a:bodyPr/>
+          <a:lstStyle/>
+          <a:p>
+            <a:r>
+              <a:rPr lang="en-GB" dirty="0" smtClean="0"/>
+              <a:t>Took </a:t>
+            </a:r>
+            <a:r>
+              <a:rPr lang="en-GB" b="1" dirty="0" smtClean="0"/>
+              <a:t>iterative</a:t>
+            </a:r>
+            <a:r>
+              <a:rPr lang="en-GB" dirty="0" smtClean="0"/>
+              <a:t> approach to implementation</a:t>
+            </a:r>
+            <a:endParaRPr lang="en-GB" dirty="0"/>
+          </a:p>
+        </p:txBody>
+      </p:sp>
+    </p:spTree>
+    <p:extLst>
+      <p:ext uri="{BB962C8B-B14F-4D97-AF65-F5344CB8AC3E}">
+        <p14:creationId xmlns:p14="http://schemas.microsoft.com/office/powerpoint/2010/main" xmlns="" val="1216218812"/>
       </p:ext>
     </p:extLst>
   </p:cSld>
@@ -4816,94 +5603,6 @@
               <a:rPr lang="en-GB" b="1" dirty="0" smtClean="0"/>
               <a:t>similarity equation</a:t>
             </a:r>
-          </a:p>
-          <a:p>
-            <a:pPr marL="571500" indent="-514350">
-              <a:buFont typeface="+mj-lt"/>
-              <a:buAutoNum type="arabicPeriod"/>
-            </a:pPr>
-            <a:r>
-              <a:rPr lang="en-GB" dirty="0" smtClean="0"/>
-              <a:t> </a:t>
-            </a:r>
-            <a:r>
-              <a:rPr lang="en-GB" b="1" dirty="0" smtClean="0"/>
-              <a:t>Smoothed </a:t>
-            </a:r>
-            <a:r>
-              <a:rPr lang="en-GB" dirty="0" smtClean="0"/>
-              <a:t>similarity equation implemented</a:t>
-            </a:r>
-          </a:p>
-          <a:p>
-            <a:pPr marL="571500" indent="-514350">
-              <a:buFont typeface="+mj-lt"/>
-              <a:buAutoNum type="arabicPeriod"/>
-            </a:pPr>
-            <a:r>
-              <a:rPr lang="en-GB" dirty="0" smtClean="0"/>
-              <a:t> </a:t>
-            </a:r>
-            <a:r>
-              <a:rPr lang="en-GB" b="1" dirty="0" smtClean="0"/>
-              <a:t>Circular</a:t>
-            </a:r>
-            <a:r>
-              <a:rPr lang="en-GB" dirty="0" smtClean="0"/>
-              <a:t> mask implemented</a:t>
-            </a:r>
-          </a:p>
-          <a:p>
-            <a:pPr marL="571500" indent="-514350">
-              <a:buFont typeface="+mj-lt"/>
-              <a:buAutoNum type="arabicPeriod"/>
-            </a:pPr>
-            <a:r>
-              <a:rPr lang="en-GB" dirty="0"/>
-              <a:t>  </a:t>
-            </a:r>
-            <a:r>
-              <a:rPr lang="en-GB" b="1" dirty="0" smtClean="0"/>
-              <a:t>Inter</a:t>
-            </a:r>
-            <a:r>
-              <a:rPr lang="en-GB" dirty="0" smtClean="0"/>
-              <a:t>-Pixel </a:t>
-            </a:r>
-            <a:r>
-              <a:rPr lang="en-GB" b="1" dirty="0" smtClean="0"/>
-              <a:t>edge direction</a:t>
-            </a:r>
-            <a:r>
-              <a:rPr lang="en-GB" dirty="0" smtClean="0"/>
-              <a:t> measurement implemented</a:t>
-            </a:r>
-          </a:p>
-          <a:p>
-            <a:pPr marL="571500" indent="-514350">
-              <a:buFont typeface="+mj-lt"/>
-              <a:buAutoNum type="arabicPeriod"/>
-            </a:pPr>
-            <a:r>
-              <a:rPr lang="en-GB" dirty="0" smtClean="0"/>
-              <a:t> </a:t>
-            </a:r>
-            <a:r>
-              <a:rPr lang="en-GB" b="1" dirty="0" smtClean="0"/>
-              <a:t>Intra</a:t>
-            </a:r>
-            <a:r>
-              <a:rPr lang="en-GB" dirty="0" smtClean="0"/>
-              <a:t>-Pixel </a:t>
-            </a:r>
-            <a:r>
-              <a:rPr lang="en-GB" b="1" dirty="0" smtClean="0"/>
-              <a:t>edge direction</a:t>
-            </a:r>
-            <a:r>
-              <a:rPr lang="en-GB" dirty="0" smtClean="0"/>
-              <a:t> measurement implemented</a:t>
-            </a:r>
             <a:endParaRPr lang="en-GB" dirty="0" smtClean="0"/>
           </a:p>
           <a:p>
@@ -4918,21 +5617,53 @@
               <a:buFont typeface="+mj-lt"/>
               <a:buAutoNum type="arabicPeriod"/>
             </a:pPr>
-            <a:endParaRPr lang="en-GB" dirty="0" smtClean="0"/>
-          </a:p>
-          <a:p>
-            <a:pPr marL="971550" lvl="1" indent="-514350">
-              <a:buFont typeface="+mj-lt"/>
-              <a:buAutoNum type="arabicPeriod"/>
-            </a:pPr>
             <a:endParaRPr lang="en-GB" dirty="0"/>
           </a:p>
         </p:txBody>
       </p:sp>
+      <p:pic>
+        <p:nvPicPr>
+          <p:cNvPr id="2050" name="Picture 2" descr="H:\susanedge\susanedge\figures\simple_square_susan_test.png"/>
+          <p:cNvPicPr>
+            <a:picLocks noChangeAspect="1" noChangeArrowheads="1"/>
+          </p:cNvPicPr>
+          <p:nvPr/>
+        </p:nvPicPr>
+        <p:blipFill rotWithShape="1">
+          <a:blip r:embed="rId2" cstate="print">
+            <a:extLst>
+              <a:ext uri="{28A0092B-C50C-407E-A947-70E740481C1C}">
+                <a14:useLocalDpi xmlns:a14="http://schemas.microsoft.com/office/drawing/2010/main" xmlns="" val="0"/>
+              </a:ext>
+            </a:extLst>
+          </a:blip>
+          <a:srcRect l="28643" t="7158" r="27869" b="6235"/>
+          <a:stretch/>
+        </p:blipFill>
+        <p:spPr bwMode="auto">
+          <a:xfrm>
+            <a:off x="2699792" y="2676252"/>
+            <a:ext cx="3798350" cy="3805932"/>
+          </a:xfrm>
+          <a:prstGeom prst="rect">
+            <a:avLst/>
+          </a:prstGeom>
+          <a:noFill/>
+          <a:extLst>
+            <a:ext uri="{909E8E84-426E-40DD-AFC4-6F175D3DCCD1}">
+              <a14:hiddenFill xmlns:a14="http://schemas.microsoft.com/office/drawing/2010/main" xmlns="">
+                <a:solidFill>
+                  <a:srgbClr val="FFFFFF"/>
+                </a:solidFill>
+              </a14:hiddenFill>
+            </a:ext>
+          </a:extLst>
+        </p:spPr>
+      </p:pic>
     </p:spTree>
     <p:extLst>
       <p:ext uri="{BB962C8B-B14F-4D97-AF65-F5344CB8AC3E}">
-        <p14:creationId xmlns:p14="http://schemas.microsoft.com/office/powerpoint/2010/main" val="543308162"/>
+        <p14:creationId xmlns:p14="http://schemas.microsoft.com/office/powerpoint/2010/main" xmlns="" val="1537013682"/>
       </p:ext>
     </p:extLst>
   </p:cSld>

--- a/susanedge-presentation.pptx
+++ b/susanedge-presentation.pptx
@@ -10,16 +10,19 @@
     <p:sldId id="258" r:id="rId4"/>
     <p:sldId id="270" r:id="rId5"/>
     <p:sldId id="271" r:id="rId6"/>
-    <p:sldId id="259" r:id="rId7"/>
-    <p:sldId id="264" r:id="rId8"/>
-    <p:sldId id="269" r:id="rId9"/>
-    <p:sldId id="265" r:id="rId10"/>
-    <p:sldId id="268" r:id="rId11"/>
-    <p:sldId id="267" r:id="rId12"/>
-    <p:sldId id="260" r:id="rId13"/>
-    <p:sldId id="261" r:id="rId14"/>
-    <p:sldId id="262" r:id="rId15"/>
-    <p:sldId id="263" r:id="rId16"/>
+    <p:sldId id="272" r:id="rId7"/>
+    <p:sldId id="273" r:id="rId8"/>
+    <p:sldId id="274" r:id="rId9"/>
+    <p:sldId id="259" r:id="rId10"/>
+    <p:sldId id="264" r:id="rId11"/>
+    <p:sldId id="269" r:id="rId12"/>
+    <p:sldId id="265" r:id="rId13"/>
+    <p:sldId id="268" r:id="rId14"/>
+    <p:sldId id="267" r:id="rId15"/>
+    <p:sldId id="260" r:id="rId16"/>
+    <p:sldId id="261" r:id="rId17"/>
+    <p:sldId id="262" r:id="rId18"/>
+    <p:sldId id="263" r:id="rId19"/>
   </p:sldIdLst>
   <p:sldSz cx="9144000" cy="6858000" type="screen4x3"/>
   <p:notesSz cx="6858000" cy="9144000"/>
@@ -303,7 +306,7 @@
             <a:fld id="{420D65D8-03CC-42D4-89C4-CB770DA01089}" type="datetimeFigureOut">
               <a:rPr lang="en-GB" smtClean="0"/>
               <a:pPr/>
-              <a:t>04/02/2012</a:t>
+              <a:t>05/02/2012</a:t>
             </a:fld>
             <a:endParaRPr lang="en-GB"/>
           </a:p>
@@ -355,7 +358,7 @@
     </p:spTree>
     <p:extLst>
       <p:ext uri="{BB962C8B-B14F-4D97-AF65-F5344CB8AC3E}">
-        <p14:creationId xmlns:p14="http://schemas.microsoft.com/office/powerpoint/2010/main" xmlns="" val="158945681"/>
+        <p14:creationId xmlns="" xmlns:p14="http://schemas.microsoft.com/office/powerpoint/2010/main" val="158945681"/>
       </p:ext>
     </p:extLst>
   </p:cSld>
@@ -475,7 +478,7 @@
             <a:fld id="{420D65D8-03CC-42D4-89C4-CB770DA01089}" type="datetimeFigureOut">
               <a:rPr lang="en-GB" smtClean="0"/>
               <a:pPr/>
-              <a:t>04/02/2012</a:t>
+              <a:t>05/02/2012</a:t>
             </a:fld>
             <a:endParaRPr lang="en-GB"/>
           </a:p>
@@ -527,7 +530,7 @@
     </p:spTree>
     <p:extLst>
       <p:ext uri="{BB962C8B-B14F-4D97-AF65-F5344CB8AC3E}">
-        <p14:creationId xmlns:p14="http://schemas.microsoft.com/office/powerpoint/2010/main" xmlns="" val="2097151947"/>
+        <p14:creationId xmlns="" xmlns:p14="http://schemas.microsoft.com/office/powerpoint/2010/main" val="2097151947"/>
       </p:ext>
     </p:extLst>
   </p:cSld>
@@ -657,7 +660,7 @@
             <a:fld id="{420D65D8-03CC-42D4-89C4-CB770DA01089}" type="datetimeFigureOut">
               <a:rPr lang="en-GB" smtClean="0"/>
               <a:pPr/>
-              <a:t>04/02/2012</a:t>
+              <a:t>05/02/2012</a:t>
             </a:fld>
             <a:endParaRPr lang="en-GB"/>
           </a:p>
@@ -709,7 +712,7 @@
     </p:spTree>
     <p:extLst>
       <p:ext uri="{BB962C8B-B14F-4D97-AF65-F5344CB8AC3E}">
-        <p14:creationId xmlns:p14="http://schemas.microsoft.com/office/powerpoint/2010/main" xmlns="" val="4271639342"/>
+        <p14:creationId xmlns="" xmlns:p14="http://schemas.microsoft.com/office/powerpoint/2010/main" val="4271639342"/>
       </p:ext>
     </p:extLst>
   </p:cSld>
@@ -829,7 +832,7 @@
             <a:fld id="{420D65D8-03CC-42D4-89C4-CB770DA01089}" type="datetimeFigureOut">
               <a:rPr lang="en-GB" smtClean="0"/>
               <a:pPr/>
-              <a:t>04/02/2012</a:t>
+              <a:t>05/02/2012</a:t>
             </a:fld>
             <a:endParaRPr lang="en-GB"/>
           </a:p>
@@ -881,7 +884,7 @@
     </p:spTree>
     <p:extLst>
       <p:ext uri="{BB962C8B-B14F-4D97-AF65-F5344CB8AC3E}">
-        <p14:creationId xmlns:p14="http://schemas.microsoft.com/office/powerpoint/2010/main" xmlns="" val="4219831927"/>
+        <p14:creationId xmlns="" xmlns:p14="http://schemas.microsoft.com/office/powerpoint/2010/main" val="4219831927"/>
       </p:ext>
     </p:extLst>
   </p:cSld>
@@ -1077,7 +1080,7 @@
             <a:fld id="{420D65D8-03CC-42D4-89C4-CB770DA01089}" type="datetimeFigureOut">
               <a:rPr lang="en-GB" smtClean="0"/>
               <a:pPr/>
-              <a:t>04/02/2012</a:t>
+              <a:t>05/02/2012</a:t>
             </a:fld>
             <a:endParaRPr lang="en-GB"/>
           </a:p>
@@ -1129,7 +1132,7 @@
     </p:spTree>
     <p:extLst>
       <p:ext uri="{BB962C8B-B14F-4D97-AF65-F5344CB8AC3E}">
-        <p14:creationId xmlns:p14="http://schemas.microsoft.com/office/powerpoint/2010/main" xmlns="" val="148751217"/>
+        <p14:creationId xmlns="" xmlns:p14="http://schemas.microsoft.com/office/powerpoint/2010/main" val="148751217"/>
       </p:ext>
     </p:extLst>
   </p:cSld>
@@ -1367,7 +1370,7 @@
             <a:fld id="{420D65D8-03CC-42D4-89C4-CB770DA01089}" type="datetimeFigureOut">
               <a:rPr lang="en-GB" smtClean="0"/>
               <a:pPr/>
-              <a:t>04/02/2012</a:t>
+              <a:t>05/02/2012</a:t>
             </a:fld>
             <a:endParaRPr lang="en-GB"/>
           </a:p>
@@ -1419,7 +1422,7 @@
     </p:spTree>
     <p:extLst>
       <p:ext uri="{BB962C8B-B14F-4D97-AF65-F5344CB8AC3E}">
-        <p14:creationId xmlns:p14="http://schemas.microsoft.com/office/powerpoint/2010/main" xmlns="" val="30041719"/>
+        <p14:creationId xmlns="" xmlns:p14="http://schemas.microsoft.com/office/powerpoint/2010/main" val="30041719"/>
       </p:ext>
     </p:extLst>
   </p:cSld>
@@ -1791,7 +1794,7 @@
             <a:fld id="{420D65D8-03CC-42D4-89C4-CB770DA01089}" type="datetimeFigureOut">
               <a:rPr lang="en-GB" smtClean="0"/>
               <a:pPr/>
-              <a:t>04/02/2012</a:t>
+              <a:t>05/02/2012</a:t>
             </a:fld>
             <a:endParaRPr lang="en-GB"/>
           </a:p>
@@ -1843,7 +1846,7 @@
     </p:spTree>
     <p:extLst>
       <p:ext uri="{BB962C8B-B14F-4D97-AF65-F5344CB8AC3E}">
-        <p14:creationId xmlns:p14="http://schemas.microsoft.com/office/powerpoint/2010/main" xmlns="" val="1034348362"/>
+        <p14:creationId xmlns="" xmlns:p14="http://schemas.microsoft.com/office/powerpoint/2010/main" val="1034348362"/>
       </p:ext>
     </p:extLst>
   </p:cSld>
@@ -1911,7 +1914,7 @@
             <a:fld id="{420D65D8-03CC-42D4-89C4-CB770DA01089}" type="datetimeFigureOut">
               <a:rPr lang="en-GB" smtClean="0"/>
               <a:pPr/>
-              <a:t>04/02/2012</a:t>
+              <a:t>05/02/2012</a:t>
             </a:fld>
             <a:endParaRPr lang="en-GB"/>
           </a:p>
@@ -1963,7 +1966,7 @@
     </p:spTree>
     <p:extLst>
       <p:ext uri="{BB962C8B-B14F-4D97-AF65-F5344CB8AC3E}">
-        <p14:creationId xmlns:p14="http://schemas.microsoft.com/office/powerpoint/2010/main" xmlns="" val="290425148"/>
+        <p14:creationId xmlns="" xmlns:p14="http://schemas.microsoft.com/office/powerpoint/2010/main" val="290425148"/>
       </p:ext>
     </p:extLst>
   </p:cSld>
@@ -2008,7 +2011,7 @@
             <a:fld id="{420D65D8-03CC-42D4-89C4-CB770DA01089}" type="datetimeFigureOut">
               <a:rPr lang="en-GB" smtClean="0"/>
               <a:pPr/>
-              <a:t>04/02/2012</a:t>
+              <a:t>05/02/2012</a:t>
             </a:fld>
             <a:endParaRPr lang="en-GB"/>
           </a:p>
@@ -2060,7 +2063,7 @@
     </p:spTree>
     <p:extLst>
       <p:ext uri="{BB962C8B-B14F-4D97-AF65-F5344CB8AC3E}">
-        <p14:creationId xmlns:p14="http://schemas.microsoft.com/office/powerpoint/2010/main" xmlns="" val="182345889"/>
+        <p14:creationId xmlns="" xmlns:p14="http://schemas.microsoft.com/office/powerpoint/2010/main" val="182345889"/>
       </p:ext>
     </p:extLst>
   </p:cSld>
@@ -2287,7 +2290,7 @@
             <a:fld id="{420D65D8-03CC-42D4-89C4-CB770DA01089}" type="datetimeFigureOut">
               <a:rPr lang="en-GB" smtClean="0"/>
               <a:pPr/>
-              <a:t>04/02/2012</a:t>
+              <a:t>05/02/2012</a:t>
             </a:fld>
             <a:endParaRPr lang="en-GB"/>
           </a:p>
@@ -2339,7 +2342,7 @@
     </p:spTree>
     <p:extLst>
       <p:ext uri="{BB962C8B-B14F-4D97-AF65-F5344CB8AC3E}">
-        <p14:creationId xmlns:p14="http://schemas.microsoft.com/office/powerpoint/2010/main" xmlns="" val="2186173485"/>
+        <p14:creationId xmlns="" xmlns:p14="http://schemas.microsoft.com/office/powerpoint/2010/main" val="2186173485"/>
       </p:ext>
     </p:extLst>
   </p:cSld>
@@ -2542,7 +2545,7 @@
             <a:fld id="{420D65D8-03CC-42D4-89C4-CB770DA01089}" type="datetimeFigureOut">
               <a:rPr lang="en-GB" smtClean="0"/>
               <a:pPr/>
-              <a:t>04/02/2012</a:t>
+              <a:t>05/02/2012</a:t>
             </a:fld>
             <a:endParaRPr lang="en-GB"/>
           </a:p>
@@ -2594,7 +2597,7 @@
     </p:spTree>
     <p:extLst>
       <p:ext uri="{BB962C8B-B14F-4D97-AF65-F5344CB8AC3E}">
-        <p14:creationId xmlns:p14="http://schemas.microsoft.com/office/powerpoint/2010/main" xmlns="" val="4028586268"/>
+        <p14:creationId xmlns="" xmlns:p14="http://schemas.microsoft.com/office/powerpoint/2010/main" val="4028586268"/>
       </p:ext>
     </p:extLst>
   </p:cSld>
@@ -2757,7 +2760,7 @@
             <a:fld id="{420D65D8-03CC-42D4-89C4-CB770DA01089}" type="datetimeFigureOut">
               <a:rPr lang="en-GB" smtClean="0"/>
               <a:pPr/>
-              <a:t>04/02/2012</a:t>
+              <a:t>05/02/2012</a:t>
             </a:fld>
             <a:endParaRPr lang="en-GB"/>
           </a:p>
@@ -2845,7 +2848,7 @@
     </p:spTree>
     <p:extLst>
       <p:ext uri="{BB962C8B-B14F-4D97-AF65-F5344CB8AC3E}">
-        <p14:creationId xmlns:p14="http://schemas.microsoft.com/office/powerpoint/2010/main" xmlns="" val="2046728892"/>
+        <p14:creationId xmlns="" xmlns:p14="http://schemas.microsoft.com/office/powerpoint/2010/main" val="2046728892"/>
       </p:ext>
     </p:extLst>
   </p:cSld>
@@ -3188,7 +3191,7 @@
     </p:spTree>
     <p:extLst>
       <p:ext uri="{BB962C8B-B14F-4D97-AF65-F5344CB8AC3E}">
-        <p14:creationId xmlns:p14="http://schemas.microsoft.com/office/powerpoint/2010/main" xmlns="" val="1771199691"/>
+        <p14:creationId xmlns="" xmlns:p14="http://schemas.microsoft.com/office/powerpoint/2010/main" val="1771199691"/>
       </p:ext>
     </p:extLst>
   </p:cSld>
@@ -3239,7 +3242,7 @@
           <a:p>
             <a:r>
               <a:rPr lang="en-GB" dirty="0" smtClean="0"/>
-              <a:t>Implementation – Achievements</a:t>
+              <a:t>Implementation – Overview</a:t>
             </a:r>
             <a:endParaRPr lang="en-GB" dirty="0"/>
           </a:p>
@@ -3258,74 +3261,143 @@
         <p:spPr>
           <a:xfrm>
             <a:off x="457200" y="1600201"/>
-            <a:ext cx="8229600" cy="748680"/>
+            <a:ext cx="8229600" cy="676672"/>
           </a:xfrm>
         </p:spPr>
         <p:txBody>
           <a:bodyPr/>
           <a:lstStyle/>
           <a:p>
-            <a:pPr marL="514350" indent="-514350">
-              <a:buFont typeface="+mj-lt"/>
-              <a:buAutoNum type="arabicPeriod" startAt="2"/>
+            <a:r>
+              <a:rPr lang="en-GB" b="1" dirty="0" smtClean="0"/>
+              <a:t>Python</a:t>
+            </a:r>
+            <a:r>
+              <a:rPr lang="en-GB" dirty="0" smtClean="0"/>
+              <a:t> with </a:t>
+            </a:r>
+            <a:r>
+              <a:rPr lang="en-GB" dirty="0" err="1" smtClean="0"/>
+              <a:t>Numpy</a:t>
+            </a:r>
+            <a:r>
+              <a:rPr lang="en-GB" dirty="0" smtClean="0"/>
+              <a:t> and </a:t>
+            </a:r>
+            <a:r>
+              <a:rPr lang="en-GB" dirty="0" err="1" smtClean="0"/>
+              <a:t>Matplotlib</a:t>
+            </a:r>
+            <a:endParaRPr lang="en-GB" dirty="0"/>
+          </a:p>
+        </p:txBody>
+      </p:sp>
+      <p:sp>
+        <p:nvSpPr>
+          <p:cNvPr id="4" name="Rectangle 3"/>
+          <p:cNvSpPr/>
+          <p:nvPr/>
+        </p:nvSpPr>
+        <p:spPr>
+          <a:xfrm>
+            <a:off x="65076" y="6304002"/>
+            <a:ext cx="8928992" cy="553998"/>
+          </a:xfrm>
+          <a:prstGeom prst="rect">
+            <a:avLst/>
+          </a:prstGeom>
+        </p:spPr>
+        <p:txBody>
+          <a:bodyPr wrap="square">
+            <a:spAutoFit/>
+          </a:bodyPr>
+          <a:lstStyle/>
+          <a:p>
+            <a:r>
+              <a:rPr lang="en-GB" sz="1000" dirty="0" smtClean="0"/>
+              <a:t>Images:</a:t>
+            </a:r>
+          </a:p>
+          <a:p>
+            <a:pPr marL="171450" indent="-171450">
+              <a:buFont typeface="Arial" pitchFamily="34" charset="0"/>
+              <a:buChar char="•"/>
             </a:pPr>
             <a:r>
-              <a:rPr lang="en-GB" dirty="0" smtClean="0"/>
-              <a:t> </a:t>
-            </a:r>
-            <a:r>
-              <a:rPr lang="en-GB" b="1" dirty="0" smtClean="0"/>
-              <a:t>Smoothed </a:t>
-            </a:r>
-            <a:r>
-              <a:rPr lang="en-GB" dirty="0" smtClean="0"/>
-              <a:t>similarity equation implemented</a:t>
-            </a:r>
+              <a:rPr lang="en-GB" sz="1000" dirty="0" smtClean="0"/>
+              <a:t>http://urania.udea.edu.co/sites/astronomia-2.0/pages/descargas.rs/files/descargasdt5vi/Cursos/CursosElectivos/FisicaAstrofisicaComputacional/2009-2/Documentacion/matplotlib/examples/pylab_examples/quiver_demo.html </a:t>
+            </a:r>
+            <a:endParaRPr lang="en-GB" sz="1000" dirty="0"/>
           </a:p>
         </p:txBody>
       </p:sp>
       <p:pic>
         <p:nvPicPr>
-          <p:cNvPr id="3074" name="Picture 2" descr="H:\susanedge\susanedge\figures\smooth_square_susan_test.png"/>
+          <p:cNvPr id="1027" name="Picture 3"/>
           <p:cNvPicPr>
             <a:picLocks noChangeAspect="1" noChangeArrowheads="1"/>
           </p:cNvPicPr>
           <p:nvPr/>
         </p:nvPicPr>
-        <p:blipFill rotWithShape="1">
+        <p:blipFill>
           <a:blip r:embed="rId2" cstate="print">
             <a:extLst>
               <a:ext uri="{28A0092B-C50C-407E-A947-70E740481C1C}">
-                <a14:useLocalDpi xmlns:a14="http://schemas.microsoft.com/office/drawing/2010/main" xmlns="" val="0"/>
+                <a14:useLocalDpi xmlns="" xmlns:a14="http://schemas.microsoft.com/office/drawing/2010/main" val="0"/>
               </a:ext>
             </a:extLst>
           </a:blip>
-          <a:srcRect l="28299" t="8238" r="28038" b="7052"/>
-          <a:stretch/>
+          <a:srcRect/>
+          <a:stretch>
+            <a:fillRect/>
+          </a:stretch>
         </p:blipFill>
         <p:spPr bwMode="auto">
           <a:xfrm>
-            <a:off x="4211960" y="2204864"/>
-            <a:ext cx="4651848" cy="4540870"/>
+            <a:off x="3419872" y="2200425"/>
+            <a:ext cx="2448272" cy="2003132"/>
           </a:xfrm>
           <a:prstGeom prst="rect">
             <a:avLst/>
           </a:prstGeom>
           <a:noFill/>
+          <a:ln>
+            <a:noFill/>
+          </a:ln>
+          <a:effectLst/>
           <a:extLst>
             <a:ext uri="{909E8E84-426E-40DD-AFC4-6F175D3DCCD1}">
-              <a14:hiddenFill xmlns:a14="http://schemas.microsoft.com/office/drawing/2010/main" xmlns="">
+              <a14:hiddenFill xmlns="" xmlns:a14="http://schemas.microsoft.com/office/drawing/2010/main">
                 <a:solidFill>
-                  <a:srgbClr val="FFFFFF"/>
+                  <a:schemeClr val="accent1"/>
                 </a:solidFill>
               </a14:hiddenFill>
+            </a:ext>
+            <a:ext uri="{91240B29-F687-4F45-9708-019B960494DF}">
+              <a14:hiddenLine xmlns="" xmlns:a14="http://schemas.microsoft.com/office/drawing/2010/main" w="9525">
+                <a:solidFill>
+                  <a:schemeClr val="tx1"/>
+                </a:solidFill>
+                <a:miter lim="800000"/>
+                <a:headEnd/>
+                <a:tailEnd/>
+              </a14:hiddenLine>
+            </a:ext>
+            <a:ext uri="{AF507438-7753-43E0-B8FC-AC1667EBCBE1}">
+              <a14:hiddenEffects xmlns="" xmlns:a14="http://schemas.microsoft.com/office/drawing/2010/main">
+                <a:effectLst>
+                  <a:outerShdw dist="35921" dir="2700000" algn="ctr" rotWithShape="0">
+                    <a:schemeClr val="bg2"/>
+                  </a:outerShdw>
+                </a:effectLst>
+              </a14:hiddenEffects>
             </a:ext>
           </a:extLst>
         </p:spPr>
       </p:pic>
       <p:sp>
         <p:nvSpPr>
-          <p:cNvPr id="5" name="Content Placeholder 2"/>
+          <p:cNvPr id="7" name="Content Placeholder 2"/>
           <p:cNvSpPr txBox="1">
             <a:spLocks/>
           </p:cNvSpPr>
@@ -3333,8 +3405,8 @@
         </p:nvSpPr>
         <p:spPr>
           <a:xfrm>
-            <a:off x="467544" y="2276872"/>
-            <a:ext cx="3888432" cy="2808312"/>
+            <a:off x="446856" y="4264496"/>
+            <a:ext cx="8229600" cy="676672"/>
           </a:xfrm>
           <a:prstGeom prst="rect">
             <a:avLst/>
@@ -3482,21 +3554,17 @@
             </a:lvl9pPr>
           </a:lstStyle>
           <a:p>
-            <a:pPr marL="514350" indent="-514350">
-              <a:buFont typeface="+mj-lt"/>
-              <a:buAutoNum type="arabicPeriod" startAt="3"/>
-            </a:pPr>
             <a:r>
               <a:rPr lang="en-GB" dirty="0" smtClean="0"/>
-              <a:t>Algorithm </a:t>
-            </a:r>
-            <a:r>
-              <a:rPr lang="en-GB" dirty="0" err="1" smtClean="0"/>
-              <a:t>vectorised</a:t>
+              <a:t>Slow </a:t>
+            </a:r>
+            <a:r>
+              <a:rPr lang="en-GB" b="1" dirty="0" smtClean="0"/>
+              <a:t>pixel loop</a:t>
             </a:r>
             <a:r>
               <a:rPr lang="en-GB" dirty="0" smtClean="0"/>
-              <a:t> to improve speed</a:t>
+              <a:t> implementation</a:t>
             </a:r>
             <a:endParaRPr lang="en-GB" dirty="0"/>
           </a:p>
@@ -3505,7 +3573,7 @@
     </p:spTree>
     <p:extLst>
       <p:ext uri="{BB962C8B-B14F-4D97-AF65-F5344CB8AC3E}">
-        <p14:creationId xmlns:p14="http://schemas.microsoft.com/office/powerpoint/2010/main" xmlns="" val="3107077440"/>
+        <p14:creationId xmlns="" xmlns:p14="http://schemas.microsoft.com/office/powerpoint/2010/main" val="4186463740"/>
       </p:ext>
     </p:extLst>
   </p:cSld>
@@ -3577,142 +3645,18 @@
           <a:bodyPr/>
           <a:lstStyle/>
           <a:p>
-            <a:pPr marL="514350" indent="-514350">
-              <a:buFont typeface="+mj-lt"/>
-              <a:buAutoNum type="arabicPeriod"/>
-            </a:pPr>
             <a:r>
               <a:rPr lang="en-GB" dirty="0" smtClean="0"/>
-              <a:t>Implementation with </a:t>
+              <a:t>Took </a:t>
             </a:r>
             <a:r>
               <a:rPr lang="en-GB" b="1" dirty="0" smtClean="0"/>
-              <a:t>square mask </a:t>
+              <a:t>iterative</a:t>
             </a:r>
             <a:r>
               <a:rPr lang="en-GB" dirty="0" smtClean="0"/>
-              <a:t>and </a:t>
-            </a:r>
-            <a:r>
-              <a:rPr lang="en-GB" b="1" dirty="0" smtClean="0"/>
-              <a:t>simple</a:t>
-            </a:r>
-            <a:r>
-              <a:rPr lang="en-GB" dirty="0" smtClean="0"/>
-              <a:t>  </a:t>
-            </a:r>
-            <a:r>
-              <a:rPr lang="en-GB" b="1" dirty="0" smtClean="0"/>
-              <a:t>similarity equation</a:t>
-            </a:r>
-          </a:p>
-          <a:p>
-            <a:pPr marL="571500" indent="-514350">
-              <a:buFont typeface="+mj-lt"/>
-              <a:buAutoNum type="arabicPeriod"/>
-            </a:pPr>
-            <a:r>
-              <a:rPr lang="en-GB" dirty="0" smtClean="0"/>
-              <a:t> </a:t>
-            </a:r>
-            <a:r>
-              <a:rPr lang="en-GB" b="1" dirty="0" smtClean="0"/>
-              <a:t>Smoothed </a:t>
-            </a:r>
-            <a:r>
-              <a:rPr lang="en-GB" dirty="0" smtClean="0"/>
-              <a:t>similarity equation implemented</a:t>
-            </a:r>
-          </a:p>
-          <a:p>
-            <a:pPr marL="571500" indent="-514350">
-              <a:buFont typeface="+mj-lt"/>
-              <a:buAutoNum type="arabicPeriod"/>
-            </a:pPr>
-            <a:r>
-              <a:rPr lang="en-GB" dirty="0" smtClean="0"/>
-              <a:t> </a:t>
-            </a:r>
-            <a:r>
-              <a:rPr lang="en-GB" b="1" dirty="0" smtClean="0"/>
-              <a:t>Circular</a:t>
-            </a:r>
-            <a:r>
-              <a:rPr lang="en-GB" dirty="0" smtClean="0"/>
-              <a:t> mask implemented</a:t>
-            </a:r>
-          </a:p>
-          <a:p>
-            <a:pPr marL="571500" indent="-514350">
-              <a:buFont typeface="+mj-lt"/>
-              <a:buAutoNum type="arabicPeriod"/>
-            </a:pPr>
-            <a:r>
-              <a:rPr lang="en-GB" dirty="0"/>
-              <a:t>  </a:t>
-            </a:r>
-            <a:r>
-              <a:rPr lang="en-GB" b="1" dirty="0" smtClean="0"/>
-              <a:t>Inter</a:t>
-            </a:r>
-            <a:r>
-              <a:rPr lang="en-GB" dirty="0" smtClean="0"/>
-              <a:t>-Pixel </a:t>
-            </a:r>
-            <a:r>
-              <a:rPr lang="en-GB" b="1" dirty="0" smtClean="0"/>
-              <a:t>edge direction</a:t>
-            </a:r>
-            <a:r>
-              <a:rPr lang="en-GB" dirty="0" smtClean="0"/>
-              <a:t> measurement implemented</a:t>
-            </a:r>
-          </a:p>
-          <a:p>
-            <a:pPr marL="571500" indent="-514350">
-              <a:buFont typeface="+mj-lt"/>
-              <a:buAutoNum type="arabicPeriod"/>
-            </a:pPr>
-            <a:r>
-              <a:rPr lang="en-GB" dirty="0" smtClean="0"/>
-              <a:t> </a:t>
-            </a:r>
-            <a:r>
-              <a:rPr lang="en-GB" b="1" dirty="0" smtClean="0"/>
-              <a:t>Intra</a:t>
-            </a:r>
-            <a:r>
-              <a:rPr lang="en-GB" dirty="0" smtClean="0"/>
-              <a:t>-Pixel </a:t>
-            </a:r>
-            <a:r>
-              <a:rPr lang="en-GB" b="1" dirty="0" smtClean="0"/>
-              <a:t>edge direction</a:t>
-            </a:r>
-            <a:r>
-              <a:rPr lang="en-GB" dirty="0" smtClean="0"/>
-              <a:t> measurement implemented</a:t>
-            </a:r>
-          </a:p>
-          <a:p>
-            <a:pPr marL="971550" lvl="1" indent="-514350">
-              <a:buFont typeface="+mj-lt"/>
-              <a:buAutoNum type="arabicPeriod"/>
-            </a:pPr>
-            <a:endParaRPr lang="en-GB" dirty="0" smtClean="0"/>
-          </a:p>
-          <a:p>
-            <a:pPr marL="971550" lvl="1" indent="-514350">
-              <a:buFont typeface="+mj-lt"/>
-              <a:buAutoNum type="arabicPeriod"/>
-            </a:pPr>
-            <a:endParaRPr lang="en-GB" dirty="0" smtClean="0"/>
-          </a:p>
-          <a:p>
-            <a:pPr marL="971550" lvl="1" indent="-514350">
-              <a:buFont typeface="+mj-lt"/>
-              <a:buAutoNum type="arabicPeriod"/>
-            </a:pPr>
+              <a:t> approach to implementation</a:t>
+            </a:r>
             <a:endParaRPr lang="en-GB" dirty="0"/>
           </a:p>
         </p:txBody>
@@ -3720,7 +3664,7 @@
     </p:spTree>
     <p:extLst>
       <p:ext uri="{BB962C8B-B14F-4D97-AF65-F5344CB8AC3E}">
-        <p14:creationId xmlns:p14="http://schemas.microsoft.com/office/powerpoint/2010/main" xmlns="" val="543308162"/>
+        <p14:creationId xmlns="" xmlns:p14="http://schemas.microsoft.com/office/powerpoint/2010/main" val="1216218812"/>
       </p:ext>
     </p:extLst>
   </p:cSld>
@@ -3756,12 +3700,12 @@
       </p:grpSpPr>
       <p:sp>
         <p:nvSpPr>
-          <p:cNvPr id="6" name="Title 5"/>
-          <p:cNvSpPr>
-            <a:spLocks noGrp="1"/>
-          </p:cNvSpPr>
-          <p:nvPr>
-            <p:ph type="ctrTitle"/>
+          <p:cNvPr id="2" name="Title 1"/>
+          <p:cNvSpPr>
+            <a:spLocks noGrp="1"/>
+          </p:cNvSpPr>
+          <p:nvPr>
+            <p:ph type="title"/>
           </p:nvPr>
         </p:nvSpPr>
         <p:spPr/>
@@ -3771,7 +3715,7 @@
           <a:p>
             <a:r>
               <a:rPr lang="en-GB" dirty="0" smtClean="0"/>
-              <a:t>Demo</a:t>
+              <a:t>Implementation – Achievements</a:t>
             </a:r>
             <a:endParaRPr lang="en-GB" dirty="0"/>
           </a:p>
@@ -3779,12 +3723,12 @@
       </p:sp>
       <p:sp>
         <p:nvSpPr>
-          <p:cNvPr id="8" name="Subtitle 7"/>
-          <p:cNvSpPr>
-            <a:spLocks noGrp="1"/>
-          </p:cNvSpPr>
-          <p:nvPr>
-            <p:ph type="subTitle" idx="1"/>
+          <p:cNvPr id="3" name="Content Placeholder 2"/>
+          <p:cNvSpPr>
+            <a:spLocks noGrp="1"/>
+          </p:cNvSpPr>
+          <p:nvPr>
+            <p:ph idx="1"/>
           </p:nvPr>
         </p:nvSpPr>
         <p:spPr/>
@@ -3792,14 +3736,95 @@
           <a:bodyPr/>
           <a:lstStyle/>
           <a:p>
+            <a:pPr marL="514350" indent="-514350">
+              <a:buFont typeface="+mj-lt"/>
+              <a:buAutoNum type="arabicPeriod"/>
+            </a:pPr>
+            <a:r>
+              <a:rPr lang="en-GB" dirty="0" smtClean="0"/>
+              <a:t>Implementation with </a:t>
+            </a:r>
+            <a:r>
+              <a:rPr lang="en-GB" b="1" dirty="0" smtClean="0"/>
+              <a:t>square mask </a:t>
+            </a:r>
+            <a:r>
+              <a:rPr lang="en-GB" dirty="0" smtClean="0"/>
+              <a:t>and </a:t>
+            </a:r>
+            <a:r>
+              <a:rPr lang="en-GB" b="1" dirty="0" smtClean="0"/>
+              <a:t>simple</a:t>
+            </a:r>
+            <a:r>
+              <a:rPr lang="en-GB" dirty="0" smtClean="0"/>
+              <a:t>  </a:t>
+            </a:r>
+            <a:r>
+              <a:rPr lang="en-GB" b="1" dirty="0" smtClean="0"/>
+              <a:t>similarity equation</a:t>
+            </a:r>
+            <a:endParaRPr lang="en-GB" dirty="0" smtClean="0"/>
+          </a:p>
+          <a:p>
+            <a:pPr marL="971550" lvl="1" indent="-514350">
+              <a:buFont typeface="+mj-lt"/>
+              <a:buAutoNum type="arabicPeriod"/>
+            </a:pPr>
+            <a:endParaRPr lang="en-GB" dirty="0" smtClean="0"/>
+          </a:p>
+          <a:p>
+            <a:pPr marL="971550" lvl="1" indent="-514350">
+              <a:buFont typeface="+mj-lt"/>
+              <a:buAutoNum type="arabicPeriod"/>
+            </a:pPr>
             <a:endParaRPr lang="en-GB" dirty="0"/>
           </a:p>
         </p:txBody>
       </p:sp>
+      <p:pic>
+        <p:nvPicPr>
+          <p:cNvPr id="2050" name="Picture 2" descr="H:\susanedge\susanedge\figures\simple_square_susan_test.png"/>
+          <p:cNvPicPr>
+            <a:picLocks noChangeAspect="1" noChangeArrowheads="1"/>
+          </p:cNvPicPr>
+          <p:nvPr/>
+        </p:nvPicPr>
+        <p:blipFill rotWithShape="1">
+          <a:blip r:embed="rId2" cstate="print">
+            <a:extLst>
+              <a:ext uri="{28A0092B-C50C-407E-A947-70E740481C1C}">
+                <a14:useLocalDpi xmlns="" xmlns:a14="http://schemas.microsoft.com/office/drawing/2010/main" val="0"/>
+              </a:ext>
+            </a:extLst>
+          </a:blip>
+          <a:srcRect l="28643" t="7158" r="27869" b="6235"/>
+          <a:stretch/>
+        </p:blipFill>
+        <p:spPr bwMode="auto">
+          <a:xfrm>
+            <a:off x="2699792" y="2676252"/>
+            <a:ext cx="3798350" cy="3805932"/>
+          </a:xfrm>
+          <a:prstGeom prst="rect">
+            <a:avLst/>
+          </a:prstGeom>
+          <a:noFill/>
+          <a:extLst>
+            <a:ext uri="{909E8E84-426E-40DD-AFC4-6F175D3DCCD1}">
+              <a14:hiddenFill xmlns="" xmlns:a14="http://schemas.microsoft.com/office/drawing/2010/main">
+                <a:solidFill>
+                  <a:srgbClr val="FFFFFF"/>
+                </a:solidFill>
+              </a14:hiddenFill>
+            </a:ext>
+          </a:extLst>
+        </p:spPr>
+      </p:pic>
     </p:spTree>
     <p:extLst>
       <p:ext uri="{BB962C8B-B14F-4D97-AF65-F5344CB8AC3E}">
-        <p14:creationId xmlns:p14="http://schemas.microsoft.com/office/powerpoint/2010/main" xmlns="" val="2001286214"/>
+        <p14:creationId xmlns="" xmlns:p14="http://schemas.microsoft.com/office/powerpoint/2010/main" val="1537013682"/>
       </p:ext>
     </p:extLst>
   </p:cSld>
@@ -3840,7 +3865,7 @@
             <a:spLocks noGrp="1"/>
           </p:cNvSpPr>
           <p:nvPr>
-            <p:ph type="ctrTitle"/>
+            <p:ph type="title"/>
           </p:nvPr>
         </p:nvSpPr>
         <p:spPr/>
@@ -3850,7 +3875,7 @@
           <a:p>
             <a:r>
               <a:rPr lang="en-GB" dirty="0" smtClean="0"/>
-              <a:t>Experimentation</a:t>
+              <a:t>Implementation – Achievements</a:t>
             </a:r>
             <a:endParaRPr lang="en-GB" dirty="0"/>
           </a:p>
@@ -3858,27 +3883,265 @@
       </p:sp>
       <p:sp>
         <p:nvSpPr>
-          <p:cNvPr id="4" name="Subtitle 3"/>
-          <p:cNvSpPr>
-            <a:spLocks noGrp="1"/>
-          </p:cNvSpPr>
-          <p:nvPr>
-            <p:ph type="subTitle" idx="1"/>
-          </p:nvPr>
-        </p:nvSpPr>
-        <p:spPr/>
-        <p:txBody>
-          <a:bodyPr/>
-          <a:lstStyle/>
-          <a:p>
-            <a:endParaRPr lang="en-GB"/>
+          <p:cNvPr id="3" name="Content Placeholder 2"/>
+          <p:cNvSpPr>
+            <a:spLocks noGrp="1"/>
+          </p:cNvSpPr>
+          <p:nvPr>
+            <p:ph idx="1"/>
+          </p:nvPr>
+        </p:nvSpPr>
+        <p:spPr>
+          <a:xfrm>
+            <a:off x="457200" y="1600201"/>
+            <a:ext cx="8229600" cy="748680"/>
+          </a:xfrm>
+        </p:spPr>
+        <p:txBody>
+          <a:bodyPr/>
+          <a:lstStyle/>
+          <a:p>
+            <a:pPr marL="514350" indent="-514350">
+              <a:buFont typeface="+mj-lt"/>
+              <a:buAutoNum type="arabicPeriod" startAt="2"/>
+            </a:pPr>
+            <a:r>
+              <a:rPr lang="en-GB" dirty="0" smtClean="0"/>
+              <a:t> </a:t>
+            </a:r>
+            <a:r>
+              <a:rPr lang="en-GB" b="1" dirty="0" smtClean="0"/>
+              <a:t>Smoothed </a:t>
+            </a:r>
+            <a:r>
+              <a:rPr lang="en-GB" dirty="0" smtClean="0"/>
+              <a:t>similarity equation implemented</a:t>
+            </a:r>
+          </a:p>
+        </p:txBody>
+      </p:sp>
+      <p:pic>
+        <p:nvPicPr>
+          <p:cNvPr id="3074" name="Picture 2" descr="H:\susanedge\susanedge\figures\smooth_square_susan_test.png"/>
+          <p:cNvPicPr>
+            <a:picLocks noChangeAspect="1" noChangeArrowheads="1"/>
+          </p:cNvPicPr>
+          <p:nvPr/>
+        </p:nvPicPr>
+        <p:blipFill rotWithShape="1">
+          <a:blip r:embed="rId2" cstate="print">
+            <a:extLst>
+              <a:ext uri="{28A0092B-C50C-407E-A947-70E740481C1C}">
+                <a14:useLocalDpi xmlns="" xmlns:a14="http://schemas.microsoft.com/office/drawing/2010/main" val="0"/>
+              </a:ext>
+            </a:extLst>
+          </a:blip>
+          <a:srcRect l="28299" t="8238" r="28038" b="7052"/>
+          <a:stretch/>
+        </p:blipFill>
+        <p:spPr bwMode="auto">
+          <a:xfrm>
+            <a:off x="4211960" y="2204864"/>
+            <a:ext cx="4651848" cy="4540870"/>
+          </a:xfrm>
+          <a:prstGeom prst="rect">
+            <a:avLst/>
+          </a:prstGeom>
+          <a:noFill/>
+          <a:extLst>
+            <a:ext uri="{909E8E84-426E-40DD-AFC4-6F175D3DCCD1}">
+              <a14:hiddenFill xmlns="" xmlns:a14="http://schemas.microsoft.com/office/drawing/2010/main">
+                <a:solidFill>
+                  <a:srgbClr val="FFFFFF"/>
+                </a:solidFill>
+              </a14:hiddenFill>
+            </a:ext>
+          </a:extLst>
+        </p:spPr>
+      </p:pic>
+      <p:sp>
+        <p:nvSpPr>
+          <p:cNvPr id="5" name="Content Placeholder 2"/>
+          <p:cNvSpPr txBox="1">
+            <a:spLocks/>
+          </p:cNvSpPr>
+          <p:nvPr/>
+        </p:nvSpPr>
+        <p:spPr>
+          <a:xfrm>
+            <a:off x="467544" y="2276872"/>
+            <a:ext cx="3888432" cy="2808312"/>
+          </a:xfrm>
+          <a:prstGeom prst="rect">
+            <a:avLst/>
+          </a:prstGeom>
+        </p:spPr>
+        <p:txBody>
+          <a:bodyPr vert="horz" lIns="91440" tIns="45720" rIns="91440" bIns="45720" rtlCol="0">
+            <a:normAutofit/>
+          </a:bodyPr>
+          <a:lstStyle>
+            <a:lvl1pPr marL="342900" indent="-342900" algn="l" defTabSz="914400" rtl="0" eaLnBrk="1" latinLnBrk="0" hangingPunct="1">
+              <a:spcBef>
+                <a:spcPct val="20000"/>
+              </a:spcBef>
+              <a:buFont typeface="Arial" pitchFamily="34" charset="0"/>
+              <a:buChar char="•"/>
+              <a:defRPr sz="3200" kern="1200">
+                <a:solidFill>
+                  <a:schemeClr val="tx1"/>
+                </a:solidFill>
+                <a:latin typeface="+mn-lt"/>
+                <a:ea typeface="+mn-ea"/>
+                <a:cs typeface="+mn-cs"/>
+              </a:defRPr>
+            </a:lvl1pPr>
+            <a:lvl2pPr marL="742950" indent="-285750" algn="l" defTabSz="914400" rtl="0" eaLnBrk="1" latinLnBrk="0" hangingPunct="1">
+              <a:spcBef>
+                <a:spcPct val="20000"/>
+              </a:spcBef>
+              <a:buFont typeface="Arial" pitchFamily="34" charset="0"/>
+              <a:buChar char="–"/>
+              <a:defRPr sz="2800" kern="1200">
+                <a:solidFill>
+                  <a:schemeClr val="tx1"/>
+                </a:solidFill>
+                <a:latin typeface="+mn-lt"/>
+                <a:ea typeface="+mn-ea"/>
+                <a:cs typeface="+mn-cs"/>
+              </a:defRPr>
+            </a:lvl2pPr>
+            <a:lvl3pPr marL="1143000" indent="-228600" algn="l" defTabSz="914400" rtl="0" eaLnBrk="1" latinLnBrk="0" hangingPunct="1">
+              <a:spcBef>
+                <a:spcPct val="20000"/>
+              </a:spcBef>
+              <a:buFont typeface="Arial" pitchFamily="34" charset="0"/>
+              <a:buChar char="•"/>
+              <a:defRPr sz="2400" kern="1200">
+                <a:solidFill>
+                  <a:schemeClr val="tx1"/>
+                </a:solidFill>
+                <a:latin typeface="+mn-lt"/>
+                <a:ea typeface="+mn-ea"/>
+                <a:cs typeface="+mn-cs"/>
+              </a:defRPr>
+            </a:lvl3pPr>
+            <a:lvl4pPr marL="1600200" indent="-228600" algn="l" defTabSz="914400" rtl="0" eaLnBrk="1" latinLnBrk="0" hangingPunct="1">
+              <a:spcBef>
+                <a:spcPct val="20000"/>
+              </a:spcBef>
+              <a:buFont typeface="Arial" pitchFamily="34" charset="0"/>
+              <a:buChar char="–"/>
+              <a:defRPr sz="2000" kern="1200">
+                <a:solidFill>
+                  <a:schemeClr val="tx1"/>
+                </a:solidFill>
+                <a:latin typeface="+mn-lt"/>
+                <a:ea typeface="+mn-ea"/>
+                <a:cs typeface="+mn-cs"/>
+              </a:defRPr>
+            </a:lvl4pPr>
+            <a:lvl5pPr marL="2057400" indent="-228600" algn="l" defTabSz="914400" rtl="0" eaLnBrk="1" latinLnBrk="0" hangingPunct="1">
+              <a:spcBef>
+                <a:spcPct val="20000"/>
+              </a:spcBef>
+              <a:buFont typeface="Arial" pitchFamily="34" charset="0"/>
+              <a:buChar char="»"/>
+              <a:defRPr sz="2000" kern="1200">
+                <a:solidFill>
+                  <a:schemeClr val="tx1"/>
+                </a:solidFill>
+                <a:latin typeface="+mn-lt"/>
+                <a:ea typeface="+mn-ea"/>
+                <a:cs typeface="+mn-cs"/>
+              </a:defRPr>
+            </a:lvl5pPr>
+            <a:lvl6pPr marL="2514600" indent="-228600" algn="l" defTabSz="914400" rtl="0" eaLnBrk="1" latinLnBrk="0" hangingPunct="1">
+              <a:spcBef>
+                <a:spcPct val="20000"/>
+              </a:spcBef>
+              <a:buFont typeface="Arial" pitchFamily="34" charset="0"/>
+              <a:buChar char="•"/>
+              <a:defRPr sz="2000" kern="1200">
+                <a:solidFill>
+                  <a:schemeClr val="tx1"/>
+                </a:solidFill>
+                <a:latin typeface="+mn-lt"/>
+                <a:ea typeface="+mn-ea"/>
+                <a:cs typeface="+mn-cs"/>
+              </a:defRPr>
+            </a:lvl6pPr>
+            <a:lvl7pPr marL="2971800" indent="-228600" algn="l" defTabSz="914400" rtl="0" eaLnBrk="1" latinLnBrk="0" hangingPunct="1">
+              <a:spcBef>
+                <a:spcPct val="20000"/>
+              </a:spcBef>
+              <a:buFont typeface="Arial" pitchFamily="34" charset="0"/>
+              <a:buChar char="•"/>
+              <a:defRPr sz="2000" kern="1200">
+                <a:solidFill>
+                  <a:schemeClr val="tx1"/>
+                </a:solidFill>
+                <a:latin typeface="+mn-lt"/>
+                <a:ea typeface="+mn-ea"/>
+                <a:cs typeface="+mn-cs"/>
+              </a:defRPr>
+            </a:lvl7pPr>
+            <a:lvl8pPr marL="3429000" indent="-228600" algn="l" defTabSz="914400" rtl="0" eaLnBrk="1" latinLnBrk="0" hangingPunct="1">
+              <a:spcBef>
+                <a:spcPct val="20000"/>
+              </a:spcBef>
+              <a:buFont typeface="Arial" pitchFamily="34" charset="0"/>
+              <a:buChar char="•"/>
+              <a:defRPr sz="2000" kern="1200">
+                <a:solidFill>
+                  <a:schemeClr val="tx1"/>
+                </a:solidFill>
+                <a:latin typeface="+mn-lt"/>
+                <a:ea typeface="+mn-ea"/>
+                <a:cs typeface="+mn-cs"/>
+              </a:defRPr>
+            </a:lvl8pPr>
+            <a:lvl9pPr marL="3886200" indent="-228600" algn="l" defTabSz="914400" rtl="0" eaLnBrk="1" latinLnBrk="0" hangingPunct="1">
+              <a:spcBef>
+                <a:spcPct val="20000"/>
+              </a:spcBef>
+              <a:buFont typeface="Arial" pitchFamily="34" charset="0"/>
+              <a:buChar char="•"/>
+              <a:defRPr sz="2000" kern="1200">
+                <a:solidFill>
+                  <a:schemeClr val="tx1"/>
+                </a:solidFill>
+                <a:latin typeface="+mn-lt"/>
+                <a:ea typeface="+mn-ea"/>
+                <a:cs typeface="+mn-cs"/>
+              </a:defRPr>
+            </a:lvl9pPr>
+          </a:lstStyle>
+          <a:p>
+            <a:pPr marL="514350" indent="-514350">
+              <a:buFont typeface="+mj-lt"/>
+              <a:buAutoNum type="arabicPeriod" startAt="3"/>
+            </a:pPr>
+            <a:r>
+              <a:rPr lang="en-GB" dirty="0" smtClean="0"/>
+              <a:t>Algorithm </a:t>
+            </a:r>
+            <a:r>
+              <a:rPr lang="en-GB" dirty="0" err="1" smtClean="0"/>
+              <a:t>vectorised</a:t>
+            </a:r>
+            <a:r>
+              <a:rPr lang="en-GB" dirty="0" smtClean="0"/>
+              <a:t> to improve speed</a:t>
+            </a:r>
+            <a:endParaRPr lang="en-GB" dirty="0"/>
           </a:p>
         </p:txBody>
       </p:sp>
     </p:spTree>
     <p:extLst>
       <p:ext uri="{BB962C8B-B14F-4D97-AF65-F5344CB8AC3E}">
-        <p14:creationId xmlns:p14="http://schemas.microsoft.com/office/powerpoint/2010/main" xmlns="" val="378800283"/>
+        <p14:creationId xmlns="" xmlns:p14="http://schemas.microsoft.com/office/powerpoint/2010/main" val="3107077440"/>
       </p:ext>
     </p:extLst>
   </p:cSld>
@@ -3919,7 +4182,7 @@
             <a:spLocks noGrp="1"/>
           </p:cNvSpPr>
           <p:nvPr>
-            <p:ph type="ctrTitle"/>
+            <p:ph type="title"/>
           </p:nvPr>
         </p:nvSpPr>
         <p:spPr/>
@@ -3929,7 +4192,7 @@
           <a:p>
             <a:r>
               <a:rPr lang="en-GB" dirty="0" smtClean="0"/>
-              <a:t>Comparison</a:t>
+              <a:t>Implementation – Achievements</a:t>
             </a:r>
             <a:endParaRPr lang="en-GB" dirty="0"/>
           </a:p>
@@ -3937,12 +4200,12 @@
       </p:sp>
       <p:sp>
         <p:nvSpPr>
-          <p:cNvPr id="4" name="Subtitle 3"/>
-          <p:cNvSpPr>
-            <a:spLocks noGrp="1"/>
-          </p:cNvSpPr>
-          <p:nvPr>
-            <p:ph type="subTitle" idx="1"/>
+          <p:cNvPr id="3" name="Content Placeholder 2"/>
+          <p:cNvSpPr>
+            <a:spLocks noGrp="1"/>
+          </p:cNvSpPr>
+          <p:nvPr>
+            <p:ph idx="1"/>
           </p:nvPr>
         </p:nvSpPr>
         <p:spPr/>
@@ -3950,14 +4213,150 @@
           <a:bodyPr/>
           <a:lstStyle/>
           <a:p>
-            <a:endParaRPr lang="en-GB"/>
+            <a:pPr marL="514350" indent="-514350">
+              <a:buFont typeface="+mj-lt"/>
+              <a:buAutoNum type="arabicPeriod"/>
+            </a:pPr>
+            <a:r>
+              <a:rPr lang="en-GB" dirty="0" smtClean="0"/>
+              <a:t>Implementation with </a:t>
+            </a:r>
+            <a:r>
+              <a:rPr lang="en-GB" b="1" dirty="0" smtClean="0"/>
+              <a:t>square mask </a:t>
+            </a:r>
+            <a:r>
+              <a:rPr lang="en-GB" dirty="0" smtClean="0"/>
+              <a:t>and </a:t>
+            </a:r>
+            <a:r>
+              <a:rPr lang="en-GB" b="1" dirty="0" smtClean="0"/>
+              <a:t>simple</a:t>
+            </a:r>
+            <a:r>
+              <a:rPr lang="en-GB" dirty="0" smtClean="0"/>
+              <a:t>  </a:t>
+            </a:r>
+            <a:r>
+              <a:rPr lang="en-GB" b="1" dirty="0" smtClean="0"/>
+              <a:t>similarity equation</a:t>
+            </a:r>
+          </a:p>
+          <a:p>
+            <a:pPr marL="571500" indent="-514350">
+              <a:buFont typeface="+mj-lt"/>
+              <a:buAutoNum type="arabicPeriod"/>
+            </a:pPr>
+            <a:r>
+              <a:rPr lang="en-GB" dirty="0" smtClean="0"/>
+              <a:t> </a:t>
+            </a:r>
+            <a:r>
+              <a:rPr lang="en-GB" b="1" dirty="0" smtClean="0"/>
+              <a:t>Smoothed </a:t>
+            </a:r>
+            <a:r>
+              <a:rPr lang="en-GB" dirty="0" smtClean="0"/>
+              <a:t>similarity equation implemented</a:t>
+            </a:r>
+          </a:p>
+          <a:p>
+            <a:pPr marL="571500" indent="-514350">
+              <a:buFont typeface="+mj-lt"/>
+              <a:buAutoNum type="arabicPeriod"/>
+            </a:pPr>
+            <a:r>
+              <a:rPr lang="en-GB" dirty="0" smtClean="0"/>
+              <a:t> </a:t>
+            </a:r>
+            <a:r>
+              <a:rPr lang="en-GB" b="1" dirty="0" smtClean="0"/>
+              <a:t>Circular</a:t>
+            </a:r>
+            <a:r>
+              <a:rPr lang="en-GB" dirty="0" smtClean="0"/>
+              <a:t> mask implemented</a:t>
+            </a:r>
+          </a:p>
+          <a:p>
+            <a:pPr marL="571500" indent="-514350">
+              <a:buFont typeface="+mj-lt"/>
+              <a:buAutoNum type="arabicPeriod"/>
+            </a:pPr>
+            <a:r>
+              <a:rPr lang="en-GB" dirty="0"/>
+              <a:t>  </a:t>
+            </a:r>
+            <a:r>
+              <a:rPr lang="en-GB" b="1" dirty="0" smtClean="0"/>
+              <a:t>Inter</a:t>
+            </a:r>
+            <a:r>
+              <a:rPr lang="en-GB" dirty="0" smtClean="0"/>
+              <a:t>-Pixel </a:t>
+            </a:r>
+            <a:r>
+              <a:rPr lang="en-GB" b="1" dirty="0" smtClean="0"/>
+              <a:t>edge direction</a:t>
+            </a:r>
+            <a:r>
+              <a:rPr lang="en-GB" dirty="0" smtClean="0"/>
+              <a:t> measurement implemented</a:t>
+            </a:r>
+          </a:p>
+          <a:p>
+            <a:pPr marL="571500" indent="-514350">
+              <a:buFont typeface="+mj-lt"/>
+              <a:buAutoNum type="arabicPeriod"/>
+            </a:pPr>
+            <a:r>
+              <a:rPr lang="en-GB" dirty="0" smtClean="0"/>
+              <a:t> </a:t>
+            </a:r>
+            <a:r>
+              <a:rPr lang="en-GB" b="1" dirty="0" smtClean="0"/>
+              <a:t>Intra</a:t>
+            </a:r>
+            <a:r>
+              <a:rPr lang="en-GB" dirty="0" smtClean="0"/>
+              <a:t>-Pixel </a:t>
+            </a:r>
+            <a:r>
+              <a:rPr lang="en-GB" b="1" dirty="0" smtClean="0"/>
+              <a:t>edge direction</a:t>
+            </a:r>
+            <a:r>
+              <a:rPr lang="en-GB" dirty="0" smtClean="0"/>
+              <a:t> measurement implemented</a:t>
+            </a:r>
+          </a:p>
+          <a:p>
+            <a:pPr marL="971550" lvl="1" indent="-514350">
+              <a:buFont typeface="+mj-lt"/>
+              <a:buAutoNum type="arabicPeriod"/>
+            </a:pPr>
+            <a:endParaRPr lang="en-GB" dirty="0" smtClean="0"/>
+          </a:p>
+          <a:p>
+            <a:pPr marL="971550" lvl="1" indent="-514350">
+              <a:buFont typeface="+mj-lt"/>
+              <a:buAutoNum type="arabicPeriod"/>
+            </a:pPr>
+            <a:endParaRPr lang="en-GB" dirty="0" smtClean="0"/>
+          </a:p>
+          <a:p>
+            <a:pPr marL="971550" lvl="1" indent="-514350">
+              <a:buFont typeface="+mj-lt"/>
+              <a:buAutoNum type="arabicPeriod"/>
+            </a:pPr>
+            <a:endParaRPr lang="en-GB" dirty="0"/>
           </a:p>
         </p:txBody>
       </p:sp>
     </p:spTree>
     <p:extLst>
       <p:ext uri="{BB962C8B-B14F-4D97-AF65-F5344CB8AC3E}">
-        <p14:creationId xmlns:p14="http://schemas.microsoft.com/office/powerpoint/2010/main" xmlns="" val="2697055445"/>
+        <p14:creationId xmlns="" xmlns:p14="http://schemas.microsoft.com/office/powerpoint/2010/main" val="543308162"/>
       </p:ext>
     </p:extLst>
   </p:cSld>
@@ -3993,6 +4392,243 @@
       </p:grpSpPr>
       <p:sp>
         <p:nvSpPr>
+          <p:cNvPr id="6" name="Title 5"/>
+          <p:cNvSpPr>
+            <a:spLocks noGrp="1"/>
+          </p:cNvSpPr>
+          <p:nvPr>
+            <p:ph type="ctrTitle"/>
+          </p:nvPr>
+        </p:nvSpPr>
+        <p:spPr/>
+        <p:txBody>
+          <a:bodyPr/>
+          <a:lstStyle/>
+          <a:p>
+            <a:r>
+              <a:rPr lang="en-GB" dirty="0" smtClean="0"/>
+              <a:t>Demo</a:t>
+            </a:r>
+            <a:endParaRPr lang="en-GB" dirty="0"/>
+          </a:p>
+        </p:txBody>
+      </p:sp>
+      <p:sp>
+        <p:nvSpPr>
+          <p:cNvPr id="8" name="Subtitle 7"/>
+          <p:cNvSpPr>
+            <a:spLocks noGrp="1"/>
+          </p:cNvSpPr>
+          <p:nvPr>
+            <p:ph type="subTitle" idx="1"/>
+          </p:nvPr>
+        </p:nvSpPr>
+        <p:spPr/>
+        <p:txBody>
+          <a:bodyPr/>
+          <a:lstStyle/>
+          <a:p>
+            <a:endParaRPr lang="en-GB" dirty="0"/>
+          </a:p>
+        </p:txBody>
+      </p:sp>
+    </p:spTree>
+    <p:extLst>
+      <p:ext uri="{BB962C8B-B14F-4D97-AF65-F5344CB8AC3E}">
+        <p14:creationId xmlns="" xmlns:p14="http://schemas.microsoft.com/office/powerpoint/2010/main" val="2001286214"/>
+      </p:ext>
+    </p:extLst>
+  </p:cSld>
+  <p:clrMapOvr>
+    <a:masterClrMapping/>
+  </p:clrMapOvr>
+  <p:timing>
+    <p:tnLst>
+      <p:par>
+        <p:cTn id="1" dur="indefinite" restart="never" nodeType="tmRoot"/>
+      </p:par>
+    </p:tnLst>
+  </p:timing>
+</p:sld>
+</file>
+
+<file path=ppt/slides/slide16.xml><?xml version="1.0" encoding="utf-8"?>
+<p:sld xmlns:a="http://schemas.openxmlformats.org/drawingml/2006/main" xmlns:r="http://schemas.openxmlformats.org/officeDocument/2006/relationships" xmlns:p="http://schemas.openxmlformats.org/presentationml/2006/main">
+  <p:cSld>
+    <p:spTree>
+      <p:nvGrpSpPr>
+        <p:cNvPr id="1" name=""/>
+        <p:cNvGrpSpPr/>
+        <p:nvPr/>
+      </p:nvGrpSpPr>
+      <p:grpSpPr>
+        <a:xfrm>
+          <a:off x="0" y="0"/>
+          <a:ext cx="0" cy="0"/>
+          <a:chOff x="0" y="0"/>
+          <a:chExt cx="0" cy="0"/>
+        </a:xfrm>
+      </p:grpSpPr>
+      <p:sp>
+        <p:nvSpPr>
+          <p:cNvPr id="2" name="Title 1"/>
+          <p:cNvSpPr>
+            <a:spLocks noGrp="1"/>
+          </p:cNvSpPr>
+          <p:nvPr>
+            <p:ph type="ctrTitle"/>
+          </p:nvPr>
+        </p:nvSpPr>
+        <p:spPr/>
+        <p:txBody>
+          <a:bodyPr/>
+          <a:lstStyle/>
+          <a:p>
+            <a:r>
+              <a:rPr lang="en-GB" dirty="0" smtClean="0"/>
+              <a:t>Experimentation</a:t>
+            </a:r>
+            <a:endParaRPr lang="en-GB" dirty="0"/>
+          </a:p>
+        </p:txBody>
+      </p:sp>
+      <p:sp>
+        <p:nvSpPr>
+          <p:cNvPr id="4" name="Subtitle 3"/>
+          <p:cNvSpPr>
+            <a:spLocks noGrp="1"/>
+          </p:cNvSpPr>
+          <p:nvPr>
+            <p:ph type="subTitle" idx="1"/>
+          </p:nvPr>
+        </p:nvSpPr>
+        <p:spPr/>
+        <p:txBody>
+          <a:bodyPr/>
+          <a:lstStyle/>
+          <a:p>
+            <a:endParaRPr lang="en-GB"/>
+          </a:p>
+        </p:txBody>
+      </p:sp>
+    </p:spTree>
+    <p:extLst>
+      <p:ext uri="{BB962C8B-B14F-4D97-AF65-F5344CB8AC3E}">
+        <p14:creationId xmlns="" xmlns:p14="http://schemas.microsoft.com/office/powerpoint/2010/main" val="378800283"/>
+      </p:ext>
+    </p:extLst>
+  </p:cSld>
+  <p:clrMapOvr>
+    <a:masterClrMapping/>
+  </p:clrMapOvr>
+  <p:timing>
+    <p:tnLst>
+      <p:par>
+        <p:cTn id="1" dur="indefinite" restart="never" nodeType="tmRoot"/>
+      </p:par>
+    </p:tnLst>
+  </p:timing>
+</p:sld>
+</file>
+
+<file path=ppt/slides/slide17.xml><?xml version="1.0" encoding="utf-8"?>
+<p:sld xmlns:a="http://schemas.openxmlformats.org/drawingml/2006/main" xmlns:r="http://schemas.openxmlformats.org/officeDocument/2006/relationships" xmlns:p="http://schemas.openxmlformats.org/presentationml/2006/main">
+  <p:cSld>
+    <p:spTree>
+      <p:nvGrpSpPr>
+        <p:cNvPr id="1" name=""/>
+        <p:cNvGrpSpPr/>
+        <p:nvPr/>
+      </p:nvGrpSpPr>
+      <p:grpSpPr>
+        <a:xfrm>
+          <a:off x="0" y="0"/>
+          <a:ext cx="0" cy="0"/>
+          <a:chOff x="0" y="0"/>
+          <a:chExt cx="0" cy="0"/>
+        </a:xfrm>
+      </p:grpSpPr>
+      <p:sp>
+        <p:nvSpPr>
+          <p:cNvPr id="2" name="Title 1"/>
+          <p:cNvSpPr>
+            <a:spLocks noGrp="1"/>
+          </p:cNvSpPr>
+          <p:nvPr>
+            <p:ph type="ctrTitle"/>
+          </p:nvPr>
+        </p:nvSpPr>
+        <p:spPr/>
+        <p:txBody>
+          <a:bodyPr/>
+          <a:lstStyle/>
+          <a:p>
+            <a:r>
+              <a:rPr lang="en-GB" dirty="0" smtClean="0"/>
+              <a:t>Comparison</a:t>
+            </a:r>
+            <a:endParaRPr lang="en-GB" dirty="0"/>
+          </a:p>
+        </p:txBody>
+      </p:sp>
+      <p:sp>
+        <p:nvSpPr>
+          <p:cNvPr id="4" name="Subtitle 3"/>
+          <p:cNvSpPr>
+            <a:spLocks noGrp="1"/>
+          </p:cNvSpPr>
+          <p:nvPr>
+            <p:ph type="subTitle" idx="1"/>
+          </p:nvPr>
+        </p:nvSpPr>
+        <p:spPr/>
+        <p:txBody>
+          <a:bodyPr/>
+          <a:lstStyle/>
+          <a:p>
+            <a:endParaRPr lang="en-GB"/>
+          </a:p>
+        </p:txBody>
+      </p:sp>
+    </p:spTree>
+    <p:extLst>
+      <p:ext uri="{BB962C8B-B14F-4D97-AF65-F5344CB8AC3E}">
+        <p14:creationId xmlns="" xmlns:p14="http://schemas.microsoft.com/office/powerpoint/2010/main" val="2697055445"/>
+      </p:ext>
+    </p:extLst>
+  </p:cSld>
+  <p:clrMapOvr>
+    <a:masterClrMapping/>
+  </p:clrMapOvr>
+  <p:timing>
+    <p:tnLst>
+      <p:par>
+        <p:cTn id="1" dur="indefinite" restart="never" nodeType="tmRoot"/>
+      </p:par>
+    </p:tnLst>
+  </p:timing>
+</p:sld>
+</file>
+
+<file path=ppt/slides/slide18.xml><?xml version="1.0" encoding="utf-8"?>
+<p:sld xmlns:a="http://schemas.openxmlformats.org/drawingml/2006/main" xmlns:r="http://schemas.openxmlformats.org/officeDocument/2006/relationships" xmlns:p="http://schemas.openxmlformats.org/presentationml/2006/main">
+  <p:cSld>
+    <p:spTree>
+      <p:nvGrpSpPr>
+        <p:cNvPr id="1" name=""/>
+        <p:cNvGrpSpPr/>
+        <p:nvPr/>
+      </p:nvGrpSpPr>
+      <p:grpSpPr>
+        <a:xfrm>
+          <a:off x="0" y="0"/>
+          <a:ext cx="0" cy="0"/>
+          <a:chOff x="0" y="0"/>
+          <a:chExt cx="0" cy="0"/>
+        </a:xfrm>
+      </p:grpSpPr>
+      <p:sp>
+        <p:nvSpPr>
           <p:cNvPr id="2" name="Title 1"/>
           <p:cNvSpPr>
             <a:spLocks noGrp="1"/>
@@ -4033,13 +4669,7 @@
               <a:rPr lang="en-GB" dirty="0" smtClean="0">
                 <a:hlinkClick r:id="rId2"/>
               </a:rPr>
-              <a:t>http://users.fmrib.ox.ac.uk/~</a:t>
-            </a:r>
-            <a:r>
-              <a:rPr lang="en-GB" dirty="0" smtClean="0">
-                <a:hlinkClick r:id="rId2"/>
-              </a:rPr>
-              <a:t>steve/susan/susan/susan.html</a:t>
+              <a:t>http://users.fmrib.ox.ac.uk/~steve/susan/susan/susan.html</a:t>
             </a:r>
             <a:endParaRPr lang="en-GB" dirty="0" smtClean="0"/>
           </a:p>
@@ -4051,7 +4681,7 @@
     </p:spTree>
     <p:extLst>
       <p:ext uri="{BB962C8B-B14F-4D97-AF65-F5344CB8AC3E}">
-        <p14:creationId xmlns:p14="http://schemas.microsoft.com/office/powerpoint/2010/main" xmlns="" val="1568749011"/>
+        <p14:creationId xmlns="" xmlns:p14="http://schemas.microsoft.com/office/powerpoint/2010/main" val="1568749011"/>
       </p:ext>
     </p:extLst>
   </p:cSld>
@@ -4181,7 +4811,7 @@
     </p:spTree>
     <p:extLst>
       <p:ext uri="{BB962C8B-B14F-4D97-AF65-F5344CB8AC3E}">
-        <p14:creationId xmlns:p14="http://schemas.microsoft.com/office/powerpoint/2010/main" xmlns="" val="3044184147"/>
+        <p14:creationId xmlns="" xmlns:p14="http://schemas.microsoft.com/office/powerpoint/2010/main" val="3044184147"/>
       </p:ext>
     </p:extLst>
   </p:cSld>
@@ -4260,7 +4890,7 @@
     </p:spTree>
     <p:extLst>
       <p:ext uri="{BB962C8B-B14F-4D97-AF65-F5344CB8AC3E}">
-        <p14:creationId xmlns:p14="http://schemas.microsoft.com/office/powerpoint/2010/main" xmlns="" val="2118226303"/>
+        <p14:creationId xmlns="" xmlns:p14="http://schemas.microsoft.com/office/powerpoint/2010/main" val="2118226303"/>
       </p:ext>
     </p:extLst>
   </p:cSld>
@@ -4943,12 +5573,12 @@
       </p:sp>
       <p:sp>
         <p:nvSpPr>
-          <p:cNvPr id="3" name="Content Placeholder 2"/>
-          <p:cNvSpPr>
-            <a:spLocks noGrp="1"/>
-          </p:cNvSpPr>
-          <p:nvPr>
-            <p:ph idx="1"/>
+          <p:cNvPr id="4" name="Content Placeholder 3"/>
+          <p:cNvSpPr>
+            <a:spLocks noGrp="1"/>
+          </p:cNvSpPr>
+          <p:nvPr>
+            <p:ph sz="half" idx="1"/>
           </p:nvPr>
         </p:nvSpPr>
         <p:spPr/>
@@ -4956,7 +5586,89 @@
           <a:bodyPr/>
           <a:lstStyle/>
           <a:p>
+            <a:r>
+              <a:rPr lang="en-GB" dirty="0" smtClean="0"/>
+              <a:t>Pixel values in the USAN need comparing to the nucleus</a:t>
+            </a:r>
+          </a:p>
+          <a:p>
+            <a:r>
+              <a:rPr lang="en-GB" dirty="0" smtClean="0"/>
+              <a:t>Simplest version: rectangular window</a:t>
+            </a:r>
+          </a:p>
+          <a:p>
+            <a:r>
+              <a:rPr lang="en-GB" dirty="0" smtClean="0"/>
+              <a:t>Better version: exp(-((pixel - nucleus)/t)^6)</a:t>
+            </a:r>
+          </a:p>
+          <a:p>
             <a:endParaRPr lang="en-GB" dirty="0"/>
+          </a:p>
+        </p:txBody>
+      </p:sp>
+      <p:pic>
+        <p:nvPicPr>
+          <p:cNvPr id="1026" name="Picture 2"/>
+          <p:cNvPicPr>
+            <a:picLocks noGrp="1" noChangeAspect="1" noChangeArrowheads="1"/>
+          </p:cNvPicPr>
+          <p:nvPr>
+            <p:ph sz="half" idx="2"/>
+          </p:nvPr>
+        </p:nvPicPr>
+        <p:blipFill>
+          <a:blip r:embed="rId2" cstate="print"/>
+          <a:srcRect/>
+          <a:stretch>
+            <a:fillRect/>
+          </a:stretch>
+        </p:blipFill>
+        <p:spPr bwMode="auto">
+          <a:xfrm>
+            <a:off x="4648200" y="2799119"/>
+            <a:ext cx="4038600" cy="2128125"/>
+          </a:xfrm>
+          <a:prstGeom prst="rect">
+            <a:avLst/>
+          </a:prstGeom>
+          <a:noFill/>
+          <a:ln w="9525">
+            <a:noFill/>
+            <a:miter lim="800000"/>
+            <a:headEnd/>
+            <a:tailEnd/>
+          </a:ln>
+        </p:spPr>
+      </p:pic>
+      <p:sp>
+        <p:nvSpPr>
+          <p:cNvPr id="7" name="TextBox 6"/>
+          <p:cNvSpPr txBox="1"/>
+          <p:nvPr/>
+        </p:nvSpPr>
+        <p:spPr>
+          <a:xfrm>
+            <a:off x="4644008" y="5013176"/>
+            <a:ext cx="4032448" cy="246221"/>
+          </a:xfrm>
+          <a:prstGeom prst="rect">
+            <a:avLst/>
+          </a:prstGeom>
+          <a:noFill/>
+        </p:spPr>
+        <p:txBody>
+          <a:bodyPr wrap="square" rtlCol="0">
+            <a:spAutoFit/>
+          </a:bodyPr>
+          <a:lstStyle/>
+          <a:p>
+            <a:r>
+              <a:rPr lang="en-GB" sz="1000" dirty="0" smtClean="0"/>
+              <a:t>http://users.fmrib.ox.ac.uk/~steve/susan/susan/node6.html#c_equation</a:t>
+            </a:r>
+            <a:endParaRPr lang="en-GB" sz="1000" dirty="0"/>
           </a:p>
         </p:txBody>
       </p:sp>
@@ -4992,7 +5704,7 @@
             <a:spLocks noGrp="1"/>
           </p:cNvSpPr>
           <p:nvPr>
-            <p:ph type="ctrTitle"/>
+            <p:ph type="title"/>
           </p:nvPr>
         </p:nvSpPr>
         <p:spPr/>
@@ -5002,7 +5714,7 @@
           <a:p>
             <a:r>
               <a:rPr lang="en-GB" dirty="0" smtClean="0"/>
-              <a:t>Implementation</a:t>
+              <a:t>Theory – The Maths</a:t>
             </a:r>
             <a:endParaRPr lang="en-GB" dirty="0"/>
           </a:p>
@@ -5010,12 +5722,12 @@
       </p:sp>
       <p:sp>
         <p:nvSpPr>
-          <p:cNvPr id="4" name="Subtitle 3"/>
-          <p:cNvSpPr>
-            <a:spLocks noGrp="1"/>
-          </p:cNvSpPr>
-          <p:nvPr>
-            <p:ph type="subTitle" idx="1"/>
+          <p:cNvPr id="5" name="Content Placeholder 4"/>
+          <p:cNvSpPr>
+            <a:spLocks noGrp="1"/>
+          </p:cNvSpPr>
+          <p:nvPr>
+            <p:ph idx="1"/>
           </p:nvPr>
         </p:nvSpPr>
         <p:spPr/>
@@ -5023,27 +5735,51 @@
           <a:bodyPr/>
           <a:lstStyle/>
           <a:p>
-            <a:endParaRPr lang="en-GB"/>
+            <a:r>
+              <a:rPr lang="en-GB" dirty="0" smtClean="0"/>
+              <a:t>Once the area of the USAN is determined it is compared to a threshold (g = 3*</a:t>
+            </a:r>
+            <a:r>
+              <a:rPr lang="en-GB" dirty="0" err="1" smtClean="0"/>
+              <a:t>n</a:t>
+            </a:r>
+            <a:r>
+              <a:rPr lang="en-GB" sz="2400" dirty="0" err="1" smtClean="0"/>
+              <a:t>max</a:t>
+            </a:r>
+            <a:r>
+              <a:rPr lang="en-GB" dirty="0" smtClean="0"/>
+              <a:t>/4) and it is given a new value as:</a:t>
+            </a:r>
+          </a:p>
+          <a:p>
+            <a:pPr lvl="1"/>
+            <a:r>
+              <a:rPr lang="en-GB" dirty="0" smtClean="0"/>
+              <a:t>Area &lt; g : USAN value = g – area</a:t>
+            </a:r>
+          </a:p>
+          <a:p>
+            <a:pPr lvl="1"/>
+            <a:r>
+              <a:rPr lang="en-GB" dirty="0" smtClean="0"/>
+              <a:t>Area &gt; g : USAN value = 0</a:t>
+            </a:r>
+          </a:p>
+          <a:p>
+            <a:r>
+              <a:rPr lang="en-GB" dirty="0" smtClean="0"/>
+              <a:t>This converts minima to maxima, non-maximal suppression this sharpens the features further</a:t>
+            </a:r>
+            <a:endParaRPr lang="en-GB" dirty="0"/>
           </a:p>
         </p:txBody>
       </p:sp>
     </p:spTree>
-    <p:extLst>
-      <p:ext uri="{BB962C8B-B14F-4D97-AF65-F5344CB8AC3E}">
-        <p14:creationId xmlns:p14="http://schemas.microsoft.com/office/powerpoint/2010/main" xmlns="" val="2813178390"/>
-      </p:ext>
-    </p:extLst>
   </p:cSld>
   <p:clrMapOvr>
     <a:masterClrMapping/>
   </p:clrMapOvr>
-  <p:timing>
-    <p:tnLst>
-      <p:par>
-        <p:cTn id="1" dur="indefinite" restart="never" nodeType="tmRoot"/>
-      </p:par>
-    </p:tnLst>
-  </p:timing>
 </p:sld>
 </file>
 
@@ -5081,7 +5817,15 @@
           <a:p>
             <a:r>
               <a:rPr lang="en-GB" dirty="0" smtClean="0"/>
-              <a:t>Implementation – Overview</a:t>
+              <a:t>Theory – </a:t>
+            </a:r>
+            <a:r>
+              <a:rPr lang="en-GB" dirty="0" smtClean="0"/>
+              <a:t>E</a:t>
+            </a:r>
+            <a:r>
+              <a:rPr lang="en-GB" dirty="0" smtClean="0"/>
+              <a:t>dge Direction</a:t>
             </a:r>
             <a:endParaRPr lang="en-GB" dirty="0"/>
           </a:p>
@@ -5089,18 +5833,18 @@
       </p:sp>
       <p:sp>
         <p:nvSpPr>
-          <p:cNvPr id="3" name="Content Placeholder 2"/>
-          <p:cNvSpPr>
-            <a:spLocks noGrp="1"/>
-          </p:cNvSpPr>
-          <p:nvPr>
-            <p:ph idx="1"/>
+          <p:cNvPr id="4" name="Content Placeholder 3"/>
+          <p:cNvSpPr>
+            <a:spLocks noGrp="1"/>
+          </p:cNvSpPr>
+          <p:nvPr>
+            <p:ph sz="half" idx="1"/>
           </p:nvPr>
         </p:nvSpPr>
         <p:spPr>
           <a:xfrm>
-            <a:off x="457200" y="1600201"/>
-            <a:ext cx="8229600" cy="676672"/>
+            <a:off x="457200" y="1600200"/>
+            <a:ext cx="4690864" cy="4525963"/>
           </a:xfrm>
         </p:spPr>
         <p:txBody>
@@ -5108,324 +5852,1059 @@
           <a:lstStyle/>
           <a:p>
             <a:r>
-              <a:rPr lang="en-GB" b="1" dirty="0" smtClean="0"/>
-              <a:t>Python</a:t>
-            </a:r>
-            <a:r>
               <a:rPr lang="en-GB" dirty="0" smtClean="0"/>
-              <a:t> with </a:t>
-            </a:r>
-            <a:r>
-              <a:rPr lang="en-GB" dirty="0" err="1" smtClean="0"/>
-              <a:t>Numpy</a:t>
-            </a:r>
+              <a:t>Simple case: “Inter-pixel” edge</a:t>
+            </a:r>
+          </a:p>
+          <a:p>
             <a:r>
               <a:rPr lang="en-GB" dirty="0" smtClean="0"/>
-              <a:t> and </a:t>
-            </a:r>
-            <a:r>
-              <a:rPr lang="en-GB" dirty="0" err="1" smtClean="0"/>
-              <a:t>Matplotlib</a:t>
-            </a:r>
+              <a:t>The direction of an edge can be calculated using SUSAN</a:t>
+            </a:r>
+          </a:p>
+          <a:p>
+            <a:r>
+              <a:rPr lang="en-GB" dirty="0" smtClean="0"/>
+              <a:t>The difference between the “centre of gravity” and the nucleus can be used</a:t>
+            </a:r>
+          </a:p>
+          <a:p>
             <a:endParaRPr lang="en-GB" dirty="0"/>
           </a:p>
         </p:txBody>
       </p:sp>
-      <p:sp>
-        <p:nvSpPr>
-          <p:cNvPr id="4" name="Rectangle 3"/>
+      <p:grpSp>
+        <p:nvGrpSpPr>
+          <p:cNvPr id="6" name="Group 5"/>
+          <p:cNvGrpSpPr/>
+          <p:nvPr/>
+        </p:nvGrpSpPr>
+        <p:grpSpPr>
+          <a:xfrm>
+            <a:off x="5580112" y="1700808"/>
+            <a:ext cx="2952328" cy="3744416"/>
+            <a:chOff x="5580112" y="1916832"/>
+            <a:chExt cx="2952328" cy="3744416"/>
+          </a:xfrm>
+        </p:grpSpPr>
+        <p:sp>
+          <p:nvSpPr>
+            <p:cNvPr id="7" name="Rectangle 6"/>
+            <p:cNvSpPr/>
+            <p:nvPr/>
+          </p:nvSpPr>
+          <p:spPr>
+            <a:xfrm>
+              <a:off x="5580112" y="1916832"/>
+              <a:ext cx="2952328" cy="3744416"/>
+            </a:xfrm>
+            <a:prstGeom prst="rect">
+              <a:avLst/>
+            </a:prstGeom>
+            <a:solidFill>
+              <a:schemeClr val="bg1"/>
+            </a:solidFill>
+          </p:spPr>
+          <p:style>
+            <a:lnRef idx="2">
+              <a:schemeClr val="accent1">
+                <a:shade val="50000"/>
+              </a:schemeClr>
+            </a:lnRef>
+            <a:fillRef idx="1">
+              <a:schemeClr val="accent1"/>
+            </a:fillRef>
+            <a:effectRef idx="0">
+              <a:schemeClr val="accent1"/>
+            </a:effectRef>
+            <a:fontRef idx="minor">
+              <a:schemeClr val="lt1"/>
+            </a:fontRef>
+          </p:style>
+          <p:txBody>
+            <a:bodyPr rtlCol="0" anchor="ctr"/>
+            <a:lstStyle/>
+            <a:p>
+              <a:pPr algn="ctr"/>
+              <a:endParaRPr lang="en-GB"/>
+            </a:p>
+          </p:txBody>
+        </p:sp>
+        <p:sp>
+          <p:nvSpPr>
+            <p:cNvPr id="8" name="Rectangle 7"/>
+            <p:cNvSpPr/>
+            <p:nvPr/>
+          </p:nvSpPr>
+          <p:spPr>
+            <a:xfrm>
+              <a:off x="6732240" y="3789040"/>
+              <a:ext cx="1800200" cy="1872208"/>
+            </a:xfrm>
+            <a:prstGeom prst="rect">
+              <a:avLst/>
+            </a:prstGeom>
+          </p:spPr>
+          <p:style>
+            <a:lnRef idx="2">
+              <a:schemeClr val="accent1">
+                <a:shade val="50000"/>
+              </a:schemeClr>
+            </a:lnRef>
+            <a:fillRef idx="1">
+              <a:schemeClr val="accent1"/>
+            </a:fillRef>
+            <a:effectRef idx="0">
+              <a:schemeClr val="accent1"/>
+            </a:effectRef>
+            <a:fontRef idx="minor">
+              <a:schemeClr val="lt1"/>
+            </a:fontRef>
+          </p:style>
+          <p:txBody>
+            <a:bodyPr rtlCol="0" anchor="ctr"/>
+            <a:lstStyle/>
+            <a:p>
+              <a:pPr algn="ctr"/>
+              <a:endParaRPr lang="en-GB"/>
+            </a:p>
+          </p:txBody>
+        </p:sp>
+      </p:grpSp>
+      <p:grpSp>
+        <p:nvGrpSpPr>
+          <p:cNvPr id="9" name="Group 8"/>
+          <p:cNvGrpSpPr/>
+          <p:nvPr/>
+        </p:nvGrpSpPr>
+        <p:grpSpPr>
+          <a:xfrm>
+            <a:off x="5940152" y="2204864"/>
+            <a:ext cx="648072" cy="648072"/>
+            <a:chOff x="5940152" y="2204864"/>
+            <a:chExt cx="648072" cy="648072"/>
+          </a:xfrm>
+        </p:grpSpPr>
+        <p:sp>
+          <p:nvSpPr>
+            <p:cNvPr id="10" name="Oval 9"/>
+            <p:cNvSpPr/>
+            <p:nvPr/>
+          </p:nvSpPr>
+          <p:spPr>
+            <a:xfrm>
+              <a:off x="5940152" y="2204864"/>
+              <a:ext cx="648072" cy="648072"/>
+            </a:xfrm>
+            <a:prstGeom prst="ellipse">
+              <a:avLst/>
+            </a:prstGeom>
+            <a:noFill/>
+            <a:ln>
+              <a:solidFill>
+                <a:schemeClr val="accent2"/>
+              </a:solidFill>
+            </a:ln>
+          </p:spPr>
+          <p:style>
+            <a:lnRef idx="2">
+              <a:schemeClr val="accent1">
+                <a:shade val="50000"/>
+              </a:schemeClr>
+            </a:lnRef>
+            <a:fillRef idx="1">
+              <a:schemeClr val="accent1"/>
+            </a:fillRef>
+            <a:effectRef idx="0">
+              <a:schemeClr val="accent1"/>
+            </a:effectRef>
+            <a:fontRef idx="minor">
+              <a:schemeClr val="lt1"/>
+            </a:fontRef>
+          </p:style>
+          <p:txBody>
+            <a:bodyPr rtlCol="0" anchor="ctr"/>
+            <a:lstStyle/>
+            <a:p>
+              <a:pPr algn="ctr"/>
+              <a:endParaRPr lang="en-GB"/>
+            </a:p>
+          </p:txBody>
+        </p:sp>
+        <p:sp>
+          <p:nvSpPr>
+            <p:cNvPr id="11" name="Multiply 10"/>
+            <p:cNvSpPr/>
+            <p:nvPr/>
+          </p:nvSpPr>
+          <p:spPr>
+            <a:xfrm>
+              <a:off x="6156176" y="2420888"/>
+              <a:ext cx="216024" cy="216024"/>
+            </a:xfrm>
+            <a:prstGeom prst="mathMultiply">
+              <a:avLst/>
+            </a:prstGeom>
+            <a:solidFill>
+              <a:schemeClr val="accent2"/>
+            </a:solidFill>
+            <a:ln>
+              <a:solidFill>
+                <a:schemeClr val="accent2"/>
+              </a:solidFill>
+            </a:ln>
+          </p:spPr>
+          <p:style>
+            <a:lnRef idx="2">
+              <a:schemeClr val="accent1">
+                <a:shade val="50000"/>
+              </a:schemeClr>
+            </a:lnRef>
+            <a:fillRef idx="1">
+              <a:schemeClr val="accent1"/>
+            </a:fillRef>
+            <a:effectRef idx="0">
+              <a:schemeClr val="accent1"/>
+            </a:effectRef>
+            <a:fontRef idx="minor">
+              <a:schemeClr val="lt1"/>
+            </a:fontRef>
+          </p:style>
+          <p:txBody>
+            <a:bodyPr rtlCol="0" anchor="ctr"/>
+            <a:lstStyle/>
+            <a:p>
+              <a:pPr algn="ctr"/>
+              <a:endParaRPr lang="en-GB"/>
+            </a:p>
+          </p:txBody>
+        </p:sp>
+      </p:grpSp>
+      <p:grpSp>
+        <p:nvGrpSpPr>
+          <p:cNvPr id="12" name="Group 11"/>
+          <p:cNvGrpSpPr/>
+          <p:nvPr/>
+        </p:nvGrpSpPr>
+        <p:grpSpPr>
+          <a:xfrm>
+            <a:off x="6516216" y="3356992"/>
+            <a:ext cx="648072" cy="648072"/>
+            <a:chOff x="5940152" y="2204864"/>
+            <a:chExt cx="648072" cy="648072"/>
+          </a:xfrm>
+        </p:grpSpPr>
+        <p:sp>
+          <p:nvSpPr>
+            <p:cNvPr id="13" name="Oval 12"/>
+            <p:cNvSpPr/>
+            <p:nvPr/>
+          </p:nvSpPr>
+          <p:spPr>
+            <a:xfrm>
+              <a:off x="5940152" y="2204864"/>
+              <a:ext cx="648072" cy="648072"/>
+            </a:xfrm>
+            <a:prstGeom prst="ellipse">
+              <a:avLst/>
+            </a:prstGeom>
+            <a:noFill/>
+            <a:ln>
+              <a:solidFill>
+                <a:schemeClr val="accent2"/>
+              </a:solidFill>
+            </a:ln>
+          </p:spPr>
+          <p:style>
+            <a:lnRef idx="2">
+              <a:schemeClr val="accent1">
+                <a:shade val="50000"/>
+              </a:schemeClr>
+            </a:lnRef>
+            <a:fillRef idx="1">
+              <a:schemeClr val="accent1"/>
+            </a:fillRef>
+            <a:effectRef idx="0">
+              <a:schemeClr val="accent1"/>
+            </a:effectRef>
+            <a:fontRef idx="minor">
+              <a:schemeClr val="lt1"/>
+            </a:fontRef>
+          </p:style>
+          <p:txBody>
+            <a:bodyPr rtlCol="0" anchor="ctr"/>
+            <a:lstStyle/>
+            <a:p>
+              <a:pPr algn="ctr"/>
+              <a:endParaRPr lang="en-GB"/>
+            </a:p>
+          </p:txBody>
+        </p:sp>
+        <p:sp>
+          <p:nvSpPr>
+            <p:cNvPr id="14" name="Multiply 13"/>
+            <p:cNvSpPr/>
+            <p:nvPr/>
+          </p:nvSpPr>
+          <p:spPr>
+            <a:xfrm>
+              <a:off x="6156176" y="2420888"/>
+              <a:ext cx="216024" cy="216024"/>
+            </a:xfrm>
+            <a:prstGeom prst="mathMultiply">
+              <a:avLst/>
+            </a:prstGeom>
+            <a:solidFill>
+              <a:schemeClr val="accent2"/>
+            </a:solidFill>
+            <a:ln>
+              <a:solidFill>
+                <a:schemeClr val="accent2"/>
+              </a:solidFill>
+            </a:ln>
+          </p:spPr>
+          <p:style>
+            <a:lnRef idx="2">
+              <a:schemeClr val="accent1">
+                <a:shade val="50000"/>
+              </a:schemeClr>
+            </a:lnRef>
+            <a:fillRef idx="1">
+              <a:schemeClr val="accent1"/>
+            </a:fillRef>
+            <a:effectRef idx="0">
+              <a:schemeClr val="accent1"/>
+            </a:effectRef>
+            <a:fontRef idx="minor">
+              <a:schemeClr val="lt1"/>
+            </a:fontRef>
+          </p:style>
+          <p:txBody>
+            <a:bodyPr rtlCol="0" anchor="ctr"/>
+            <a:lstStyle/>
+            <a:p>
+              <a:pPr algn="ctr"/>
+              <a:endParaRPr lang="en-GB"/>
+            </a:p>
+          </p:txBody>
+        </p:sp>
+      </p:grpSp>
+      <p:grpSp>
+        <p:nvGrpSpPr>
+          <p:cNvPr id="15" name="Group 14"/>
+          <p:cNvGrpSpPr/>
+          <p:nvPr/>
+        </p:nvGrpSpPr>
+        <p:grpSpPr>
+          <a:xfrm>
+            <a:off x="7668344" y="3356992"/>
+            <a:ext cx="648072" cy="648072"/>
+            <a:chOff x="5940152" y="2204864"/>
+            <a:chExt cx="648072" cy="648072"/>
+          </a:xfrm>
+        </p:grpSpPr>
+        <p:sp>
+          <p:nvSpPr>
+            <p:cNvPr id="16" name="Oval 15"/>
+            <p:cNvSpPr/>
+            <p:nvPr/>
+          </p:nvSpPr>
+          <p:spPr>
+            <a:xfrm>
+              <a:off x="5940152" y="2204864"/>
+              <a:ext cx="648072" cy="648072"/>
+            </a:xfrm>
+            <a:prstGeom prst="ellipse">
+              <a:avLst/>
+            </a:prstGeom>
+            <a:noFill/>
+            <a:ln>
+              <a:solidFill>
+                <a:schemeClr val="accent2"/>
+              </a:solidFill>
+            </a:ln>
+          </p:spPr>
+          <p:style>
+            <a:lnRef idx="2">
+              <a:schemeClr val="accent1">
+                <a:shade val="50000"/>
+              </a:schemeClr>
+            </a:lnRef>
+            <a:fillRef idx="1">
+              <a:schemeClr val="accent1"/>
+            </a:fillRef>
+            <a:effectRef idx="0">
+              <a:schemeClr val="accent1"/>
+            </a:effectRef>
+            <a:fontRef idx="minor">
+              <a:schemeClr val="lt1"/>
+            </a:fontRef>
+          </p:style>
+          <p:txBody>
+            <a:bodyPr rtlCol="0" anchor="ctr"/>
+            <a:lstStyle/>
+            <a:p>
+              <a:pPr algn="ctr"/>
+              <a:endParaRPr lang="en-GB"/>
+            </a:p>
+          </p:txBody>
+        </p:sp>
+        <p:sp>
+          <p:nvSpPr>
+            <p:cNvPr id="17" name="Multiply 16"/>
+            <p:cNvSpPr/>
+            <p:nvPr/>
+          </p:nvSpPr>
+          <p:spPr>
+            <a:xfrm>
+              <a:off x="6156176" y="2420888"/>
+              <a:ext cx="216024" cy="216024"/>
+            </a:xfrm>
+            <a:prstGeom prst="mathMultiply">
+              <a:avLst/>
+            </a:prstGeom>
+            <a:solidFill>
+              <a:schemeClr val="accent2"/>
+            </a:solidFill>
+            <a:ln>
+              <a:solidFill>
+                <a:schemeClr val="accent2"/>
+              </a:solidFill>
+            </a:ln>
+          </p:spPr>
+          <p:style>
+            <a:lnRef idx="2">
+              <a:schemeClr val="accent1">
+                <a:shade val="50000"/>
+              </a:schemeClr>
+            </a:lnRef>
+            <a:fillRef idx="1">
+              <a:schemeClr val="accent1"/>
+            </a:fillRef>
+            <a:effectRef idx="0">
+              <a:schemeClr val="accent1"/>
+            </a:effectRef>
+            <a:fontRef idx="minor">
+              <a:schemeClr val="lt1"/>
+            </a:fontRef>
+          </p:style>
+          <p:txBody>
+            <a:bodyPr rtlCol="0" anchor="ctr"/>
+            <a:lstStyle/>
+            <a:p>
+              <a:pPr algn="ctr"/>
+              <a:endParaRPr lang="en-GB"/>
+            </a:p>
+          </p:txBody>
+        </p:sp>
+      </p:grpSp>
+      <p:grpSp>
+        <p:nvGrpSpPr>
+          <p:cNvPr id="18" name="Group 17"/>
+          <p:cNvGrpSpPr/>
+          <p:nvPr/>
+        </p:nvGrpSpPr>
+        <p:grpSpPr>
+          <a:xfrm>
+            <a:off x="7380312" y="4581128"/>
+            <a:ext cx="648072" cy="648072"/>
+            <a:chOff x="5940152" y="2204864"/>
+            <a:chExt cx="648072" cy="648072"/>
+          </a:xfrm>
+        </p:grpSpPr>
+        <p:sp>
+          <p:nvSpPr>
+            <p:cNvPr id="19" name="Oval 18"/>
+            <p:cNvSpPr/>
+            <p:nvPr/>
+          </p:nvSpPr>
+          <p:spPr>
+            <a:xfrm>
+              <a:off x="5940152" y="2204864"/>
+              <a:ext cx="648072" cy="648072"/>
+            </a:xfrm>
+            <a:prstGeom prst="ellipse">
+              <a:avLst/>
+            </a:prstGeom>
+            <a:noFill/>
+            <a:ln>
+              <a:solidFill>
+                <a:schemeClr val="accent2"/>
+              </a:solidFill>
+            </a:ln>
+          </p:spPr>
+          <p:style>
+            <a:lnRef idx="2">
+              <a:schemeClr val="accent1">
+                <a:shade val="50000"/>
+              </a:schemeClr>
+            </a:lnRef>
+            <a:fillRef idx="1">
+              <a:schemeClr val="accent1"/>
+            </a:fillRef>
+            <a:effectRef idx="0">
+              <a:schemeClr val="accent1"/>
+            </a:effectRef>
+            <a:fontRef idx="minor">
+              <a:schemeClr val="lt1"/>
+            </a:fontRef>
+          </p:style>
+          <p:txBody>
+            <a:bodyPr rtlCol="0" anchor="ctr"/>
+            <a:lstStyle/>
+            <a:p>
+              <a:pPr algn="ctr"/>
+              <a:endParaRPr lang="en-GB"/>
+            </a:p>
+          </p:txBody>
+        </p:sp>
+        <p:sp>
+          <p:nvSpPr>
+            <p:cNvPr id="20" name="Multiply 19"/>
+            <p:cNvSpPr/>
+            <p:nvPr/>
+          </p:nvSpPr>
+          <p:spPr>
+            <a:xfrm>
+              <a:off x="6156176" y="2420888"/>
+              <a:ext cx="216024" cy="216024"/>
+            </a:xfrm>
+            <a:prstGeom prst="mathMultiply">
+              <a:avLst/>
+            </a:prstGeom>
+            <a:solidFill>
+              <a:schemeClr val="accent2"/>
+            </a:solidFill>
+            <a:ln>
+              <a:solidFill>
+                <a:schemeClr val="accent2"/>
+              </a:solidFill>
+            </a:ln>
+          </p:spPr>
+          <p:style>
+            <a:lnRef idx="2">
+              <a:schemeClr val="accent1">
+                <a:shade val="50000"/>
+              </a:schemeClr>
+            </a:lnRef>
+            <a:fillRef idx="1">
+              <a:schemeClr val="accent1"/>
+            </a:fillRef>
+            <a:effectRef idx="0">
+              <a:schemeClr val="accent1"/>
+            </a:effectRef>
+            <a:fontRef idx="minor">
+              <a:schemeClr val="lt1"/>
+            </a:fontRef>
+          </p:style>
+          <p:txBody>
+            <a:bodyPr rtlCol="0" anchor="ctr"/>
+            <a:lstStyle/>
+            <a:p>
+              <a:pPr algn="ctr"/>
+              <a:endParaRPr lang="en-GB"/>
+            </a:p>
+          </p:txBody>
+        </p:sp>
+      </p:grpSp>
+      <p:sp>
+        <p:nvSpPr>
+          <p:cNvPr id="21" name="Oval 20"/>
           <p:cNvSpPr/>
           <p:nvPr/>
         </p:nvSpPr>
         <p:spPr>
           <a:xfrm>
-            <a:off x="65076" y="6304002"/>
-            <a:ext cx="8928992" cy="553998"/>
+            <a:off x="6156176" y="2420888"/>
+            <a:ext cx="216024" cy="216024"/>
           </a:xfrm>
-          <a:prstGeom prst="rect">
+          <a:prstGeom prst="ellipse">
             <a:avLst/>
           </a:prstGeom>
+          <a:noFill/>
+          <a:ln>
+            <a:solidFill>
+              <a:schemeClr val="accent3"/>
+            </a:solidFill>
+          </a:ln>
         </p:spPr>
-        <p:txBody>
-          <a:bodyPr wrap="square">
-            <a:spAutoFit/>
-          </a:bodyPr>
-          <a:lstStyle/>
-          <a:p>
-            <a:r>
-              <a:rPr lang="en-GB" sz="1000" dirty="0" smtClean="0"/>
-              <a:t>Images:</a:t>
-            </a:r>
-          </a:p>
-          <a:p>
-            <a:pPr marL="171450" indent="-171450">
-              <a:buFont typeface="Arial" pitchFamily="34" charset="0"/>
-              <a:buChar char="•"/>
-            </a:pPr>
-            <a:r>
-              <a:rPr lang="en-GB" sz="1000" dirty="0" smtClean="0"/>
-              <a:t>http://urania.udea.edu.co/sites/astronomia-2.0/pages/descargas.rs/files/descargasdt5vi/Cursos/CursosElectivos/FisicaAstrofisicaComputacional/2009-2/Documentacion/matplotlib/examples/pylab_examples/quiver_demo.html </a:t>
-            </a:r>
-            <a:endParaRPr lang="en-GB" sz="1000" dirty="0"/>
-          </a:p>
-        </p:txBody>
-      </p:sp>
-      <p:pic>
-        <p:nvPicPr>
-          <p:cNvPr id="1027" name="Picture 3"/>
-          <p:cNvPicPr>
-            <a:picLocks noChangeAspect="1" noChangeArrowheads="1"/>
-          </p:cNvPicPr>
+        <p:style>
+          <a:lnRef idx="2">
+            <a:schemeClr val="accent1">
+              <a:shade val="50000"/>
+            </a:schemeClr>
+          </a:lnRef>
+          <a:fillRef idx="1">
+            <a:schemeClr val="accent1"/>
+          </a:fillRef>
+          <a:effectRef idx="0">
+            <a:schemeClr val="accent1"/>
+          </a:effectRef>
+          <a:fontRef idx="minor">
+            <a:schemeClr val="lt1"/>
+          </a:fontRef>
+        </p:style>
+        <p:txBody>
+          <a:bodyPr rtlCol="0" anchor="ctr"/>
+          <a:lstStyle/>
+          <a:p>
+            <a:pPr algn="ctr"/>
+            <a:endParaRPr lang="en-GB"/>
+          </a:p>
+        </p:txBody>
+      </p:sp>
+      <p:sp>
+        <p:nvSpPr>
+          <p:cNvPr id="22" name="Oval 21"/>
+          <p:cNvSpPr/>
           <p:nvPr/>
-        </p:nvPicPr>
-        <p:blipFill>
-          <a:blip r:embed="rId2" cstate="print">
-            <a:extLst>
-              <a:ext uri="{28A0092B-C50C-407E-A947-70E740481C1C}">
-                <a14:useLocalDpi xmlns:a14="http://schemas.microsoft.com/office/drawing/2010/main" xmlns="" val="0"/>
-              </a:ext>
-            </a:extLst>
-          </a:blip>
-          <a:srcRect/>
-          <a:stretch>
-            <a:fillRect/>
-          </a:stretch>
-        </p:blipFill>
-        <p:spPr bwMode="auto">
+        </p:nvSpPr>
+        <p:spPr>
           <a:xfrm>
-            <a:off x="3419872" y="2200425"/>
-            <a:ext cx="2448272" cy="2003132"/>
+            <a:off x="6804248" y="3645024"/>
+            <a:ext cx="216024" cy="216024"/>
+          </a:xfrm>
+          <a:prstGeom prst="ellipse">
+            <a:avLst/>
+          </a:prstGeom>
+          <a:noFill/>
+          <a:ln>
+            <a:solidFill>
+              <a:schemeClr val="accent3"/>
+            </a:solidFill>
+          </a:ln>
+        </p:spPr>
+        <p:style>
+          <a:lnRef idx="2">
+            <a:schemeClr val="accent1">
+              <a:shade val="50000"/>
+            </a:schemeClr>
+          </a:lnRef>
+          <a:fillRef idx="1">
+            <a:schemeClr val="accent1"/>
+          </a:fillRef>
+          <a:effectRef idx="0">
+            <a:schemeClr val="accent1"/>
+          </a:effectRef>
+          <a:fontRef idx="minor">
+            <a:schemeClr val="lt1"/>
+          </a:fontRef>
+        </p:style>
+        <p:txBody>
+          <a:bodyPr rtlCol="0" anchor="ctr"/>
+          <a:lstStyle/>
+          <a:p>
+            <a:pPr algn="ctr"/>
+            <a:endParaRPr lang="en-GB"/>
+          </a:p>
+        </p:txBody>
+      </p:sp>
+      <p:sp>
+        <p:nvSpPr>
+          <p:cNvPr id="23" name="Oval 22"/>
+          <p:cNvSpPr/>
+          <p:nvPr/>
+        </p:nvSpPr>
+        <p:spPr>
+          <a:xfrm>
+            <a:off x="7884368" y="3717032"/>
+            <a:ext cx="216024" cy="216024"/>
+          </a:xfrm>
+          <a:prstGeom prst="ellipse">
+            <a:avLst/>
+          </a:prstGeom>
+          <a:noFill/>
+          <a:ln>
+            <a:solidFill>
+              <a:schemeClr val="accent3"/>
+            </a:solidFill>
+          </a:ln>
+        </p:spPr>
+        <p:style>
+          <a:lnRef idx="2">
+            <a:schemeClr val="accent1">
+              <a:shade val="50000"/>
+            </a:schemeClr>
+          </a:lnRef>
+          <a:fillRef idx="1">
+            <a:schemeClr val="accent1"/>
+          </a:fillRef>
+          <a:effectRef idx="0">
+            <a:schemeClr val="accent1"/>
+          </a:effectRef>
+          <a:fontRef idx="minor">
+            <a:schemeClr val="lt1"/>
+          </a:fontRef>
+        </p:style>
+        <p:txBody>
+          <a:bodyPr rtlCol="0" anchor="ctr"/>
+          <a:lstStyle/>
+          <a:p>
+            <a:pPr algn="ctr"/>
+            <a:endParaRPr lang="en-GB"/>
+          </a:p>
+        </p:txBody>
+      </p:sp>
+      <p:sp>
+        <p:nvSpPr>
+          <p:cNvPr id="24" name="Oval 23"/>
+          <p:cNvSpPr/>
+          <p:nvPr/>
+        </p:nvSpPr>
+        <p:spPr>
+          <a:xfrm>
+            <a:off x="7596336" y="4797152"/>
+            <a:ext cx="216024" cy="216024"/>
+          </a:xfrm>
+          <a:prstGeom prst="ellipse">
+            <a:avLst/>
+          </a:prstGeom>
+          <a:noFill/>
+          <a:ln>
+            <a:solidFill>
+              <a:schemeClr val="accent3"/>
+            </a:solidFill>
+          </a:ln>
+        </p:spPr>
+        <p:style>
+          <a:lnRef idx="2">
+            <a:schemeClr val="accent1">
+              <a:shade val="50000"/>
+            </a:schemeClr>
+          </a:lnRef>
+          <a:fillRef idx="1">
+            <a:schemeClr val="accent1"/>
+          </a:fillRef>
+          <a:effectRef idx="0">
+            <a:schemeClr val="accent1"/>
+          </a:effectRef>
+          <a:fontRef idx="minor">
+            <a:schemeClr val="lt1"/>
+          </a:fontRef>
+        </p:style>
+        <p:txBody>
+          <a:bodyPr rtlCol="0" anchor="ctr"/>
+          <a:lstStyle/>
+          <a:p>
+            <a:pPr algn="ctr"/>
+            <a:endParaRPr lang="en-GB"/>
+          </a:p>
+        </p:txBody>
+      </p:sp>
+      <p:sp>
+        <p:nvSpPr>
+          <p:cNvPr id="25" name="Oval 24"/>
+          <p:cNvSpPr/>
+          <p:nvPr/>
+        </p:nvSpPr>
+        <p:spPr>
+          <a:xfrm>
+            <a:off x="5652120" y="5589240"/>
+            <a:ext cx="216024" cy="216024"/>
+          </a:xfrm>
+          <a:prstGeom prst="ellipse">
+            <a:avLst/>
+          </a:prstGeom>
+          <a:noFill/>
+          <a:ln>
+            <a:solidFill>
+              <a:schemeClr val="accent3"/>
+            </a:solidFill>
+          </a:ln>
+        </p:spPr>
+        <p:style>
+          <a:lnRef idx="2">
+            <a:schemeClr val="accent1">
+              <a:shade val="50000"/>
+            </a:schemeClr>
+          </a:lnRef>
+          <a:fillRef idx="1">
+            <a:schemeClr val="accent1"/>
+          </a:fillRef>
+          <a:effectRef idx="0">
+            <a:schemeClr val="accent1"/>
+          </a:effectRef>
+          <a:fontRef idx="minor">
+            <a:schemeClr val="lt1"/>
+          </a:fontRef>
+        </p:style>
+        <p:txBody>
+          <a:bodyPr rtlCol="0" anchor="ctr"/>
+          <a:lstStyle/>
+          <a:p>
+            <a:pPr algn="ctr"/>
+            <a:endParaRPr lang="en-GB"/>
+          </a:p>
+        </p:txBody>
+      </p:sp>
+      <p:sp>
+        <p:nvSpPr>
+          <p:cNvPr id="28" name="Multiply 27"/>
+          <p:cNvSpPr/>
+          <p:nvPr/>
+        </p:nvSpPr>
+        <p:spPr>
+          <a:xfrm>
+            <a:off x="5652120" y="5877272"/>
+            <a:ext cx="216024" cy="216024"/>
+          </a:xfrm>
+          <a:prstGeom prst="mathMultiply">
+            <a:avLst/>
+          </a:prstGeom>
+          <a:solidFill>
+            <a:schemeClr val="accent2"/>
+          </a:solidFill>
+          <a:ln>
+            <a:solidFill>
+              <a:schemeClr val="accent2"/>
+            </a:solidFill>
+          </a:ln>
+        </p:spPr>
+        <p:style>
+          <a:lnRef idx="2">
+            <a:schemeClr val="accent1">
+              <a:shade val="50000"/>
+            </a:schemeClr>
+          </a:lnRef>
+          <a:fillRef idx="1">
+            <a:schemeClr val="accent1"/>
+          </a:fillRef>
+          <a:effectRef idx="0">
+            <a:schemeClr val="accent1"/>
+          </a:effectRef>
+          <a:fontRef idx="minor">
+            <a:schemeClr val="lt1"/>
+          </a:fontRef>
+        </p:style>
+        <p:txBody>
+          <a:bodyPr rtlCol="0" anchor="ctr"/>
+          <a:lstStyle/>
+          <a:p>
+            <a:pPr algn="ctr"/>
+            <a:endParaRPr lang="en-GB"/>
+          </a:p>
+        </p:txBody>
+      </p:sp>
+      <p:sp>
+        <p:nvSpPr>
+          <p:cNvPr id="29" name="TextBox 28"/>
+          <p:cNvSpPr txBox="1"/>
+          <p:nvPr/>
+        </p:nvSpPr>
+        <p:spPr>
+          <a:xfrm>
+            <a:off x="6012160" y="5589240"/>
+            <a:ext cx="2520280" cy="276999"/>
           </a:xfrm>
           <a:prstGeom prst="rect">
             <a:avLst/>
           </a:prstGeom>
           <a:noFill/>
-          <a:ln>
-            <a:noFill/>
-          </a:ln>
-          <a:effectLst/>
-          <a:extLst>
-            <a:ext uri="{909E8E84-426E-40DD-AFC4-6F175D3DCCD1}">
-              <a14:hiddenFill xmlns:a14="http://schemas.microsoft.com/office/drawing/2010/main" xmlns="">
-                <a:solidFill>
-                  <a:schemeClr val="accent1"/>
-                </a:solidFill>
-              </a14:hiddenFill>
-            </a:ext>
-            <a:ext uri="{91240B29-F687-4F45-9708-019B960494DF}">
-              <a14:hiddenLine xmlns:a14="http://schemas.microsoft.com/office/drawing/2010/main" xmlns="" w="9525">
-                <a:solidFill>
-                  <a:schemeClr val="tx1"/>
-                </a:solidFill>
-                <a:miter lim="800000"/>
-                <a:headEnd/>
-                <a:tailEnd/>
-              </a14:hiddenLine>
-            </a:ext>
-            <a:ext uri="{AF507438-7753-43E0-B8FC-AC1667EBCBE1}">
-              <a14:hiddenEffects xmlns:a14="http://schemas.microsoft.com/office/drawing/2010/main" xmlns="">
-                <a:effectLst>
-                  <a:outerShdw dist="35921" dir="2700000" algn="ctr" rotWithShape="0">
-                    <a:schemeClr val="bg2"/>
-                  </a:outerShdw>
-                </a:effectLst>
-              </a14:hiddenEffects>
-            </a:ext>
-          </a:extLst>
         </p:spPr>
-      </p:pic>
-      <p:sp>
-        <p:nvSpPr>
-          <p:cNvPr id="7" name="Content Placeholder 2"/>
-          <p:cNvSpPr txBox="1">
-            <a:spLocks/>
-          </p:cNvSpPr>
+        <p:txBody>
+          <a:bodyPr wrap="square" rtlCol="0">
+            <a:spAutoFit/>
+          </a:bodyPr>
+          <a:lstStyle/>
+          <a:p>
+            <a:r>
+              <a:rPr lang="en-GB" sz="1200" dirty="0" smtClean="0"/>
+              <a:t>Centre of gravity</a:t>
+            </a:r>
+            <a:endParaRPr lang="en-GB" sz="1200" dirty="0"/>
+          </a:p>
+        </p:txBody>
+      </p:sp>
+      <p:sp>
+        <p:nvSpPr>
+          <p:cNvPr id="30" name="TextBox 29"/>
+          <p:cNvSpPr txBox="1"/>
           <p:nvPr/>
         </p:nvSpPr>
         <p:spPr>
           <a:xfrm>
-            <a:off x="446856" y="4264496"/>
-            <a:ext cx="8229600" cy="676672"/>
+            <a:off x="6084168" y="5877272"/>
+            <a:ext cx="2520280" cy="276999"/>
           </a:xfrm>
           <a:prstGeom prst="rect">
             <a:avLst/>
           </a:prstGeom>
+          <a:noFill/>
         </p:spPr>
         <p:txBody>
-          <a:bodyPr vert="horz" lIns="91440" tIns="45720" rIns="91440" bIns="45720" rtlCol="0">
-            <a:normAutofit/>
+          <a:bodyPr wrap="square" rtlCol="0">
+            <a:spAutoFit/>
           </a:bodyPr>
-          <a:lstStyle>
-            <a:lvl1pPr marL="342900" indent="-342900" algn="l" defTabSz="914400" rtl="0" eaLnBrk="1" latinLnBrk="0" hangingPunct="1">
-              <a:spcBef>
-                <a:spcPct val="20000"/>
-              </a:spcBef>
-              <a:buFont typeface="Arial" pitchFamily="34" charset="0"/>
-              <a:buChar char="•"/>
-              <a:defRPr sz="3200" kern="1200">
-                <a:solidFill>
-                  <a:schemeClr val="tx1"/>
-                </a:solidFill>
-                <a:latin typeface="+mn-lt"/>
-                <a:ea typeface="+mn-ea"/>
-                <a:cs typeface="+mn-cs"/>
-              </a:defRPr>
-            </a:lvl1pPr>
-            <a:lvl2pPr marL="742950" indent="-285750" algn="l" defTabSz="914400" rtl="0" eaLnBrk="1" latinLnBrk="0" hangingPunct="1">
-              <a:spcBef>
-                <a:spcPct val="20000"/>
-              </a:spcBef>
-              <a:buFont typeface="Arial" pitchFamily="34" charset="0"/>
-              <a:buChar char="–"/>
-              <a:defRPr sz="2800" kern="1200">
-                <a:solidFill>
-                  <a:schemeClr val="tx1"/>
-                </a:solidFill>
-                <a:latin typeface="+mn-lt"/>
-                <a:ea typeface="+mn-ea"/>
-                <a:cs typeface="+mn-cs"/>
-              </a:defRPr>
-            </a:lvl2pPr>
-            <a:lvl3pPr marL="1143000" indent="-228600" algn="l" defTabSz="914400" rtl="0" eaLnBrk="1" latinLnBrk="0" hangingPunct="1">
-              <a:spcBef>
-                <a:spcPct val="20000"/>
-              </a:spcBef>
-              <a:buFont typeface="Arial" pitchFamily="34" charset="0"/>
-              <a:buChar char="•"/>
-              <a:defRPr sz="2400" kern="1200">
-                <a:solidFill>
-                  <a:schemeClr val="tx1"/>
-                </a:solidFill>
-                <a:latin typeface="+mn-lt"/>
-                <a:ea typeface="+mn-ea"/>
-                <a:cs typeface="+mn-cs"/>
-              </a:defRPr>
-            </a:lvl3pPr>
-            <a:lvl4pPr marL="1600200" indent="-228600" algn="l" defTabSz="914400" rtl="0" eaLnBrk="1" latinLnBrk="0" hangingPunct="1">
-              <a:spcBef>
-                <a:spcPct val="20000"/>
-              </a:spcBef>
-              <a:buFont typeface="Arial" pitchFamily="34" charset="0"/>
-              <a:buChar char="–"/>
-              <a:defRPr sz="2000" kern="1200">
-                <a:solidFill>
-                  <a:schemeClr val="tx1"/>
-                </a:solidFill>
-                <a:latin typeface="+mn-lt"/>
-                <a:ea typeface="+mn-ea"/>
-                <a:cs typeface="+mn-cs"/>
-              </a:defRPr>
-            </a:lvl4pPr>
-            <a:lvl5pPr marL="2057400" indent="-228600" algn="l" defTabSz="914400" rtl="0" eaLnBrk="1" latinLnBrk="0" hangingPunct="1">
-              <a:spcBef>
-                <a:spcPct val="20000"/>
-              </a:spcBef>
-              <a:buFont typeface="Arial" pitchFamily="34" charset="0"/>
-              <a:buChar char="»"/>
-              <a:defRPr sz="2000" kern="1200">
-                <a:solidFill>
-                  <a:schemeClr val="tx1"/>
-                </a:solidFill>
-                <a:latin typeface="+mn-lt"/>
-                <a:ea typeface="+mn-ea"/>
-                <a:cs typeface="+mn-cs"/>
-              </a:defRPr>
-            </a:lvl5pPr>
-            <a:lvl6pPr marL="2514600" indent="-228600" algn="l" defTabSz="914400" rtl="0" eaLnBrk="1" latinLnBrk="0" hangingPunct="1">
-              <a:spcBef>
-                <a:spcPct val="20000"/>
-              </a:spcBef>
-              <a:buFont typeface="Arial" pitchFamily="34" charset="0"/>
-              <a:buChar char="•"/>
-              <a:defRPr sz="2000" kern="1200">
-                <a:solidFill>
-                  <a:schemeClr val="tx1"/>
-                </a:solidFill>
-                <a:latin typeface="+mn-lt"/>
-                <a:ea typeface="+mn-ea"/>
-                <a:cs typeface="+mn-cs"/>
-              </a:defRPr>
-            </a:lvl6pPr>
-            <a:lvl7pPr marL="2971800" indent="-228600" algn="l" defTabSz="914400" rtl="0" eaLnBrk="1" latinLnBrk="0" hangingPunct="1">
-              <a:spcBef>
-                <a:spcPct val="20000"/>
-              </a:spcBef>
-              <a:buFont typeface="Arial" pitchFamily="34" charset="0"/>
-              <a:buChar char="•"/>
-              <a:defRPr sz="2000" kern="1200">
-                <a:solidFill>
-                  <a:schemeClr val="tx1"/>
-                </a:solidFill>
-                <a:latin typeface="+mn-lt"/>
-                <a:ea typeface="+mn-ea"/>
-                <a:cs typeface="+mn-cs"/>
-              </a:defRPr>
-            </a:lvl7pPr>
-            <a:lvl8pPr marL="3429000" indent="-228600" algn="l" defTabSz="914400" rtl="0" eaLnBrk="1" latinLnBrk="0" hangingPunct="1">
-              <a:spcBef>
-                <a:spcPct val="20000"/>
-              </a:spcBef>
-              <a:buFont typeface="Arial" pitchFamily="34" charset="0"/>
-              <a:buChar char="•"/>
-              <a:defRPr sz="2000" kern="1200">
-                <a:solidFill>
-                  <a:schemeClr val="tx1"/>
-                </a:solidFill>
-                <a:latin typeface="+mn-lt"/>
-                <a:ea typeface="+mn-ea"/>
-                <a:cs typeface="+mn-cs"/>
-              </a:defRPr>
-            </a:lvl8pPr>
-            <a:lvl9pPr marL="3886200" indent="-228600" algn="l" defTabSz="914400" rtl="0" eaLnBrk="1" latinLnBrk="0" hangingPunct="1">
-              <a:spcBef>
-                <a:spcPct val="20000"/>
-              </a:spcBef>
-              <a:buFont typeface="Arial" pitchFamily="34" charset="0"/>
-              <a:buChar char="•"/>
-              <a:defRPr sz="2000" kern="1200">
-                <a:solidFill>
-                  <a:schemeClr val="tx1"/>
-                </a:solidFill>
-                <a:latin typeface="+mn-lt"/>
-                <a:ea typeface="+mn-ea"/>
-                <a:cs typeface="+mn-cs"/>
-              </a:defRPr>
-            </a:lvl9pPr>
-          </a:lstStyle>
-          <a:p>
-            <a:r>
-              <a:rPr lang="en-GB" dirty="0" smtClean="0"/>
-              <a:t>Slow </a:t>
-            </a:r>
-            <a:r>
-              <a:rPr lang="en-GB" b="1" dirty="0" smtClean="0"/>
-              <a:t>pixel loop</a:t>
-            </a:r>
-            <a:r>
-              <a:rPr lang="en-GB" dirty="0" smtClean="0"/>
-              <a:t> implementation</a:t>
-            </a:r>
-            <a:endParaRPr lang="en-GB" dirty="0"/>
+          <a:lstStyle/>
+          <a:p>
+            <a:r>
+              <a:rPr lang="en-GB" sz="1200" dirty="0" smtClean="0"/>
+              <a:t>Nucleus</a:t>
+            </a:r>
+            <a:endParaRPr lang="en-GB" sz="1200" dirty="0"/>
+          </a:p>
+        </p:txBody>
+      </p:sp>
+      <p:grpSp>
+        <p:nvGrpSpPr>
+          <p:cNvPr id="31" name="Group 30"/>
+          <p:cNvGrpSpPr/>
+          <p:nvPr/>
+        </p:nvGrpSpPr>
+        <p:grpSpPr>
+          <a:xfrm>
+            <a:off x="6228184" y="4437112"/>
+            <a:ext cx="648072" cy="648072"/>
+            <a:chOff x="5940152" y="2204864"/>
+            <a:chExt cx="648072" cy="648072"/>
+          </a:xfrm>
+        </p:grpSpPr>
+        <p:sp>
+          <p:nvSpPr>
+            <p:cNvPr id="32" name="Oval 31"/>
+            <p:cNvSpPr/>
+            <p:nvPr/>
+          </p:nvSpPr>
+          <p:spPr>
+            <a:xfrm>
+              <a:off x="5940152" y="2204864"/>
+              <a:ext cx="648072" cy="648072"/>
+            </a:xfrm>
+            <a:prstGeom prst="ellipse">
+              <a:avLst/>
+            </a:prstGeom>
+            <a:noFill/>
+            <a:ln>
+              <a:solidFill>
+                <a:schemeClr val="accent2"/>
+              </a:solidFill>
+            </a:ln>
+          </p:spPr>
+          <p:style>
+            <a:lnRef idx="2">
+              <a:schemeClr val="accent1">
+                <a:shade val="50000"/>
+              </a:schemeClr>
+            </a:lnRef>
+            <a:fillRef idx="1">
+              <a:schemeClr val="accent1"/>
+            </a:fillRef>
+            <a:effectRef idx="0">
+              <a:schemeClr val="accent1"/>
+            </a:effectRef>
+            <a:fontRef idx="minor">
+              <a:schemeClr val="lt1"/>
+            </a:fontRef>
+          </p:style>
+          <p:txBody>
+            <a:bodyPr rtlCol="0" anchor="ctr"/>
+            <a:lstStyle/>
+            <a:p>
+              <a:pPr algn="ctr"/>
+              <a:endParaRPr lang="en-GB"/>
+            </a:p>
+          </p:txBody>
+        </p:sp>
+        <p:sp>
+          <p:nvSpPr>
+            <p:cNvPr id="33" name="Multiply 32"/>
+            <p:cNvSpPr/>
+            <p:nvPr/>
+          </p:nvSpPr>
+          <p:spPr>
+            <a:xfrm>
+              <a:off x="6156176" y="2420888"/>
+              <a:ext cx="216024" cy="216024"/>
+            </a:xfrm>
+            <a:prstGeom prst="mathMultiply">
+              <a:avLst/>
+            </a:prstGeom>
+            <a:solidFill>
+              <a:schemeClr val="accent2"/>
+            </a:solidFill>
+            <a:ln>
+              <a:solidFill>
+                <a:schemeClr val="accent2"/>
+              </a:solidFill>
+            </a:ln>
+          </p:spPr>
+          <p:style>
+            <a:lnRef idx="2">
+              <a:schemeClr val="accent1">
+                <a:shade val="50000"/>
+              </a:schemeClr>
+            </a:lnRef>
+            <a:fillRef idx="1">
+              <a:schemeClr val="accent1"/>
+            </a:fillRef>
+            <a:effectRef idx="0">
+              <a:schemeClr val="accent1"/>
+            </a:effectRef>
+            <a:fontRef idx="minor">
+              <a:schemeClr val="lt1"/>
+            </a:fontRef>
+          </p:style>
+          <p:txBody>
+            <a:bodyPr rtlCol="0" anchor="ctr"/>
+            <a:lstStyle/>
+            <a:p>
+              <a:pPr algn="ctr"/>
+              <a:endParaRPr lang="en-GB"/>
+            </a:p>
+          </p:txBody>
+        </p:sp>
+      </p:grpSp>
+      <p:sp>
+        <p:nvSpPr>
+          <p:cNvPr id="34" name="Oval 33"/>
+          <p:cNvSpPr/>
+          <p:nvPr/>
+        </p:nvSpPr>
+        <p:spPr>
+          <a:xfrm>
+            <a:off x="6372200" y="4653136"/>
+            <a:ext cx="216024" cy="216024"/>
+          </a:xfrm>
+          <a:prstGeom prst="ellipse">
+            <a:avLst/>
+          </a:prstGeom>
+          <a:noFill/>
+          <a:ln>
+            <a:solidFill>
+              <a:schemeClr val="accent3"/>
+            </a:solidFill>
+          </a:ln>
+        </p:spPr>
+        <p:style>
+          <a:lnRef idx="2">
+            <a:schemeClr val="accent1">
+              <a:shade val="50000"/>
+            </a:schemeClr>
+          </a:lnRef>
+          <a:fillRef idx="1">
+            <a:schemeClr val="accent1"/>
+          </a:fillRef>
+          <a:effectRef idx="0">
+            <a:schemeClr val="accent1"/>
+          </a:effectRef>
+          <a:fontRef idx="minor">
+            <a:schemeClr val="lt1"/>
+          </a:fontRef>
+        </p:style>
+        <p:txBody>
+          <a:bodyPr rtlCol="0" anchor="ctr"/>
+          <a:lstStyle/>
+          <a:p>
+            <a:pPr algn="ctr"/>
+            <a:endParaRPr lang="en-GB"/>
           </a:p>
         </p:txBody>
       </p:sp>
     </p:spTree>
-    <p:extLst>
-      <p:ext uri="{BB962C8B-B14F-4D97-AF65-F5344CB8AC3E}">
-        <p14:creationId xmlns:p14="http://schemas.microsoft.com/office/powerpoint/2010/main" xmlns="" val="4186463740"/>
-      </p:ext>
-    </p:extLst>
   </p:cSld>
   <p:clrMapOvr>
     <a:masterClrMapping/>
   </p:clrMapOvr>
-  <p:timing>
-    <p:tnLst>
-      <p:par>
-        <p:cTn id="1" dur="indefinite" restart="never" nodeType="tmRoot"/>
-      </p:par>
-    </p:tnLst>
-  </p:timing>
 </p:sld>
 </file>
 
@@ -5463,7 +6942,7 @@
           <a:p>
             <a:r>
               <a:rPr lang="en-GB" dirty="0" smtClean="0"/>
-              <a:t>Implementation – Achievements</a:t>
+              <a:t>Theory – Edge Direction</a:t>
             </a:r>
             <a:endParaRPr lang="en-GB" dirty="0"/>
           </a:p>
@@ -5476,7 +6955,7 @@
             <a:spLocks noGrp="1"/>
           </p:cNvSpPr>
           <p:nvPr>
-            <p:ph idx="1"/>
+            <p:ph sz="half" idx="1"/>
           </p:nvPr>
         </p:nvSpPr>
         <p:spPr/>
@@ -5486,37 +6965,38 @@
           <a:p>
             <a:r>
               <a:rPr lang="en-GB" dirty="0" smtClean="0"/>
-              <a:t>Took </a:t>
-            </a:r>
-            <a:r>
-              <a:rPr lang="en-GB" b="1" dirty="0" smtClean="0"/>
-              <a:t>iterative</a:t>
-            </a:r>
-            <a:r>
-              <a:rPr lang="en-GB" dirty="0" smtClean="0"/>
-              <a:t> approach to implementation</a:t>
-            </a:r>
+              <a:t>“Intra-pixel” edge</a:t>
+            </a:r>
+          </a:p>
+          <a:p>
             <a:endParaRPr lang="en-GB" dirty="0"/>
           </a:p>
         </p:txBody>
       </p:sp>
+      <p:sp>
+        <p:nvSpPr>
+          <p:cNvPr id="4" name="Content Placeholder 3"/>
+          <p:cNvSpPr>
+            <a:spLocks noGrp="1"/>
+          </p:cNvSpPr>
+          <p:nvPr>
+            <p:ph sz="half" idx="2"/>
+          </p:nvPr>
+        </p:nvSpPr>
+        <p:spPr/>
+        <p:txBody>
+          <a:bodyPr/>
+          <a:lstStyle/>
+          <a:p>
+            <a:endParaRPr lang="en-GB" dirty="0"/>
+          </a:p>
+        </p:txBody>
+      </p:sp>
     </p:spTree>
-    <p:extLst>
-      <p:ext uri="{BB962C8B-B14F-4D97-AF65-F5344CB8AC3E}">
-        <p14:creationId xmlns:p14="http://schemas.microsoft.com/office/powerpoint/2010/main" xmlns="" val="1216218812"/>
-      </p:ext>
-    </p:extLst>
   </p:cSld>
   <p:clrMapOvr>
     <a:masterClrMapping/>
   </p:clrMapOvr>
-  <p:timing>
-    <p:tnLst>
-      <p:par>
-        <p:cTn id="1" dur="indefinite" restart="never" nodeType="tmRoot"/>
-      </p:par>
-    </p:tnLst>
-  </p:timing>
 </p:sld>
 </file>
 
@@ -5544,7 +7024,7 @@
             <a:spLocks noGrp="1"/>
           </p:cNvSpPr>
           <p:nvPr>
-            <p:ph type="title"/>
+            <p:ph type="ctrTitle"/>
           </p:nvPr>
         </p:nvSpPr>
         <p:spPr/>
@@ -5554,7 +7034,7 @@
           <a:p>
             <a:r>
               <a:rPr lang="en-GB" dirty="0" smtClean="0"/>
-              <a:t>Implementation – Achievements</a:t>
+              <a:t>Implementation</a:t>
             </a:r>
             <a:endParaRPr lang="en-GB" dirty="0"/>
           </a:p>
@@ -5562,12 +7042,12 @@
       </p:sp>
       <p:sp>
         <p:nvSpPr>
-          <p:cNvPr id="3" name="Content Placeholder 2"/>
-          <p:cNvSpPr>
-            <a:spLocks noGrp="1"/>
-          </p:cNvSpPr>
-          <p:nvPr>
-            <p:ph idx="1"/>
+          <p:cNvPr id="4" name="Subtitle 3"/>
+          <p:cNvSpPr>
+            <a:spLocks noGrp="1"/>
+          </p:cNvSpPr>
+          <p:nvPr>
+            <p:ph type="subTitle" idx="1"/>
           </p:nvPr>
         </p:nvSpPr>
         <p:spPr/>
@@ -5575,95 +7055,14 @@
           <a:bodyPr/>
           <a:lstStyle/>
           <a:p>
-            <a:pPr marL="514350" indent="-514350">
-              <a:buFont typeface="+mj-lt"/>
-              <a:buAutoNum type="arabicPeriod"/>
-            </a:pPr>
-            <a:r>
-              <a:rPr lang="en-GB" dirty="0" smtClean="0"/>
-              <a:t>Implementation with </a:t>
-            </a:r>
-            <a:r>
-              <a:rPr lang="en-GB" b="1" dirty="0" smtClean="0"/>
-              <a:t>square mask </a:t>
-            </a:r>
-            <a:r>
-              <a:rPr lang="en-GB" dirty="0" smtClean="0"/>
-              <a:t>and </a:t>
-            </a:r>
-            <a:r>
-              <a:rPr lang="en-GB" b="1" dirty="0" smtClean="0"/>
-              <a:t>simple</a:t>
-            </a:r>
-            <a:r>
-              <a:rPr lang="en-GB" dirty="0" smtClean="0"/>
-              <a:t>  </a:t>
-            </a:r>
-            <a:r>
-              <a:rPr lang="en-GB" b="1" dirty="0" smtClean="0"/>
-              <a:t>similarity equation</a:t>
-            </a:r>
-            <a:endParaRPr lang="en-GB" dirty="0" smtClean="0"/>
-          </a:p>
-          <a:p>
-            <a:pPr marL="971550" lvl="1" indent="-514350">
-              <a:buFont typeface="+mj-lt"/>
-              <a:buAutoNum type="arabicPeriod"/>
-            </a:pPr>
-            <a:endParaRPr lang="en-GB" dirty="0" smtClean="0"/>
-          </a:p>
-          <a:p>
-            <a:pPr marL="971550" lvl="1" indent="-514350">
-              <a:buFont typeface="+mj-lt"/>
-              <a:buAutoNum type="arabicPeriod"/>
-            </a:pPr>
-            <a:endParaRPr lang="en-GB" dirty="0"/>
-          </a:p>
-        </p:txBody>
-      </p:sp>
-      <p:pic>
-        <p:nvPicPr>
-          <p:cNvPr id="2050" name="Picture 2" descr="H:\susanedge\susanedge\figures\simple_square_susan_test.png"/>
-          <p:cNvPicPr>
-            <a:picLocks noChangeAspect="1" noChangeArrowheads="1"/>
-          </p:cNvPicPr>
-          <p:nvPr/>
-        </p:nvPicPr>
-        <p:blipFill rotWithShape="1">
-          <a:blip r:embed="rId2" cstate="print">
-            <a:extLst>
-              <a:ext uri="{28A0092B-C50C-407E-A947-70E740481C1C}">
-                <a14:useLocalDpi xmlns:a14="http://schemas.microsoft.com/office/drawing/2010/main" xmlns="" val="0"/>
-              </a:ext>
-            </a:extLst>
-          </a:blip>
-          <a:srcRect l="28643" t="7158" r="27869" b="6235"/>
-          <a:stretch/>
-        </p:blipFill>
-        <p:spPr bwMode="auto">
-          <a:xfrm>
-            <a:off x="2699792" y="2676252"/>
-            <a:ext cx="3798350" cy="3805932"/>
-          </a:xfrm>
-          <a:prstGeom prst="rect">
-            <a:avLst/>
-          </a:prstGeom>
-          <a:noFill/>
-          <a:extLst>
-            <a:ext uri="{909E8E84-426E-40DD-AFC4-6F175D3DCCD1}">
-              <a14:hiddenFill xmlns:a14="http://schemas.microsoft.com/office/drawing/2010/main" xmlns="">
-                <a:solidFill>
-                  <a:srgbClr val="FFFFFF"/>
-                </a:solidFill>
-              </a14:hiddenFill>
-            </a:ext>
-          </a:extLst>
-        </p:spPr>
-      </p:pic>
+            <a:endParaRPr lang="en-GB"/>
+          </a:p>
+        </p:txBody>
+      </p:sp>
     </p:spTree>
     <p:extLst>
       <p:ext uri="{BB962C8B-B14F-4D97-AF65-F5344CB8AC3E}">
-        <p14:creationId xmlns:p14="http://schemas.microsoft.com/office/powerpoint/2010/main" xmlns="" val="1537013682"/>
+        <p14:creationId xmlns="" xmlns:p14="http://schemas.microsoft.com/office/powerpoint/2010/main" val="2813178390"/>
       </p:ext>
     </p:extLst>
   </p:cSld>

--- a/susanedge-presentation.pptx
+++ b/susanedge-presentation.pptx
@@ -4,6 +4,9 @@
   <p:sldMasterIdLst>
     <p:sldMasterId id="2147483648" r:id="rId1"/>
   </p:sldMasterIdLst>
+  <p:notesMasterIdLst>
+    <p:notesMasterId r:id="rId32"/>
+  </p:notesMasterIdLst>
   <p:sldIdLst>
     <p:sldId id="256" r:id="rId2"/>
     <p:sldId id="257" r:id="rId3"/>
@@ -13,16 +16,28 @@
     <p:sldId id="272" r:id="rId7"/>
     <p:sldId id="273" r:id="rId8"/>
     <p:sldId id="274" r:id="rId9"/>
-    <p:sldId id="259" r:id="rId10"/>
-    <p:sldId id="264" r:id="rId11"/>
-    <p:sldId id="269" r:id="rId12"/>
-    <p:sldId id="265" r:id="rId13"/>
-    <p:sldId id="268" r:id="rId14"/>
-    <p:sldId id="267" r:id="rId15"/>
-    <p:sldId id="260" r:id="rId16"/>
-    <p:sldId id="261" r:id="rId17"/>
-    <p:sldId id="262" r:id="rId18"/>
-    <p:sldId id="263" r:id="rId19"/>
+    <p:sldId id="275" r:id="rId10"/>
+    <p:sldId id="276" r:id="rId11"/>
+    <p:sldId id="277" r:id="rId12"/>
+    <p:sldId id="278" r:id="rId13"/>
+    <p:sldId id="279" r:id="rId14"/>
+    <p:sldId id="280" r:id="rId15"/>
+    <p:sldId id="281" r:id="rId16"/>
+    <p:sldId id="282" r:id="rId17"/>
+    <p:sldId id="283" r:id="rId18"/>
+    <p:sldId id="284" r:id="rId19"/>
+    <p:sldId id="285" r:id="rId20"/>
+    <p:sldId id="286" r:id="rId21"/>
+    <p:sldId id="287" r:id="rId22"/>
+    <p:sldId id="288" r:id="rId23"/>
+    <p:sldId id="289" r:id="rId24"/>
+    <p:sldId id="290" r:id="rId25"/>
+    <p:sldId id="291" r:id="rId26"/>
+    <p:sldId id="292" r:id="rId27"/>
+    <p:sldId id="293" r:id="rId28"/>
+    <p:sldId id="294" r:id="rId29"/>
+    <p:sldId id="295" r:id="rId30"/>
+    <p:sldId id="263" r:id="rId31"/>
   </p:sldIdLst>
   <p:sldSz cx="9144000" cy="6858000" type="screen4x3"/>
   <p:notesSz cx="6858000" cy="9144000"/>
@@ -124,6 +139,820 @@
 </p:presentation>
 </file>
 
+<file path=ppt/charts/chart1.xml><?xml version="1.0" encoding="utf-8"?>
+<c:chartSpace xmlns:c="http://schemas.openxmlformats.org/drawingml/2006/chart" xmlns:a="http://schemas.openxmlformats.org/drawingml/2006/main" xmlns:r="http://schemas.openxmlformats.org/officeDocument/2006/relationships">
+  <c:date1904 val="0"/>
+  <c:lang val="en-GB"/>
+  <c:roundedCorners val="0"/>
+  <mc:AlternateContent xmlns:mc="http://schemas.openxmlformats.org/markup-compatibility/2006">
+    <mc:Choice xmlns:c14="http://schemas.microsoft.com/office/drawing/2007/8/2/chart" Requires="c14">
+      <c14:style val="102"/>
+    </mc:Choice>
+    <mc:Fallback>
+      <c:style val="2"/>
+    </mc:Fallback>
+  </mc:AlternateContent>
+  <c:chart>
+    <c:title>
+      <c:tx>
+        <c:rich>
+          <a:bodyPr/>
+          <a:lstStyle/>
+          <a:p>
+            <a:pPr>
+              <a:defRPr/>
+            </a:pPr>
+            <a:r>
+              <a:rPr lang="en-GB"/>
+              <a:t>Execution Time (smaller is better)</a:t>
+            </a:r>
+          </a:p>
+        </c:rich>
+      </c:tx>
+      <c:layout/>
+      <c:overlay val="0"/>
+    </c:title>
+    <c:autoTitleDeleted val="0"/>
+    <c:plotArea>
+      <c:layout/>
+      <c:barChart>
+        <c:barDir val="col"/>
+        <c:grouping val="clustered"/>
+        <c:varyColors val="0"/>
+        <c:ser>
+          <c:idx val="0"/>
+          <c:order val="0"/>
+          <c:tx>
+            <c:strRef>
+              <c:f>Sheet1!$D$4</c:f>
+              <c:strCache>
+                <c:ptCount val="1"/>
+                <c:pt idx="0">
+                  <c:v>Execution Time\s (smaller is better)</c:v>
+                </c:pt>
+              </c:strCache>
+            </c:strRef>
+          </c:tx>
+          <c:invertIfNegative val="0"/>
+          <c:cat>
+            <c:strRef>
+              <c:f>Sheet1!$E$3:$F$3</c:f>
+              <c:strCache>
+                <c:ptCount val="2"/>
+                <c:pt idx="0">
+                  <c:v>Before</c:v>
+                </c:pt>
+                <c:pt idx="1">
+                  <c:v>After</c:v>
+                </c:pt>
+              </c:strCache>
+            </c:strRef>
+          </c:cat>
+          <c:val>
+            <c:numRef>
+              <c:f>Sheet1!$E$4:$F$4</c:f>
+              <c:numCache>
+                <c:formatCode>General</c:formatCode>
+                <c:ptCount val="2"/>
+                <c:pt idx="0">
+                  <c:v>12.5</c:v>
+                </c:pt>
+                <c:pt idx="1">
+                  <c:v>6.3</c:v>
+                </c:pt>
+              </c:numCache>
+            </c:numRef>
+          </c:val>
+        </c:ser>
+        <c:dLbls>
+          <c:showLegendKey val="0"/>
+          <c:showVal val="0"/>
+          <c:showCatName val="0"/>
+          <c:showSerName val="0"/>
+          <c:showPercent val="0"/>
+          <c:showBubbleSize val="0"/>
+        </c:dLbls>
+        <c:gapWidth val="150"/>
+        <c:axId val="162864128"/>
+        <c:axId val="158555456"/>
+      </c:barChart>
+      <c:catAx>
+        <c:axId val="162864128"/>
+        <c:scaling>
+          <c:orientation val="minMax"/>
+        </c:scaling>
+        <c:delete val="0"/>
+        <c:axPos val="b"/>
+        <c:majorTickMark val="out"/>
+        <c:minorTickMark val="none"/>
+        <c:tickLblPos val="nextTo"/>
+        <c:crossAx val="158555456"/>
+        <c:crosses val="autoZero"/>
+        <c:auto val="1"/>
+        <c:lblAlgn val="ctr"/>
+        <c:lblOffset val="100"/>
+        <c:noMultiLvlLbl val="0"/>
+      </c:catAx>
+      <c:valAx>
+        <c:axId val="158555456"/>
+        <c:scaling>
+          <c:orientation val="minMax"/>
+        </c:scaling>
+        <c:delete val="0"/>
+        <c:axPos val="l"/>
+        <c:majorGridlines/>
+        <c:numFmt formatCode="General" sourceLinked="1"/>
+        <c:majorTickMark val="out"/>
+        <c:minorTickMark val="none"/>
+        <c:tickLblPos val="nextTo"/>
+        <c:crossAx val="162864128"/>
+        <c:crosses val="autoZero"/>
+        <c:crossBetween val="between"/>
+      </c:valAx>
+    </c:plotArea>
+    <c:legend>
+      <c:legendPos val="r"/>
+      <c:layout/>
+      <c:overlay val="0"/>
+    </c:legend>
+    <c:plotVisOnly val="1"/>
+    <c:dispBlanksAs val="gap"/>
+    <c:showDLblsOverMax val="0"/>
+  </c:chart>
+  <c:externalData r:id="rId1">
+    <c:autoUpdate val="0"/>
+  </c:externalData>
+</c:chartSpace>
+</file>
+
+<file path=ppt/notesMasters/notesMaster1.xml><?xml version="1.0" encoding="utf-8"?>
+<p:notesMaster xmlns:a="http://schemas.openxmlformats.org/drawingml/2006/main" xmlns:r="http://schemas.openxmlformats.org/officeDocument/2006/relationships" xmlns:p="http://schemas.openxmlformats.org/presentationml/2006/main">
+  <p:cSld>
+    <p:bg>
+      <p:bgRef idx="1001">
+        <a:schemeClr val="bg1"/>
+      </p:bgRef>
+    </p:bg>
+    <p:spTree>
+      <p:nvGrpSpPr>
+        <p:cNvPr id="1" name=""/>
+        <p:cNvGrpSpPr/>
+        <p:nvPr/>
+      </p:nvGrpSpPr>
+      <p:grpSpPr>
+        <a:xfrm>
+          <a:off x="0" y="0"/>
+          <a:ext cx="0" cy="0"/>
+          <a:chOff x="0" y="0"/>
+          <a:chExt cx="0" cy="0"/>
+        </a:xfrm>
+      </p:grpSpPr>
+      <p:sp>
+        <p:nvSpPr>
+          <p:cNvPr id="2" name="Header Placeholder 1"/>
+          <p:cNvSpPr>
+            <a:spLocks noGrp="1"/>
+          </p:cNvSpPr>
+          <p:nvPr>
+            <p:ph type="hdr" sz="quarter"/>
+          </p:nvPr>
+        </p:nvSpPr>
+        <p:spPr>
+          <a:xfrm>
+            <a:off x="0" y="0"/>
+            <a:ext cx="2971800" cy="457200"/>
+          </a:xfrm>
+          <a:prstGeom prst="rect">
+            <a:avLst/>
+          </a:prstGeom>
+        </p:spPr>
+        <p:txBody>
+          <a:bodyPr vert="horz" lIns="91440" tIns="45720" rIns="91440" bIns="45720" rtlCol="0"/>
+          <a:lstStyle>
+            <a:lvl1pPr algn="l">
+              <a:defRPr sz="1200"/>
+            </a:lvl1pPr>
+          </a:lstStyle>
+          <a:p>
+            <a:endParaRPr lang="en-GB"/>
+          </a:p>
+        </p:txBody>
+      </p:sp>
+      <p:sp>
+        <p:nvSpPr>
+          <p:cNvPr id="3" name="Date Placeholder 2"/>
+          <p:cNvSpPr>
+            <a:spLocks noGrp="1"/>
+          </p:cNvSpPr>
+          <p:nvPr>
+            <p:ph type="dt" idx="1"/>
+          </p:nvPr>
+        </p:nvSpPr>
+        <p:spPr>
+          <a:xfrm>
+            <a:off x="3884613" y="0"/>
+            <a:ext cx="2971800" cy="457200"/>
+          </a:xfrm>
+          <a:prstGeom prst="rect">
+            <a:avLst/>
+          </a:prstGeom>
+        </p:spPr>
+        <p:txBody>
+          <a:bodyPr vert="horz" lIns="91440" tIns="45720" rIns="91440" bIns="45720" rtlCol="0"/>
+          <a:lstStyle>
+            <a:lvl1pPr algn="r">
+              <a:defRPr sz="1200"/>
+            </a:lvl1pPr>
+          </a:lstStyle>
+          <a:p>
+            <a:fld id="{37CC71DF-813A-4C9C-A1FF-CDF69BF2EA69}" type="datetimeFigureOut">
+              <a:rPr lang="en-GB" smtClean="0"/>
+              <a:t>06/02/2012</a:t>
+            </a:fld>
+            <a:endParaRPr lang="en-GB"/>
+          </a:p>
+        </p:txBody>
+      </p:sp>
+      <p:sp>
+        <p:nvSpPr>
+          <p:cNvPr id="4" name="Slide Image Placeholder 3"/>
+          <p:cNvSpPr>
+            <a:spLocks noGrp="1" noRot="1" noChangeAspect="1"/>
+          </p:cNvSpPr>
+          <p:nvPr>
+            <p:ph type="sldImg" idx="2"/>
+          </p:nvPr>
+        </p:nvSpPr>
+        <p:spPr>
+          <a:xfrm>
+            <a:off x="1143000" y="685800"/>
+            <a:ext cx="4572000" cy="3429000"/>
+          </a:xfrm>
+          <a:prstGeom prst="rect">
+            <a:avLst/>
+          </a:prstGeom>
+          <a:noFill/>
+          <a:ln w="12700">
+            <a:solidFill>
+              <a:prstClr val="black"/>
+            </a:solidFill>
+          </a:ln>
+        </p:spPr>
+        <p:txBody>
+          <a:bodyPr vert="horz" lIns="91440" tIns="45720" rIns="91440" bIns="45720" rtlCol="0" anchor="ctr"/>
+          <a:lstStyle/>
+          <a:p>
+            <a:endParaRPr lang="en-GB"/>
+          </a:p>
+        </p:txBody>
+      </p:sp>
+      <p:sp>
+        <p:nvSpPr>
+          <p:cNvPr id="5" name="Notes Placeholder 4"/>
+          <p:cNvSpPr>
+            <a:spLocks noGrp="1"/>
+          </p:cNvSpPr>
+          <p:nvPr>
+            <p:ph type="body" sz="quarter" idx="3"/>
+          </p:nvPr>
+        </p:nvSpPr>
+        <p:spPr>
+          <a:xfrm>
+            <a:off x="685800" y="4343400"/>
+            <a:ext cx="5486400" cy="4114800"/>
+          </a:xfrm>
+          <a:prstGeom prst="rect">
+            <a:avLst/>
+          </a:prstGeom>
+        </p:spPr>
+        <p:txBody>
+          <a:bodyPr vert="horz" lIns="91440" tIns="45720" rIns="91440" bIns="45720" rtlCol="0"/>
+          <a:lstStyle/>
+          <a:p>
+            <a:pPr lvl="0"/>
+            <a:r>
+              <a:rPr lang="en-US" smtClean="0"/>
+              <a:t>Click to edit Master text styles</a:t>
+            </a:r>
+          </a:p>
+          <a:p>
+            <a:pPr lvl="1"/>
+            <a:r>
+              <a:rPr lang="en-US" smtClean="0"/>
+              <a:t>Second level</a:t>
+            </a:r>
+          </a:p>
+          <a:p>
+            <a:pPr lvl="2"/>
+            <a:r>
+              <a:rPr lang="en-US" smtClean="0"/>
+              <a:t>Third level</a:t>
+            </a:r>
+          </a:p>
+          <a:p>
+            <a:pPr lvl="3"/>
+            <a:r>
+              <a:rPr lang="en-US" smtClean="0"/>
+              <a:t>Fourth level</a:t>
+            </a:r>
+          </a:p>
+          <a:p>
+            <a:pPr lvl="4"/>
+            <a:r>
+              <a:rPr lang="en-US" smtClean="0"/>
+              <a:t>Fifth level</a:t>
+            </a:r>
+            <a:endParaRPr lang="en-GB"/>
+          </a:p>
+        </p:txBody>
+      </p:sp>
+      <p:sp>
+        <p:nvSpPr>
+          <p:cNvPr id="6" name="Footer Placeholder 5"/>
+          <p:cNvSpPr>
+            <a:spLocks noGrp="1"/>
+          </p:cNvSpPr>
+          <p:nvPr>
+            <p:ph type="ftr" sz="quarter" idx="4"/>
+          </p:nvPr>
+        </p:nvSpPr>
+        <p:spPr>
+          <a:xfrm>
+            <a:off x="0" y="8685213"/>
+            <a:ext cx="2971800" cy="457200"/>
+          </a:xfrm>
+          <a:prstGeom prst="rect">
+            <a:avLst/>
+          </a:prstGeom>
+        </p:spPr>
+        <p:txBody>
+          <a:bodyPr vert="horz" lIns="91440" tIns="45720" rIns="91440" bIns="45720" rtlCol="0" anchor="b"/>
+          <a:lstStyle>
+            <a:lvl1pPr algn="l">
+              <a:defRPr sz="1200"/>
+            </a:lvl1pPr>
+          </a:lstStyle>
+          <a:p>
+            <a:endParaRPr lang="en-GB"/>
+          </a:p>
+        </p:txBody>
+      </p:sp>
+      <p:sp>
+        <p:nvSpPr>
+          <p:cNvPr id="7" name="Slide Number Placeholder 6"/>
+          <p:cNvSpPr>
+            <a:spLocks noGrp="1"/>
+          </p:cNvSpPr>
+          <p:nvPr>
+            <p:ph type="sldNum" sz="quarter" idx="5"/>
+          </p:nvPr>
+        </p:nvSpPr>
+        <p:spPr>
+          <a:xfrm>
+            <a:off x="3884613" y="8685213"/>
+            <a:ext cx="2971800" cy="457200"/>
+          </a:xfrm>
+          <a:prstGeom prst="rect">
+            <a:avLst/>
+          </a:prstGeom>
+        </p:spPr>
+        <p:txBody>
+          <a:bodyPr vert="horz" lIns="91440" tIns="45720" rIns="91440" bIns="45720" rtlCol="0" anchor="b"/>
+          <a:lstStyle>
+            <a:lvl1pPr algn="r">
+              <a:defRPr sz="1200"/>
+            </a:lvl1pPr>
+          </a:lstStyle>
+          <a:p>
+            <a:fld id="{EABA2D58-DE0B-4B68-92A8-466EACD47944}" type="slidenum">
+              <a:rPr lang="en-GB" smtClean="0"/>
+              <a:t>‹#›</a:t>
+            </a:fld>
+            <a:endParaRPr lang="en-GB"/>
+          </a:p>
+        </p:txBody>
+      </p:sp>
+    </p:spTree>
+    <p:extLst>
+      <p:ext uri="{BB962C8B-B14F-4D97-AF65-F5344CB8AC3E}">
+        <p14:creationId xmlns:p14="http://schemas.microsoft.com/office/powerpoint/2010/main" val="1073109432"/>
+      </p:ext>
+    </p:extLst>
+  </p:cSld>
+  <p:clrMap bg1="lt1" tx1="dk1" bg2="lt2" tx2="dk2" accent1="accent1" accent2="accent2" accent3="accent3" accent4="accent4" accent5="accent5" accent6="accent6" hlink="hlink" folHlink="folHlink"/>
+  <p:notesStyle>
+    <a:lvl1pPr marL="0" algn="l" defTabSz="914400" rtl="0" eaLnBrk="1" latinLnBrk="0" hangingPunct="1">
+      <a:defRPr sz="1200" kern="1200">
+        <a:solidFill>
+          <a:schemeClr val="tx1"/>
+        </a:solidFill>
+        <a:latin typeface="+mn-lt"/>
+        <a:ea typeface="+mn-ea"/>
+        <a:cs typeface="+mn-cs"/>
+      </a:defRPr>
+    </a:lvl1pPr>
+    <a:lvl2pPr marL="457200" algn="l" defTabSz="914400" rtl="0" eaLnBrk="1" latinLnBrk="0" hangingPunct="1">
+      <a:defRPr sz="1200" kern="1200">
+        <a:solidFill>
+          <a:schemeClr val="tx1"/>
+        </a:solidFill>
+        <a:latin typeface="+mn-lt"/>
+        <a:ea typeface="+mn-ea"/>
+        <a:cs typeface="+mn-cs"/>
+      </a:defRPr>
+    </a:lvl2pPr>
+    <a:lvl3pPr marL="914400" algn="l" defTabSz="914400" rtl="0" eaLnBrk="1" latinLnBrk="0" hangingPunct="1">
+      <a:defRPr sz="1200" kern="1200">
+        <a:solidFill>
+          <a:schemeClr val="tx1"/>
+        </a:solidFill>
+        <a:latin typeface="+mn-lt"/>
+        <a:ea typeface="+mn-ea"/>
+        <a:cs typeface="+mn-cs"/>
+      </a:defRPr>
+    </a:lvl3pPr>
+    <a:lvl4pPr marL="1371600" algn="l" defTabSz="914400" rtl="0" eaLnBrk="1" latinLnBrk="0" hangingPunct="1">
+      <a:defRPr sz="1200" kern="1200">
+        <a:solidFill>
+          <a:schemeClr val="tx1"/>
+        </a:solidFill>
+        <a:latin typeface="+mn-lt"/>
+        <a:ea typeface="+mn-ea"/>
+        <a:cs typeface="+mn-cs"/>
+      </a:defRPr>
+    </a:lvl4pPr>
+    <a:lvl5pPr marL="1828800" algn="l" defTabSz="914400" rtl="0" eaLnBrk="1" latinLnBrk="0" hangingPunct="1">
+      <a:defRPr sz="1200" kern="1200">
+        <a:solidFill>
+          <a:schemeClr val="tx1"/>
+        </a:solidFill>
+        <a:latin typeface="+mn-lt"/>
+        <a:ea typeface="+mn-ea"/>
+        <a:cs typeface="+mn-cs"/>
+      </a:defRPr>
+    </a:lvl5pPr>
+    <a:lvl6pPr marL="2286000" algn="l" defTabSz="914400" rtl="0" eaLnBrk="1" latinLnBrk="0" hangingPunct="1">
+      <a:defRPr sz="1200" kern="1200">
+        <a:solidFill>
+          <a:schemeClr val="tx1"/>
+        </a:solidFill>
+        <a:latin typeface="+mn-lt"/>
+        <a:ea typeface="+mn-ea"/>
+        <a:cs typeface="+mn-cs"/>
+      </a:defRPr>
+    </a:lvl6pPr>
+    <a:lvl7pPr marL="2743200" algn="l" defTabSz="914400" rtl="0" eaLnBrk="1" latinLnBrk="0" hangingPunct="1">
+      <a:defRPr sz="1200" kern="1200">
+        <a:solidFill>
+          <a:schemeClr val="tx1"/>
+        </a:solidFill>
+        <a:latin typeface="+mn-lt"/>
+        <a:ea typeface="+mn-ea"/>
+        <a:cs typeface="+mn-cs"/>
+      </a:defRPr>
+    </a:lvl7pPr>
+    <a:lvl8pPr marL="3200400" algn="l" defTabSz="914400" rtl="0" eaLnBrk="1" latinLnBrk="0" hangingPunct="1">
+      <a:defRPr sz="1200" kern="1200">
+        <a:solidFill>
+          <a:schemeClr val="tx1"/>
+        </a:solidFill>
+        <a:latin typeface="+mn-lt"/>
+        <a:ea typeface="+mn-ea"/>
+        <a:cs typeface="+mn-cs"/>
+      </a:defRPr>
+    </a:lvl8pPr>
+    <a:lvl9pPr marL="3657600" algn="l" defTabSz="914400" rtl="0" eaLnBrk="1" latinLnBrk="0" hangingPunct="1">
+      <a:defRPr sz="1200" kern="1200">
+        <a:solidFill>
+          <a:schemeClr val="tx1"/>
+        </a:solidFill>
+        <a:latin typeface="+mn-lt"/>
+        <a:ea typeface="+mn-ea"/>
+        <a:cs typeface="+mn-cs"/>
+      </a:defRPr>
+    </a:lvl9pPr>
+  </p:notesStyle>
+</p:notesMaster>
+</file>
+
+<file path=ppt/notesSlides/notesSlide1.xml><?xml version="1.0" encoding="utf-8"?>
+<p:notes xmlns:a="http://schemas.openxmlformats.org/drawingml/2006/main" xmlns:r="http://schemas.openxmlformats.org/officeDocument/2006/relationships" xmlns:p="http://schemas.openxmlformats.org/presentationml/2006/main">
+  <p:cSld>
+    <p:spTree>
+      <p:nvGrpSpPr>
+        <p:cNvPr id="1" name=""/>
+        <p:cNvGrpSpPr/>
+        <p:nvPr/>
+      </p:nvGrpSpPr>
+      <p:grpSpPr>
+        <a:xfrm>
+          <a:off x="0" y="0"/>
+          <a:ext cx="0" cy="0"/>
+          <a:chOff x="0" y="0"/>
+          <a:chExt cx="0" cy="0"/>
+        </a:xfrm>
+      </p:grpSpPr>
+      <p:sp>
+        <p:nvSpPr>
+          <p:cNvPr id="2" name="Slide Image Placeholder 1"/>
+          <p:cNvSpPr>
+            <a:spLocks noGrp="1" noRot="1" noChangeAspect="1"/>
+          </p:cNvSpPr>
+          <p:nvPr>
+            <p:ph type="sldImg"/>
+          </p:nvPr>
+        </p:nvSpPr>
+        <p:spPr/>
+      </p:sp>
+      <p:sp>
+        <p:nvSpPr>
+          <p:cNvPr id="3" name="Notes Placeholder 2"/>
+          <p:cNvSpPr>
+            <a:spLocks noGrp="1"/>
+          </p:cNvSpPr>
+          <p:nvPr>
+            <p:ph type="body" idx="1"/>
+          </p:nvPr>
+        </p:nvSpPr>
+        <p:spPr/>
+        <p:txBody>
+          <a:bodyPr/>
+          <a:lstStyle/>
+          <a:p>
+            <a:r>
+              <a:rPr lang="en-GB" dirty="0" smtClean="0"/>
+              <a:t>t</a:t>
+            </a:r>
+            <a:r>
+              <a:rPr lang="en-GB" baseline="0" dirty="0" smtClean="0"/>
+              <a:t> is the same as the size of the rectangular window: the difference in intensity out of 255 that is considered similar (27)</a:t>
+            </a:r>
+            <a:endParaRPr lang="en-GB" dirty="0"/>
+          </a:p>
+        </p:txBody>
+      </p:sp>
+      <p:sp>
+        <p:nvSpPr>
+          <p:cNvPr id="4" name="Slide Number Placeholder 3"/>
+          <p:cNvSpPr>
+            <a:spLocks noGrp="1"/>
+          </p:cNvSpPr>
+          <p:nvPr>
+            <p:ph type="sldNum" sz="quarter" idx="10"/>
+          </p:nvPr>
+        </p:nvSpPr>
+        <p:spPr/>
+        <p:txBody>
+          <a:bodyPr/>
+          <a:lstStyle/>
+          <a:p>
+            <a:fld id="{EABA2D58-DE0B-4B68-92A8-466EACD47944}" type="slidenum">
+              <a:rPr lang="en-GB" smtClean="0"/>
+              <a:t>5</a:t>
+            </a:fld>
+            <a:endParaRPr lang="en-GB"/>
+          </a:p>
+        </p:txBody>
+      </p:sp>
+    </p:spTree>
+    <p:extLst>
+      <p:ext uri="{BB962C8B-B14F-4D97-AF65-F5344CB8AC3E}">
+        <p14:creationId xmlns:p14="http://schemas.microsoft.com/office/powerpoint/2010/main" val="1168856567"/>
+      </p:ext>
+    </p:extLst>
+  </p:cSld>
+  <p:clrMapOvr>
+    <a:masterClrMapping/>
+  </p:clrMapOvr>
+</p:notes>
+</file>
+
+<file path=ppt/notesSlides/notesSlide2.xml><?xml version="1.0" encoding="utf-8"?>
+<p:notes xmlns:a="http://schemas.openxmlformats.org/drawingml/2006/main" xmlns:r="http://schemas.openxmlformats.org/officeDocument/2006/relationships" xmlns:p="http://schemas.openxmlformats.org/presentationml/2006/main">
+  <p:cSld>
+    <p:spTree>
+      <p:nvGrpSpPr>
+        <p:cNvPr id="1" name=""/>
+        <p:cNvGrpSpPr/>
+        <p:nvPr/>
+      </p:nvGrpSpPr>
+      <p:grpSpPr>
+        <a:xfrm>
+          <a:off x="0" y="0"/>
+          <a:ext cx="0" cy="0"/>
+          <a:chOff x="0" y="0"/>
+          <a:chExt cx="0" cy="0"/>
+        </a:xfrm>
+      </p:grpSpPr>
+      <p:sp>
+        <p:nvSpPr>
+          <p:cNvPr id="2" name="Slide Image Placeholder 1"/>
+          <p:cNvSpPr>
+            <a:spLocks noGrp="1" noRot="1" noChangeAspect="1"/>
+          </p:cNvSpPr>
+          <p:nvPr>
+            <p:ph type="sldImg"/>
+          </p:nvPr>
+        </p:nvSpPr>
+        <p:spPr/>
+      </p:sp>
+      <p:sp>
+        <p:nvSpPr>
+          <p:cNvPr id="3" name="Notes Placeholder 2"/>
+          <p:cNvSpPr>
+            <a:spLocks noGrp="1"/>
+          </p:cNvSpPr>
+          <p:nvPr>
+            <p:ph type="body" idx="1"/>
+          </p:nvPr>
+        </p:nvSpPr>
+        <p:spPr/>
+        <p:txBody>
+          <a:bodyPr/>
+          <a:lstStyle/>
+          <a:p>
+            <a:r>
+              <a:rPr lang="en-GB" dirty="0" err="1" smtClean="0"/>
+              <a:t>Nmax</a:t>
+            </a:r>
+            <a:r>
+              <a:rPr lang="en-GB" dirty="0" smtClean="0"/>
+              <a:t> is the maximum value that the USAN area can</a:t>
+            </a:r>
+            <a:r>
+              <a:rPr lang="en-GB" baseline="0" dirty="0" smtClean="0"/>
+              <a:t> take</a:t>
+            </a:r>
+          </a:p>
+          <a:p>
+            <a:r>
+              <a:rPr lang="en-GB" baseline="0" dirty="0" smtClean="0"/>
+              <a:t>g calculated to give appropriate noise rejection in presence of Gaussian noise, as corners give stronger responses changing g can convert to a corner detector</a:t>
+            </a:r>
+          </a:p>
+          <a:p>
+            <a:endParaRPr lang="en-GB" dirty="0"/>
+          </a:p>
+        </p:txBody>
+      </p:sp>
+      <p:sp>
+        <p:nvSpPr>
+          <p:cNvPr id="4" name="Slide Number Placeholder 3"/>
+          <p:cNvSpPr>
+            <a:spLocks noGrp="1"/>
+          </p:cNvSpPr>
+          <p:nvPr>
+            <p:ph type="sldNum" sz="quarter" idx="10"/>
+          </p:nvPr>
+        </p:nvSpPr>
+        <p:spPr/>
+        <p:txBody>
+          <a:bodyPr/>
+          <a:lstStyle/>
+          <a:p>
+            <a:fld id="{EABA2D58-DE0B-4B68-92A8-466EACD47944}" type="slidenum">
+              <a:rPr lang="en-GB" smtClean="0"/>
+              <a:t>6</a:t>
+            </a:fld>
+            <a:endParaRPr lang="en-GB"/>
+          </a:p>
+        </p:txBody>
+      </p:sp>
+    </p:spTree>
+    <p:extLst>
+      <p:ext uri="{BB962C8B-B14F-4D97-AF65-F5344CB8AC3E}">
+        <p14:creationId xmlns:p14="http://schemas.microsoft.com/office/powerpoint/2010/main" val="3662333283"/>
+      </p:ext>
+    </p:extLst>
+  </p:cSld>
+  <p:clrMapOvr>
+    <a:masterClrMapping/>
+  </p:clrMapOvr>
+</p:notes>
+</file>
+
+<file path=ppt/notesSlides/notesSlide3.xml><?xml version="1.0" encoding="utf-8"?>
+<p:notes xmlns:a="http://schemas.openxmlformats.org/drawingml/2006/main" xmlns:r="http://schemas.openxmlformats.org/officeDocument/2006/relationships" xmlns:p="http://schemas.openxmlformats.org/presentationml/2006/main">
+  <p:cSld>
+    <p:spTree>
+      <p:nvGrpSpPr>
+        <p:cNvPr id="1" name=""/>
+        <p:cNvGrpSpPr/>
+        <p:nvPr/>
+      </p:nvGrpSpPr>
+      <p:grpSpPr>
+        <a:xfrm>
+          <a:off x="0" y="0"/>
+          <a:ext cx="0" cy="0"/>
+          <a:chOff x="0" y="0"/>
+          <a:chExt cx="0" cy="0"/>
+        </a:xfrm>
+      </p:grpSpPr>
+      <p:sp>
+        <p:nvSpPr>
+          <p:cNvPr id="2" name="Slide Image Placeholder 1"/>
+          <p:cNvSpPr>
+            <a:spLocks noGrp="1" noRot="1" noChangeAspect="1"/>
+          </p:cNvSpPr>
+          <p:nvPr>
+            <p:ph type="sldImg"/>
+          </p:nvPr>
+        </p:nvSpPr>
+        <p:spPr/>
+      </p:sp>
+      <p:sp>
+        <p:nvSpPr>
+          <p:cNvPr id="3" name="Notes Placeholder 2"/>
+          <p:cNvSpPr>
+            <a:spLocks noGrp="1"/>
+          </p:cNvSpPr>
+          <p:nvPr>
+            <p:ph type="body" idx="1"/>
+          </p:nvPr>
+        </p:nvSpPr>
+        <p:spPr/>
+        <p:txBody>
+          <a:bodyPr/>
+          <a:lstStyle/>
+          <a:p>
+            <a:r>
+              <a:rPr lang="en-GB" dirty="0" smtClean="0"/>
+              <a:t>Ratio of </a:t>
+            </a:r>
+            <a:r>
+              <a:rPr lang="en-GB" dirty="0" err="1" smtClean="0"/>
+              <a:t>AoSx</a:t>
+            </a:r>
+            <a:r>
+              <a:rPr lang="en-GB" dirty="0" smtClean="0"/>
+              <a:t> to </a:t>
+            </a:r>
+            <a:r>
+              <a:rPr lang="en-GB" dirty="0" err="1" smtClean="0"/>
+              <a:t>AoSy</a:t>
+            </a:r>
+            <a:r>
+              <a:rPr lang="en-GB" dirty="0" smtClean="0"/>
+              <a:t> gives edge direction, sign</a:t>
+            </a:r>
+            <a:r>
+              <a:rPr lang="en-GB" baseline="0" dirty="0" smtClean="0"/>
+              <a:t> of </a:t>
+            </a:r>
+            <a:r>
+              <a:rPr lang="en-GB" baseline="0" dirty="0" err="1" smtClean="0"/>
+              <a:t>AoSxy</a:t>
+            </a:r>
+            <a:r>
+              <a:rPr lang="en-GB" baseline="0" dirty="0" smtClean="0"/>
+              <a:t> give positive or negative gradient to a diagonal edge.</a:t>
+            </a:r>
+          </a:p>
+          <a:p>
+            <a:r>
+              <a:rPr lang="en-GB" baseline="0" dirty="0" smtClean="0"/>
+              <a:t>Also interesting to note that SUSAN gives a stronger response at softer edges</a:t>
+            </a:r>
+            <a:endParaRPr lang="en-GB" dirty="0"/>
+          </a:p>
+        </p:txBody>
+      </p:sp>
+      <p:sp>
+        <p:nvSpPr>
+          <p:cNvPr id="4" name="Slide Number Placeholder 3"/>
+          <p:cNvSpPr>
+            <a:spLocks noGrp="1"/>
+          </p:cNvSpPr>
+          <p:nvPr>
+            <p:ph type="sldNum" sz="quarter" idx="10"/>
+          </p:nvPr>
+        </p:nvSpPr>
+        <p:spPr/>
+        <p:txBody>
+          <a:bodyPr/>
+          <a:lstStyle/>
+          <a:p>
+            <a:fld id="{EABA2D58-DE0B-4B68-92A8-466EACD47944}" type="slidenum">
+              <a:rPr lang="en-GB" smtClean="0"/>
+              <a:t>8</a:t>
+            </a:fld>
+            <a:endParaRPr lang="en-GB"/>
+          </a:p>
+        </p:txBody>
+      </p:sp>
+    </p:spTree>
+    <p:extLst>
+      <p:ext uri="{BB962C8B-B14F-4D97-AF65-F5344CB8AC3E}">
+        <p14:creationId xmlns:p14="http://schemas.microsoft.com/office/powerpoint/2010/main" val="2111313698"/>
+      </p:ext>
+    </p:extLst>
+  </p:cSld>
+  <p:clrMapOvr>
+    <a:masterClrMapping/>
+  </p:clrMapOvr>
+</p:notes>
+</file>
+
 <file path=ppt/slideLayouts/slideLayout1.xml><?xml version="1.0" encoding="utf-8"?>
 <p:sldLayout xmlns:a="http://schemas.openxmlformats.org/drawingml/2006/main" xmlns:r="http://schemas.openxmlformats.org/officeDocument/2006/relationships" xmlns:p="http://schemas.openxmlformats.org/presentationml/2006/main" type="title" preserve="1">
   <p:cSld name="Title Slide">
@@ -306,7 +1135,7 @@
             <a:fld id="{420D65D8-03CC-42D4-89C4-CB770DA01089}" type="datetimeFigureOut">
               <a:rPr lang="en-GB" smtClean="0"/>
               <a:pPr/>
-              <a:t>05/02/2012</a:t>
+              <a:t>06/02/2012</a:t>
             </a:fld>
             <a:endParaRPr lang="en-GB"/>
           </a:p>
@@ -358,7 +1187,7 @@
     </p:spTree>
     <p:extLst>
       <p:ext uri="{BB962C8B-B14F-4D97-AF65-F5344CB8AC3E}">
-        <p14:creationId xmlns="" xmlns:p14="http://schemas.microsoft.com/office/powerpoint/2010/main" val="158945681"/>
+        <p14:creationId xmlns:p14="http://schemas.microsoft.com/office/powerpoint/2010/main" val="158945681"/>
       </p:ext>
     </p:extLst>
   </p:cSld>
@@ -478,7 +1307,7 @@
             <a:fld id="{420D65D8-03CC-42D4-89C4-CB770DA01089}" type="datetimeFigureOut">
               <a:rPr lang="en-GB" smtClean="0"/>
               <a:pPr/>
-              <a:t>05/02/2012</a:t>
+              <a:t>06/02/2012</a:t>
             </a:fld>
             <a:endParaRPr lang="en-GB"/>
           </a:p>
@@ -530,7 +1359,7 @@
     </p:spTree>
     <p:extLst>
       <p:ext uri="{BB962C8B-B14F-4D97-AF65-F5344CB8AC3E}">
-        <p14:creationId xmlns="" xmlns:p14="http://schemas.microsoft.com/office/powerpoint/2010/main" val="2097151947"/>
+        <p14:creationId xmlns:p14="http://schemas.microsoft.com/office/powerpoint/2010/main" val="2097151947"/>
       </p:ext>
     </p:extLst>
   </p:cSld>
@@ -660,7 +1489,7 @@
             <a:fld id="{420D65D8-03CC-42D4-89C4-CB770DA01089}" type="datetimeFigureOut">
               <a:rPr lang="en-GB" smtClean="0"/>
               <a:pPr/>
-              <a:t>05/02/2012</a:t>
+              <a:t>06/02/2012</a:t>
             </a:fld>
             <a:endParaRPr lang="en-GB"/>
           </a:p>
@@ -712,7 +1541,7 @@
     </p:spTree>
     <p:extLst>
       <p:ext uri="{BB962C8B-B14F-4D97-AF65-F5344CB8AC3E}">
-        <p14:creationId xmlns="" xmlns:p14="http://schemas.microsoft.com/office/powerpoint/2010/main" val="4271639342"/>
+        <p14:creationId xmlns:p14="http://schemas.microsoft.com/office/powerpoint/2010/main" val="4271639342"/>
       </p:ext>
     </p:extLst>
   </p:cSld>
@@ -832,7 +1661,7 @@
             <a:fld id="{420D65D8-03CC-42D4-89C4-CB770DA01089}" type="datetimeFigureOut">
               <a:rPr lang="en-GB" smtClean="0"/>
               <a:pPr/>
-              <a:t>05/02/2012</a:t>
+              <a:t>06/02/2012</a:t>
             </a:fld>
             <a:endParaRPr lang="en-GB"/>
           </a:p>
@@ -884,7 +1713,7 @@
     </p:spTree>
     <p:extLst>
       <p:ext uri="{BB962C8B-B14F-4D97-AF65-F5344CB8AC3E}">
-        <p14:creationId xmlns="" xmlns:p14="http://schemas.microsoft.com/office/powerpoint/2010/main" val="4219831927"/>
+        <p14:creationId xmlns:p14="http://schemas.microsoft.com/office/powerpoint/2010/main" val="4219831927"/>
       </p:ext>
     </p:extLst>
   </p:cSld>
@@ -1080,7 +1909,7 @@
             <a:fld id="{420D65D8-03CC-42D4-89C4-CB770DA01089}" type="datetimeFigureOut">
               <a:rPr lang="en-GB" smtClean="0"/>
               <a:pPr/>
-              <a:t>05/02/2012</a:t>
+              <a:t>06/02/2012</a:t>
             </a:fld>
             <a:endParaRPr lang="en-GB"/>
           </a:p>
@@ -1132,7 +1961,7 @@
     </p:spTree>
     <p:extLst>
       <p:ext uri="{BB962C8B-B14F-4D97-AF65-F5344CB8AC3E}">
-        <p14:creationId xmlns="" xmlns:p14="http://schemas.microsoft.com/office/powerpoint/2010/main" val="148751217"/>
+        <p14:creationId xmlns:p14="http://schemas.microsoft.com/office/powerpoint/2010/main" val="148751217"/>
       </p:ext>
     </p:extLst>
   </p:cSld>
@@ -1370,7 +2199,7 @@
             <a:fld id="{420D65D8-03CC-42D4-89C4-CB770DA01089}" type="datetimeFigureOut">
               <a:rPr lang="en-GB" smtClean="0"/>
               <a:pPr/>
-              <a:t>05/02/2012</a:t>
+              <a:t>06/02/2012</a:t>
             </a:fld>
             <a:endParaRPr lang="en-GB"/>
           </a:p>
@@ -1422,7 +2251,7 @@
     </p:spTree>
     <p:extLst>
       <p:ext uri="{BB962C8B-B14F-4D97-AF65-F5344CB8AC3E}">
-        <p14:creationId xmlns="" xmlns:p14="http://schemas.microsoft.com/office/powerpoint/2010/main" val="30041719"/>
+        <p14:creationId xmlns:p14="http://schemas.microsoft.com/office/powerpoint/2010/main" val="30041719"/>
       </p:ext>
     </p:extLst>
   </p:cSld>
@@ -1794,7 +2623,7 @@
             <a:fld id="{420D65D8-03CC-42D4-89C4-CB770DA01089}" type="datetimeFigureOut">
               <a:rPr lang="en-GB" smtClean="0"/>
               <a:pPr/>
-              <a:t>05/02/2012</a:t>
+              <a:t>06/02/2012</a:t>
             </a:fld>
             <a:endParaRPr lang="en-GB"/>
           </a:p>
@@ -1846,7 +2675,7 @@
     </p:spTree>
     <p:extLst>
       <p:ext uri="{BB962C8B-B14F-4D97-AF65-F5344CB8AC3E}">
-        <p14:creationId xmlns="" xmlns:p14="http://schemas.microsoft.com/office/powerpoint/2010/main" val="1034348362"/>
+        <p14:creationId xmlns:p14="http://schemas.microsoft.com/office/powerpoint/2010/main" val="1034348362"/>
       </p:ext>
     </p:extLst>
   </p:cSld>
@@ -1914,7 +2743,7 @@
             <a:fld id="{420D65D8-03CC-42D4-89C4-CB770DA01089}" type="datetimeFigureOut">
               <a:rPr lang="en-GB" smtClean="0"/>
               <a:pPr/>
-              <a:t>05/02/2012</a:t>
+              <a:t>06/02/2012</a:t>
             </a:fld>
             <a:endParaRPr lang="en-GB"/>
           </a:p>
@@ -1966,7 +2795,7 @@
     </p:spTree>
     <p:extLst>
       <p:ext uri="{BB962C8B-B14F-4D97-AF65-F5344CB8AC3E}">
-        <p14:creationId xmlns="" xmlns:p14="http://schemas.microsoft.com/office/powerpoint/2010/main" val="290425148"/>
+        <p14:creationId xmlns:p14="http://schemas.microsoft.com/office/powerpoint/2010/main" val="290425148"/>
       </p:ext>
     </p:extLst>
   </p:cSld>
@@ -2011,7 +2840,7 @@
             <a:fld id="{420D65D8-03CC-42D4-89C4-CB770DA01089}" type="datetimeFigureOut">
               <a:rPr lang="en-GB" smtClean="0"/>
               <a:pPr/>
-              <a:t>05/02/2012</a:t>
+              <a:t>06/02/2012</a:t>
             </a:fld>
             <a:endParaRPr lang="en-GB"/>
           </a:p>
@@ -2063,7 +2892,7 @@
     </p:spTree>
     <p:extLst>
       <p:ext uri="{BB962C8B-B14F-4D97-AF65-F5344CB8AC3E}">
-        <p14:creationId xmlns="" xmlns:p14="http://schemas.microsoft.com/office/powerpoint/2010/main" val="182345889"/>
+        <p14:creationId xmlns:p14="http://schemas.microsoft.com/office/powerpoint/2010/main" val="182345889"/>
       </p:ext>
     </p:extLst>
   </p:cSld>
@@ -2290,7 +3119,7 @@
             <a:fld id="{420D65D8-03CC-42D4-89C4-CB770DA01089}" type="datetimeFigureOut">
               <a:rPr lang="en-GB" smtClean="0"/>
               <a:pPr/>
-              <a:t>05/02/2012</a:t>
+              <a:t>06/02/2012</a:t>
             </a:fld>
             <a:endParaRPr lang="en-GB"/>
           </a:p>
@@ -2342,7 +3171,7 @@
     </p:spTree>
     <p:extLst>
       <p:ext uri="{BB962C8B-B14F-4D97-AF65-F5344CB8AC3E}">
-        <p14:creationId xmlns="" xmlns:p14="http://schemas.microsoft.com/office/powerpoint/2010/main" val="2186173485"/>
+        <p14:creationId xmlns:p14="http://schemas.microsoft.com/office/powerpoint/2010/main" val="2186173485"/>
       </p:ext>
     </p:extLst>
   </p:cSld>
@@ -2545,7 +3374,7 @@
             <a:fld id="{420D65D8-03CC-42D4-89C4-CB770DA01089}" type="datetimeFigureOut">
               <a:rPr lang="en-GB" smtClean="0"/>
               <a:pPr/>
-              <a:t>05/02/2012</a:t>
+              <a:t>06/02/2012</a:t>
             </a:fld>
             <a:endParaRPr lang="en-GB"/>
           </a:p>
@@ -2597,7 +3426,7 @@
     </p:spTree>
     <p:extLst>
       <p:ext uri="{BB962C8B-B14F-4D97-AF65-F5344CB8AC3E}">
-        <p14:creationId xmlns="" xmlns:p14="http://schemas.microsoft.com/office/powerpoint/2010/main" val="4028586268"/>
+        <p14:creationId xmlns:p14="http://schemas.microsoft.com/office/powerpoint/2010/main" val="4028586268"/>
       </p:ext>
     </p:extLst>
   </p:cSld>
@@ -2760,7 +3589,7 @@
             <a:fld id="{420D65D8-03CC-42D4-89C4-CB770DA01089}" type="datetimeFigureOut">
               <a:rPr lang="en-GB" smtClean="0"/>
               <a:pPr/>
-              <a:t>05/02/2012</a:t>
+              <a:t>06/02/2012</a:t>
             </a:fld>
             <a:endParaRPr lang="en-GB"/>
           </a:p>
@@ -2848,7 +3677,7 @@
     </p:spTree>
     <p:extLst>
       <p:ext uri="{BB962C8B-B14F-4D97-AF65-F5344CB8AC3E}">
-        <p14:creationId xmlns="" xmlns:p14="http://schemas.microsoft.com/office/powerpoint/2010/main" val="2046728892"/>
+        <p14:creationId xmlns:p14="http://schemas.microsoft.com/office/powerpoint/2010/main" val="2046728892"/>
       </p:ext>
     </p:extLst>
   </p:cSld>
@@ -3191,7 +4020,7 @@
     </p:spTree>
     <p:extLst>
       <p:ext uri="{BB962C8B-B14F-4D97-AF65-F5344CB8AC3E}">
-        <p14:creationId xmlns="" xmlns:p14="http://schemas.microsoft.com/office/powerpoint/2010/main" val="1771199691"/>
+        <p14:creationId xmlns:p14="http://schemas.microsoft.com/office/powerpoint/2010/main" val="1771199691"/>
       </p:ext>
     </p:extLst>
   </p:cSld>
@@ -3232,6 +4061,85 @@
             <a:spLocks noGrp="1"/>
           </p:cNvSpPr>
           <p:nvPr>
+            <p:ph type="ctrTitle"/>
+          </p:nvPr>
+        </p:nvSpPr>
+        <p:spPr/>
+        <p:txBody>
+          <a:bodyPr/>
+          <a:lstStyle/>
+          <a:p>
+            <a:r>
+              <a:rPr lang="en-GB" dirty="0" smtClean="0"/>
+              <a:t>Implementation</a:t>
+            </a:r>
+            <a:endParaRPr lang="en-GB" dirty="0"/>
+          </a:p>
+        </p:txBody>
+      </p:sp>
+      <p:sp>
+        <p:nvSpPr>
+          <p:cNvPr id="4" name="Subtitle 3"/>
+          <p:cNvSpPr>
+            <a:spLocks noGrp="1"/>
+          </p:cNvSpPr>
+          <p:nvPr>
+            <p:ph type="subTitle" idx="1"/>
+          </p:nvPr>
+        </p:nvSpPr>
+        <p:spPr/>
+        <p:txBody>
+          <a:bodyPr/>
+          <a:lstStyle/>
+          <a:p>
+            <a:endParaRPr lang="en-GB"/>
+          </a:p>
+        </p:txBody>
+      </p:sp>
+    </p:spTree>
+    <p:extLst>
+      <p:ext uri="{BB962C8B-B14F-4D97-AF65-F5344CB8AC3E}">
+        <p14:creationId xmlns:p14="http://schemas.microsoft.com/office/powerpoint/2010/main" val="50390098"/>
+      </p:ext>
+    </p:extLst>
+  </p:cSld>
+  <p:clrMapOvr>
+    <a:masterClrMapping/>
+  </p:clrMapOvr>
+  <p:timing>
+    <p:tnLst>
+      <p:par>
+        <p:cTn id="1" dur="indefinite" restart="never" nodeType="tmRoot"/>
+      </p:par>
+    </p:tnLst>
+  </p:timing>
+</p:sld>
+</file>
+
+<file path=ppt/slides/slide11.xml><?xml version="1.0" encoding="utf-8"?>
+<p:sld xmlns:a="http://schemas.openxmlformats.org/drawingml/2006/main" xmlns:r="http://schemas.openxmlformats.org/officeDocument/2006/relationships" xmlns:p="http://schemas.openxmlformats.org/presentationml/2006/main">
+  <p:cSld>
+    <p:spTree>
+      <p:nvGrpSpPr>
+        <p:cNvPr id="1" name=""/>
+        <p:cNvGrpSpPr/>
+        <p:nvPr/>
+      </p:nvGrpSpPr>
+      <p:grpSpPr>
+        <a:xfrm>
+          <a:off x="0" y="0"/>
+          <a:ext cx="0" cy="0"/>
+          <a:chOff x="0" y="0"/>
+          <a:chExt cx="0" cy="0"/>
+        </a:xfrm>
+      </p:grpSpPr>
+      <p:sp>
+        <p:nvSpPr>
+          <p:cNvPr id="2" name="Title 1"/>
+          <p:cNvSpPr>
+            <a:spLocks noGrp="1"/>
+          </p:cNvSpPr>
+          <p:nvPr>
             <p:ph type="title"/>
           </p:nvPr>
         </p:nvSpPr>
@@ -3343,7 +4251,7 @@
           <a:blip r:embed="rId2" cstate="print">
             <a:extLst>
               <a:ext uri="{28A0092B-C50C-407E-A947-70E740481C1C}">
-                <a14:useLocalDpi xmlns="" xmlns:a14="http://schemas.microsoft.com/office/drawing/2010/main" val="0"/>
+                <a14:useLocalDpi xmlns:a14="http://schemas.microsoft.com/office/drawing/2010/main" val="0"/>
               </a:ext>
             </a:extLst>
           </a:blip>
@@ -3367,14 +4275,14 @@
           <a:effectLst/>
           <a:extLst>
             <a:ext uri="{909E8E84-426E-40DD-AFC4-6F175D3DCCD1}">
-              <a14:hiddenFill xmlns="" xmlns:a14="http://schemas.microsoft.com/office/drawing/2010/main">
+              <a14:hiddenFill xmlns:a14="http://schemas.microsoft.com/office/drawing/2010/main">
                 <a:solidFill>
                   <a:schemeClr val="accent1"/>
                 </a:solidFill>
               </a14:hiddenFill>
             </a:ext>
             <a:ext uri="{91240B29-F687-4F45-9708-019B960494DF}">
-              <a14:hiddenLine xmlns="" xmlns:a14="http://schemas.microsoft.com/office/drawing/2010/main" w="9525">
+              <a14:hiddenLine xmlns:a14="http://schemas.microsoft.com/office/drawing/2010/main" w="9525">
                 <a:solidFill>
                   <a:schemeClr val="tx1"/>
                 </a:solidFill>
@@ -3384,7 +4292,7 @@
               </a14:hiddenLine>
             </a:ext>
             <a:ext uri="{AF507438-7753-43E0-B8FC-AC1667EBCBE1}">
-              <a14:hiddenEffects xmlns="" xmlns:a14="http://schemas.microsoft.com/office/drawing/2010/main">
+              <a14:hiddenEffects xmlns:a14="http://schemas.microsoft.com/office/drawing/2010/main">
                 <a:effectLst>
                   <a:outerShdw dist="35921" dir="2700000" algn="ctr" rotWithShape="0">
                     <a:schemeClr val="bg2"/>
@@ -3573,98 +4481,7 @@
     </p:spTree>
     <p:extLst>
       <p:ext uri="{BB962C8B-B14F-4D97-AF65-F5344CB8AC3E}">
-        <p14:creationId xmlns="" xmlns:p14="http://schemas.microsoft.com/office/powerpoint/2010/main" val="4186463740"/>
-      </p:ext>
-    </p:extLst>
-  </p:cSld>
-  <p:clrMapOvr>
-    <a:masterClrMapping/>
-  </p:clrMapOvr>
-  <p:timing>
-    <p:tnLst>
-      <p:par>
-        <p:cTn id="1" dur="indefinite" restart="never" nodeType="tmRoot"/>
-      </p:par>
-    </p:tnLst>
-  </p:timing>
-</p:sld>
-</file>
-
-<file path=ppt/slides/slide11.xml><?xml version="1.0" encoding="utf-8"?>
-<p:sld xmlns:a="http://schemas.openxmlformats.org/drawingml/2006/main" xmlns:r="http://schemas.openxmlformats.org/officeDocument/2006/relationships" xmlns:p="http://schemas.openxmlformats.org/presentationml/2006/main">
-  <p:cSld>
-    <p:spTree>
-      <p:nvGrpSpPr>
-        <p:cNvPr id="1" name=""/>
-        <p:cNvGrpSpPr/>
-        <p:nvPr/>
-      </p:nvGrpSpPr>
-      <p:grpSpPr>
-        <a:xfrm>
-          <a:off x="0" y="0"/>
-          <a:ext cx="0" cy="0"/>
-          <a:chOff x="0" y="0"/>
-          <a:chExt cx="0" cy="0"/>
-        </a:xfrm>
-      </p:grpSpPr>
-      <p:sp>
-        <p:nvSpPr>
-          <p:cNvPr id="2" name="Title 1"/>
-          <p:cNvSpPr>
-            <a:spLocks noGrp="1"/>
-          </p:cNvSpPr>
-          <p:nvPr>
-            <p:ph type="title"/>
-          </p:nvPr>
-        </p:nvSpPr>
-        <p:spPr/>
-        <p:txBody>
-          <a:bodyPr/>
-          <a:lstStyle/>
-          <a:p>
-            <a:r>
-              <a:rPr lang="en-GB" dirty="0" smtClean="0"/>
-              <a:t>Implementation – Achievements</a:t>
-            </a:r>
-            <a:endParaRPr lang="en-GB" dirty="0"/>
-          </a:p>
-        </p:txBody>
-      </p:sp>
-      <p:sp>
-        <p:nvSpPr>
-          <p:cNvPr id="3" name="Content Placeholder 2"/>
-          <p:cNvSpPr>
-            <a:spLocks noGrp="1"/>
-          </p:cNvSpPr>
-          <p:nvPr>
-            <p:ph idx="1"/>
-          </p:nvPr>
-        </p:nvSpPr>
-        <p:spPr/>
-        <p:txBody>
-          <a:bodyPr/>
-          <a:lstStyle/>
-          <a:p>
-            <a:r>
-              <a:rPr lang="en-GB" dirty="0" smtClean="0"/>
-              <a:t>Took </a:t>
-            </a:r>
-            <a:r>
-              <a:rPr lang="en-GB" b="1" dirty="0" smtClean="0"/>
-              <a:t>iterative</a:t>
-            </a:r>
-            <a:r>
-              <a:rPr lang="en-GB" dirty="0" smtClean="0"/>
-              <a:t> approach to implementation</a:t>
-            </a:r>
-            <a:endParaRPr lang="en-GB" dirty="0"/>
-          </a:p>
-        </p:txBody>
-      </p:sp>
-    </p:spTree>
-    <p:extLst>
-      <p:ext uri="{BB962C8B-B14F-4D97-AF65-F5344CB8AC3E}">
-        <p14:creationId xmlns="" xmlns:p14="http://schemas.microsoft.com/office/powerpoint/2010/main" val="1216218812"/>
+        <p14:creationId xmlns:p14="http://schemas.microsoft.com/office/powerpoint/2010/main" val="430993342"/>
       </p:ext>
     </p:extLst>
   </p:cSld>
@@ -3715,7 +4532,7 @@
           <a:p>
             <a:r>
               <a:rPr lang="en-GB" dirty="0" smtClean="0"/>
-              <a:t>Implementation – Achievements</a:t>
+              <a:t>Implementation</a:t>
             </a:r>
             <a:endParaRPr lang="en-GB" dirty="0"/>
           </a:p>
@@ -3736,95 +4553,33 @@
           <a:bodyPr/>
           <a:lstStyle/>
           <a:p>
-            <a:pPr marL="514350" indent="-514350">
-              <a:buFont typeface="+mj-lt"/>
-              <a:buAutoNum type="arabicPeriod"/>
-            </a:pPr>
-            <a:r>
-              <a:rPr lang="en-GB" dirty="0" smtClean="0"/>
-              <a:t>Implementation with </a:t>
+            <a:r>
+              <a:rPr lang="en-GB" dirty="0" smtClean="0"/>
+              <a:t>Took </a:t>
             </a:r>
             <a:r>
               <a:rPr lang="en-GB" b="1" dirty="0" smtClean="0"/>
-              <a:t>square mask </a:t>
-            </a:r>
-            <a:r>
-              <a:rPr lang="en-GB" dirty="0" smtClean="0"/>
-              <a:t>and </a:t>
-            </a:r>
-            <a:r>
-              <a:rPr lang="en-GB" b="1" dirty="0" smtClean="0"/>
-              <a:t>simple</a:t>
-            </a:r>
-            <a:r>
-              <a:rPr lang="en-GB" dirty="0" smtClean="0"/>
-              <a:t>  </a:t>
-            </a:r>
-            <a:r>
-              <a:rPr lang="en-GB" b="1" dirty="0" smtClean="0"/>
-              <a:t>similarity equation</a:t>
-            </a:r>
-            <a:endParaRPr lang="en-GB" dirty="0" smtClean="0"/>
-          </a:p>
-          <a:p>
-            <a:pPr marL="971550" lvl="1" indent="-514350">
-              <a:buFont typeface="+mj-lt"/>
-              <a:buAutoNum type="arabicPeriod"/>
-            </a:pPr>
-            <a:endParaRPr lang="en-GB" dirty="0" smtClean="0"/>
-          </a:p>
-          <a:p>
-            <a:pPr marL="971550" lvl="1" indent="-514350">
-              <a:buFont typeface="+mj-lt"/>
-              <a:buAutoNum type="arabicPeriod"/>
-            </a:pPr>
+              <a:t>iterative</a:t>
+            </a:r>
+            <a:r>
+              <a:rPr lang="en-GB" dirty="0" smtClean="0"/>
+              <a:t> approach to implementation</a:t>
+            </a:r>
+          </a:p>
+          <a:p>
+            <a:pPr lvl="1"/>
+            <a:r>
+              <a:rPr lang="en-GB" dirty="0" smtClean="0"/>
+              <a:t>Simple -&gt; Complex</a:t>
+            </a:r>
             <a:endParaRPr lang="en-GB" dirty="0"/>
           </a:p>
         </p:txBody>
       </p:sp>
-      <p:pic>
-        <p:nvPicPr>
-          <p:cNvPr id="2050" name="Picture 2" descr="H:\susanedge\susanedge\figures\simple_square_susan_test.png"/>
-          <p:cNvPicPr>
-            <a:picLocks noChangeAspect="1" noChangeArrowheads="1"/>
-          </p:cNvPicPr>
-          <p:nvPr/>
-        </p:nvPicPr>
-        <p:blipFill rotWithShape="1">
-          <a:blip r:embed="rId2" cstate="print">
-            <a:extLst>
-              <a:ext uri="{28A0092B-C50C-407E-A947-70E740481C1C}">
-                <a14:useLocalDpi xmlns="" xmlns:a14="http://schemas.microsoft.com/office/drawing/2010/main" val="0"/>
-              </a:ext>
-            </a:extLst>
-          </a:blip>
-          <a:srcRect l="28643" t="7158" r="27869" b="6235"/>
-          <a:stretch/>
-        </p:blipFill>
-        <p:spPr bwMode="auto">
-          <a:xfrm>
-            <a:off x="2699792" y="2676252"/>
-            <a:ext cx="3798350" cy="3805932"/>
-          </a:xfrm>
-          <a:prstGeom prst="rect">
-            <a:avLst/>
-          </a:prstGeom>
-          <a:noFill/>
-          <a:extLst>
-            <a:ext uri="{909E8E84-426E-40DD-AFC4-6F175D3DCCD1}">
-              <a14:hiddenFill xmlns="" xmlns:a14="http://schemas.microsoft.com/office/drawing/2010/main">
-                <a:solidFill>
-                  <a:srgbClr val="FFFFFF"/>
-                </a:solidFill>
-              </a14:hiddenFill>
-            </a:ext>
-          </a:extLst>
-        </p:spPr>
-      </p:pic>
     </p:spTree>
     <p:extLst>
       <p:ext uri="{BB962C8B-B14F-4D97-AF65-F5344CB8AC3E}">
-        <p14:creationId xmlns="" xmlns:p14="http://schemas.microsoft.com/office/powerpoint/2010/main" val="1537013682"/>
+        <p14:creationId xmlns:p14="http://schemas.microsoft.com/office/powerpoint/2010/main" val="1838154915"/>
       </p:ext>
     </p:extLst>
   </p:cSld>
@@ -3875,7 +4630,7 @@
           <a:p>
             <a:r>
               <a:rPr lang="en-GB" dirty="0" smtClean="0"/>
-              <a:t>Implementation – Achievements</a:t>
+              <a:t>Implementation</a:t>
             </a:r>
             <a:endParaRPr lang="en-GB" dirty="0"/>
           </a:p>
@@ -3891,257 +4646,130 @@
             <p:ph idx="1"/>
           </p:nvPr>
         </p:nvSpPr>
-        <p:spPr>
-          <a:xfrm>
-            <a:off x="457200" y="1600201"/>
-            <a:ext cx="8229600" cy="748680"/>
-          </a:xfrm>
-        </p:spPr>
+        <p:spPr/>
         <p:txBody>
           <a:bodyPr/>
           <a:lstStyle/>
           <a:p>
             <a:pPr marL="514350" indent="-514350">
               <a:buFont typeface="+mj-lt"/>
-              <a:buAutoNum type="arabicPeriod" startAt="2"/>
+              <a:buAutoNum type="arabicPeriod"/>
             </a:pPr>
             <a:r>
               <a:rPr lang="en-GB" dirty="0" smtClean="0"/>
-              <a:t> </a:t>
+              <a:t>Implementation with </a:t>
             </a:r>
             <a:r>
               <a:rPr lang="en-GB" b="1" dirty="0" smtClean="0"/>
-              <a:t>Smoothed </a:t>
-            </a:r>
-            <a:r>
-              <a:rPr lang="en-GB" dirty="0" smtClean="0"/>
-              <a:t>similarity equation implemented</a:t>
-            </a:r>
+              <a:t>square mask </a:t>
+            </a:r>
+            <a:r>
+              <a:rPr lang="en-GB" dirty="0" smtClean="0"/>
+              <a:t>and </a:t>
+            </a:r>
+            <a:r>
+              <a:rPr lang="en-GB" b="1" dirty="0" smtClean="0"/>
+              <a:t>simple</a:t>
+            </a:r>
+            <a:r>
+              <a:rPr lang="en-GB" dirty="0" smtClean="0"/>
+              <a:t>  </a:t>
+            </a:r>
+            <a:r>
+              <a:rPr lang="en-GB" b="1" dirty="0" smtClean="0"/>
+              <a:t>similarity equation</a:t>
+            </a:r>
+            <a:endParaRPr lang="en-GB" dirty="0" smtClean="0"/>
+          </a:p>
+          <a:p>
+            <a:pPr marL="971550" lvl="1" indent="-514350">
+              <a:buFont typeface="+mj-lt"/>
+              <a:buAutoNum type="arabicPeriod"/>
+            </a:pPr>
+            <a:endParaRPr lang="en-GB" dirty="0" smtClean="0"/>
+          </a:p>
+          <a:p>
+            <a:pPr marL="971550" lvl="1" indent="-514350">
+              <a:buFont typeface="+mj-lt"/>
+              <a:buAutoNum type="arabicPeriod"/>
+            </a:pPr>
+            <a:endParaRPr lang="en-GB" dirty="0"/>
           </a:p>
         </p:txBody>
       </p:sp>
       <p:pic>
         <p:nvPicPr>
-          <p:cNvPr id="3074" name="Picture 2" descr="H:\susanedge\susanedge\figures\smooth_square_susan_test.png"/>
+          <p:cNvPr id="5" name="Picture 2"/>
           <p:cNvPicPr>
             <a:picLocks noChangeAspect="1" noChangeArrowheads="1"/>
           </p:cNvPicPr>
           <p:nvPr/>
         </p:nvPicPr>
-        <p:blipFill rotWithShape="1">
-          <a:blip r:embed="rId2" cstate="print">
-            <a:extLst>
-              <a:ext uri="{28A0092B-C50C-407E-A947-70E740481C1C}">
-                <a14:useLocalDpi xmlns="" xmlns:a14="http://schemas.microsoft.com/office/drawing/2010/main" val="0"/>
-              </a:ext>
-            </a:extLst>
-          </a:blip>
-          <a:srcRect l="28299" t="8238" r="28038" b="7052"/>
-          <a:stretch/>
+        <p:blipFill>
+          <a:blip r:embed="rId2" cstate="print"/>
+          <a:srcRect/>
+          <a:stretch>
+            <a:fillRect/>
+          </a:stretch>
         </p:blipFill>
         <p:spPr bwMode="auto">
           <a:xfrm>
-            <a:off x="4211960" y="2204864"/>
-            <a:ext cx="4651848" cy="4540870"/>
+            <a:off x="1763688" y="3284984"/>
+            <a:ext cx="4995160" cy="2632181"/>
           </a:xfrm>
           <a:prstGeom prst="rect">
             <a:avLst/>
           </a:prstGeom>
           <a:noFill/>
-          <a:extLst>
-            <a:ext uri="{909E8E84-426E-40DD-AFC4-6F175D3DCCD1}">
-              <a14:hiddenFill xmlns="" xmlns:a14="http://schemas.microsoft.com/office/drawing/2010/main">
-                <a:solidFill>
-                  <a:srgbClr val="FFFFFF"/>
-                </a:solidFill>
-              </a14:hiddenFill>
-            </a:ext>
-          </a:extLst>
+          <a:ln w="9525">
+            <a:noFill/>
+            <a:miter lim="800000"/>
+            <a:headEnd/>
+            <a:tailEnd/>
+          </a:ln>
         </p:spPr>
       </p:pic>
-      <p:sp>
-        <p:nvSpPr>
-          <p:cNvPr id="5" name="Content Placeholder 2"/>
-          <p:cNvSpPr txBox="1">
-            <a:spLocks/>
-          </p:cNvSpPr>
+      <p:cxnSp>
+        <p:nvCxnSpPr>
+          <p:cNvPr id="6" name="Straight Arrow Connector 5"/>
+          <p:cNvCxnSpPr/>
           <p:nvPr/>
-        </p:nvSpPr>
+        </p:nvCxnSpPr>
         <p:spPr>
-          <a:xfrm>
-            <a:off x="467544" y="2276872"/>
-            <a:ext cx="3888432" cy="2808312"/>
+          <a:xfrm flipV="1">
+            <a:off x="5436096" y="2924944"/>
+            <a:ext cx="1224136" cy="864096"/>
           </a:xfrm>
-          <a:prstGeom prst="rect">
+          <a:prstGeom prst="straightConnector1">
             <a:avLst/>
           </a:prstGeom>
+          <a:ln w="57150">
+            <a:solidFill>
+              <a:srgbClr val="FF0000"/>
+            </a:solidFill>
+            <a:headEnd type="triangle" w="med" len="med"/>
+            <a:tailEnd type="none" w="med" len="med"/>
+          </a:ln>
         </p:spPr>
-        <p:txBody>
-          <a:bodyPr vert="horz" lIns="91440" tIns="45720" rIns="91440" bIns="45720" rtlCol="0">
-            <a:normAutofit/>
-          </a:bodyPr>
-          <a:lstStyle>
-            <a:lvl1pPr marL="342900" indent="-342900" algn="l" defTabSz="914400" rtl="0" eaLnBrk="1" latinLnBrk="0" hangingPunct="1">
-              <a:spcBef>
-                <a:spcPct val="20000"/>
-              </a:spcBef>
-              <a:buFont typeface="Arial" pitchFamily="34" charset="0"/>
-              <a:buChar char="•"/>
-              <a:defRPr sz="3200" kern="1200">
-                <a:solidFill>
-                  <a:schemeClr val="tx1"/>
-                </a:solidFill>
-                <a:latin typeface="+mn-lt"/>
-                <a:ea typeface="+mn-ea"/>
-                <a:cs typeface="+mn-cs"/>
-              </a:defRPr>
-            </a:lvl1pPr>
-            <a:lvl2pPr marL="742950" indent="-285750" algn="l" defTabSz="914400" rtl="0" eaLnBrk="1" latinLnBrk="0" hangingPunct="1">
-              <a:spcBef>
-                <a:spcPct val="20000"/>
-              </a:spcBef>
-              <a:buFont typeface="Arial" pitchFamily="34" charset="0"/>
-              <a:buChar char="–"/>
-              <a:defRPr sz="2800" kern="1200">
-                <a:solidFill>
-                  <a:schemeClr val="tx1"/>
-                </a:solidFill>
-                <a:latin typeface="+mn-lt"/>
-                <a:ea typeface="+mn-ea"/>
-                <a:cs typeface="+mn-cs"/>
-              </a:defRPr>
-            </a:lvl2pPr>
-            <a:lvl3pPr marL="1143000" indent="-228600" algn="l" defTabSz="914400" rtl="0" eaLnBrk="1" latinLnBrk="0" hangingPunct="1">
-              <a:spcBef>
-                <a:spcPct val="20000"/>
-              </a:spcBef>
-              <a:buFont typeface="Arial" pitchFamily="34" charset="0"/>
-              <a:buChar char="•"/>
-              <a:defRPr sz="2400" kern="1200">
-                <a:solidFill>
-                  <a:schemeClr val="tx1"/>
-                </a:solidFill>
-                <a:latin typeface="+mn-lt"/>
-                <a:ea typeface="+mn-ea"/>
-                <a:cs typeface="+mn-cs"/>
-              </a:defRPr>
-            </a:lvl3pPr>
-            <a:lvl4pPr marL="1600200" indent="-228600" algn="l" defTabSz="914400" rtl="0" eaLnBrk="1" latinLnBrk="0" hangingPunct="1">
-              <a:spcBef>
-                <a:spcPct val="20000"/>
-              </a:spcBef>
-              <a:buFont typeface="Arial" pitchFamily="34" charset="0"/>
-              <a:buChar char="–"/>
-              <a:defRPr sz="2000" kern="1200">
-                <a:solidFill>
-                  <a:schemeClr val="tx1"/>
-                </a:solidFill>
-                <a:latin typeface="+mn-lt"/>
-                <a:ea typeface="+mn-ea"/>
-                <a:cs typeface="+mn-cs"/>
-              </a:defRPr>
-            </a:lvl4pPr>
-            <a:lvl5pPr marL="2057400" indent="-228600" algn="l" defTabSz="914400" rtl="0" eaLnBrk="1" latinLnBrk="0" hangingPunct="1">
-              <a:spcBef>
-                <a:spcPct val="20000"/>
-              </a:spcBef>
-              <a:buFont typeface="Arial" pitchFamily="34" charset="0"/>
-              <a:buChar char="»"/>
-              <a:defRPr sz="2000" kern="1200">
-                <a:solidFill>
-                  <a:schemeClr val="tx1"/>
-                </a:solidFill>
-                <a:latin typeface="+mn-lt"/>
-                <a:ea typeface="+mn-ea"/>
-                <a:cs typeface="+mn-cs"/>
-              </a:defRPr>
-            </a:lvl5pPr>
-            <a:lvl6pPr marL="2514600" indent="-228600" algn="l" defTabSz="914400" rtl="0" eaLnBrk="1" latinLnBrk="0" hangingPunct="1">
-              <a:spcBef>
-                <a:spcPct val="20000"/>
-              </a:spcBef>
-              <a:buFont typeface="Arial" pitchFamily="34" charset="0"/>
-              <a:buChar char="•"/>
-              <a:defRPr sz="2000" kern="1200">
-                <a:solidFill>
-                  <a:schemeClr val="tx1"/>
-                </a:solidFill>
-                <a:latin typeface="+mn-lt"/>
-                <a:ea typeface="+mn-ea"/>
-                <a:cs typeface="+mn-cs"/>
-              </a:defRPr>
-            </a:lvl6pPr>
-            <a:lvl7pPr marL="2971800" indent="-228600" algn="l" defTabSz="914400" rtl="0" eaLnBrk="1" latinLnBrk="0" hangingPunct="1">
-              <a:spcBef>
-                <a:spcPct val="20000"/>
-              </a:spcBef>
-              <a:buFont typeface="Arial" pitchFamily="34" charset="0"/>
-              <a:buChar char="•"/>
-              <a:defRPr sz="2000" kern="1200">
-                <a:solidFill>
-                  <a:schemeClr val="tx1"/>
-                </a:solidFill>
-                <a:latin typeface="+mn-lt"/>
-                <a:ea typeface="+mn-ea"/>
-                <a:cs typeface="+mn-cs"/>
-              </a:defRPr>
-            </a:lvl7pPr>
-            <a:lvl8pPr marL="3429000" indent="-228600" algn="l" defTabSz="914400" rtl="0" eaLnBrk="1" latinLnBrk="0" hangingPunct="1">
-              <a:spcBef>
-                <a:spcPct val="20000"/>
-              </a:spcBef>
-              <a:buFont typeface="Arial" pitchFamily="34" charset="0"/>
-              <a:buChar char="•"/>
-              <a:defRPr sz="2000" kern="1200">
-                <a:solidFill>
-                  <a:schemeClr val="tx1"/>
-                </a:solidFill>
-                <a:latin typeface="+mn-lt"/>
-                <a:ea typeface="+mn-ea"/>
-                <a:cs typeface="+mn-cs"/>
-              </a:defRPr>
-            </a:lvl8pPr>
-            <a:lvl9pPr marL="3886200" indent="-228600" algn="l" defTabSz="914400" rtl="0" eaLnBrk="1" latinLnBrk="0" hangingPunct="1">
-              <a:spcBef>
-                <a:spcPct val="20000"/>
-              </a:spcBef>
-              <a:buFont typeface="Arial" pitchFamily="34" charset="0"/>
-              <a:buChar char="•"/>
-              <a:defRPr sz="2000" kern="1200">
-                <a:solidFill>
-                  <a:schemeClr val="tx1"/>
-                </a:solidFill>
-                <a:latin typeface="+mn-lt"/>
-                <a:ea typeface="+mn-ea"/>
-                <a:cs typeface="+mn-cs"/>
-              </a:defRPr>
-            </a:lvl9pPr>
-          </a:lstStyle>
-          <a:p>
-            <a:pPr marL="514350" indent="-514350">
-              <a:buFont typeface="+mj-lt"/>
-              <a:buAutoNum type="arabicPeriod" startAt="3"/>
-            </a:pPr>
-            <a:r>
-              <a:rPr lang="en-GB" dirty="0" smtClean="0"/>
-              <a:t>Algorithm </a:t>
-            </a:r>
-            <a:r>
-              <a:rPr lang="en-GB" dirty="0" err="1" smtClean="0"/>
-              <a:t>vectorised</a:t>
-            </a:r>
-            <a:r>
-              <a:rPr lang="en-GB" dirty="0" smtClean="0"/>
-              <a:t> to improve speed</a:t>
-            </a:r>
-            <a:endParaRPr lang="en-GB" dirty="0"/>
-          </a:p>
-        </p:txBody>
-      </p:sp>
+        <p:style>
+          <a:lnRef idx="1">
+            <a:schemeClr val="accent1"/>
+          </a:lnRef>
+          <a:fillRef idx="0">
+            <a:schemeClr val="accent1"/>
+          </a:fillRef>
+          <a:effectRef idx="0">
+            <a:schemeClr val="accent1"/>
+          </a:effectRef>
+          <a:fontRef idx="minor">
+            <a:schemeClr val="tx1"/>
+          </a:fontRef>
+        </p:style>
+      </p:cxnSp>
     </p:spTree>
     <p:extLst>
       <p:ext uri="{BB962C8B-B14F-4D97-AF65-F5344CB8AC3E}">
-        <p14:creationId xmlns="" xmlns:p14="http://schemas.microsoft.com/office/powerpoint/2010/main" val="3107077440"/>
+        <p14:creationId xmlns:p14="http://schemas.microsoft.com/office/powerpoint/2010/main" val="615310088"/>
       </p:ext>
     </p:extLst>
   </p:cSld>
@@ -4192,7 +4820,7 @@
           <a:p>
             <a:r>
               <a:rPr lang="en-GB" dirty="0" smtClean="0"/>
-              <a:t>Implementation – Achievements</a:t>
+              <a:t>Implementation</a:t>
             </a:r>
             <a:endParaRPr lang="en-GB" dirty="0"/>
           </a:p>
@@ -4241,94 +4869,7 @@
               <a:rPr lang="en-GB" b="1" dirty="0" smtClean="0"/>
               <a:t>similarity equation</a:t>
             </a:r>
-          </a:p>
-          <a:p>
-            <a:pPr marL="571500" indent="-514350">
-              <a:buFont typeface="+mj-lt"/>
-              <a:buAutoNum type="arabicPeriod"/>
-            </a:pPr>
-            <a:r>
-              <a:rPr lang="en-GB" dirty="0" smtClean="0"/>
-              <a:t> </a:t>
-            </a:r>
-            <a:r>
-              <a:rPr lang="en-GB" b="1" dirty="0" smtClean="0"/>
-              <a:t>Smoothed </a:t>
-            </a:r>
-            <a:r>
-              <a:rPr lang="en-GB" dirty="0" smtClean="0"/>
-              <a:t>similarity equation implemented</a:t>
-            </a:r>
-          </a:p>
-          <a:p>
-            <a:pPr marL="571500" indent="-514350">
-              <a:buFont typeface="+mj-lt"/>
-              <a:buAutoNum type="arabicPeriod"/>
-            </a:pPr>
-            <a:r>
-              <a:rPr lang="en-GB" dirty="0" smtClean="0"/>
-              <a:t> </a:t>
-            </a:r>
-            <a:r>
-              <a:rPr lang="en-GB" b="1" dirty="0" smtClean="0"/>
-              <a:t>Circular</a:t>
-            </a:r>
-            <a:r>
-              <a:rPr lang="en-GB" dirty="0" smtClean="0"/>
-              <a:t> mask implemented</a:t>
-            </a:r>
-          </a:p>
-          <a:p>
-            <a:pPr marL="571500" indent="-514350">
-              <a:buFont typeface="+mj-lt"/>
-              <a:buAutoNum type="arabicPeriod"/>
-            </a:pPr>
-            <a:r>
-              <a:rPr lang="en-GB" dirty="0"/>
-              <a:t>  </a:t>
-            </a:r>
-            <a:r>
-              <a:rPr lang="en-GB" b="1" dirty="0" smtClean="0"/>
-              <a:t>Inter</a:t>
-            </a:r>
-            <a:r>
-              <a:rPr lang="en-GB" dirty="0" smtClean="0"/>
-              <a:t>-Pixel </a:t>
-            </a:r>
-            <a:r>
-              <a:rPr lang="en-GB" b="1" dirty="0" smtClean="0"/>
-              <a:t>edge direction</a:t>
-            </a:r>
-            <a:r>
-              <a:rPr lang="en-GB" dirty="0" smtClean="0"/>
-              <a:t> measurement implemented</a:t>
-            </a:r>
-          </a:p>
-          <a:p>
-            <a:pPr marL="571500" indent="-514350">
-              <a:buFont typeface="+mj-lt"/>
-              <a:buAutoNum type="arabicPeriod"/>
-            </a:pPr>
-            <a:r>
-              <a:rPr lang="en-GB" dirty="0" smtClean="0"/>
-              <a:t> </a:t>
-            </a:r>
-            <a:r>
-              <a:rPr lang="en-GB" b="1" dirty="0" smtClean="0"/>
-              <a:t>Intra</a:t>
-            </a:r>
-            <a:r>
-              <a:rPr lang="en-GB" dirty="0" smtClean="0"/>
-              <a:t>-Pixel </a:t>
-            </a:r>
-            <a:r>
-              <a:rPr lang="en-GB" b="1" dirty="0" smtClean="0"/>
-              <a:t>edge direction</a:t>
-            </a:r>
-            <a:r>
-              <a:rPr lang="en-GB" dirty="0" smtClean="0"/>
-              <a:t> measurement implemented</a:t>
-            </a:r>
+            <a:endParaRPr lang="en-GB" dirty="0" smtClean="0"/>
           </a:p>
           <a:p>
             <a:pPr marL="971550" lvl="1" indent="-514350">
@@ -4342,21 +4883,46 @@
               <a:buFont typeface="+mj-lt"/>
               <a:buAutoNum type="arabicPeriod"/>
             </a:pPr>
-            <a:endParaRPr lang="en-GB" dirty="0" smtClean="0"/>
-          </a:p>
-          <a:p>
-            <a:pPr marL="971550" lvl="1" indent="-514350">
-              <a:buFont typeface="+mj-lt"/>
-              <a:buAutoNum type="arabicPeriod"/>
-            </a:pPr>
             <a:endParaRPr lang="en-GB" dirty="0"/>
           </a:p>
         </p:txBody>
       </p:sp>
+      <p:pic>
+        <p:nvPicPr>
+          <p:cNvPr id="9" name="Picture 5"/>
+          <p:cNvPicPr>
+            <a:picLocks noChangeAspect="1" noChangeArrowheads="1"/>
+          </p:cNvPicPr>
+          <p:nvPr/>
+        </p:nvPicPr>
+        <p:blipFill>
+          <a:blip r:embed="rId2" cstate="print"/>
+          <a:srcRect/>
+          <a:stretch>
+            <a:fillRect/>
+          </a:stretch>
+        </p:blipFill>
+        <p:spPr bwMode="auto">
+          <a:xfrm>
+            <a:off x="1187624" y="2780928"/>
+            <a:ext cx="6166171" cy="3672408"/>
+          </a:xfrm>
+          <a:prstGeom prst="rect">
+            <a:avLst/>
+          </a:prstGeom>
+          <a:noFill/>
+          <a:ln w="9525">
+            <a:noFill/>
+            <a:miter lim="800000"/>
+            <a:headEnd/>
+            <a:tailEnd/>
+          </a:ln>
+        </p:spPr>
+      </p:pic>
     </p:spTree>
     <p:extLst>
       <p:ext uri="{BB962C8B-B14F-4D97-AF65-F5344CB8AC3E}">
-        <p14:creationId xmlns="" xmlns:p14="http://schemas.microsoft.com/office/powerpoint/2010/main" val="543308162"/>
+        <p14:creationId xmlns:p14="http://schemas.microsoft.com/office/powerpoint/2010/main" val="3453843208"/>
       </p:ext>
     </p:extLst>
   </p:cSld>
@@ -4392,12 +4958,12 @@
       </p:grpSpPr>
       <p:sp>
         <p:nvSpPr>
-          <p:cNvPr id="6" name="Title 5"/>
-          <p:cNvSpPr>
-            <a:spLocks noGrp="1"/>
-          </p:cNvSpPr>
-          <p:nvPr>
-            <p:ph type="ctrTitle"/>
+          <p:cNvPr id="2" name="Title 1"/>
+          <p:cNvSpPr>
+            <a:spLocks noGrp="1"/>
+          </p:cNvSpPr>
+          <p:nvPr>
+            <p:ph type="title"/>
           </p:nvPr>
         </p:nvSpPr>
         <p:spPr/>
@@ -4407,7 +4973,7 @@
           <a:p>
             <a:r>
               <a:rPr lang="en-GB" dirty="0" smtClean="0"/>
-              <a:t>Demo</a:t>
+              <a:t>Implementation</a:t>
             </a:r>
             <a:endParaRPr lang="en-GB" dirty="0"/>
           </a:p>
@@ -4415,12 +4981,12 @@
       </p:sp>
       <p:sp>
         <p:nvSpPr>
-          <p:cNvPr id="8" name="Subtitle 7"/>
-          <p:cNvSpPr>
-            <a:spLocks noGrp="1"/>
-          </p:cNvSpPr>
-          <p:nvPr>
-            <p:ph type="subTitle" idx="1"/>
+          <p:cNvPr id="3" name="Content Placeholder 2"/>
+          <p:cNvSpPr>
+            <a:spLocks noGrp="1"/>
+          </p:cNvSpPr>
+          <p:nvPr>
+            <p:ph idx="1"/>
           </p:nvPr>
         </p:nvSpPr>
         <p:spPr/>
@@ -4428,14 +4994,145 @@
           <a:bodyPr/>
           <a:lstStyle/>
           <a:p>
+            <a:pPr marL="514350" indent="-514350">
+              <a:buFont typeface="+mj-lt"/>
+              <a:buAutoNum type="arabicPeriod"/>
+            </a:pPr>
+            <a:r>
+              <a:rPr lang="en-GB" dirty="0" smtClean="0"/>
+              <a:t>Implementation with </a:t>
+            </a:r>
+            <a:r>
+              <a:rPr lang="en-GB" b="1" dirty="0" smtClean="0"/>
+              <a:t>square mask </a:t>
+            </a:r>
+            <a:r>
+              <a:rPr lang="en-GB" dirty="0" smtClean="0"/>
+              <a:t>and </a:t>
+            </a:r>
+            <a:r>
+              <a:rPr lang="en-GB" b="1" dirty="0" smtClean="0"/>
+              <a:t>simple</a:t>
+            </a:r>
+            <a:r>
+              <a:rPr lang="en-GB" dirty="0" smtClean="0"/>
+              <a:t>  </a:t>
+            </a:r>
+            <a:r>
+              <a:rPr lang="en-GB" b="1" dirty="0" smtClean="0"/>
+              <a:t>similarity equation</a:t>
+            </a:r>
+            <a:endParaRPr lang="en-GB" dirty="0" smtClean="0"/>
+          </a:p>
+          <a:p>
+            <a:pPr marL="971550" lvl="1" indent="-514350">
+              <a:buFont typeface="+mj-lt"/>
+              <a:buAutoNum type="arabicPeriod"/>
+            </a:pPr>
+            <a:endParaRPr lang="en-GB" dirty="0" smtClean="0"/>
+          </a:p>
+          <a:p>
+            <a:pPr marL="971550" lvl="1" indent="-514350">
+              <a:buFont typeface="+mj-lt"/>
+              <a:buAutoNum type="arabicPeriod"/>
+            </a:pPr>
             <a:endParaRPr lang="en-GB" dirty="0"/>
           </a:p>
         </p:txBody>
       </p:sp>
+      <p:pic>
+        <p:nvPicPr>
+          <p:cNvPr id="1026" name="Picture 2" descr="C:\Users\ames\Documents\susanedge\susanedge\test_data\susan_test.gif"/>
+          <p:cNvPicPr>
+            <a:picLocks noChangeAspect="1" noChangeArrowheads="1"/>
+          </p:cNvPicPr>
+          <p:nvPr/>
+        </p:nvPicPr>
+        <p:blipFill>
+          <a:blip r:embed="rId2" cstate="print"/>
+          <a:srcRect/>
+          <a:stretch>
+            <a:fillRect/>
+          </a:stretch>
+        </p:blipFill>
+        <p:spPr bwMode="auto">
+          <a:xfrm>
+            <a:off x="467544" y="2852936"/>
+            <a:ext cx="3514725" cy="3514725"/>
+          </a:xfrm>
+          <a:prstGeom prst="rect">
+            <a:avLst/>
+          </a:prstGeom>
+          <a:noFill/>
+        </p:spPr>
+      </p:pic>
+      <p:cxnSp>
+        <p:nvCxnSpPr>
+          <p:cNvPr id="7" name="Straight Arrow Connector 6"/>
+          <p:cNvCxnSpPr/>
+          <p:nvPr/>
+        </p:nvCxnSpPr>
+        <p:spPr>
+          <a:xfrm>
+            <a:off x="4211960" y="4581128"/>
+            <a:ext cx="648072" cy="0"/>
+          </a:xfrm>
+          <a:prstGeom prst="straightConnector1">
+            <a:avLst/>
+          </a:prstGeom>
+          <a:ln w="57150">
+            <a:solidFill>
+              <a:schemeClr val="tx1"/>
+            </a:solidFill>
+            <a:headEnd type="none" w="med" len="med"/>
+            <a:tailEnd type="triangle" w="med" len="med"/>
+          </a:ln>
+        </p:spPr>
+        <p:style>
+          <a:lnRef idx="1">
+            <a:schemeClr val="accent1"/>
+          </a:lnRef>
+          <a:fillRef idx="0">
+            <a:schemeClr val="accent1"/>
+          </a:fillRef>
+          <a:effectRef idx="0">
+            <a:schemeClr val="accent1"/>
+          </a:effectRef>
+          <a:fontRef idx="minor">
+            <a:schemeClr val="tx1"/>
+          </a:fontRef>
+        </p:style>
+      </p:cxnSp>
+      <p:pic>
+        <p:nvPicPr>
+          <p:cNvPr id="1027" name="Picture 3" descr="C:\Users\ames\Documents\susanedge\susanedge\figures\simple_square_susan_test.png"/>
+          <p:cNvPicPr>
+            <a:picLocks noChangeAspect="1" noChangeArrowheads="1"/>
+          </p:cNvPicPr>
+          <p:nvPr/>
+        </p:nvPicPr>
+        <p:blipFill>
+          <a:blip r:embed="rId3" cstate="print"/>
+          <a:srcRect l="15695" t="8174" r="16662" b="4744"/>
+          <a:stretch>
+            <a:fillRect/>
+          </a:stretch>
+        </p:blipFill>
+        <p:spPr bwMode="auto">
+          <a:xfrm>
+            <a:off x="4883329" y="2753544"/>
+            <a:ext cx="3882735" cy="3771800"/>
+          </a:xfrm>
+          <a:prstGeom prst="rect">
+            <a:avLst/>
+          </a:prstGeom>
+          <a:noFill/>
+        </p:spPr>
+      </p:pic>
     </p:spTree>
     <p:extLst>
       <p:ext uri="{BB962C8B-B14F-4D97-AF65-F5344CB8AC3E}">
-        <p14:creationId xmlns="" xmlns:p14="http://schemas.microsoft.com/office/powerpoint/2010/main" val="2001286214"/>
+        <p14:creationId xmlns:p14="http://schemas.microsoft.com/office/powerpoint/2010/main" val="2888552520"/>
       </p:ext>
     </p:extLst>
   </p:cSld>
@@ -4476,7 +5173,7 @@
             <a:spLocks noGrp="1"/>
           </p:cNvSpPr>
           <p:nvPr>
-            <p:ph type="ctrTitle"/>
+            <p:ph type="title"/>
           </p:nvPr>
         </p:nvSpPr>
         <p:spPr/>
@@ -4486,7 +5183,7 @@
           <a:p>
             <a:r>
               <a:rPr lang="en-GB" dirty="0" smtClean="0"/>
-              <a:t>Experimentation</a:t>
+              <a:t>Implementation</a:t>
             </a:r>
             <a:endParaRPr lang="en-GB" dirty="0"/>
           </a:p>
@@ -4494,12 +5191,12 @@
       </p:sp>
       <p:sp>
         <p:nvSpPr>
-          <p:cNvPr id="4" name="Subtitle 3"/>
-          <p:cNvSpPr>
-            <a:spLocks noGrp="1"/>
-          </p:cNvSpPr>
-          <p:nvPr>
-            <p:ph type="subTitle" idx="1"/>
+          <p:cNvPr id="3" name="Content Placeholder 2"/>
+          <p:cNvSpPr>
+            <a:spLocks noGrp="1"/>
+          </p:cNvSpPr>
+          <p:nvPr>
+            <p:ph idx="1"/>
           </p:nvPr>
         </p:nvSpPr>
         <p:spPr/>
@@ -4507,14 +5204,134 @@
           <a:bodyPr/>
           <a:lstStyle/>
           <a:p>
-            <a:endParaRPr lang="en-GB"/>
-          </a:p>
-        </p:txBody>
-      </p:sp>
+            <a:pPr marL="514350" indent="-514350">
+              <a:buFont typeface="+mj-lt"/>
+              <a:buAutoNum type="arabicPeriod" startAt="2"/>
+            </a:pPr>
+            <a:r>
+              <a:rPr lang="en-GB" dirty="0" smtClean="0"/>
+              <a:t> Algorithm partially </a:t>
+            </a:r>
+            <a:r>
+              <a:rPr lang="en-GB" dirty="0" err="1" smtClean="0"/>
+              <a:t>vectorized</a:t>
+            </a:r>
+            <a:r>
+              <a:rPr lang="en-GB" dirty="0" smtClean="0"/>
+              <a:t> to </a:t>
+            </a:r>
+            <a:r>
+              <a:rPr lang="en-GB" b="1" dirty="0" smtClean="0"/>
+              <a:t>improve speed</a:t>
+            </a:r>
+          </a:p>
+        </p:txBody>
+      </p:sp>
+      <p:cxnSp>
+        <p:nvCxnSpPr>
+          <p:cNvPr id="7" name="Straight Arrow Connector 6"/>
+          <p:cNvCxnSpPr/>
+          <p:nvPr/>
+        </p:nvCxnSpPr>
+        <p:spPr>
+          <a:xfrm>
+            <a:off x="3779912" y="5301208"/>
+            <a:ext cx="720080" cy="360040"/>
+          </a:xfrm>
+          <a:prstGeom prst="straightConnector1">
+            <a:avLst/>
+          </a:prstGeom>
+          <a:ln w="57150">
+            <a:solidFill>
+              <a:schemeClr val="tx1"/>
+            </a:solidFill>
+            <a:headEnd type="none" w="med" len="med"/>
+            <a:tailEnd type="triangle" w="med" len="med"/>
+          </a:ln>
+        </p:spPr>
+        <p:style>
+          <a:lnRef idx="1">
+            <a:schemeClr val="accent1"/>
+          </a:lnRef>
+          <a:fillRef idx="0">
+            <a:schemeClr val="accent1"/>
+          </a:fillRef>
+          <a:effectRef idx="0">
+            <a:schemeClr val="accent1"/>
+          </a:effectRef>
+          <a:fontRef idx="minor">
+            <a:schemeClr val="tx1"/>
+          </a:fontRef>
+        </p:style>
+      </p:cxnSp>
+      <p:pic>
+        <p:nvPicPr>
+          <p:cNvPr id="2053" name="Picture 5"/>
+          <p:cNvPicPr>
+            <a:picLocks noChangeAspect="1" noChangeArrowheads="1"/>
+          </p:cNvPicPr>
+          <p:nvPr/>
+        </p:nvPicPr>
+        <p:blipFill>
+          <a:blip r:embed="rId2" cstate="print"/>
+          <a:srcRect/>
+          <a:stretch>
+            <a:fillRect/>
+          </a:stretch>
+        </p:blipFill>
+        <p:spPr bwMode="auto">
+          <a:xfrm>
+            <a:off x="323528" y="2780928"/>
+            <a:ext cx="3672408" cy="2187189"/>
+          </a:xfrm>
+          <a:prstGeom prst="rect">
+            <a:avLst/>
+          </a:prstGeom>
+          <a:noFill/>
+          <a:ln w="9525">
+            <a:noFill/>
+            <a:miter lim="800000"/>
+            <a:headEnd/>
+            <a:tailEnd/>
+          </a:ln>
+        </p:spPr>
+      </p:pic>
+      <p:pic>
+        <p:nvPicPr>
+          <p:cNvPr id="2055" name="Picture 7"/>
+          <p:cNvPicPr>
+            <a:picLocks noChangeAspect="1" noChangeArrowheads="1"/>
+          </p:cNvPicPr>
+          <p:nvPr/>
+        </p:nvPicPr>
+        <p:blipFill>
+          <a:blip r:embed="rId3" cstate="print"/>
+          <a:srcRect/>
+          <a:stretch>
+            <a:fillRect/>
+          </a:stretch>
+        </p:blipFill>
+        <p:spPr bwMode="auto">
+          <a:xfrm>
+            <a:off x="4572000" y="4005064"/>
+            <a:ext cx="4224089" cy="2718559"/>
+          </a:xfrm>
+          <a:prstGeom prst="rect">
+            <a:avLst/>
+          </a:prstGeom>
+          <a:noFill/>
+          <a:ln w="9525">
+            <a:noFill/>
+            <a:miter lim="800000"/>
+            <a:headEnd/>
+            <a:tailEnd/>
+          </a:ln>
+        </p:spPr>
+      </p:pic>
     </p:spTree>
     <p:extLst>
       <p:ext uri="{BB962C8B-B14F-4D97-AF65-F5344CB8AC3E}">
-        <p14:creationId xmlns="" xmlns:p14="http://schemas.microsoft.com/office/powerpoint/2010/main" val="378800283"/>
+        <p14:creationId xmlns:p14="http://schemas.microsoft.com/office/powerpoint/2010/main" val="3610983007"/>
       </p:ext>
     </p:extLst>
   </p:cSld>
@@ -4555,7 +5372,7 @@
             <a:spLocks noGrp="1"/>
           </p:cNvSpPr>
           <p:nvPr>
-            <p:ph type="ctrTitle"/>
+            <p:ph type="title"/>
           </p:nvPr>
         </p:nvSpPr>
         <p:spPr/>
@@ -4565,7 +5382,7 @@
           <a:p>
             <a:r>
               <a:rPr lang="en-GB" dirty="0" smtClean="0"/>
-              <a:t>Comparison</a:t>
+              <a:t>Implementation</a:t>
             </a:r>
             <a:endParaRPr lang="en-GB" dirty="0"/>
           </a:p>
@@ -4573,12 +5390,12 @@
       </p:sp>
       <p:sp>
         <p:nvSpPr>
-          <p:cNvPr id="4" name="Subtitle 3"/>
-          <p:cNvSpPr>
-            <a:spLocks noGrp="1"/>
-          </p:cNvSpPr>
-          <p:nvPr>
-            <p:ph type="subTitle" idx="1"/>
+          <p:cNvPr id="3" name="Content Placeholder 2"/>
+          <p:cNvSpPr>
+            <a:spLocks noGrp="1"/>
+          </p:cNvSpPr>
+          <p:nvPr>
+            <p:ph idx="1"/>
           </p:nvPr>
         </p:nvSpPr>
         <p:spPr/>
@@ -4586,14 +5403,49 @@
           <a:bodyPr/>
           <a:lstStyle/>
           <a:p>
-            <a:endParaRPr lang="en-GB"/>
-          </a:p>
-        </p:txBody>
-      </p:sp>
+            <a:pPr marL="514350" indent="-514350">
+              <a:buFont typeface="+mj-lt"/>
+              <a:buAutoNum type="arabicPeriod" startAt="2"/>
+            </a:pPr>
+            <a:r>
+              <a:rPr lang="en-GB" dirty="0" smtClean="0"/>
+              <a:t> Algorithm partially </a:t>
+            </a:r>
+            <a:r>
+              <a:rPr lang="en-GB" dirty="0" err="1" smtClean="0"/>
+              <a:t>vectorized</a:t>
+            </a:r>
+            <a:r>
+              <a:rPr lang="en-GB" dirty="0" smtClean="0"/>
+              <a:t> to </a:t>
+            </a:r>
+            <a:r>
+              <a:rPr lang="en-GB" b="1" dirty="0" smtClean="0"/>
+              <a:t>improve speed</a:t>
+            </a:r>
+          </a:p>
+        </p:txBody>
+      </p:sp>
+      <p:graphicFrame>
+        <p:nvGraphicFramePr>
+          <p:cNvPr id="9" name="Chart 8"/>
+          <p:cNvGraphicFramePr/>
+          <p:nvPr/>
+        </p:nvGraphicFramePr>
+        <p:xfrm>
+          <a:off x="1619672" y="2708920"/>
+          <a:ext cx="6336704" cy="3744416"/>
+        </p:xfrm>
+        <a:graphic>
+          <a:graphicData uri="http://schemas.openxmlformats.org/drawingml/2006/chart">
+            <c:chart xmlns:c="http://schemas.openxmlformats.org/drawingml/2006/chart" xmlns:r="http://schemas.openxmlformats.org/officeDocument/2006/relationships" r:id="rId2"/>
+          </a:graphicData>
+        </a:graphic>
+      </p:graphicFrame>
     </p:spTree>
     <p:extLst>
       <p:ext uri="{BB962C8B-B14F-4D97-AF65-F5344CB8AC3E}">
-        <p14:creationId xmlns="" xmlns:p14="http://schemas.microsoft.com/office/powerpoint/2010/main" val="2697055445"/>
+        <p14:creationId xmlns:p14="http://schemas.microsoft.com/office/powerpoint/2010/main" val="1381818656"/>
       </p:ext>
     </p:extLst>
   </p:cSld>
@@ -4644,7 +5496,7 @@
           <a:p>
             <a:r>
               <a:rPr lang="en-GB" dirty="0" smtClean="0"/>
-              <a:t>References</a:t>
+              <a:t>Implementation</a:t>
             </a:r>
             <a:endParaRPr lang="en-GB" dirty="0"/>
           </a:p>
@@ -4660,28 +5512,328 @@
             <p:ph idx="1"/>
           </p:nvPr>
         </p:nvSpPr>
-        <p:spPr/>
+        <p:spPr>
+          <a:xfrm>
+            <a:off x="457200" y="1600201"/>
+            <a:ext cx="8229600" cy="748680"/>
+          </a:xfrm>
+        </p:spPr>
         <p:txBody>
           <a:bodyPr/>
           <a:lstStyle/>
           <a:p>
-            <a:r>
-              <a:rPr lang="en-GB" dirty="0" smtClean="0">
-                <a:hlinkClick r:id="rId2"/>
-              </a:rPr>
-              <a:t>http://users.fmrib.ox.ac.uk/~steve/susan/susan/susan.html</a:t>
-            </a:r>
-            <a:endParaRPr lang="en-GB" dirty="0" smtClean="0"/>
-          </a:p>
-          <a:p>
-            <a:endParaRPr lang="en-GB" dirty="0"/>
-          </a:p>
-        </p:txBody>
-      </p:sp>
+            <a:pPr marL="514350" indent="-514350">
+              <a:buFont typeface="+mj-lt"/>
+              <a:buAutoNum type="arabicPeriod" startAt="3"/>
+            </a:pPr>
+            <a:r>
+              <a:rPr lang="en-GB" dirty="0" smtClean="0"/>
+              <a:t> </a:t>
+            </a:r>
+            <a:r>
+              <a:rPr lang="en-GB" b="1" dirty="0" smtClean="0"/>
+              <a:t>Smoothed </a:t>
+            </a:r>
+            <a:r>
+              <a:rPr lang="en-GB" dirty="0" smtClean="0"/>
+              <a:t>similarity equation implemented</a:t>
+            </a:r>
+          </a:p>
+        </p:txBody>
+      </p:sp>
+      <p:pic>
+        <p:nvPicPr>
+          <p:cNvPr id="8195" name="Picture 3"/>
+          <p:cNvPicPr>
+            <a:picLocks noChangeAspect="1" noChangeArrowheads="1"/>
+          </p:cNvPicPr>
+          <p:nvPr/>
+        </p:nvPicPr>
+        <p:blipFill>
+          <a:blip r:embed="rId2" cstate="print"/>
+          <a:srcRect l="20637" t="37500" r="1670" b="37500"/>
+          <a:stretch>
+            <a:fillRect/>
+          </a:stretch>
+        </p:blipFill>
+        <p:spPr bwMode="auto">
+          <a:xfrm>
+            <a:off x="2555776" y="2492896"/>
+            <a:ext cx="4176464" cy="913602"/>
+          </a:xfrm>
+          <a:prstGeom prst="rect">
+            <a:avLst/>
+          </a:prstGeom>
+          <a:noFill/>
+          <a:ln w="9525">
+            <a:noFill/>
+            <a:miter lim="800000"/>
+            <a:headEnd/>
+            <a:tailEnd/>
+          </a:ln>
+        </p:spPr>
+      </p:pic>
+      <p:pic>
+        <p:nvPicPr>
+          <p:cNvPr id="5" name="Picture 2"/>
+          <p:cNvPicPr>
+            <a:picLocks noChangeAspect="1" noChangeArrowheads="1"/>
+          </p:cNvPicPr>
+          <p:nvPr/>
+        </p:nvPicPr>
+        <p:blipFill>
+          <a:blip r:embed="rId3" cstate="print"/>
+          <a:srcRect/>
+          <a:stretch>
+            <a:fillRect/>
+          </a:stretch>
+        </p:blipFill>
+        <p:spPr bwMode="auto">
+          <a:xfrm>
+            <a:off x="2627784" y="3789040"/>
+            <a:ext cx="4038600" cy="2128125"/>
+          </a:xfrm>
+          <a:prstGeom prst="rect">
+            <a:avLst/>
+          </a:prstGeom>
+          <a:noFill/>
+          <a:ln w="9525">
+            <a:noFill/>
+            <a:miter lim="800000"/>
+            <a:headEnd/>
+            <a:tailEnd/>
+          </a:ln>
+        </p:spPr>
+      </p:pic>
+      <p:cxnSp>
+        <p:nvCxnSpPr>
+          <p:cNvPr id="12" name="Straight Arrow Connector 11"/>
+          <p:cNvCxnSpPr/>
+          <p:nvPr/>
+        </p:nvCxnSpPr>
+        <p:spPr>
+          <a:xfrm flipV="1">
+            <a:off x="5364088" y="3573016"/>
+            <a:ext cx="1872208" cy="792088"/>
+          </a:xfrm>
+          <a:prstGeom prst="straightConnector1">
+            <a:avLst/>
+          </a:prstGeom>
+          <a:ln w="57150">
+            <a:solidFill>
+              <a:srgbClr val="FF0000"/>
+            </a:solidFill>
+            <a:headEnd type="triangle" w="med" len="med"/>
+            <a:tailEnd type="none" w="med" len="med"/>
+          </a:ln>
+        </p:spPr>
+        <p:style>
+          <a:lnRef idx="1">
+            <a:schemeClr val="accent1"/>
+          </a:lnRef>
+          <a:fillRef idx="0">
+            <a:schemeClr val="accent1"/>
+          </a:fillRef>
+          <a:effectRef idx="0">
+            <a:schemeClr val="accent1"/>
+          </a:effectRef>
+          <a:fontRef idx="minor">
+            <a:schemeClr val="tx1"/>
+          </a:fontRef>
+        </p:style>
+      </p:cxnSp>
     </p:spTree>
     <p:extLst>
       <p:ext uri="{BB962C8B-B14F-4D97-AF65-F5344CB8AC3E}">
-        <p14:creationId xmlns="" xmlns:p14="http://schemas.microsoft.com/office/powerpoint/2010/main" val="1568749011"/>
+        <p14:creationId xmlns:p14="http://schemas.microsoft.com/office/powerpoint/2010/main" val="325610417"/>
+      </p:ext>
+    </p:extLst>
+  </p:cSld>
+  <p:clrMapOvr>
+    <a:masterClrMapping/>
+  </p:clrMapOvr>
+  <p:timing>
+    <p:tnLst>
+      <p:par>
+        <p:cTn id="1" dur="indefinite" restart="never" nodeType="tmRoot"/>
+      </p:par>
+    </p:tnLst>
+  </p:timing>
+</p:sld>
+</file>
+
+<file path=ppt/slides/slide19.xml><?xml version="1.0" encoding="utf-8"?>
+<p:sld xmlns:a="http://schemas.openxmlformats.org/drawingml/2006/main" xmlns:r="http://schemas.openxmlformats.org/officeDocument/2006/relationships" xmlns:p="http://schemas.openxmlformats.org/presentationml/2006/main">
+  <p:cSld>
+    <p:spTree>
+      <p:nvGrpSpPr>
+        <p:cNvPr id="1" name=""/>
+        <p:cNvGrpSpPr/>
+        <p:nvPr/>
+      </p:nvGrpSpPr>
+      <p:grpSpPr>
+        <a:xfrm>
+          <a:off x="0" y="0"/>
+          <a:ext cx="0" cy="0"/>
+          <a:chOff x="0" y="0"/>
+          <a:chExt cx="0" cy="0"/>
+        </a:xfrm>
+      </p:grpSpPr>
+      <p:sp>
+        <p:nvSpPr>
+          <p:cNvPr id="2" name="Title 1"/>
+          <p:cNvSpPr>
+            <a:spLocks noGrp="1"/>
+          </p:cNvSpPr>
+          <p:nvPr>
+            <p:ph type="title"/>
+          </p:nvPr>
+        </p:nvSpPr>
+        <p:spPr/>
+        <p:txBody>
+          <a:bodyPr/>
+          <a:lstStyle/>
+          <a:p>
+            <a:r>
+              <a:rPr lang="en-GB" dirty="0" smtClean="0"/>
+              <a:t>Implementation</a:t>
+            </a:r>
+            <a:endParaRPr lang="en-GB" dirty="0"/>
+          </a:p>
+        </p:txBody>
+      </p:sp>
+      <p:sp>
+        <p:nvSpPr>
+          <p:cNvPr id="3" name="Content Placeholder 2"/>
+          <p:cNvSpPr>
+            <a:spLocks noGrp="1"/>
+          </p:cNvSpPr>
+          <p:nvPr>
+            <p:ph idx="1"/>
+          </p:nvPr>
+        </p:nvSpPr>
+        <p:spPr>
+          <a:xfrm>
+            <a:off x="457200" y="1600201"/>
+            <a:ext cx="8229600" cy="748680"/>
+          </a:xfrm>
+        </p:spPr>
+        <p:txBody>
+          <a:bodyPr/>
+          <a:lstStyle/>
+          <a:p>
+            <a:pPr marL="514350" indent="-514350">
+              <a:buFont typeface="+mj-lt"/>
+              <a:buAutoNum type="arabicPeriod" startAt="3"/>
+            </a:pPr>
+            <a:r>
+              <a:rPr lang="en-GB" dirty="0" smtClean="0"/>
+              <a:t> </a:t>
+            </a:r>
+            <a:r>
+              <a:rPr lang="en-GB" b="1" dirty="0" smtClean="0"/>
+              <a:t>Smoothed </a:t>
+            </a:r>
+            <a:r>
+              <a:rPr lang="en-GB" dirty="0" smtClean="0"/>
+              <a:t>similarity equation implemented</a:t>
+            </a:r>
+          </a:p>
+        </p:txBody>
+      </p:sp>
+      <p:cxnSp>
+        <p:nvCxnSpPr>
+          <p:cNvPr id="10" name="Straight Arrow Connector 9"/>
+          <p:cNvCxnSpPr/>
+          <p:nvPr/>
+        </p:nvCxnSpPr>
+        <p:spPr>
+          <a:xfrm>
+            <a:off x="4211960" y="4581128"/>
+            <a:ext cx="648072" cy="0"/>
+          </a:xfrm>
+          <a:prstGeom prst="straightConnector1">
+            <a:avLst/>
+          </a:prstGeom>
+          <a:ln w="57150">
+            <a:solidFill>
+              <a:schemeClr val="tx1"/>
+            </a:solidFill>
+            <a:headEnd type="none" w="med" len="med"/>
+            <a:tailEnd type="triangle" w="med" len="med"/>
+          </a:ln>
+        </p:spPr>
+        <p:style>
+          <a:lnRef idx="1">
+            <a:schemeClr val="accent1"/>
+          </a:lnRef>
+          <a:fillRef idx="0">
+            <a:schemeClr val="accent1"/>
+          </a:fillRef>
+          <a:effectRef idx="0">
+            <a:schemeClr val="accent1"/>
+          </a:effectRef>
+          <a:fontRef idx="minor">
+            <a:schemeClr val="tx1"/>
+          </a:fontRef>
+        </p:style>
+      </p:cxnSp>
+      <p:pic>
+        <p:nvPicPr>
+          <p:cNvPr id="4098" name="Picture 2" descr="C:\Users\ames\Documents\susanedge\susanedge\figures\simple_house.png"/>
+          <p:cNvPicPr>
+            <a:picLocks noChangeAspect="1" noChangeArrowheads="1"/>
+          </p:cNvPicPr>
+          <p:nvPr/>
+        </p:nvPicPr>
+        <p:blipFill>
+          <a:blip r:embed="rId2" cstate="print"/>
+          <a:srcRect l="15695" t="8417" r="17628" b="5782"/>
+          <a:stretch>
+            <a:fillRect/>
+          </a:stretch>
+        </p:blipFill>
+        <p:spPr bwMode="auto">
+          <a:xfrm>
+            <a:off x="173065" y="2636912"/>
+            <a:ext cx="3930346" cy="3816424"/>
+          </a:xfrm>
+          <a:prstGeom prst="rect">
+            <a:avLst/>
+          </a:prstGeom>
+          <a:noFill/>
+        </p:spPr>
+      </p:pic>
+      <p:pic>
+        <p:nvPicPr>
+          <p:cNvPr id="4099" name="Picture 3" descr="C:\Users\ames\Documents\susanedge\susanedge\figures\smooth_susan_house.png"/>
+          <p:cNvPicPr>
+            <a:picLocks noChangeAspect="1" noChangeArrowheads="1"/>
+          </p:cNvPicPr>
+          <p:nvPr/>
+        </p:nvPicPr>
+        <p:blipFill>
+          <a:blip r:embed="rId3" cstate="print"/>
+          <a:srcRect l="16692" t="7966" r="16632" b="6233"/>
+          <a:stretch>
+            <a:fillRect/>
+          </a:stretch>
+        </p:blipFill>
+        <p:spPr bwMode="auto">
+          <a:xfrm>
+            <a:off x="4938488" y="2636912"/>
+            <a:ext cx="3930348" cy="3816424"/>
+          </a:xfrm>
+          <a:prstGeom prst="rect">
+            <a:avLst/>
+          </a:prstGeom>
+          <a:noFill/>
+        </p:spPr>
+      </p:pic>
+    </p:spTree>
+    <p:extLst>
+      <p:ext uri="{BB962C8B-B14F-4D97-AF65-F5344CB8AC3E}">
+        <p14:creationId xmlns:p14="http://schemas.microsoft.com/office/powerpoint/2010/main" val="2863076489"/>
       </p:ext>
     </p:extLst>
   </p:cSld>
@@ -4804,6 +5956,31 @@
               <a:rPr lang="en-GB" dirty="0" smtClean="0"/>
               <a:t>ucleus</a:t>
             </a:r>
+          </a:p>
+          <a:p>
+            <a:r>
+              <a:rPr lang="en-GB" dirty="0" smtClean="0"/>
+              <a:t>Performs no differentiation </a:t>
+            </a:r>
+            <a:r>
+              <a:rPr lang="en-GB" dirty="0" err="1" smtClean="0"/>
+              <a:t>etc</a:t>
+            </a:r>
+            <a:endParaRPr lang="en-GB" dirty="0" smtClean="0"/>
+          </a:p>
+          <a:p>
+            <a:pPr lvl="1"/>
+            <a:r>
+              <a:rPr lang="en-GB" dirty="0" smtClean="0"/>
+              <a:t>Performs well in the presence of noise</a:t>
+            </a:r>
+            <a:endParaRPr lang="en-GB" dirty="0" smtClean="0"/>
+          </a:p>
+          <a:p>
+            <a:r>
+              <a:rPr lang="en-GB" dirty="0" smtClean="0"/>
+              <a:t>Quick to perform compared to other edge detection algorithms</a:t>
+            </a:r>
             <a:endParaRPr lang="en-GB" dirty="0"/>
           </a:p>
         </p:txBody>
@@ -4811,7 +5988,7 @@
     </p:spTree>
     <p:extLst>
       <p:ext uri="{BB962C8B-B14F-4D97-AF65-F5344CB8AC3E}">
-        <p14:creationId xmlns="" xmlns:p14="http://schemas.microsoft.com/office/powerpoint/2010/main" val="3044184147"/>
+        <p14:creationId xmlns:p14="http://schemas.microsoft.com/office/powerpoint/2010/main" val="3044184147"/>
       </p:ext>
     </p:extLst>
   </p:cSld>
@@ -4825,6 +6002,2126 @@
       </p:par>
     </p:tnLst>
   </p:timing>
+</p:sld>
+</file>
+
+<file path=ppt/slides/slide20.xml><?xml version="1.0" encoding="utf-8"?>
+<p:sld xmlns:a="http://schemas.openxmlformats.org/drawingml/2006/main" xmlns:r="http://schemas.openxmlformats.org/officeDocument/2006/relationships" xmlns:p="http://schemas.openxmlformats.org/presentationml/2006/main">
+  <p:cSld>
+    <p:spTree>
+      <p:nvGrpSpPr>
+        <p:cNvPr id="1" name=""/>
+        <p:cNvGrpSpPr/>
+        <p:nvPr/>
+      </p:nvGrpSpPr>
+      <p:grpSpPr>
+        <a:xfrm>
+          <a:off x="0" y="0"/>
+          <a:ext cx="0" cy="0"/>
+          <a:chOff x="0" y="0"/>
+          <a:chExt cx="0" cy="0"/>
+        </a:xfrm>
+      </p:grpSpPr>
+      <p:sp>
+        <p:nvSpPr>
+          <p:cNvPr id="2" name="Title 1"/>
+          <p:cNvSpPr>
+            <a:spLocks noGrp="1"/>
+          </p:cNvSpPr>
+          <p:nvPr>
+            <p:ph type="title"/>
+          </p:nvPr>
+        </p:nvSpPr>
+        <p:spPr/>
+        <p:txBody>
+          <a:bodyPr/>
+          <a:lstStyle/>
+          <a:p>
+            <a:r>
+              <a:rPr lang="en-GB" dirty="0" smtClean="0"/>
+              <a:t>Implementation</a:t>
+            </a:r>
+            <a:endParaRPr lang="en-GB" dirty="0"/>
+          </a:p>
+        </p:txBody>
+      </p:sp>
+      <p:sp>
+        <p:nvSpPr>
+          <p:cNvPr id="3" name="Content Placeholder 2"/>
+          <p:cNvSpPr>
+            <a:spLocks noGrp="1"/>
+          </p:cNvSpPr>
+          <p:nvPr>
+            <p:ph idx="1"/>
+          </p:nvPr>
+        </p:nvSpPr>
+        <p:spPr/>
+        <p:txBody>
+          <a:bodyPr/>
+          <a:lstStyle/>
+          <a:p>
+            <a:pPr marL="514350" indent="-514350">
+              <a:buFont typeface="+mj-lt"/>
+              <a:buAutoNum type="arabicPeriod" startAt="4"/>
+            </a:pPr>
+            <a:r>
+              <a:rPr lang="en-GB" dirty="0" smtClean="0"/>
+              <a:t> </a:t>
+            </a:r>
+            <a:r>
+              <a:rPr lang="en-GB" b="1" dirty="0" smtClean="0"/>
+              <a:t>Circular</a:t>
+            </a:r>
+            <a:r>
+              <a:rPr lang="en-GB" dirty="0" smtClean="0"/>
+              <a:t> mask implemented</a:t>
+            </a:r>
+          </a:p>
+        </p:txBody>
+      </p:sp>
+      <p:cxnSp>
+        <p:nvCxnSpPr>
+          <p:cNvPr id="6" name="Straight Arrow Connector 5"/>
+          <p:cNvCxnSpPr/>
+          <p:nvPr/>
+        </p:nvCxnSpPr>
+        <p:spPr>
+          <a:xfrm>
+            <a:off x="4211960" y="4581128"/>
+            <a:ext cx="648072" cy="0"/>
+          </a:xfrm>
+          <a:prstGeom prst="straightConnector1">
+            <a:avLst/>
+          </a:prstGeom>
+          <a:ln w="57150">
+            <a:solidFill>
+              <a:schemeClr val="tx1"/>
+            </a:solidFill>
+            <a:headEnd type="none" w="med" len="med"/>
+            <a:tailEnd type="triangle" w="med" len="med"/>
+          </a:ln>
+        </p:spPr>
+        <p:style>
+          <a:lnRef idx="1">
+            <a:schemeClr val="accent1"/>
+          </a:lnRef>
+          <a:fillRef idx="0">
+            <a:schemeClr val="accent1"/>
+          </a:fillRef>
+          <a:effectRef idx="0">
+            <a:schemeClr val="accent1"/>
+          </a:effectRef>
+          <a:fontRef idx="minor">
+            <a:schemeClr val="tx1"/>
+          </a:fontRef>
+        </p:style>
+      </p:cxnSp>
+      <p:pic>
+        <p:nvPicPr>
+          <p:cNvPr id="1026" name="Picture 2" descr="C:\Users\ames\Documents\susanedge\susanedge\figures\smooth_square_house.png"/>
+          <p:cNvPicPr>
+            <a:picLocks noChangeAspect="1" noChangeArrowheads="1"/>
+          </p:cNvPicPr>
+          <p:nvPr/>
+        </p:nvPicPr>
+        <p:blipFill>
+          <a:blip r:embed="rId2" cstate="print"/>
+          <a:srcRect l="15148" t="8501" r="16243" b="5698"/>
+          <a:stretch>
+            <a:fillRect/>
+          </a:stretch>
+        </p:blipFill>
+        <p:spPr bwMode="auto">
+          <a:xfrm>
+            <a:off x="107504" y="2564904"/>
+            <a:ext cx="4044271" cy="3816424"/>
+          </a:xfrm>
+          <a:prstGeom prst="rect">
+            <a:avLst/>
+          </a:prstGeom>
+          <a:noFill/>
+        </p:spPr>
+      </p:pic>
+      <p:pic>
+        <p:nvPicPr>
+          <p:cNvPr id="1027" name="Picture 3" descr="C:\Users\ames\Documents\susanedge\susanedge\figures\circle_house.png"/>
+          <p:cNvPicPr>
+            <a:picLocks noChangeAspect="1" noChangeArrowheads="1"/>
+          </p:cNvPicPr>
+          <p:nvPr/>
+        </p:nvPicPr>
+        <p:blipFill>
+          <a:blip r:embed="rId3" cstate="print"/>
+          <a:srcRect l="15777" t="8189" r="16580" b="4729"/>
+          <a:stretch>
+            <a:fillRect/>
+          </a:stretch>
+        </p:blipFill>
+        <p:spPr bwMode="auto">
+          <a:xfrm>
+            <a:off x="4860032" y="2564904"/>
+            <a:ext cx="3960440" cy="3847285"/>
+          </a:xfrm>
+          <a:prstGeom prst="rect">
+            <a:avLst/>
+          </a:prstGeom>
+          <a:noFill/>
+        </p:spPr>
+      </p:pic>
+      <p:sp>
+        <p:nvSpPr>
+          <p:cNvPr id="9" name="TextBox 8"/>
+          <p:cNvSpPr txBox="1"/>
+          <p:nvPr/>
+        </p:nvSpPr>
+        <p:spPr>
+          <a:xfrm>
+            <a:off x="1718496" y="2276872"/>
+            <a:ext cx="837280" cy="369332"/>
+          </a:xfrm>
+          <a:prstGeom prst="rect">
+            <a:avLst/>
+          </a:prstGeom>
+          <a:noFill/>
+        </p:spPr>
+        <p:txBody>
+          <a:bodyPr wrap="none" rtlCol="0">
+            <a:spAutoFit/>
+          </a:bodyPr>
+          <a:lstStyle/>
+          <a:p>
+            <a:r>
+              <a:rPr lang="en-GB" dirty="0" smtClean="0"/>
+              <a:t>Square</a:t>
+            </a:r>
+            <a:endParaRPr lang="en-GB" dirty="0"/>
+          </a:p>
+        </p:txBody>
+      </p:sp>
+      <p:sp>
+        <p:nvSpPr>
+          <p:cNvPr id="10" name="TextBox 9"/>
+          <p:cNvSpPr txBox="1"/>
+          <p:nvPr/>
+        </p:nvSpPr>
+        <p:spPr>
+          <a:xfrm>
+            <a:off x="6444208" y="2276872"/>
+            <a:ext cx="703847" cy="369332"/>
+          </a:xfrm>
+          <a:prstGeom prst="rect">
+            <a:avLst/>
+          </a:prstGeom>
+          <a:noFill/>
+        </p:spPr>
+        <p:txBody>
+          <a:bodyPr wrap="none" rtlCol="0">
+            <a:spAutoFit/>
+          </a:bodyPr>
+          <a:lstStyle/>
+          <a:p>
+            <a:r>
+              <a:rPr lang="en-GB" dirty="0" smtClean="0"/>
+              <a:t>Circle</a:t>
+            </a:r>
+            <a:endParaRPr lang="en-GB" dirty="0"/>
+          </a:p>
+        </p:txBody>
+      </p:sp>
+    </p:spTree>
+    <p:extLst>
+      <p:ext uri="{BB962C8B-B14F-4D97-AF65-F5344CB8AC3E}">
+        <p14:creationId xmlns:p14="http://schemas.microsoft.com/office/powerpoint/2010/main" val="3389335169"/>
+      </p:ext>
+    </p:extLst>
+  </p:cSld>
+  <p:clrMapOvr>
+    <a:masterClrMapping/>
+  </p:clrMapOvr>
+  <p:timing>
+    <p:tnLst>
+      <p:par>
+        <p:cTn id="1" dur="indefinite" restart="never" nodeType="tmRoot"/>
+      </p:par>
+    </p:tnLst>
+  </p:timing>
+</p:sld>
+</file>
+
+<file path=ppt/slides/slide21.xml><?xml version="1.0" encoding="utf-8"?>
+<p:sld xmlns:a="http://schemas.openxmlformats.org/drawingml/2006/main" xmlns:r="http://schemas.openxmlformats.org/officeDocument/2006/relationships" xmlns:p="http://schemas.openxmlformats.org/presentationml/2006/main">
+  <p:cSld>
+    <p:spTree>
+      <p:nvGrpSpPr>
+        <p:cNvPr id="1" name=""/>
+        <p:cNvGrpSpPr/>
+        <p:nvPr/>
+      </p:nvGrpSpPr>
+      <p:grpSpPr>
+        <a:xfrm>
+          <a:off x="0" y="0"/>
+          <a:ext cx="0" cy="0"/>
+          <a:chOff x="0" y="0"/>
+          <a:chExt cx="0" cy="0"/>
+        </a:xfrm>
+      </p:grpSpPr>
+      <p:sp>
+        <p:nvSpPr>
+          <p:cNvPr id="2" name="Title 1"/>
+          <p:cNvSpPr>
+            <a:spLocks noGrp="1"/>
+          </p:cNvSpPr>
+          <p:nvPr>
+            <p:ph type="title"/>
+          </p:nvPr>
+        </p:nvSpPr>
+        <p:spPr/>
+        <p:txBody>
+          <a:bodyPr/>
+          <a:lstStyle/>
+          <a:p>
+            <a:r>
+              <a:rPr lang="en-GB" dirty="0" smtClean="0"/>
+              <a:t>Implementation</a:t>
+            </a:r>
+            <a:endParaRPr lang="en-GB" dirty="0"/>
+          </a:p>
+        </p:txBody>
+      </p:sp>
+      <p:sp>
+        <p:nvSpPr>
+          <p:cNvPr id="3" name="Content Placeholder 2"/>
+          <p:cNvSpPr>
+            <a:spLocks noGrp="1"/>
+          </p:cNvSpPr>
+          <p:nvPr>
+            <p:ph idx="1"/>
+          </p:nvPr>
+        </p:nvSpPr>
+        <p:spPr/>
+        <p:txBody>
+          <a:bodyPr/>
+          <a:lstStyle/>
+          <a:p>
+            <a:pPr marL="514350" indent="-514350">
+              <a:buFont typeface="+mj-lt"/>
+              <a:buAutoNum type="arabicPeriod" startAt="5"/>
+            </a:pPr>
+            <a:r>
+              <a:rPr lang="en-GB" dirty="0" smtClean="0"/>
+              <a:t> </a:t>
+            </a:r>
+            <a:r>
+              <a:rPr lang="en-GB" b="1" dirty="0" smtClean="0"/>
+              <a:t>Edge direction</a:t>
+            </a:r>
+            <a:r>
+              <a:rPr lang="en-GB" dirty="0" smtClean="0"/>
+              <a:t> measurement implemented</a:t>
+            </a:r>
+          </a:p>
+        </p:txBody>
+      </p:sp>
+      <p:pic>
+        <p:nvPicPr>
+          <p:cNvPr id="2050" name="Picture 2" descr="C:\Users\ames\Documents\susanedge\susanedge\figures\edge_dir.png"/>
+          <p:cNvPicPr>
+            <a:picLocks noChangeAspect="1" noChangeArrowheads="1"/>
+          </p:cNvPicPr>
+          <p:nvPr/>
+        </p:nvPicPr>
+        <p:blipFill>
+          <a:blip r:embed="rId2" cstate="print"/>
+          <a:srcRect l="10226" t="16295" r="10040" b="13908"/>
+          <a:stretch>
+            <a:fillRect/>
+          </a:stretch>
+        </p:blipFill>
+        <p:spPr bwMode="auto">
+          <a:xfrm>
+            <a:off x="683568" y="2420888"/>
+            <a:ext cx="7719990" cy="3717032"/>
+          </a:xfrm>
+          <a:prstGeom prst="rect">
+            <a:avLst/>
+          </a:prstGeom>
+          <a:noFill/>
+        </p:spPr>
+      </p:pic>
+    </p:spTree>
+    <p:extLst>
+      <p:ext uri="{BB962C8B-B14F-4D97-AF65-F5344CB8AC3E}">
+        <p14:creationId xmlns:p14="http://schemas.microsoft.com/office/powerpoint/2010/main" val="2680334786"/>
+      </p:ext>
+    </p:extLst>
+  </p:cSld>
+  <p:clrMapOvr>
+    <a:masterClrMapping/>
+  </p:clrMapOvr>
+  <p:timing>
+    <p:tnLst>
+      <p:par>
+        <p:cTn id="1" dur="indefinite" restart="never" nodeType="tmRoot"/>
+      </p:par>
+    </p:tnLst>
+  </p:timing>
+</p:sld>
+</file>
+
+<file path=ppt/slides/slide22.xml><?xml version="1.0" encoding="utf-8"?>
+<p:sld xmlns:a="http://schemas.openxmlformats.org/drawingml/2006/main" xmlns:r="http://schemas.openxmlformats.org/officeDocument/2006/relationships" xmlns:p="http://schemas.openxmlformats.org/presentationml/2006/main">
+  <p:cSld>
+    <p:spTree>
+      <p:nvGrpSpPr>
+        <p:cNvPr id="1" name=""/>
+        <p:cNvGrpSpPr/>
+        <p:nvPr/>
+      </p:nvGrpSpPr>
+      <p:grpSpPr>
+        <a:xfrm>
+          <a:off x="0" y="0"/>
+          <a:ext cx="0" cy="0"/>
+          <a:chOff x="0" y="0"/>
+          <a:chExt cx="0" cy="0"/>
+        </a:xfrm>
+      </p:grpSpPr>
+      <p:pic>
+        <p:nvPicPr>
+          <p:cNvPr id="3075" name="Picture 3" descr="C:\Users\ames\Documents\susanedge\susanedge\figures\non-max-house.png"/>
+          <p:cNvPicPr>
+            <a:picLocks noChangeAspect="1" noChangeArrowheads="1"/>
+          </p:cNvPicPr>
+          <p:nvPr/>
+        </p:nvPicPr>
+        <p:blipFill>
+          <a:blip r:embed="rId2" cstate="print"/>
+          <a:srcRect l="16084" t="8275" r="16273" b="4643"/>
+          <a:stretch>
+            <a:fillRect/>
+          </a:stretch>
+        </p:blipFill>
+        <p:spPr bwMode="auto">
+          <a:xfrm>
+            <a:off x="5004048" y="2681537"/>
+            <a:ext cx="3960440" cy="3847284"/>
+          </a:xfrm>
+          <a:prstGeom prst="rect">
+            <a:avLst/>
+          </a:prstGeom>
+          <a:noFill/>
+        </p:spPr>
+      </p:pic>
+      <p:sp>
+        <p:nvSpPr>
+          <p:cNvPr id="2" name="Title 1"/>
+          <p:cNvSpPr>
+            <a:spLocks noGrp="1"/>
+          </p:cNvSpPr>
+          <p:nvPr>
+            <p:ph type="title"/>
+          </p:nvPr>
+        </p:nvSpPr>
+        <p:spPr/>
+        <p:txBody>
+          <a:bodyPr/>
+          <a:lstStyle/>
+          <a:p>
+            <a:r>
+              <a:rPr lang="en-GB" dirty="0" smtClean="0"/>
+              <a:t>Implementation</a:t>
+            </a:r>
+            <a:endParaRPr lang="en-GB" dirty="0"/>
+          </a:p>
+        </p:txBody>
+      </p:sp>
+      <p:sp>
+        <p:nvSpPr>
+          <p:cNvPr id="3" name="Content Placeholder 2"/>
+          <p:cNvSpPr>
+            <a:spLocks noGrp="1"/>
+          </p:cNvSpPr>
+          <p:nvPr>
+            <p:ph idx="1"/>
+          </p:nvPr>
+        </p:nvSpPr>
+        <p:spPr>
+          <a:xfrm>
+            <a:off x="457200" y="1340768"/>
+            <a:ext cx="8229600" cy="4525963"/>
+          </a:xfrm>
+        </p:spPr>
+        <p:txBody>
+          <a:bodyPr/>
+          <a:lstStyle/>
+          <a:p>
+            <a:pPr marL="514350" indent="-514350">
+              <a:buFont typeface="+mj-lt"/>
+              <a:buAutoNum type="arabicPeriod" startAt="6"/>
+            </a:pPr>
+            <a:r>
+              <a:rPr lang="en-GB" dirty="0" smtClean="0"/>
+              <a:t> Attempted to implement </a:t>
+            </a:r>
+            <a:r>
+              <a:rPr lang="en-GB" b="1" dirty="0" smtClean="0"/>
+              <a:t>non-maximal suppression</a:t>
+            </a:r>
+          </a:p>
+        </p:txBody>
+      </p:sp>
+      <p:cxnSp>
+        <p:nvCxnSpPr>
+          <p:cNvPr id="6" name="Straight Arrow Connector 5"/>
+          <p:cNvCxnSpPr/>
+          <p:nvPr/>
+        </p:nvCxnSpPr>
+        <p:spPr>
+          <a:xfrm>
+            <a:off x="4211960" y="4581128"/>
+            <a:ext cx="648072" cy="0"/>
+          </a:xfrm>
+          <a:prstGeom prst="straightConnector1">
+            <a:avLst/>
+          </a:prstGeom>
+          <a:ln w="57150">
+            <a:solidFill>
+              <a:schemeClr val="tx1"/>
+            </a:solidFill>
+            <a:headEnd type="none" w="med" len="med"/>
+            <a:tailEnd type="triangle" w="med" len="med"/>
+          </a:ln>
+        </p:spPr>
+        <p:style>
+          <a:lnRef idx="1">
+            <a:schemeClr val="accent1"/>
+          </a:lnRef>
+          <a:fillRef idx="0">
+            <a:schemeClr val="accent1"/>
+          </a:fillRef>
+          <a:effectRef idx="0">
+            <a:schemeClr val="accent1"/>
+          </a:effectRef>
+          <a:fontRef idx="minor">
+            <a:schemeClr val="tx1"/>
+          </a:fontRef>
+        </p:style>
+      </p:cxnSp>
+      <p:pic>
+        <p:nvPicPr>
+          <p:cNvPr id="8" name="Picture 3" descr="C:\Users\ames\Documents\susanedge\susanedge\figures\circle_house.png"/>
+          <p:cNvPicPr>
+            <a:picLocks noChangeAspect="1" noChangeArrowheads="1"/>
+          </p:cNvPicPr>
+          <p:nvPr/>
+        </p:nvPicPr>
+        <p:blipFill>
+          <a:blip r:embed="rId3" cstate="print"/>
+          <a:srcRect l="15777" t="8189" r="16580" b="4729"/>
+          <a:stretch>
+            <a:fillRect/>
+          </a:stretch>
+        </p:blipFill>
+        <p:spPr bwMode="auto">
+          <a:xfrm>
+            <a:off x="251520" y="2636912"/>
+            <a:ext cx="3960440" cy="3847285"/>
+          </a:xfrm>
+          <a:prstGeom prst="rect">
+            <a:avLst/>
+          </a:prstGeom>
+          <a:noFill/>
+        </p:spPr>
+      </p:pic>
+      <p:sp>
+        <p:nvSpPr>
+          <p:cNvPr id="9" name="TextBox 8"/>
+          <p:cNvSpPr txBox="1"/>
+          <p:nvPr/>
+        </p:nvSpPr>
+        <p:spPr>
+          <a:xfrm>
+            <a:off x="1475656" y="2276872"/>
+            <a:ext cx="1336713" cy="369332"/>
+          </a:xfrm>
+          <a:prstGeom prst="rect">
+            <a:avLst/>
+          </a:prstGeom>
+          <a:noFill/>
+        </p:spPr>
+        <p:txBody>
+          <a:bodyPr wrap="none" rtlCol="0">
+            <a:spAutoFit/>
+          </a:bodyPr>
+          <a:lstStyle/>
+          <a:p>
+            <a:r>
+              <a:rPr lang="en-GB" dirty="0" smtClean="0"/>
+              <a:t>No non-max</a:t>
+            </a:r>
+            <a:endParaRPr lang="en-GB" dirty="0"/>
+          </a:p>
+        </p:txBody>
+      </p:sp>
+      <p:sp>
+        <p:nvSpPr>
+          <p:cNvPr id="10" name="TextBox 9"/>
+          <p:cNvSpPr txBox="1"/>
+          <p:nvPr/>
+        </p:nvSpPr>
+        <p:spPr>
+          <a:xfrm>
+            <a:off x="5868144" y="2276872"/>
+            <a:ext cx="2269852" cy="369332"/>
+          </a:xfrm>
+          <a:prstGeom prst="rect">
+            <a:avLst/>
+          </a:prstGeom>
+          <a:noFill/>
+        </p:spPr>
+        <p:txBody>
+          <a:bodyPr wrap="none" rtlCol="0">
+            <a:spAutoFit/>
+          </a:bodyPr>
+          <a:lstStyle/>
+          <a:p>
+            <a:r>
+              <a:rPr lang="en-GB" dirty="0" smtClean="0"/>
+              <a:t>Non-max suppression </a:t>
+            </a:r>
+            <a:endParaRPr lang="en-GB" dirty="0"/>
+          </a:p>
+        </p:txBody>
+      </p:sp>
+    </p:spTree>
+    <p:extLst>
+      <p:ext uri="{BB962C8B-B14F-4D97-AF65-F5344CB8AC3E}">
+        <p14:creationId xmlns:p14="http://schemas.microsoft.com/office/powerpoint/2010/main" val="3762728912"/>
+      </p:ext>
+    </p:extLst>
+  </p:cSld>
+  <p:clrMapOvr>
+    <a:masterClrMapping/>
+  </p:clrMapOvr>
+  <p:timing>
+    <p:tnLst>
+      <p:par>
+        <p:cTn id="1" dur="indefinite" restart="never" nodeType="tmRoot"/>
+      </p:par>
+    </p:tnLst>
+  </p:timing>
+</p:sld>
+</file>
+
+<file path=ppt/slides/slide23.xml><?xml version="1.0" encoding="utf-8"?>
+<p:sld xmlns:a="http://schemas.openxmlformats.org/drawingml/2006/main" xmlns:r="http://schemas.openxmlformats.org/officeDocument/2006/relationships" xmlns:p="http://schemas.openxmlformats.org/presentationml/2006/main">
+  <p:cSld>
+    <p:spTree>
+      <p:nvGrpSpPr>
+        <p:cNvPr id="1" name=""/>
+        <p:cNvGrpSpPr/>
+        <p:nvPr/>
+      </p:nvGrpSpPr>
+      <p:grpSpPr>
+        <a:xfrm>
+          <a:off x="0" y="0"/>
+          <a:ext cx="0" cy="0"/>
+          <a:chOff x="0" y="0"/>
+          <a:chExt cx="0" cy="0"/>
+        </a:xfrm>
+      </p:grpSpPr>
+      <p:sp>
+        <p:nvSpPr>
+          <p:cNvPr id="2" name="Title 1"/>
+          <p:cNvSpPr>
+            <a:spLocks noGrp="1"/>
+          </p:cNvSpPr>
+          <p:nvPr>
+            <p:ph type="title"/>
+          </p:nvPr>
+        </p:nvSpPr>
+        <p:spPr/>
+        <p:txBody>
+          <a:bodyPr/>
+          <a:lstStyle/>
+          <a:p>
+            <a:r>
+              <a:rPr lang="en-GB" dirty="0" smtClean="0"/>
+              <a:t>Implementation – Lessons Learnt</a:t>
+            </a:r>
+            <a:endParaRPr lang="en-GB" dirty="0"/>
+          </a:p>
+        </p:txBody>
+      </p:sp>
+      <p:sp>
+        <p:nvSpPr>
+          <p:cNvPr id="3" name="Content Placeholder 2"/>
+          <p:cNvSpPr>
+            <a:spLocks noGrp="1"/>
+          </p:cNvSpPr>
+          <p:nvPr>
+            <p:ph idx="1"/>
+          </p:nvPr>
+        </p:nvSpPr>
+        <p:spPr/>
+        <p:txBody>
+          <a:bodyPr/>
+          <a:lstStyle/>
+          <a:p>
+            <a:r>
+              <a:rPr lang="en-GB" dirty="0" smtClean="0"/>
+              <a:t>Adding command line options to python apps is easy</a:t>
+            </a:r>
+          </a:p>
+        </p:txBody>
+      </p:sp>
+      <p:pic>
+        <p:nvPicPr>
+          <p:cNvPr id="9218" name="Picture 2"/>
+          <p:cNvPicPr>
+            <a:picLocks noChangeAspect="1" noChangeArrowheads="1"/>
+          </p:cNvPicPr>
+          <p:nvPr/>
+        </p:nvPicPr>
+        <p:blipFill>
+          <a:blip r:embed="rId2" cstate="print"/>
+          <a:srcRect/>
+          <a:stretch>
+            <a:fillRect/>
+          </a:stretch>
+        </p:blipFill>
+        <p:spPr bwMode="auto">
+          <a:xfrm>
+            <a:off x="179512" y="2852936"/>
+            <a:ext cx="8772525" cy="514350"/>
+          </a:xfrm>
+          <a:prstGeom prst="rect">
+            <a:avLst/>
+          </a:prstGeom>
+          <a:noFill/>
+          <a:ln w="9525">
+            <a:noFill/>
+            <a:miter lim="800000"/>
+            <a:headEnd/>
+            <a:tailEnd/>
+          </a:ln>
+        </p:spPr>
+      </p:pic>
+      <p:pic>
+        <p:nvPicPr>
+          <p:cNvPr id="9219" name="Picture 3"/>
+          <p:cNvPicPr>
+            <a:picLocks noChangeAspect="1" noChangeArrowheads="1"/>
+          </p:cNvPicPr>
+          <p:nvPr/>
+        </p:nvPicPr>
+        <p:blipFill>
+          <a:blip r:embed="rId3" cstate="print"/>
+          <a:srcRect/>
+          <a:stretch>
+            <a:fillRect/>
+          </a:stretch>
+        </p:blipFill>
+        <p:spPr bwMode="auto">
+          <a:xfrm>
+            <a:off x="251520" y="3501008"/>
+            <a:ext cx="4086225" cy="342900"/>
+          </a:xfrm>
+          <a:prstGeom prst="rect">
+            <a:avLst/>
+          </a:prstGeom>
+          <a:noFill/>
+          <a:ln w="9525">
+            <a:noFill/>
+            <a:miter lim="800000"/>
+            <a:headEnd/>
+            <a:tailEnd/>
+          </a:ln>
+        </p:spPr>
+      </p:pic>
+      <p:pic>
+        <p:nvPicPr>
+          <p:cNvPr id="9220" name="Picture 4"/>
+          <p:cNvPicPr>
+            <a:picLocks noChangeAspect="1" noChangeArrowheads="1"/>
+          </p:cNvPicPr>
+          <p:nvPr/>
+        </p:nvPicPr>
+        <p:blipFill>
+          <a:blip r:embed="rId4" cstate="print"/>
+          <a:srcRect/>
+          <a:stretch>
+            <a:fillRect/>
+          </a:stretch>
+        </p:blipFill>
+        <p:spPr bwMode="auto">
+          <a:xfrm>
+            <a:off x="2123728" y="4914106"/>
+            <a:ext cx="5448300" cy="819150"/>
+          </a:xfrm>
+          <a:prstGeom prst="rect">
+            <a:avLst/>
+          </a:prstGeom>
+          <a:noFill/>
+          <a:ln w="9525">
+            <a:noFill/>
+            <a:miter lim="800000"/>
+            <a:headEnd/>
+            <a:tailEnd/>
+          </a:ln>
+        </p:spPr>
+      </p:pic>
+      <p:cxnSp>
+        <p:nvCxnSpPr>
+          <p:cNvPr id="7" name="Straight Arrow Connector 6"/>
+          <p:cNvCxnSpPr/>
+          <p:nvPr/>
+        </p:nvCxnSpPr>
+        <p:spPr>
+          <a:xfrm>
+            <a:off x="2843808" y="4005064"/>
+            <a:ext cx="0" cy="720080"/>
+          </a:xfrm>
+          <a:prstGeom prst="straightConnector1">
+            <a:avLst/>
+          </a:prstGeom>
+          <a:ln w="57150">
+            <a:solidFill>
+              <a:schemeClr val="tx1"/>
+            </a:solidFill>
+            <a:headEnd type="none" w="med" len="med"/>
+            <a:tailEnd type="triangle" w="med" len="med"/>
+          </a:ln>
+        </p:spPr>
+        <p:style>
+          <a:lnRef idx="1">
+            <a:schemeClr val="accent1"/>
+          </a:lnRef>
+          <a:fillRef idx="0">
+            <a:schemeClr val="accent1"/>
+          </a:fillRef>
+          <a:effectRef idx="0">
+            <a:schemeClr val="accent1"/>
+          </a:effectRef>
+          <a:fontRef idx="minor">
+            <a:schemeClr val="tx1"/>
+          </a:fontRef>
+        </p:style>
+      </p:cxnSp>
+    </p:spTree>
+    <p:extLst>
+      <p:ext uri="{BB962C8B-B14F-4D97-AF65-F5344CB8AC3E}">
+        <p14:creationId xmlns:p14="http://schemas.microsoft.com/office/powerpoint/2010/main" val="2074330025"/>
+      </p:ext>
+    </p:extLst>
+  </p:cSld>
+  <p:clrMapOvr>
+    <a:masterClrMapping/>
+  </p:clrMapOvr>
+  <p:timing>
+    <p:tnLst>
+      <p:par>
+        <p:cTn id="1" dur="indefinite" restart="never" nodeType="tmRoot"/>
+      </p:par>
+    </p:tnLst>
+  </p:timing>
+</p:sld>
+</file>
+
+<file path=ppt/slides/slide24.xml><?xml version="1.0" encoding="utf-8"?>
+<p:sld xmlns:a="http://schemas.openxmlformats.org/drawingml/2006/main" xmlns:r="http://schemas.openxmlformats.org/officeDocument/2006/relationships" xmlns:p="http://schemas.openxmlformats.org/presentationml/2006/main">
+  <p:cSld>
+    <p:spTree>
+      <p:nvGrpSpPr>
+        <p:cNvPr id="1" name=""/>
+        <p:cNvGrpSpPr/>
+        <p:nvPr/>
+      </p:nvGrpSpPr>
+      <p:grpSpPr>
+        <a:xfrm>
+          <a:off x="0" y="0"/>
+          <a:ext cx="0" cy="0"/>
+          <a:chOff x="0" y="0"/>
+          <a:chExt cx="0" cy="0"/>
+        </a:xfrm>
+      </p:grpSpPr>
+      <p:sp>
+        <p:nvSpPr>
+          <p:cNvPr id="7" name="Rectangle 6"/>
+          <p:cNvSpPr/>
+          <p:nvPr/>
+        </p:nvSpPr>
+        <p:spPr>
+          <a:xfrm>
+            <a:off x="251520" y="5517232"/>
+            <a:ext cx="8208912" cy="216024"/>
+          </a:xfrm>
+          <a:prstGeom prst="rect">
+            <a:avLst/>
+          </a:prstGeom>
+          <a:solidFill>
+            <a:srgbClr val="FF0000"/>
+          </a:solidFill>
+          <a:ln>
+            <a:noFill/>
+          </a:ln>
+        </p:spPr>
+        <p:style>
+          <a:lnRef idx="2">
+            <a:schemeClr val="accent1">
+              <a:shade val="50000"/>
+            </a:schemeClr>
+          </a:lnRef>
+          <a:fillRef idx="1">
+            <a:schemeClr val="accent1"/>
+          </a:fillRef>
+          <a:effectRef idx="0">
+            <a:schemeClr val="accent1"/>
+          </a:effectRef>
+          <a:fontRef idx="minor">
+            <a:schemeClr val="lt1"/>
+          </a:fontRef>
+        </p:style>
+        <p:txBody>
+          <a:bodyPr rtlCol="0" anchor="ctr"/>
+          <a:lstStyle/>
+          <a:p>
+            <a:pPr algn="ctr"/>
+            <a:endParaRPr lang="en-GB"/>
+          </a:p>
+        </p:txBody>
+      </p:sp>
+      <p:sp>
+        <p:nvSpPr>
+          <p:cNvPr id="6" name="Rectangle 5"/>
+          <p:cNvSpPr/>
+          <p:nvPr/>
+        </p:nvSpPr>
+        <p:spPr>
+          <a:xfrm>
+            <a:off x="251520" y="5301208"/>
+            <a:ext cx="8208912" cy="216024"/>
+          </a:xfrm>
+          <a:prstGeom prst="rect">
+            <a:avLst/>
+          </a:prstGeom>
+          <a:solidFill>
+            <a:srgbClr val="FF0000"/>
+          </a:solidFill>
+          <a:ln>
+            <a:noFill/>
+          </a:ln>
+        </p:spPr>
+        <p:style>
+          <a:lnRef idx="2">
+            <a:schemeClr val="accent1">
+              <a:shade val="50000"/>
+            </a:schemeClr>
+          </a:lnRef>
+          <a:fillRef idx="1">
+            <a:schemeClr val="accent1"/>
+          </a:fillRef>
+          <a:effectRef idx="0">
+            <a:schemeClr val="accent1"/>
+          </a:effectRef>
+          <a:fontRef idx="minor">
+            <a:schemeClr val="lt1"/>
+          </a:fontRef>
+        </p:style>
+        <p:txBody>
+          <a:bodyPr rtlCol="0" anchor="ctr"/>
+          <a:lstStyle/>
+          <a:p>
+            <a:pPr algn="ctr"/>
+            <a:endParaRPr lang="en-GB"/>
+          </a:p>
+        </p:txBody>
+      </p:sp>
+      <p:sp>
+        <p:nvSpPr>
+          <p:cNvPr id="5" name="Rectangle 4"/>
+          <p:cNvSpPr/>
+          <p:nvPr/>
+        </p:nvSpPr>
+        <p:spPr>
+          <a:xfrm>
+            <a:off x="251520" y="5085184"/>
+            <a:ext cx="8208912" cy="216024"/>
+          </a:xfrm>
+          <a:prstGeom prst="rect">
+            <a:avLst/>
+          </a:prstGeom>
+          <a:solidFill>
+            <a:srgbClr val="FF0000"/>
+          </a:solidFill>
+          <a:ln>
+            <a:noFill/>
+          </a:ln>
+        </p:spPr>
+        <p:style>
+          <a:lnRef idx="2">
+            <a:schemeClr val="accent1">
+              <a:shade val="50000"/>
+            </a:schemeClr>
+          </a:lnRef>
+          <a:fillRef idx="1">
+            <a:schemeClr val="accent1"/>
+          </a:fillRef>
+          <a:effectRef idx="0">
+            <a:schemeClr val="accent1"/>
+          </a:effectRef>
+          <a:fontRef idx="minor">
+            <a:schemeClr val="lt1"/>
+          </a:fontRef>
+        </p:style>
+        <p:txBody>
+          <a:bodyPr rtlCol="0" anchor="ctr"/>
+          <a:lstStyle/>
+          <a:p>
+            <a:pPr algn="ctr"/>
+            <a:endParaRPr lang="en-GB"/>
+          </a:p>
+        </p:txBody>
+      </p:sp>
+      <p:sp>
+        <p:nvSpPr>
+          <p:cNvPr id="2" name="Title 1"/>
+          <p:cNvSpPr>
+            <a:spLocks noGrp="1"/>
+          </p:cNvSpPr>
+          <p:nvPr>
+            <p:ph type="title"/>
+          </p:nvPr>
+        </p:nvSpPr>
+        <p:spPr/>
+        <p:txBody>
+          <a:bodyPr/>
+          <a:lstStyle/>
+          <a:p>
+            <a:r>
+              <a:rPr lang="en-GB" dirty="0" smtClean="0"/>
+              <a:t>Implementation – Lessons Learnt</a:t>
+            </a:r>
+            <a:endParaRPr lang="en-GB" dirty="0"/>
+          </a:p>
+        </p:txBody>
+      </p:sp>
+      <p:sp>
+        <p:nvSpPr>
+          <p:cNvPr id="3" name="Content Placeholder 2"/>
+          <p:cNvSpPr>
+            <a:spLocks noGrp="1"/>
+          </p:cNvSpPr>
+          <p:nvPr>
+            <p:ph idx="1"/>
+          </p:nvPr>
+        </p:nvSpPr>
+        <p:spPr/>
+        <p:txBody>
+          <a:bodyPr/>
+          <a:lstStyle/>
+          <a:p>
+            <a:r>
+              <a:rPr lang="en-GB" dirty="0" smtClean="0"/>
+              <a:t>Profiling is useful</a:t>
+            </a:r>
+          </a:p>
+        </p:txBody>
+      </p:sp>
+      <p:sp>
+        <p:nvSpPr>
+          <p:cNvPr id="4" name="Rectangle 3"/>
+          <p:cNvSpPr/>
+          <p:nvPr/>
+        </p:nvSpPr>
+        <p:spPr>
+          <a:xfrm>
+            <a:off x="323528" y="2276872"/>
+            <a:ext cx="8604448" cy="4401205"/>
+          </a:xfrm>
+          <a:prstGeom prst="rect">
+            <a:avLst/>
+          </a:prstGeom>
+        </p:spPr>
+        <p:txBody>
+          <a:bodyPr wrap="square">
+            <a:spAutoFit/>
+          </a:bodyPr>
+          <a:lstStyle/>
+          <a:p>
+            <a:r>
+              <a:rPr lang="en-GB" sz="1400" dirty="0" smtClean="0">
+                <a:latin typeface="Consolas" pitchFamily="49" charset="0"/>
+                <a:cs typeface="Consolas" pitchFamily="49" charset="0"/>
+              </a:rPr>
+              <a:t> 19625911 function calls (19622864 primitive calls) in 251.451 seconds</a:t>
+            </a:r>
+          </a:p>
+          <a:p>
+            <a:endParaRPr lang="en-GB" sz="1400" dirty="0" smtClean="0">
+              <a:latin typeface="Consolas" pitchFamily="49" charset="0"/>
+              <a:cs typeface="Consolas" pitchFamily="49" charset="0"/>
+            </a:endParaRPr>
+          </a:p>
+          <a:p>
+            <a:r>
+              <a:rPr lang="en-GB" sz="1400" dirty="0" smtClean="0">
+                <a:latin typeface="Consolas" pitchFamily="49" charset="0"/>
+                <a:cs typeface="Consolas" pitchFamily="49" charset="0"/>
+              </a:rPr>
+              <a:t>   Ordered by: cumulative time</a:t>
+            </a:r>
+          </a:p>
+          <a:p>
+            <a:endParaRPr lang="en-GB" sz="1400" dirty="0" smtClean="0">
+              <a:latin typeface="Consolas" pitchFamily="49" charset="0"/>
+              <a:cs typeface="Consolas" pitchFamily="49" charset="0"/>
+            </a:endParaRPr>
+          </a:p>
+          <a:p>
+            <a:r>
+              <a:rPr lang="en-GB" sz="1400" dirty="0" smtClean="0">
+                <a:latin typeface="Consolas" pitchFamily="49" charset="0"/>
+                <a:cs typeface="Consolas" pitchFamily="49" charset="0"/>
+              </a:rPr>
+              <a:t>   </a:t>
+            </a:r>
+            <a:r>
+              <a:rPr lang="en-GB" sz="1400" dirty="0" err="1" smtClean="0">
+                <a:latin typeface="Consolas" pitchFamily="49" charset="0"/>
+                <a:cs typeface="Consolas" pitchFamily="49" charset="0"/>
+              </a:rPr>
+              <a:t>ncalls</a:t>
+            </a:r>
+            <a:r>
+              <a:rPr lang="en-GB" sz="1400" dirty="0" smtClean="0">
+                <a:latin typeface="Consolas" pitchFamily="49" charset="0"/>
+                <a:cs typeface="Consolas" pitchFamily="49" charset="0"/>
+              </a:rPr>
+              <a:t>  </a:t>
+            </a:r>
+            <a:r>
+              <a:rPr lang="en-GB" sz="1400" dirty="0" err="1" smtClean="0">
+                <a:latin typeface="Consolas" pitchFamily="49" charset="0"/>
+                <a:cs typeface="Consolas" pitchFamily="49" charset="0"/>
+              </a:rPr>
+              <a:t>tottime</a:t>
+            </a:r>
+            <a:r>
+              <a:rPr lang="en-GB" sz="1400" dirty="0" smtClean="0">
+                <a:latin typeface="Consolas" pitchFamily="49" charset="0"/>
+                <a:cs typeface="Consolas" pitchFamily="49" charset="0"/>
+              </a:rPr>
+              <a:t>  </a:t>
+            </a:r>
+            <a:r>
+              <a:rPr lang="en-GB" sz="1400" dirty="0" err="1" smtClean="0">
+                <a:latin typeface="Consolas" pitchFamily="49" charset="0"/>
+                <a:cs typeface="Consolas" pitchFamily="49" charset="0"/>
+              </a:rPr>
+              <a:t>percall</a:t>
+            </a:r>
+            <a:r>
+              <a:rPr lang="en-GB" sz="1400" dirty="0" smtClean="0">
+                <a:latin typeface="Consolas" pitchFamily="49" charset="0"/>
+                <a:cs typeface="Consolas" pitchFamily="49" charset="0"/>
+              </a:rPr>
+              <a:t>  </a:t>
+            </a:r>
+            <a:r>
+              <a:rPr lang="en-GB" sz="1400" dirty="0" err="1" smtClean="0">
+                <a:latin typeface="Consolas" pitchFamily="49" charset="0"/>
+                <a:cs typeface="Consolas" pitchFamily="49" charset="0"/>
+              </a:rPr>
+              <a:t>cumtime</a:t>
+            </a:r>
+            <a:r>
+              <a:rPr lang="en-GB" sz="1400" dirty="0" smtClean="0">
+                <a:latin typeface="Consolas" pitchFamily="49" charset="0"/>
+                <a:cs typeface="Consolas" pitchFamily="49" charset="0"/>
+              </a:rPr>
+              <a:t>  </a:t>
+            </a:r>
+            <a:r>
+              <a:rPr lang="en-GB" sz="1400" dirty="0" err="1" smtClean="0">
+                <a:latin typeface="Consolas" pitchFamily="49" charset="0"/>
+                <a:cs typeface="Consolas" pitchFamily="49" charset="0"/>
+              </a:rPr>
+              <a:t>percall</a:t>
+            </a:r>
+            <a:r>
+              <a:rPr lang="en-GB" sz="1400" dirty="0" smtClean="0">
+                <a:latin typeface="Consolas" pitchFamily="49" charset="0"/>
+                <a:cs typeface="Consolas" pitchFamily="49" charset="0"/>
+              </a:rPr>
+              <a:t> </a:t>
+            </a:r>
+            <a:r>
+              <a:rPr lang="en-GB" sz="1400" dirty="0" err="1" smtClean="0">
+                <a:latin typeface="Consolas" pitchFamily="49" charset="0"/>
+                <a:cs typeface="Consolas" pitchFamily="49" charset="0"/>
+              </a:rPr>
+              <a:t>filename:lineno</a:t>
+            </a:r>
+            <a:r>
+              <a:rPr lang="en-GB" sz="1400" dirty="0" smtClean="0">
+                <a:latin typeface="Consolas" pitchFamily="49" charset="0"/>
+                <a:cs typeface="Consolas" pitchFamily="49" charset="0"/>
+              </a:rPr>
+              <a:t>(function)</a:t>
+            </a:r>
+          </a:p>
+          <a:p>
+            <a:r>
+              <a:rPr lang="en-GB" sz="1400" dirty="0" smtClean="0">
+                <a:latin typeface="Consolas" pitchFamily="49" charset="0"/>
+                <a:cs typeface="Consolas" pitchFamily="49" charset="0"/>
+              </a:rPr>
+              <a:t>        1    0.010    0.010  251.458  251.458 susanedge.py:1(&lt;module&gt;)</a:t>
+            </a:r>
+          </a:p>
+          <a:p>
+            <a:r>
+              <a:rPr lang="en-GB" sz="1400" dirty="0" smtClean="0">
+                <a:latin typeface="Consolas" pitchFamily="49" charset="0"/>
+                <a:cs typeface="Consolas" pitchFamily="49" charset="0"/>
+              </a:rPr>
+              <a:t>        1    0.000    0.000  250.653  250.653 susanedge.py:141(</a:t>
+            </a:r>
+            <a:r>
+              <a:rPr lang="en-GB" sz="1400" dirty="0" err="1" smtClean="0">
+                <a:latin typeface="Consolas" pitchFamily="49" charset="0"/>
+                <a:cs typeface="Consolas" pitchFamily="49" charset="0"/>
+              </a:rPr>
+              <a:t>run_prog</a:t>
+            </a:r>
+            <a:r>
+              <a:rPr lang="en-GB" sz="1400" dirty="0" smtClean="0">
+                <a:latin typeface="Consolas" pitchFamily="49" charset="0"/>
+                <a:cs typeface="Consolas" pitchFamily="49" charset="0"/>
+              </a:rPr>
+              <a:t>)</a:t>
+            </a:r>
+          </a:p>
+          <a:p>
+            <a:r>
+              <a:rPr lang="en-GB" sz="1400" dirty="0" smtClean="0">
+                <a:latin typeface="Consolas" pitchFamily="49" charset="0"/>
+                <a:cs typeface="Consolas" pitchFamily="49" charset="0"/>
+              </a:rPr>
+              <a:t>        1    0.000    0.000  137.206  137.206 pyplot.py:123(show)</a:t>
+            </a:r>
+          </a:p>
+          <a:p>
+            <a:r>
+              <a:rPr lang="en-GB" sz="1400" dirty="0" smtClean="0">
+                <a:latin typeface="Consolas" pitchFamily="49" charset="0"/>
+                <a:cs typeface="Consolas" pitchFamily="49" charset="0"/>
+              </a:rPr>
+              <a:t>        1    0.000    0.000  137.206  137.206 backend_bases.py:69(__call__)</a:t>
+            </a:r>
+          </a:p>
+          <a:p>
+            <a:r>
+              <a:rPr lang="en-GB" sz="1400" dirty="0" smtClean="0">
+                <a:latin typeface="Consolas" pitchFamily="49" charset="0"/>
+                <a:cs typeface="Consolas" pitchFamily="49" charset="0"/>
+              </a:rPr>
+              <a:t>        1    0.000    0.000  128.177  128.177 backend_tkagg.py:68(</a:t>
+            </a:r>
+            <a:r>
+              <a:rPr lang="en-GB" sz="1400" dirty="0" err="1" smtClean="0">
+                <a:latin typeface="Consolas" pitchFamily="49" charset="0"/>
+                <a:cs typeface="Consolas" pitchFamily="49" charset="0"/>
+              </a:rPr>
+              <a:t>mainloop</a:t>
+            </a:r>
+            <a:r>
+              <a:rPr lang="en-GB" sz="1400" dirty="0" smtClean="0">
+                <a:latin typeface="Consolas" pitchFamily="49" charset="0"/>
+                <a:cs typeface="Consolas" pitchFamily="49" charset="0"/>
+              </a:rPr>
+              <a:t>)</a:t>
+            </a:r>
+          </a:p>
+          <a:p>
+            <a:r>
+              <a:rPr lang="en-GB" sz="1400" dirty="0" smtClean="0">
+                <a:latin typeface="Consolas" pitchFamily="49" charset="0"/>
+                <a:cs typeface="Consolas" pitchFamily="49" charset="0"/>
+              </a:rPr>
+              <a:t>        1    0.000    0.000  128.177  128.177 Tkinter.py:323(</a:t>
+            </a:r>
+            <a:r>
+              <a:rPr lang="en-GB" sz="1400" dirty="0" err="1" smtClean="0">
+                <a:latin typeface="Consolas" pitchFamily="49" charset="0"/>
+                <a:cs typeface="Consolas" pitchFamily="49" charset="0"/>
+              </a:rPr>
+              <a:t>mainloop</a:t>
+            </a:r>
+            <a:r>
+              <a:rPr lang="en-GB" sz="1400" dirty="0" smtClean="0">
+                <a:latin typeface="Consolas" pitchFamily="49" charset="0"/>
+                <a:cs typeface="Consolas" pitchFamily="49" charset="0"/>
+              </a:rPr>
+              <a:t>)</a:t>
+            </a:r>
+          </a:p>
+          <a:p>
+            <a:r>
+              <a:rPr lang="en-GB" sz="1400" dirty="0" smtClean="0">
+                <a:latin typeface="Consolas" pitchFamily="49" charset="0"/>
+                <a:cs typeface="Consolas" pitchFamily="49" charset="0"/>
+              </a:rPr>
+              <a:t>        1  128.099  128.099  128.177  128.177 {built-in method </a:t>
+            </a:r>
+            <a:r>
+              <a:rPr lang="en-GB" sz="1400" dirty="0" err="1" smtClean="0">
+                <a:latin typeface="Consolas" pitchFamily="49" charset="0"/>
+                <a:cs typeface="Consolas" pitchFamily="49" charset="0"/>
+              </a:rPr>
+              <a:t>mainloop</a:t>
+            </a:r>
+            <a:r>
+              <a:rPr lang="en-GB" sz="1400" dirty="0" smtClean="0">
+                <a:latin typeface="Consolas" pitchFamily="49" charset="0"/>
+                <a:cs typeface="Consolas" pitchFamily="49" charset="0"/>
+              </a:rPr>
+              <a:t>}</a:t>
+            </a:r>
+          </a:p>
+          <a:p>
+            <a:r>
+              <a:rPr lang="en-GB" sz="1400" dirty="0" smtClean="0">
+                <a:latin typeface="Consolas" pitchFamily="49" charset="0"/>
+                <a:cs typeface="Consolas" pitchFamily="49" charset="0"/>
+              </a:rPr>
+              <a:t>        1    8.006    8.006  113.129  113.129 susanedge.py:114(</a:t>
+            </a:r>
+            <a:r>
+              <a:rPr lang="en-GB" sz="1400" dirty="0" err="1" smtClean="0">
+                <a:latin typeface="Consolas" pitchFamily="49" charset="0"/>
+                <a:cs typeface="Consolas" pitchFamily="49" charset="0"/>
+              </a:rPr>
+              <a:t>smooth_susan_circle</a:t>
+            </a:r>
+            <a:r>
+              <a:rPr lang="en-GB" sz="1400" dirty="0" smtClean="0">
+                <a:latin typeface="Consolas" pitchFamily="49" charset="0"/>
+                <a:cs typeface="Consolas" pitchFamily="49" charset="0"/>
+              </a:rPr>
+              <a:t>)</a:t>
+            </a:r>
+          </a:p>
+          <a:p>
+            <a:r>
+              <a:rPr lang="en-GB" sz="1400" dirty="0" smtClean="0">
+                <a:latin typeface="Consolas" pitchFamily="49" charset="0"/>
+                <a:cs typeface="Consolas" pitchFamily="49" charset="0"/>
+              </a:rPr>
+              <a:t>   </a:t>
+            </a:r>
+            <a:r>
+              <a:rPr lang="en-GB" sz="1400" dirty="0" smtClean="0">
+                <a:solidFill>
+                  <a:schemeClr val="bg1"/>
+                </a:solidFill>
+                <a:latin typeface="Consolas" pitchFamily="49" charset="0"/>
+                <a:cs typeface="Consolas" pitchFamily="49" charset="0"/>
+              </a:rPr>
+              <a:t>130321   45.999    0.000   92.756    0.001 susanedge.py:15(</a:t>
+            </a:r>
+            <a:r>
+              <a:rPr lang="en-GB" sz="1400" dirty="0" err="1" smtClean="0">
+                <a:solidFill>
+                  <a:schemeClr val="bg1"/>
+                </a:solidFill>
+                <a:latin typeface="Consolas" pitchFamily="49" charset="0"/>
+                <a:cs typeface="Consolas" pitchFamily="49" charset="0"/>
+              </a:rPr>
+              <a:t>points_in_circle</a:t>
+            </a:r>
+            <a:r>
+              <a:rPr lang="en-GB" sz="1400" dirty="0" smtClean="0">
+                <a:solidFill>
+                  <a:schemeClr val="bg1"/>
+                </a:solidFill>
+                <a:latin typeface="Consolas" pitchFamily="49" charset="0"/>
+                <a:cs typeface="Consolas" pitchFamily="49" charset="0"/>
+              </a:rPr>
+              <a:t>)</a:t>
+            </a:r>
+          </a:p>
+          <a:p>
+            <a:r>
+              <a:rPr lang="en-GB" sz="1400" dirty="0" smtClean="0">
+                <a:latin typeface="Consolas" pitchFamily="49" charset="0"/>
+                <a:cs typeface="Consolas" pitchFamily="49" charset="0"/>
+              </a:rPr>
+              <a:t> </a:t>
+            </a:r>
+            <a:r>
+              <a:rPr lang="en-GB" sz="1400" dirty="0" smtClean="0">
+                <a:solidFill>
+                  <a:schemeClr val="bg1"/>
+                </a:solidFill>
+                <a:latin typeface="Consolas" pitchFamily="49" charset="0"/>
+                <a:cs typeface="Consolas" pitchFamily="49" charset="0"/>
+              </a:rPr>
+              <a:t>14477180   22.404    0.000   22.404    0.000 {method 'append' of 'list' objects}</a:t>
+            </a:r>
+          </a:p>
+          <a:p>
+            <a:r>
+              <a:rPr lang="en-GB" sz="1400" dirty="0" smtClean="0">
+                <a:latin typeface="Consolas" pitchFamily="49" charset="0"/>
+                <a:cs typeface="Consolas" pitchFamily="49" charset="0"/>
+              </a:rPr>
+              <a:t>  </a:t>
+            </a:r>
+            <a:r>
+              <a:rPr lang="en-GB" sz="1400" dirty="0" smtClean="0">
+                <a:solidFill>
+                  <a:schemeClr val="bg1"/>
+                </a:solidFill>
+                <a:latin typeface="Consolas" pitchFamily="49" charset="0"/>
+                <a:cs typeface="Consolas" pitchFamily="49" charset="0"/>
+              </a:rPr>
+              <a:t>2085860   13.766    0.000   13.766    0.000 susanedge.py:12(</a:t>
+            </a:r>
+            <a:r>
+              <a:rPr lang="en-GB" sz="1400" dirty="0" err="1" smtClean="0">
+                <a:solidFill>
+                  <a:schemeClr val="bg1"/>
+                </a:solidFill>
+                <a:latin typeface="Consolas" pitchFamily="49" charset="0"/>
+                <a:cs typeface="Consolas" pitchFamily="49" charset="0"/>
+              </a:rPr>
+              <a:t>intceil</a:t>
+            </a:r>
+            <a:r>
+              <a:rPr lang="en-GB" sz="1400" dirty="0" smtClean="0">
+                <a:solidFill>
+                  <a:schemeClr val="bg1"/>
+                </a:solidFill>
+                <a:latin typeface="Consolas" pitchFamily="49" charset="0"/>
+                <a:cs typeface="Consolas" pitchFamily="49" charset="0"/>
+              </a:rPr>
+              <a:t>)</a:t>
+            </a:r>
+          </a:p>
+          <a:p>
+            <a:r>
+              <a:rPr lang="en-GB" sz="1400" dirty="0" smtClean="0">
+                <a:latin typeface="Consolas" pitchFamily="49" charset="0"/>
+                <a:cs typeface="Consolas" pitchFamily="49" charset="0"/>
+              </a:rPr>
+              <a:t>   528640    2.058    0.000   11.542    0.000 numeric.py:167(</a:t>
+            </a:r>
+            <a:r>
+              <a:rPr lang="en-GB" sz="1400" dirty="0" err="1" smtClean="0">
+                <a:latin typeface="Consolas" pitchFamily="49" charset="0"/>
+                <a:cs typeface="Consolas" pitchFamily="49" charset="0"/>
+              </a:rPr>
+              <a:t>asarray</a:t>
+            </a:r>
+            <a:r>
+              <a:rPr lang="en-GB" sz="1400" dirty="0" smtClean="0">
+                <a:latin typeface="Consolas" pitchFamily="49" charset="0"/>
+                <a:cs typeface="Consolas" pitchFamily="49" charset="0"/>
+              </a:rPr>
+              <a:t>)</a:t>
+            </a:r>
+          </a:p>
+          <a:p>
+            <a:r>
+              <a:rPr lang="en-GB" sz="1400" dirty="0" smtClean="0">
+                <a:latin typeface="Consolas" pitchFamily="49" charset="0"/>
+                <a:cs typeface="Consolas" pitchFamily="49" charset="0"/>
+              </a:rPr>
+              <a:t>   130321    6.206    0.000   11.324    0.000 susanedge.py:103(</a:t>
+            </a:r>
+            <a:r>
+              <a:rPr lang="en-GB" sz="1400" dirty="0" err="1" smtClean="0">
+                <a:latin typeface="Consolas" pitchFamily="49" charset="0"/>
+                <a:cs typeface="Consolas" pitchFamily="49" charset="0"/>
+              </a:rPr>
+              <a:t>find_edge_dir</a:t>
+            </a:r>
+            <a:r>
+              <a:rPr lang="en-GB" sz="1400" dirty="0" smtClean="0">
+                <a:latin typeface="Consolas" pitchFamily="49" charset="0"/>
+                <a:cs typeface="Consolas" pitchFamily="49" charset="0"/>
+              </a:rPr>
+              <a:t>)</a:t>
+            </a:r>
+          </a:p>
+          <a:p>
+            <a:r>
+              <a:rPr lang="en-GB" sz="1400" dirty="0" smtClean="0">
+                <a:latin typeface="Consolas" pitchFamily="49" charset="0"/>
+                <a:cs typeface="Consolas" pitchFamily="49" charset="0"/>
+              </a:rPr>
+              <a:t>   529270    9.504    0.000    9.505    0.000 {</a:t>
+            </a:r>
+            <a:r>
+              <a:rPr lang="en-GB" sz="1400" dirty="0" err="1" smtClean="0">
+                <a:latin typeface="Consolas" pitchFamily="49" charset="0"/>
+                <a:cs typeface="Consolas" pitchFamily="49" charset="0"/>
+              </a:rPr>
+              <a:t>numpy.core.multiarray.array</a:t>
+            </a:r>
+            <a:r>
+              <a:rPr lang="en-GB" sz="1400" dirty="0" smtClean="0">
+                <a:latin typeface="Consolas" pitchFamily="49" charset="0"/>
+                <a:cs typeface="Consolas" pitchFamily="49" charset="0"/>
+              </a:rPr>
+              <a:t>}</a:t>
+            </a:r>
+          </a:p>
+          <a:p>
+            <a:r>
+              <a:rPr lang="en-GB" sz="1400" dirty="0" smtClean="0">
+                <a:latin typeface="Consolas" pitchFamily="49" charset="0"/>
+                <a:cs typeface="Consolas" pitchFamily="49" charset="0"/>
+              </a:rPr>
+              <a:t>    72/65    0.085    0.001    9.109    0.140 {built-in method call}</a:t>
+            </a:r>
+            <a:endParaRPr lang="en-GB" sz="1400" dirty="0">
+              <a:latin typeface="Consolas" pitchFamily="49" charset="0"/>
+              <a:cs typeface="Consolas" pitchFamily="49" charset="0"/>
+            </a:endParaRPr>
+          </a:p>
+        </p:txBody>
+      </p:sp>
+    </p:spTree>
+    <p:extLst>
+      <p:ext uri="{BB962C8B-B14F-4D97-AF65-F5344CB8AC3E}">
+        <p14:creationId xmlns:p14="http://schemas.microsoft.com/office/powerpoint/2010/main" val="2244972993"/>
+      </p:ext>
+    </p:extLst>
+  </p:cSld>
+  <p:clrMapOvr>
+    <a:masterClrMapping/>
+  </p:clrMapOvr>
+  <p:timing>
+    <p:tnLst>
+      <p:par>
+        <p:cTn id="1" dur="indefinite" restart="never" nodeType="tmRoot"/>
+      </p:par>
+    </p:tnLst>
+  </p:timing>
+</p:sld>
+</file>
+
+<file path=ppt/slides/slide25.xml><?xml version="1.0" encoding="utf-8"?>
+<p:sld xmlns:a="http://schemas.openxmlformats.org/drawingml/2006/main" xmlns:r="http://schemas.openxmlformats.org/officeDocument/2006/relationships" xmlns:p="http://schemas.openxmlformats.org/presentationml/2006/main">
+  <p:cSld>
+    <p:spTree>
+      <p:nvGrpSpPr>
+        <p:cNvPr id="1" name=""/>
+        <p:cNvGrpSpPr/>
+        <p:nvPr/>
+      </p:nvGrpSpPr>
+      <p:grpSpPr>
+        <a:xfrm>
+          <a:off x="0" y="0"/>
+          <a:ext cx="0" cy="0"/>
+          <a:chOff x="0" y="0"/>
+          <a:chExt cx="0" cy="0"/>
+        </a:xfrm>
+      </p:grpSpPr>
+      <p:sp>
+        <p:nvSpPr>
+          <p:cNvPr id="6" name="Title 5"/>
+          <p:cNvSpPr>
+            <a:spLocks noGrp="1"/>
+          </p:cNvSpPr>
+          <p:nvPr>
+            <p:ph type="ctrTitle"/>
+          </p:nvPr>
+        </p:nvSpPr>
+        <p:spPr/>
+        <p:txBody>
+          <a:bodyPr/>
+          <a:lstStyle/>
+          <a:p>
+            <a:r>
+              <a:rPr lang="en-GB" dirty="0" smtClean="0"/>
+              <a:t>Demo</a:t>
+            </a:r>
+            <a:endParaRPr lang="en-GB" dirty="0"/>
+          </a:p>
+        </p:txBody>
+      </p:sp>
+      <p:sp>
+        <p:nvSpPr>
+          <p:cNvPr id="8" name="Subtitle 7"/>
+          <p:cNvSpPr>
+            <a:spLocks noGrp="1"/>
+          </p:cNvSpPr>
+          <p:nvPr>
+            <p:ph type="subTitle" idx="1"/>
+          </p:nvPr>
+        </p:nvSpPr>
+        <p:spPr/>
+        <p:txBody>
+          <a:bodyPr/>
+          <a:lstStyle/>
+          <a:p>
+            <a:endParaRPr lang="en-GB" dirty="0"/>
+          </a:p>
+        </p:txBody>
+      </p:sp>
+    </p:spTree>
+    <p:extLst>
+      <p:ext uri="{BB962C8B-B14F-4D97-AF65-F5344CB8AC3E}">
+        <p14:creationId xmlns:p14="http://schemas.microsoft.com/office/powerpoint/2010/main" val="3322354927"/>
+      </p:ext>
+    </p:extLst>
+  </p:cSld>
+  <p:clrMapOvr>
+    <a:masterClrMapping/>
+  </p:clrMapOvr>
+  <p:timing>
+    <p:tnLst>
+      <p:par>
+        <p:cTn id="1" dur="indefinite" restart="never" nodeType="tmRoot"/>
+      </p:par>
+    </p:tnLst>
+  </p:timing>
+</p:sld>
+</file>
+
+<file path=ppt/slides/slide26.xml><?xml version="1.0" encoding="utf-8"?>
+<p:sld xmlns:a="http://schemas.openxmlformats.org/drawingml/2006/main" xmlns:r="http://schemas.openxmlformats.org/officeDocument/2006/relationships" xmlns:p="http://schemas.openxmlformats.org/presentationml/2006/main">
+  <p:cSld>
+    <p:spTree>
+      <p:nvGrpSpPr>
+        <p:cNvPr id="1" name=""/>
+        <p:cNvGrpSpPr/>
+        <p:nvPr/>
+      </p:nvGrpSpPr>
+      <p:grpSpPr>
+        <a:xfrm>
+          <a:off x="0" y="0"/>
+          <a:ext cx="0" cy="0"/>
+          <a:chOff x="0" y="0"/>
+          <a:chExt cx="0" cy="0"/>
+        </a:xfrm>
+      </p:grpSpPr>
+      <p:sp>
+        <p:nvSpPr>
+          <p:cNvPr id="2" name="Title 1"/>
+          <p:cNvSpPr>
+            <a:spLocks noGrp="1"/>
+          </p:cNvSpPr>
+          <p:nvPr>
+            <p:ph type="ctrTitle"/>
+          </p:nvPr>
+        </p:nvSpPr>
+        <p:spPr/>
+        <p:txBody>
+          <a:bodyPr/>
+          <a:lstStyle/>
+          <a:p>
+            <a:r>
+              <a:rPr lang="en-GB" dirty="0" smtClean="0"/>
+              <a:t>Results</a:t>
+            </a:r>
+            <a:endParaRPr lang="en-GB" dirty="0"/>
+          </a:p>
+        </p:txBody>
+      </p:sp>
+      <p:sp>
+        <p:nvSpPr>
+          <p:cNvPr id="4" name="Subtitle 3"/>
+          <p:cNvSpPr>
+            <a:spLocks noGrp="1"/>
+          </p:cNvSpPr>
+          <p:nvPr>
+            <p:ph type="subTitle" idx="1"/>
+          </p:nvPr>
+        </p:nvSpPr>
+        <p:spPr/>
+        <p:txBody>
+          <a:bodyPr/>
+          <a:lstStyle/>
+          <a:p>
+            <a:endParaRPr lang="en-GB"/>
+          </a:p>
+        </p:txBody>
+      </p:sp>
+    </p:spTree>
+    <p:extLst>
+      <p:ext uri="{BB962C8B-B14F-4D97-AF65-F5344CB8AC3E}">
+        <p14:creationId xmlns:p14="http://schemas.microsoft.com/office/powerpoint/2010/main" val="1228364103"/>
+      </p:ext>
+    </p:extLst>
+  </p:cSld>
+  <p:clrMapOvr>
+    <a:masterClrMapping/>
+  </p:clrMapOvr>
+  <p:timing>
+    <p:tnLst>
+      <p:par>
+        <p:cTn id="1" dur="indefinite" restart="never" nodeType="tmRoot"/>
+      </p:par>
+    </p:tnLst>
+  </p:timing>
+</p:sld>
+</file>
+
+<file path=ppt/slides/slide27.xml><?xml version="1.0" encoding="utf-8"?>
+<p:sld xmlns:a="http://schemas.openxmlformats.org/drawingml/2006/main" xmlns:r="http://schemas.openxmlformats.org/officeDocument/2006/relationships" xmlns:p="http://schemas.openxmlformats.org/presentationml/2006/main">
+  <p:cSld>
+    <p:spTree>
+      <p:nvGrpSpPr>
+        <p:cNvPr id="1" name=""/>
+        <p:cNvGrpSpPr/>
+        <p:nvPr/>
+      </p:nvGrpSpPr>
+      <p:grpSpPr>
+        <a:xfrm>
+          <a:off x="0" y="0"/>
+          <a:ext cx="0" cy="0"/>
+          <a:chOff x="0" y="0"/>
+          <a:chExt cx="0" cy="0"/>
+        </a:xfrm>
+      </p:grpSpPr>
+      <p:sp>
+        <p:nvSpPr>
+          <p:cNvPr id="2" name="Title 1"/>
+          <p:cNvSpPr>
+            <a:spLocks noGrp="1"/>
+          </p:cNvSpPr>
+          <p:nvPr>
+            <p:ph type="title"/>
+          </p:nvPr>
+        </p:nvSpPr>
+        <p:spPr/>
+        <p:txBody>
+          <a:bodyPr/>
+          <a:lstStyle/>
+          <a:p>
+            <a:r>
+              <a:rPr lang="en-GB" dirty="0" smtClean="0"/>
+              <a:t>Results</a:t>
+            </a:r>
+            <a:endParaRPr lang="en-GB" dirty="0"/>
+          </a:p>
+        </p:txBody>
+      </p:sp>
+      <p:pic>
+        <p:nvPicPr>
+          <p:cNvPr id="5122" name="Picture 2" descr="C:\Users\ames\Documents\susanedge\susanedge\figures\susan_circle.png"/>
+          <p:cNvPicPr>
+            <a:picLocks noChangeAspect="1" noChangeArrowheads="1"/>
+          </p:cNvPicPr>
+          <p:nvPr/>
+        </p:nvPicPr>
+        <p:blipFill>
+          <a:blip r:embed="rId2" cstate="print"/>
+          <a:srcRect l="15166" t="7884" r="17191" b="5034"/>
+          <a:stretch>
+            <a:fillRect/>
+          </a:stretch>
+        </p:blipFill>
+        <p:spPr bwMode="auto">
+          <a:xfrm>
+            <a:off x="4499992" y="1772816"/>
+            <a:ext cx="4373427" cy="4248472"/>
+          </a:xfrm>
+          <a:prstGeom prst="rect">
+            <a:avLst/>
+          </a:prstGeom>
+          <a:noFill/>
+        </p:spPr>
+      </p:pic>
+      <p:pic>
+        <p:nvPicPr>
+          <p:cNvPr id="5124" name="Picture 4" descr="http://users.fmrib.ox.ac.uk/~steve/susan/susan/img75.gif"/>
+          <p:cNvPicPr>
+            <a:picLocks noChangeAspect="1" noChangeArrowheads="1"/>
+          </p:cNvPicPr>
+          <p:nvPr/>
+        </p:nvPicPr>
+        <p:blipFill>
+          <a:blip r:embed="rId3" cstate="print"/>
+          <a:srcRect/>
+          <a:stretch>
+            <a:fillRect/>
+          </a:stretch>
+        </p:blipFill>
+        <p:spPr bwMode="auto">
+          <a:xfrm>
+            <a:off x="251520" y="1844824"/>
+            <a:ext cx="4032447" cy="4032448"/>
+          </a:xfrm>
+          <a:prstGeom prst="rect">
+            <a:avLst/>
+          </a:prstGeom>
+          <a:noFill/>
+        </p:spPr>
+      </p:pic>
+      <p:sp>
+        <p:nvSpPr>
+          <p:cNvPr id="6" name="TextBox 5"/>
+          <p:cNvSpPr txBox="1"/>
+          <p:nvPr/>
+        </p:nvSpPr>
+        <p:spPr>
+          <a:xfrm>
+            <a:off x="1691680" y="1412776"/>
+            <a:ext cx="944041" cy="461665"/>
+          </a:xfrm>
+          <a:prstGeom prst="rect">
+            <a:avLst/>
+          </a:prstGeom>
+          <a:noFill/>
+        </p:spPr>
+        <p:txBody>
+          <a:bodyPr wrap="none" rtlCol="0">
+            <a:spAutoFit/>
+          </a:bodyPr>
+          <a:lstStyle/>
+          <a:p>
+            <a:r>
+              <a:rPr lang="en-GB" sz="2400" dirty="0" smtClean="0"/>
+              <a:t>Theirs</a:t>
+            </a:r>
+            <a:endParaRPr lang="en-GB" sz="2400" dirty="0"/>
+          </a:p>
+        </p:txBody>
+      </p:sp>
+      <p:sp>
+        <p:nvSpPr>
+          <p:cNvPr id="7" name="TextBox 6"/>
+          <p:cNvSpPr txBox="1"/>
+          <p:nvPr/>
+        </p:nvSpPr>
+        <p:spPr>
+          <a:xfrm>
+            <a:off x="5148064" y="1052736"/>
+            <a:ext cx="3433440" cy="830997"/>
+          </a:xfrm>
+          <a:prstGeom prst="rect">
+            <a:avLst/>
+          </a:prstGeom>
+          <a:noFill/>
+        </p:spPr>
+        <p:txBody>
+          <a:bodyPr wrap="none" rtlCol="0">
+            <a:spAutoFit/>
+          </a:bodyPr>
+          <a:lstStyle/>
+          <a:p>
+            <a:pPr algn="ctr"/>
+            <a:r>
+              <a:rPr lang="en-GB" sz="2400" dirty="0" smtClean="0"/>
+              <a:t>Ours</a:t>
+            </a:r>
+          </a:p>
+          <a:p>
+            <a:pPr algn="ctr"/>
+            <a:r>
+              <a:rPr lang="en-GB" sz="2400" dirty="0" smtClean="0"/>
+              <a:t>(no non-max suppression)</a:t>
+            </a:r>
+            <a:endParaRPr lang="en-GB" sz="2400" dirty="0"/>
+          </a:p>
+        </p:txBody>
+      </p:sp>
+    </p:spTree>
+    <p:extLst>
+      <p:ext uri="{BB962C8B-B14F-4D97-AF65-F5344CB8AC3E}">
+        <p14:creationId xmlns:p14="http://schemas.microsoft.com/office/powerpoint/2010/main" val="2660661300"/>
+      </p:ext>
+    </p:extLst>
+  </p:cSld>
+  <p:clrMapOvr>
+    <a:masterClrMapping/>
+  </p:clrMapOvr>
+</p:sld>
+</file>
+
+<file path=ppt/slides/slide28.xml><?xml version="1.0" encoding="utf-8"?>
+<p:sld xmlns:a="http://schemas.openxmlformats.org/drawingml/2006/main" xmlns:r="http://schemas.openxmlformats.org/officeDocument/2006/relationships" xmlns:p="http://schemas.openxmlformats.org/presentationml/2006/main">
+  <p:cSld>
+    <p:spTree>
+      <p:nvGrpSpPr>
+        <p:cNvPr id="1" name=""/>
+        <p:cNvGrpSpPr/>
+        <p:nvPr/>
+      </p:nvGrpSpPr>
+      <p:grpSpPr>
+        <a:xfrm>
+          <a:off x="0" y="0"/>
+          <a:ext cx="0" cy="0"/>
+          <a:chOff x="0" y="0"/>
+          <a:chExt cx="0" cy="0"/>
+        </a:xfrm>
+      </p:grpSpPr>
+      <p:pic>
+        <p:nvPicPr>
+          <p:cNvPr id="3075" name="Picture 3" descr="C:\Users\ames\Documents\susanedge\susanedge\figures\non-max-house.png"/>
+          <p:cNvPicPr>
+            <a:picLocks noChangeAspect="1" noChangeArrowheads="1"/>
+          </p:cNvPicPr>
+          <p:nvPr/>
+        </p:nvPicPr>
+        <p:blipFill>
+          <a:blip r:embed="rId2" cstate="print"/>
+          <a:srcRect l="16084" t="8275" r="16273" b="4643"/>
+          <a:stretch>
+            <a:fillRect/>
+          </a:stretch>
+        </p:blipFill>
+        <p:spPr bwMode="auto">
+          <a:xfrm>
+            <a:off x="5004048" y="2249489"/>
+            <a:ext cx="3960440" cy="3847284"/>
+          </a:xfrm>
+          <a:prstGeom prst="rect">
+            <a:avLst/>
+          </a:prstGeom>
+          <a:noFill/>
+        </p:spPr>
+      </p:pic>
+      <p:sp>
+        <p:nvSpPr>
+          <p:cNvPr id="2" name="Title 1"/>
+          <p:cNvSpPr>
+            <a:spLocks noGrp="1"/>
+          </p:cNvSpPr>
+          <p:nvPr>
+            <p:ph type="title"/>
+          </p:nvPr>
+        </p:nvSpPr>
+        <p:spPr/>
+        <p:txBody>
+          <a:bodyPr/>
+          <a:lstStyle/>
+          <a:p>
+            <a:r>
+              <a:rPr lang="en-GB" dirty="0" smtClean="0"/>
+              <a:t>Results</a:t>
+            </a:r>
+            <a:endParaRPr lang="en-GB" dirty="0"/>
+          </a:p>
+        </p:txBody>
+      </p:sp>
+      <p:pic>
+        <p:nvPicPr>
+          <p:cNvPr id="8" name="Picture 3" descr="C:\Users\ames\Documents\susanedge\susanedge\figures\circle_house.png"/>
+          <p:cNvPicPr>
+            <a:picLocks noChangeAspect="1" noChangeArrowheads="1"/>
+          </p:cNvPicPr>
+          <p:nvPr/>
+        </p:nvPicPr>
+        <p:blipFill>
+          <a:blip r:embed="rId3" cstate="print"/>
+          <a:srcRect l="15777" t="8189" r="16580" b="4729"/>
+          <a:stretch>
+            <a:fillRect/>
+          </a:stretch>
+        </p:blipFill>
+        <p:spPr bwMode="auto">
+          <a:xfrm>
+            <a:off x="251520" y="2204864"/>
+            <a:ext cx="3960440" cy="3847285"/>
+          </a:xfrm>
+          <a:prstGeom prst="rect">
+            <a:avLst/>
+          </a:prstGeom>
+          <a:noFill/>
+        </p:spPr>
+      </p:pic>
+      <p:sp>
+        <p:nvSpPr>
+          <p:cNvPr id="9" name="TextBox 8"/>
+          <p:cNvSpPr txBox="1"/>
+          <p:nvPr/>
+        </p:nvSpPr>
+        <p:spPr>
+          <a:xfrm>
+            <a:off x="1475656" y="1844824"/>
+            <a:ext cx="1717458" cy="461665"/>
+          </a:xfrm>
+          <a:prstGeom prst="rect">
+            <a:avLst/>
+          </a:prstGeom>
+          <a:noFill/>
+        </p:spPr>
+        <p:txBody>
+          <a:bodyPr wrap="none" rtlCol="0">
+            <a:spAutoFit/>
+          </a:bodyPr>
+          <a:lstStyle/>
+          <a:p>
+            <a:r>
+              <a:rPr lang="en-GB" sz="2400" dirty="0" smtClean="0"/>
+              <a:t>No non-max</a:t>
+            </a:r>
+            <a:endParaRPr lang="en-GB" sz="2400" dirty="0"/>
+          </a:p>
+        </p:txBody>
+      </p:sp>
+      <p:sp>
+        <p:nvSpPr>
+          <p:cNvPr id="10" name="TextBox 9"/>
+          <p:cNvSpPr txBox="1"/>
+          <p:nvPr/>
+        </p:nvSpPr>
+        <p:spPr>
+          <a:xfrm>
+            <a:off x="5652120" y="1844824"/>
+            <a:ext cx="2960554" cy="461665"/>
+          </a:xfrm>
+          <a:prstGeom prst="rect">
+            <a:avLst/>
+          </a:prstGeom>
+          <a:noFill/>
+        </p:spPr>
+        <p:txBody>
+          <a:bodyPr wrap="none" rtlCol="0">
+            <a:spAutoFit/>
+          </a:bodyPr>
+          <a:lstStyle/>
+          <a:p>
+            <a:r>
+              <a:rPr lang="en-GB" sz="2400" dirty="0" smtClean="0"/>
+              <a:t>Non-max suppression </a:t>
+            </a:r>
+            <a:endParaRPr lang="en-GB" sz="2400" dirty="0"/>
+          </a:p>
+        </p:txBody>
+      </p:sp>
+    </p:spTree>
+    <p:extLst>
+      <p:ext uri="{BB962C8B-B14F-4D97-AF65-F5344CB8AC3E}">
+        <p14:creationId xmlns:p14="http://schemas.microsoft.com/office/powerpoint/2010/main" val="83705231"/>
+      </p:ext>
+    </p:extLst>
+  </p:cSld>
+  <p:clrMapOvr>
+    <a:masterClrMapping/>
+  </p:clrMapOvr>
+  <p:timing>
+    <p:tnLst>
+      <p:par>
+        <p:cTn id="1" dur="indefinite" restart="never" nodeType="tmRoot"/>
+      </p:par>
+    </p:tnLst>
+  </p:timing>
+</p:sld>
+</file>
+
+<file path=ppt/slides/slide29.xml><?xml version="1.0" encoding="utf-8"?>
+<p:sld xmlns:a="http://schemas.openxmlformats.org/drawingml/2006/main" xmlns:r="http://schemas.openxmlformats.org/officeDocument/2006/relationships" xmlns:p="http://schemas.openxmlformats.org/presentationml/2006/main">
+  <p:cSld>
+    <p:spTree>
+      <p:nvGrpSpPr>
+        <p:cNvPr id="1" name=""/>
+        <p:cNvGrpSpPr/>
+        <p:nvPr/>
+      </p:nvGrpSpPr>
+      <p:grpSpPr>
+        <a:xfrm>
+          <a:off x="0" y="0"/>
+          <a:ext cx="0" cy="0"/>
+          <a:chOff x="0" y="0"/>
+          <a:chExt cx="0" cy="0"/>
+        </a:xfrm>
+      </p:grpSpPr>
+      <p:sp>
+        <p:nvSpPr>
+          <p:cNvPr id="2" name="Title 1"/>
+          <p:cNvSpPr>
+            <a:spLocks noGrp="1"/>
+          </p:cNvSpPr>
+          <p:nvPr>
+            <p:ph type="title"/>
+          </p:nvPr>
+        </p:nvSpPr>
+        <p:spPr/>
+        <p:txBody>
+          <a:bodyPr/>
+          <a:lstStyle/>
+          <a:p>
+            <a:r>
+              <a:rPr lang="en-GB" dirty="0" smtClean="0"/>
+              <a:t>Summary</a:t>
+            </a:r>
+            <a:endParaRPr lang="en-GB" dirty="0"/>
+          </a:p>
+        </p:txBody>
+      </p:sp>
+      <p:sp>
+        <p:nvSpPr>
+          <p:cNvPr id="3" name="Content Placeholder 2"/>
+          <p:cNvSpPr>
+            <a:spLocks noGrp="1"/>
+          </p:cNvSpPr>
+          <p:nvPr>
+            <p:ph idx="1"/>
+          </p:nvPr>
+        </p:nvSpPr>
+        <p:spPr/>
+        <p:txBody>
+          <a:bodyPr/>
+          <a:lstStyle/>
+          <a:p>
+            <a:r>
+              <a:rPr lang="en-GB" dirty="0" smtClean="0"/>
+              <a:t>Based on USANs</a:t>
+            </a:r>
+          </a:p>
+          <a:p>
+            <a:r>
+              <a:rPr lang="en-GB" dirty="0" smtClean="0"/>
+              <a:t>Can be used to extract features from an image</a:t>
+            </a:r>
+          </a:p>
+          <a:p>
+            <a:pPr lvl="1"/>
+            <a:r>
+              <a:rPr lang="en-GB" dirty="0" smtClean="0"/>
+              <a:t>Edges and corners</a:t>
+            </a:r>
+          </a:p>
+          <a:p>
+            <a:r>
+              <a:rPr lang="en-GB" dirty="0" smtClean="0"/>
+              <a:t>Edge direction can also be extracted</a:t>
+            </a:r>
+          </a:p>
+          <a:p>
+            <a:r>
+              <a:rPr lang="en-GB" dirty="0" smtClean="0"/>
+              <a:t>Fast operation (our implementation not optimal)</a:t>
+            </a:r>
+          </a:p>
+          <a:p>
+            <a:r>
+              <a:rPr lang="en-GB" dirty="0" smtClean="0"/>
+              <a:t>Resistant to noise</a:t>
+            </a:r>
+          </a:p>
+          <a:p>
+            <a:endParaRPr lang="en-GB" dirty="0"/>
+          </a:p>
+        </p:txBody>
+      </p:sp>
+    </p:spTree>
+    <p:extLst>
+      <p:ext uri="{BB962C8B-B14F-4D97-AF65-F5344CB8AC3E}">
+        <p14:creationId xmlns:p14="http://schemas.microsoft.com/office/powerpoint/2010/main" val="3786314962"/>
+      </p:ext>
+    </p:extLst>
+  </p:cSld>
+  <p:clrMapOvr>
+    <a:masterClrMapping/>
+  </p:clrMapOvr>
 </p:sld>
 </file>
 
@@ -4890,7 +8187,95 @@
     </p:spTree>
     <p:extLst>
       <p:ext uri="{BB962C8B-B14F-4D97-AF65-F5344CB8AC3E}">
-        <p14:creationId xmlns="" xmlns:p14="http://schemas.microsoft.com/office/powerpoint/2010/main" val="2118226303"/>
+        <p14:creationId xmlns:p14="http://schemas.microsoft.com/office/powerpoint/2010/main" val="2118226303"/>
+      </p:ext>
+    </p:extLst>
+  </p:cSld>
+  <p:clrMapOvr>
+    <a:masterClrMapping/>
+  </p:clrMapOvr>
+  <p:timing>
+    <p:tnLst>
+      <p:par>
+        <p:cTn id="1" dur="indefinite" restart="never" nodeType="tmRoot"/>
+      </p:par>
+    </p:tnLst>
+  </p:timing>
+</p:sld>
+</file>
+
+<file path=ppt/slides/slide30.xml><?xml version="1.0" encoding="utf-8"?>
+<p:sld xmlns:a="http://schemas.openxmlformats.org/drawingml/2006/main" xmlns:r="http://schemas.openxmlformats.org/officeDocument/2006/relationships" xmlns:p="http://schemas.openxmlformats.org/presentationml/2006/main">
+  <p:cSld>
+    <p:spTree>
+      <p:nvGrpSpPr>
+        <p:cNvPr id="1" name=""/>
+        <p:cNvGrpSpPr/>
+        <p:nvPr/>
+      </p:nvGrpSpPr>
+      <p:grpSpPr>
+        <a:xfrm>
+          <a:off x="0" y="0"/>
+          <a:ext cx="0" cy="0"/>
+          <a:chOff x="0" y="0"/>
+          <a:chExt cx="0" cy="0"/>
+        </a:xfrm>
+      </p:grpSpPr>
+      <p:sp>
+        <p:nvSpPr>
+          <p:cNvPr id="2" name="Title 1"/>
+          <p:cNvSpPr>
+            <a:spLocks noGrp="1"/>
+          </p:cNvSpPr>
+          <p:nvPr>
+            <p:ph type="title"/>
+          </p:nvPr>
+        </p:nvSpPr>
+        <p:spPr/>
+        <p:txBody>
+          <a:bodyPr/>
+          <a:lstStyle/>
+          <a:p>
+            <a:r>
+              <a:rPr lang="en-GB" dirty="0" smtClean="0"/>
+              <a:t>References</a:t>
+            </a:r>
+            <a:endParaRPr lang="en-GB" dirty="0"/>
+          </a:p>
+        </p:txBody>
+      </p:sp>
+      <p:sp>
+        <p:nvSpPr>
+          <p:cNvPr id="3" name="Content Placeholder 2"/>
+          <p:cNvSpPr>
+            <a:spLocks noGrp="1"/>
+          </p:cNvSpPr>
+          <p:nvPr>
+            <p:ph idx="1"/>
+          </p:nvPr>
+        </p:nvSpPr>
+        <p:spPr/>
+        <p:txBody>
+          <a:bodyPr/>
+          <a:lstStyle/>
+          <a:p>
+            <a:r>
+              <a:rPr lang="en-GB" dirty="0" smtClean="0">
+                <a:hlinkClick r:id="rId2"/>
+              </a:rPr>
+              <a:t>http://users.fmrib.ox.ac.uk/~steve/susan/susan/susan.html</a:t>
+            </a:r>
+            <a:endParaRPr lang="en-GB" dirty="0" smtClean="0"/>
+          </a:p>
+          <a:p>
+            <a:endParaRPr lang="en-GB" dirty="0"/>
+          </a:p>
+        </p:txBody>
+      </p:sp>
+    </p:spTree>
+    <p:extLst>
+      <p:ext uri="{BB962C8B-B14F-4D97-AF65-F5344CB8AC3E}">
+        <p14:creationId xmlns:p14="http://schemas.microsoft.com/office/powerpoint/2010/main" val="1568749011"/>
       </p:ext>
     </p:extLst>
   </p:cSld>
@@ -5619,7 +9004,7 @@
           </p:nvPr>
         </p:nvPicPr>
         <p:blipFill>
-          <a:blip r:embed="rId2" cstate="print"/>
+          <a:blip r:embed="rId3" cstate="print"/>
           <a:srcRect/>
           <a:stretch>
             <a:fillRect/>
@@ -5769,7 +9154,15 @@
           <a:p>
             <a:r>
               <a:rPr lang="en-GB" dirty="0" smtClean="0"/>
-              <a:t>This converts minima to maxima, non-maximal suppression this sharpens the features further</a:t>
+              <a:t>This converts minima to maxima, non-maximal </a:t>
+            </a:r>
+            <a:r>
+              <a:rPr lang="en-GB" dirty="0" smtClean="0"/>
+              <a:t>suppression on </a:t>
+            </a:r>
+            <a:r>
+              <a:rPr lang="en-GB" dirty="0" smtClean="0"/>
+              <a:t>this sharpens the features further</a:t>
             </a:r>
             <a:endParaRPr lang="en-GB" dirty="0"/>
           </a:p>
@@ -5817,15 +9210,7 @@
           <a:p>
             <a:r>
               <a:rPr lang="en-GB" dirty="0" smtClean="0"/>
-              <a:t>Theory – </a:t>
-            </a:r>
-            <a:r>
-              <a:rPr lang="en-GB" dirty="0" smtClean="0"/>
-              <a:t>E</a:t>
-            </a:r>
-            <a:r>
-              <a:rPr lang="en-GB" dirty="0" smtClean="0"/>
-              <a:t>dge Direction</a:t>
+              <a:t>Theory – Edge Direction</a:t>
             </a:r>
             <a:endParaRPr lang="en-GB" dirty="0"/>
           </a:p>
@@ -5848,7 +9233,9 @@
           </a:xfrm>
         </p:spPr>
         <p:txBody>
-          <a:bodyPr/>
+          <a:bodyPr>
+            <a:normAutofit lnSpcReduction="10000"/>
+          </a:bodyPr>
           <a:lstStyle/>
           <a:p>
             <a:r>
@@ -5869,6 +9256,21 @@
             </a:r>
           </a:p>
           <a:p>
+            <a:r>
+              <a:rPr lang="en-GB" dirty="0" err="1" smtClean="0"/>
+              <a:t>CoG</a:t>
+            </a:r>
+            <a:r>
+              <a:rPr lang="en-GB" dirty="0" smtClean="0"/>
+              <a:t> calculated by:</a:t>
+            </a:r>
+          </a:p>
+          <a:p>
+            <a:pPr lvl="1"/>
+            <a:r>
+              <a:rPr lang="en-GB" dirty="0" smtClean="0"/>
+              <a:t>Sum(pixel * USAN(pixel))/ USAN area</a:t>
+            </a:r>
             <a:endParaRPr lang="en-GB" dirty="0"/>
           </a:p>
         </p:txBody>
@@ -6958,9 +10360,16 @@
             <p:ph sz="half" idx="1"/>
           </p:nvPr>
         </p:nvSpPr>
-        <p:spPr/>
-        <p:txBody>
-          <a:bodyPr/>
+        <p:spPr>
+          <a:xfrm>
+            <a:off x="457200" y="1600200"/>
+            <a:ext cx="5050904" cy="4525963"/>
+          </a:xfrm>
+        </p:spPr>
+        <p:txBody>
+          <a:bodyPr>
+            <a:normAutofit fontScale="92500" lnSpcReduction="10000"/>
+          </a:bodyPr>
           <a:lstStyle/>
           <a:p>
             <a:r>
@@ -6969,29 +10378,787 @@
             </a:r>
           </a:p>
           <a:p>
+            <a:r>
+              <a:rPr lang="en-GB" dirty="0" smtClean="0"/>
+              <a:t>The “centre of gravity” cannot be used for this type of edge</a:t>
+            </a:r>
+          </a:p>
+          <a:p>
+            <a:r>
+              <a:rPr lang="en-GB" dirty="0" smtClean="0"/>
+              <a:t>The “longest axis of symmetry” is used instead</a:t>
+            </a:r>
+          </a:p>
+          <a:p>
+            <a:r>
+              <a:rPr lang="en-GB" dirty="0" smtClean="0"/>
+              <a:t>Axis calculated by:</a:t>
+            </a:r>
+          </a:p>
+          <a:p>
+            <a:pPr lvl="1"/>
+            <a:r>
+              <a:rPr lang="en-GB" dirty="0" err="1" smtClean="0"/>
+              <a:t>AoS</a:t>
+            </a:r>
+            <a:r>
+              <a:rPr lang="en-GB" sz="1800" dirty="0" err="1" smtClean="0"/>
+              <a:t>x</a:t>
+            </a:r>
+            <a:r>
+              <a:rPr lang="en-GB" dirty="0" smtClean="0"/>
+              <a:t> = sum((</a:t>
+            </a:r>
+            <a:r>
+              <a:rPr lang="en-GB" dirty="0" err="1" smtClean="0"/>
+              <a:t>pixel</a:t>
+            </a:r>
+            <a:r>
+              <a:rPr lang="en-GB" sz="1800" dirty="0" err="1" smtClean="0"/>
+              <a:t>x</a:t>
+            </a:r>
+            <a:r>
+              <a:rPr lang="en-GB" dirty="0" smtClean="0"/>
+              <a:t> – </a:t>
+            </a:r>
+            <a:r>
+              <a:rPr lang="en-GB" dirty="0" err="1" smtClean="0"/>
+              <a:t>nucleus</a:t>
+            </a:r>
+            <a:r>
+              <a:rPr lang="en-GB" sz="1800" dirty="0" err="1" smtClean="0"/>
+              <a:t>x</a:t>
+            </a:r>
+            <a:r>
+              <a:rPr lang="en-GB" dirty="0" smtClean="0"/>
+              <a:t>)^2 * USAN)</a:t>
+            </a:r>
+          </a:p>
+          <a:p>
+            <a:pPr lvl="1"/>
+            <a:r>
+              <a:rPr lang="en-GB" dirty="0" err="1" smtClean="0"/>
+              <a:t>AoS</a:t>
+            </a:r>
+            <a:r>
+              <a:rPr lang="en-GB" sz="1800" dirty="0" err="1" smtClean="0"/>
+              <a:t>y</a:t>
+            </a:r>
+            <a:r>
+              <a:rPr lang="en-GB" dirty="0" smtClean="0"/>
+              <a:t> </a:t>
+            </a:r>
+            <a:r>
+              <a:rPr lang="en-GB" dirty="0"/>
+              <a:t>= sum((</a:t>
+            </a:r>
+            <a:r>
+              <a:rPr lang="en-GB" dirty="0" err="1" smtClean="0"/>
+              <a:t>pixel</a:t>
+            </a:r>
+            <a:r>
+              <a:rPr lang="en-GB" sz="1800" dirty="0" err="1" smtClean="0"/>
+              <a:t>y</a:t>
+            </a:r>
+            <a:r>
+              <a:rPr lang="en-GB" dirty="0" smtClean="0"/>
+              <a:t> </a:t>
+            </a:r>
+            <a:r>
+              <a:rPr lang="en-GB" dirty="0"/>
+              <a:t>– </a:t>
+            </a:r>
+            <a:r>
+              <a:rPr lang="en-GB" dirty="0" err="1" smtClean="0"/>
+              <a:t>nucleus</a:t>
+            </a:r>
+            <a:r>
+              <a:rPr lang="en-GB" sz="1800" dirty="0" err="1" smtClean="0"/>
+              <a:t>y</a:t>
+            </a:r>
+            <a:r>
+              <a:rPr lang="en-GB" dirty="0" smtClean="0"/>
+              <a:t>)^</a:t>
+            </a:r>
+            <a:r>
+              <a:rPr lang="en-GB" dirty="0"/>
+              <a:t>2 * USAN</a:t>
+            </a:r>
+            <a:r>
+              <a:rPr lang="en-GB" dirty="0" smtClean="0"/>
+              <a:t>)</a:t>
+            </a:r>
+          </a:p>
+          <a:p>
+            <a:pPr lvl="1"/>
+            <a:r>
+              <a:rPr lang="en-GB" dirty="0" err="1" smtClean="0"/>
+              <a:t>AoS</a:t>
+            </a:r>
+            <a:r>
+              <a:rPr lang="en-GB" sz="1800" dirty="0" err="1" smtClean="0"/>
+              <a:t>xy</a:t>
+            </a:r>
+            <a:r>
+              <a:rPr lang="en-GB" dirty="0" smtClean="0"/>
+              <a:t> </a:t>
+            </a:r>
+            <a:r>
+              <a:rPr lang="en-GB" dirty="0"/>
+              <a:t>= sum((</a:t>
+            </a:r>
+            <a:r>
+              <a:rPr lang="en-GB" dirty="0" err="1"/>
+              <a:t>pixel</a:t>
+            </a:r>
+            <a:r>
+              <a:rPr lang="en-GB" sz="1800" dirty="0" err="1"/>
+              <a:t>x</a:t>
+            </a:r>
+            <a:r>
+              <a:rPr lang="en-GB" dirty="0"/>
+              <a:t> – </a:t>
+            </a:r>
+            <a:r>
+              <a:rPr lang="en-GB" dirty="0" err="1"/>
+              <a:t>nucleus</a:t>
+            </a:r>
+            <a:r>
+              <a:rPr lang="en-GB" sz="1800" dirty="0" err="1"/>
+              <a:t>x</a:t>
+            </a:r>
+            <a:r>
+              <a:rPr lang="en-GB" dirty="0" smtClean="0"/>
+              <a:t>)</a:t>
+            </a:r>
+            <a:r>
+              <a:rPr lang="en-GB" dirty="0"/>
+              <a:t> (</a:t>
+            </a:r>
+            <a:r>
+              <a:rPr lang="en-GB" dirty="0" err="1" smtClean="0"/>
+              <a:t>pixel</a:t>
+            </a:r>
+            <a:r>
+              <a:rPr lang="en-GB" sz="1600" dirty="0" err="1" smtClean="0"/>
+              <a:t>y</a:t>
+            </a:r>
+            <a:r>
+              <a:rPr lang="en-GB" dirty="0" smtClean="0"/>
+              <a:t> </a:t>
+            </a:r>
+            <a:r>
+              <a:rPr lang="en-GB" dirty="0"/>
+              <a:t>– </a:t>
+            </a:r>
+            <a:r>
+              <a:rPr lang="en-GB" dirty="0" err="1" smtClean="0"/>
+              <a:t>nucleus</a:t>
+            </a:r>
+            <a:r>
+              <a:rPr lang="en-GB" sz="1600" dirty="0" err="1" smtClean="0"/>
+              <a:t>y</a:t>
+            </a:r>
+            <a:r>
+              <a:rPr lang="en-GB" dirty="0" smtClean="0"/>
+              <a:t>) </a:t>
+            </a:r>
+            <a:r>
+              <a:rPr lang="en-GB" dirty="0"/>
+              <a:t>* USAN</a:t>
+            </a:r>
+            <a:r>
+              <a:rPr lang="en-GB" dirty="0" smtClean="0"/>
+              <a:t>)</a:t>
+            </a:r>
+          </a:p>
+          <a:p>
+            <a:pPr lvl="1"/>
             <a:endParaRPr lang="en-GB" dirty="0"/>
           </a:p>
-        </p:txBody>
-      </p:sp>
-      <p:sp>
-        <p:nvSpPr>
-          <p:cNvPr id="4" name="Content Placeholder 3"/>
-          <p:cNvSpPr>
-            <a:spLocks noGrp="1"/>
-          </p:cNvSpPr>
-          <p:nvPr>
-            <p:ph sz="half" idx="2"/>
-          </p:nvPr>
-        </p:nvSpPr>
-        <p:spPr/>
-        <p:txBody>
-          <a:bodyPr/>
-          <a:lstStyle/>
-          <a:p>
+          <a:p>
+            <a:pPr lvl="1"/>
             <a:endParaRPr lang="en-GB" dirty="0"/>
           </a:p>
-        </p:txBody>
-      </p:sp>
+          <a:p>
+            <a:pPr lvl="1"/>
+            <a:endParaRPr lang="en-GB" dirty="0"/>
+          </a:p>
+        </p:txBody>
+      </p:sp>
+      <p:grpSp>
+        <p:nvGrpSpPr>
+          <p:cNvPr id="23" name="Group 22"/>
+          <p:cNvGrpSpPr/>
+          <p:nvPr/>
+        </p:nvGrpSpPr>
+        <p:grpSpPr>
+          <a:xfrm>
+            <a:off x="5724128" y="1916832"/>
+            <a:ext cx="2880320" cy="3460664"/>
+            <a:chOff x="4926682" y="1700808"/>
+            <a:chExt cx="2880320" cy="3460664"/>
+          </a:xfrm>
+        </p:grpSpPr>
+        <p:grpSp>
+          <p:nvGrpSpPr>
+            <p:cNvPr id="8" name="Group 7"/>
+            <p:cNvGrpSpPr/>
+            <p:nvPr/>
+          </p:nvGrpSpPr>
+          <p:grpSpPr>
+            <a:xfrm>
+              <a:off x="4932040" y="1700808"/>
+              <a:ext cx="2592288" cy="2520280"/>
+              <a:chOff x="4932040" y="1700808"/>
+              <a:chExt cx="2592288" cy="2520280"/>
+            </a:xfrm>
+          </p:grpSpPr>
+          <p:sp>
+            <p:nvSpPr>
+              <p:cNvPr id="5" name="Rectangle 4"/>
+              <p:cNvSpPr/>
+              <p:nvPr/>
+            </p:nvSpPr>
+            <p:spPr>
+              <a:xfrm>
+                <a:off x="4932040" y="1700808"/>
+                <a:ext cx="2592288" cy="2520280"/>
+              </a:xfrm>
+              <a:prstGeom prst="rect">
+                <a:avLst/>
+              </a:prstGeom>
+              <a:solidFill>
+                <a:schemeClr val="bg1"/>
+              </a:solidFill>
+            </p:spPr>
+            <p:style>
+              <a:lnRef idx="2">
+                <a:schemeClr val="accent1">
+                  <a:shade val="50000"/>
+                </a:schemeClr>
+              </a:lnRef>
+              <a:fillRef idx="1">
+                <a:schemeClr val="accent1"/>
+              </a:fillRef>
+              <a:effectRef idx="0">
+                <a:schemeClr val="accent1"/>
+              </a:effectRef>
+              <a:fontRef idx="minor">
+                <a:schemeClr val="lt1"/>
+              </a:fontRef>
+            </p:style>
+            <p:txBody>
+              <a:bodyPr rtlCol="0" anchor="ctr"/>
+              <a:lstStyle/>
+              <a:p>
+                <a:pPr algn="ctr"/>
+                <a:endParaRPr lang="en-GB"/>
+              </a:p>
+            </p:txBody>
+          </p:sp>
+          <p:sp>
+            <p:nvSpPr>
+              <p:cNvPr id="6" name="Rectangle 5"/>
+              <p:cNvSpPr/>
+              <p:nvPr/>
+            </p:nvSpPr>
+            <p:spPr>
+              <a:xfrm>
+                <a:off x="6084168" y="1700808"/>
+                <a:ext cx="1440160" cy="2520280"/>
+              </a:xfrm>
+              <a:prstGeom prst="rect">
+                <a:avLst/>
+              </a:prstGeom>
+              <a:solidFill>
+                <a:schemeClr val="accent1">
+                  <a:lumMod val="60000"/>
+                  <a:lumOff val="40000"/>
+                </a:schemeClr>
+              </a:solidFill>
+            </p:spPr>
+            <p:style>
+              <a:lnRef idx="2">
+                <a:schemeClr val="accent1">
+                  <a:shade val="50000"/>
+                </a:schemeClr>
+              </a:lnRef>
+              <a:fillRef idx="1">
+                <a:schemeClr val="accent1"/>
+              </a:fillRef>
+              <a:effectRef idx="0">
+                <a:schemeClr val="accent1"/>
+              </a:effectRef>
+              <a:fontRef idx="minor">
+                <a:schemeClr val="lt1"/>
+              </a:fontRef>
+            </p:style>
+            <p:txBody>
+              <a:bodyPr rtlCol="0" anchor="ctr"/>
+              <a:lstStyle/>
+              <a:p>
+                <a:pPr algn="ctr"/>
+                <a:endParaRPr lang="en-GB"/>
+              </a:p>
+            </p:txBody>
+          </p:sp>
+          <p:sp>
+            <p:nvSpPr>
+              <p:cNvPr id="7" name="Rectangle 6"/>
+              <p:cNvSpPr/>
+              <p:nvPr/>
+            </p:nvSpPr>
+            <p:spPr>
+              <a:xfrm>
+                <a:off x="6372200" y="1700808"/>
+                <a:ext cx="1152128" cy="2520280"/>
+              </a:xfrm>
+              <a:prstGeom prst="rect">
+                <a:avLst/>
+              </a:prstGeom>
+            </p:spPr>
+            <p:style>
+              <a:lnRef idx="2">
+                <a:schemeClr val="accent1">
+                  <a:shade val="50000"/>
+                </a:schemeClr>
+              </a:lnRef>
+              <a:fillRef idx="1">
+                <a:schemeClr val="accent1"/>
+              </a:fillRef>
+              <a:effectRef idx="0">
+                <a:schemeClr val="accent1"/>
+              </a:effectRef>
+              <a:fontRef idx="minor">
+                <a:schemeClr val="lt1"/>
+              </a:fontRef>
+            </p:style>
+            <p:txBody>
+              <a:bodyPr rtlCol="0" anchor="ctr"/>
+              <a:lstStyle/>
+              <a:p>
+                <a:pPr algn="ctr"/>
+                <a:endParaRPr lang="en-GB"/>
+              </a:p>
+            </p:txBody>
+          </p:sp>
+        </p:grpSp>
+        <p:grpSp>
+          <p:nvGrpSpPr>
+            <p:cNvPr id="10" name="Group 9"/>
+            <p:cNvGrpSpPr/>
+            <p:nvPr/>
+          </p:nvGrpSpPr>
+          <p:grpSpPr>
+            <a:xfrm>
+              <a:off x="5898790" y="2708920"/>
+              <a:ext cx="648072" cy="648072"/>
+              <a:chOff x="5940152" y="2204864"/>
+              <a:chExt cx="648072" cy="648072"/>
+            </a:xfrm>
+          </p:grpSpPr>
+          <p:sp>
+            <p:nvSpPr>
+              <p:cNvPr id="11" name="Oval 10"/>
+              <p:cNvSpPr/>
+              <p:nvPr/>
+            </p:nvSpPr>
+            <p:spPr>
+              <a:xfrm>
+                <a:off x="5940152" y="2204864"/>
+                <a:ext cx="648072" cy="648072"/>
+              </a:xfrm>
+              <a:prstGeom prst="ellipse">
+                <a:avLst/>
+              </a:prstGeom>
+              <a:noFill/>
+              <a:ln>
+                <a:solidFill>
+                  <a:schemeClr val="accent2"/>
+                </a:solidFill>
+              </a:ln>
+            </p:spPr>
+            <p:style>
+              <a:lnRef idx="2">
+                <a:schemeClr val="accent1">
+                  <a:shade val="50000"/>
+                </a:schemeClr>
+              </a:lnRef>
+              <a:fillRef idx="1">
+                <a:schemeClr val="accent1"/>
+              </a:fillRef>
+              <a:effectRef idx="0">
+                <a:schemeClr val="accent1"/>
+              </a:effectRef>
+              <a:fontRef idx="minor">
+                <a:schemeClr val="lt1"/>
+              </a:fontRef>
+            </p:style>
+            <p:txBody>
+              <a:bodyPr rtlCol="0" anchor="ctr"/>
+              <a:lstStyle/>
+              <a:p>
+                <a:pPr algn="ctr"/>
+                <a:endParaRPr lang="en-GB"/>
+              </a:p>
+            </p:txBody>
+          </p:sp>
+          <p:sp>
+            <p:nvSpPr>
+              <p:cNvPr id="12" name="Multiply 11"/>
+              <p:cNvSpPr/>
+              <p:nvPr/>
+            </p:nvSpPr>
+            <p:spPr>
+              <a:xfrm>
+                <a:off x="6156176" y="2420888"/>
+                <a:ext cx="216024" cy="216024"/>
+              </a:xfrm>
+              <a:prstGeom prst="mathMultiply">
+                <a:avLst/>
+              </a:prstGeom>
+              <a:solidFill>
+                <a:schemeClr val="accent2"/>
+              </a:solidFill>
+              <a:ln>
+                <a:solidFill>
+                  <a:schemeClr val="accent2"/>
+                </a:solidFill>
+              </a:ln>
+            </p:spPr>
+            <p:style>
+              <a:lnRef idx="2">
+                <a:schemeClr val="accent1">
+                  <a:shade val="50000"/>
+                </a:schemeClr>
+              </a:lnRef>
+              <a:fillRef idx="1">
+                <a:schemeClr val="accent1"/>
+              </a:fillRef>
+              <a:effectRef idx="0">
+                <a:schemeClr val="accent1"/>
+              </a:effectRef>
+              <a:fontRef idx="minor">
+                <a:schemeClr val="lt1"/>
+              </a:fontRef>
+            </p:style>
+            <p:txBody>
+              <a:bodyPr rtlCol="0" anchor="ctr"/>
+              <a:lstStyle/>
+              <a:p>
+                <a:pPr algn="ctr"/>
+                <a:endParaRPr lang="en-GB"/>
+              </a:p>
+            </p:txBody>
+          </p:sp>
+        </p:grpSp>
+        <p:sp>
+          <p:nvSpPr>
+            <p:cNvPr id="13" name="Oval 12"/>
+            <p:cNvSpPr/>
+            <p:nvPr/>
+          </p:nvSpPr>
+          <p:spPr>
+            <a:xfrm>
+              <a:off x="6124314" y="2920194"/>
+              <a:ext cx="216024" cy="216024"/>
+            </a:xfrm>
+            <a:prstGeom prst="ellipse">
+              <a:avLst/>
+            </a:prstGeom>
+            <a:noFill/>
+            <a:ln>
+              <a:solidFill>
+                <a:schemeClr val="accent3"/>
+              </a:solidFill>
+            </a:ln>
+          </p:spPr>
+          <p:style>
+            <a:lnRef idx="2">
+              <a:schemeClr val="accent1">
+                <a:shade val="50000"/>
+              </a:schemeClr>
+            </a:lnRef>
+            <a:fillRef idx="1">
+              <a:schemeClr val="accent1"/>
+            </a:fillRef>
+            <a:effectRef idx="0">
+              <a:schemeClr val="accent1"/>
+            </a:effectRef>
+            <a:fontRef idx="minor">
+              <a:schemeClr val="lt1"/>
+            </a:fontRef>
+          </p:style>
+          <p:txBody>
+            <a:bodyPr rtlCol="0" anchor="ctr"/>
+            <a:lstStyle/>
+            <a:p>
+              <a:pPr algn="ctr"/>
+              <a:endParaRPr lang="en-GB"/>
+            </a:p>
+          </p:txBody>
+        </p:sp>
+        <p:cxnSp>
+          <p:nvCxnSpPr>
+            <p:cNvPr id="15" name="Straight Connector 14"/>
+            <p:cNvCxnSpPr>
+              <a:stCxn id="11" idx="0"/>
+              <a:endCxn id="11" idx="4"/>
+            </p:cNvCxnSpPr>
+            <p:nvPr/>
+          </p:nvCxnSpPr>
+          <p:spPr>
+            <a:xfrm>
+              <a:off x="6222826" y="2708920"/>
+              <a:ext cx="0" cy="648072"/>
+            </a:xfrm>
+            <a:prstGeom prst="line">
+              <a:avLst/>
+            </a:prstGeom>
+            <a:ln w="28575">
+              <a:solidFill>
+                <a:schemeClr val="tx1"/>
+              </a:solidFill>
+              <a:prstDash val="sysDot"/>
+            </a:ln>
+          </p:spPr>
+          <p:style>
+            <a:lnRef idx="1">
+              <a:schemeClr val="accent1"/>
+            </a:lnRef>
+            <a:fillRef idx="0">
+              <a:schemeClr val="accent1"/>
+            </a:fillRef>
+            <a:effectRef idx="0">
+              <a:schemeClr val="accent1"/>
+            </a:effectRef>
+            <a:fontRef idx="minor">
+              <a:schemeClr val="tx1"/>
+            </a:fontRef>
+          </p:style>
+        </p:cxnSp>
+        <p:sp>
+          <p:nvSpPr>
+            <p:cNvPr id="16" name="Oval 15"/>
+            <p:cNvSpPr/>
+            <p:nvPr/>
+          </p:nvSpPr>
+          <p:spPr>
+            <a:xfrm>
+              <a:off x="4926682" y="4365104"/>
+              <a:ext cx="216024" cy="216024"/>
+            </a:xfrm>
+            <a:prstGeom prst="ellipse">
+              <a:avLst/>
+            </a:prstGeom>
+            <a:noFill/>
+            <a:ln>
+              <a:solidFill>
+                <a:schemeClr val="accent3"/>
+              </a:solidFill>
+            </a:ln>
+          </p:spPr>
+          <p:style>
+            <a:lnRef idx="2">
+              <a:schemeClr val="accent1">
+                <a:shade val="50000"/>
+              </a:schemeClr>
+            </a:lnRef>
+            <a:fillRef idx="1">
+              <a:schemeClr val="accent1"/>
+            </a:fillRef>
+            <a:effectRef idx="0">
+              <a:schemeClr val="accent1"/>
+            </a:effectRef>
+            <a:fontRef idx="minor">
+              <a:schemeClr val="lt1"/>
+            </a:fontRef>
+          </p:style>
+          <p:txBody>
+            <a:bodyPr rtlCol="0" anchor="ctr"/>
+            <a:lstStyle/>
+            <a:p>
+              <a:pPr algn="ctr"/>
+              <a:endParaRPr lang="en-GB"/>
+            </a:p>
+          </p:txBody>
+        </p:sp>
+        <p:sp>
+          <p:nvSpPr>
+            <p:cNvPr id="17" name="Multiply 16"/>
+            <p:cNvSpPr/>
+            <p:nvPr/>
+          </p:nvSpPr>
+          <p:spPr>
+            <a:xfrm>
+              <a:off x="4926682" y="4653136"/>
+              <a:ext cx="216024" cy="216024"/>
+            </a:xfrm>
+            <a:prstGeom prst="mathMultiply">
+              <a:avLst/>
+            </a:prstGeom>
+            <a:solidFill>
+              <a:schemeClr val="accent2"/>
+            </a:solidFill>
+            <a:ln>
+              <a:solidFill>
+                <a:schemeClr val="accent2"/>
+              </a:solidFill>
+            </a:ln>
+          </p:spPr>
+          <p:style>
+            <a:lnRef idx="2">
+              <a:schemeClr val="accent1">
+                <a:shade val="50000"/>
+              </a:schemeClr>
+            </a:lnRef>
+            <a:fillRef idx="1">
+              <a:schemeClr val="accent1"/>
+            </a:fillRef>
+            <a:effectRef idx="0">
+              <a:schemeClr val="accent1"/>
+            </a:effectRef>
+            <a:fontRef idx="minor">
+              <a:schemeClr val="lt1"/>
+            </a:fontRef>
+          </p:style>
+          <p:txBody>
+            <a:bodyPr rtlCol="0" anchor="ctr"/>
+            <a:lstStyle/>
+            <a:p>
+              <a:pPr algn="ctr"/>
+              <a:endParaRPr lang="en-GB"/>
+            </a:p>
+          </p:txBody>
+        </p:sp>
+        <p:sp>
+          <p:nvSpPr>
+            <p:cNvPr id="18" name="TextBox 17"/>
+            <p:cNvSpPr txBox="1"/>
+            <p:nvPr/>
+          </p:nvSpPr>
+          <p:spPr>
+            <a:xfrm>
+              <a:off x="5286722" y="4334616"/>
+              <a:ext cx="2520280" cy="276999"/>
+            </a:xfrm>
+            <a:prstGeom prst="rect">
+              <a:avLst/>
+            </a:prstGeom>
+            <a:noFill/>
+          </p:spPr>
+          <p:txBody>
+            <a:bodyPr wrap="square" rtlCol="0">
+              <a:spAutoFit/>
+            </a:bodyPr>
+            <a:lstStyle/>
+            <a:p>
+              <a:r>
+                <a:rPr lang="en-GB" sz="1200" dirty="0" smtClean="0"/>
+                <a:t>Centre of gravity</a:t>
+              </a:r>
+              <a:endParaRPr lang="en-GB" sz="1200" dirty="0"/>
+            </a:p>
+          </p:txBody>
+        </p:sp>
+        <p:sp>
+          <p:nvSpPr>
+            <p:cNvPr id="19" name="TextBox 18"/>
+            <p:cNvSpPr txBox="1"/>
+            <p:nvPr/>
+          </p:nvSpPr>
+          <p:spPr>
+            <a:xfrm>
+              <a:off x="5286722" y="4622648"/>
+              <a:ext cx="2520280" cy="276999"/>
+            </a:xfrm>
+            <a:prstGeom prst="rect">
+              <a:avLst/>
+            </a:prstGeom>
+            <a:noFill/>
+          </p:spPr>
+          <p:txBody>
+            <a:bodyPr wrap="square" rtlCol="0">
+              <a:spAutoFit/>
+            </a:bodyPr>
+            <a:lstStyle/>
+            <a:p>
+              <a:r>
+                <a:rPr lang="en-GB" sz="1200" dirty="0" smtClean="0"/>
+                <a:t>Nucleus</a:t>
+              </a:r>
+              <a:endParaRPr lang="en-GB" sz="1200" dirty="0"/>
+            </a:p>
+          </p:txBody>
+        </p:sp>
+        <p:cxnSp>
+          <p:nvCxnSpPr>
+            <p:cNvPr id="20" name="Straight Connector 19"/>
+            <p:cNvCxnSpPr/>
+            <p:nvPr/>
+          </p:nvCxnSpPr>
+          <p:spPr>
+            <a:xfrm>
+              <a:off x="5037695" y="4911427"/>
+              <a:ext cx="0" cy="223093"/>
+            </a:xfrm>
+            <a:prstGeom prst="line">
+              <a:avLst/>
+            </a:prstGeom>
+            <a:ln w="28575">
+              <a:solidFill>
+                <a:schemeClr val="tx1"/>
+              </a:solidFill>
+              <a:prstDash val="sysDot"/>
+            </a:ln>
+          </p:spPr>
+          <p:style>
+            <a:lnRef idx="1">
+              <a:schemeClr val="accent1"/>
+            </a:lnRef>
+            <a:fillRef idx="0">
+              <a:schemeClr val="accent1"/>
+            </a:fillRef>
+            <a:effectRef idx="0">
+              <a:schemeClr val="accent1"/>
+            </a:effectRef>
+            <a:fontRef idx="minor">
+              <a:schemeClr val="tx1"/>
+            </a:fontRef>
+          </p:style>
+        </p:cxnSp>
+        <p:sp>
+          <p:nvSpPr>
+            <p:cNvPr id="21" name="TextBox 20"/>
+            <p:cNvSpPr txBox="1"/>
+            <p:nvPr/>
+          </p:nvSpPr>
+          <p:spPr>
+            <a:xfrm>
+              <a:off x="5286722" y="4884473"/>
+              <a:ext cx="2520280" cy="276999"/>
+            </a:xfrm>
+            <a:prstGeom prst="rect">
+              <a:avLst/>
+            </a:prstGeom>
+            <a:noFill/>
+          </p:spPr>
+          <p:txBody>
+            <a:bodyPr wrap="square" rtlCol="0">
+              <a:spAutoFit/>
+            </a:bodyPr>
+            <a:lstStyle/>
+            <a:p>
+              <a:r>
+                <a:rPr lang="en-GB" sz="1200" dirty="0" smtClean="0"/>
+                <a:t>Longest axis of symmetry</a:t>
+              </a:r>
+              <a:endParaRPr lang="en-GB" sz="1200" dirty="0"/>
+            </a:p>
+          </p:txBody>
+        </p:sp>
+      </p:grpSp>
     </p:spTree>
   </p:cSld>
   <p:clrMapOvr>
@@ -7024,7 +11191,7 @@
             <a:spLocks noGrp="1"/>
           </p:cNvSpPr>
           <p:nvPr>
-            <p:ph type="ctrTitle"/>
+            <p:ph type="title"/>
           </p:nvPr>
         </p:nvSpPr>
         <p:spPr/>
@@ -7034,7 +11201,7 @@
           <a:p>
             <a:r>
               <a:rPr lang="en-GB" dirty="0" smtClean="0"/>
-              <a:t>Implementation</a:t>
+              <a:t>Theory – Edge Direction</a:t>
             </a:r>
             <a:endParaRPr lang="en-GB" dirty="0"/>
           </a:p>
@@ -7042,12 +11209,12 @@
       </p:sp>
       <p:sp>
         <p:nvSpPr>
-          <p:cNvPr id="4" name="Subtitle 3"/>
-          <p:cNvSpPr>
-            <a:spLocks noGrp="1"/>
-          </p:cNvSpPr>
-          <p:nvPr>
-            <p:ph type="subTitle" idx="1"/>
+          <p:cNvPr id="5" name="Content Placeholder 4"/>
+          <p:cNvSpPr>
+            <a:spLocks noGrp="1"/>
+          </p:cNvSpPr>
+          <p:nvPr>
+            <p:ph idx="1"/>
           </p:nvPr>
         </p:nvSpPr>
         <p:spPr/>
@@ -7055,27 +11222,46 @@
           <a:bodyPr/>
           <a:lstStyle/>
           <a:p>
-            <a:endParaRPr lang="en-GB"/>
+            <a:r>
+              <a:rPr lang="en-GB" dirty="0" smtClean="0"/>
+              <a:t>The correct algorithm has to be chosen for each edge</a:t>
+            </a:r>
+          </a:p>
+          <a:p>
+            <a:pPr lvl="1"/>
+            <a:r>
+              <a:rPr lang="en-GB" dirty="0" smtClean="0"/>
+              <a:t>“Intra pixel” method is used if the USAN is less than the mask diameter or if the </a:t>
+            </a:r>
+            <a:r>
+              <a:rPr lang="en-GB" dirty="0" err="1" smtClean="0"/>
+              <a:t>CoG</a:t>
+            </a:r>
+            <a:r>
+              <a:rPr lang="en-GB" dirty="0" smtClean="0"/>
+              <a:t> is less than a pixel from the Nucleus</a:t>
+            </a:r>
+          </a:p>
+          <a:p>
+            <a:pPr lvl="1"/>
+            <a:r>
+              <a:rPr lang="en-GB" dirty="0" smtClean="0"/>
+              <a:t>Otherwise the “Inter pixel” method is used</a:t>
+            </a:r>
+            <a:endParaRPr lang="en-GB" dirty="0"/>
           </a:p>
         </p:txBody>
       </p:sp>
     </p:spTree>
     <p:extLst>
       <p:ext uri="{BB962C8B-B14F-4D97-AF65-F5344CB8AC3E}">
-        <p14:creationId xmlns="" xmlns:p14="http://schemas.microsoft.com/office/powerpoint/2010/main" val="2813178390"/>
+        <p14:creationId xmlns:p14="http://schemas.microsoft.com/office/powerpoint/2010/main" val="778474683"/>
       </p:ext>
     </p:extLst>
   </p:cSld>
   <p:clrMapOvr>
     <a:masterClrMapping/>
   </p:clrMapOvr>
-  <p:timing>
-    <p:tnLst>
-      <p:par>
-        <p:cTn id="1" dur="indefinite" restart="never" nodeType="tmRoot"/>
-      </p:par>
-    </p:tnLst>
-  </p:timing>
 </p:sld>
 </file>
 
@@ -7362,4 +11548,289 @@
   <a:objectDefaults/>
   <a:extraClrSchemeLst/>
 </a:theme>
+</file>
+
+<file path=ppt/theme/theme2.xml><?xml version="1.0" encoding="utf-8"?>
+<a:theme xmlns:a="http://schemas.openxmlformats.org/drawingml/2006/main" name="Office Theme">
+  <a:themeElements>
+    <a:clrScheme name="Office">
+      <a:dk1>
+        <a:sysClr val="windowText" lastClr="000000"/>
+      </a:dk1>
+      <a:lt1>
+        <a:sysClr val="window" lastClr="FFFFFF"/>
+      </a:lt1>
+      <a:dk2>
+        <a:srgbClr val="1F497D"/>
+      </a:dk2>
+      <a:lt2>
+        <a:srgbClr val="EEECE1"/>
+      </a:lt2>
+      <a:accent1>
+        <a:srgbClr val="4F81BD"/>
+      </a:accent1>
+      <a:accent2>
+        <a:srgbClr val="C0504D"/>
+      </a:accent2>
+      <a:accent3>
+        <a:srgbClr val="9BBB59"/>
+      </a:accent3>
+      <a:accent4>
+        <a:srgbClr val="8064A2"/>
+      </a:accent4>
+      <a:accent5>
+        <a:srgbClr val="4BACC6"/>
+      </a:accent5>
+      <a:accent6>
+        <a:srgbClr val="F79646"/>
+      </a:accent6>
+      <a:hlink>
+        <a:srgbClr val="0000FF"/>
+      </a:hlink>
+      <a:folHlink>
+        <a:srgbClr val="800080"/>
+      </a:folHlink>
+    </a:clrScheme>
+    <a:fontScheme name="Office">
+      <a:majorFont>
+        <a:latin typeface="Calibri"/>
+        <a:ea typeface=""/>
+        <a:cs typeface=""/>
+        <a:font script="Jpan" typeface="ＭＳ Ｐゴシック"/>
+        <a:font script="Hang" typeface="맑은 고딕"/>
+        <a:font script="Hans" typeface="宋体"/>
+        <a:font script="Hant" typeface="新細明體"/>
+        <a:font script="Arab" typeface="Times New Roman"/>
+        <a:font script="Hebr" typeface="Times New Roman"/>
+        <a:font script="Thai" typeface="Angsana New"/>
+        <a:font script="Ethi" typeface="Nyala"/>
+        <a:font script="Beng" typeface="Vrinda"/>
+        <a:font script="Gujr" typeface="Shruti"/>
+        <a:font script="Khmr" typeface="MoolBoran"/>
+        <a:font script="Knda" typeface="Tunga"/>
+        <a:font script="Guru" typeface="Raavi"/>
+        <a:font script="Cans" typeface="Euphemia"/>
+        <a:font script="Cher" typeface="Plantagenet Cherokee"/>
+        <a:font script="Yiii" typeface="Microsoft Yi Baiti"/>
+        <a:font script="Tibt" typeface="Microsoft Himalaya"/>
+        <a:font script="Thaa" typeface="MV Boli"/>
+        <a:font script="Deva" typeface="Mangal"/>
+        <a:font script="Telu" typeface="Gautami"/>
+        <a:font script="Taml" typeface="Latha"/>
+        <a:font script="Syrc" typeface="Estrangelo Edessa"/>
+        <a:font script="Orya" typeface="Kalinga"/>
+        <a:font script="Mlym" typeface="Kartika"/>
+        <a:font script="Laoo" typeface="DokChampa"/>
+        <a:font script="Sinh" typeface="Iskoola Pota"/>
+        <a:font script="Mong" typeface="Mongolian Baiti"/>
+        <a:font script="Viet" typeface="Times New Roman"/>
+        <a:font script="Uigh" typeface="Microsoft Uighur"/>
+        <a:font script="Geor" typeface="Sylfaen"/>
+      </a:majorFont>
+      <a:minorFont>
+        <a:latin typeface="Calibri"/>
+        <a:ea typeface=""/>
+        <a:cs typeface=""/>
+        <a:font script="Jpan" typeface="ＭＳ Ｐゴシック"/>
+        <a:font script="Hang" typeface="맑은 고딕"/>
+        <a:font script="Hans" typeface="宋体"/>
+        <a:font script="Hant" typeface="新細明體"/>
+        <a:font script="Arab" typeface="Arial"/>
+        <a:font script="Hebr" typeface="Arial"/>
+        <a:font script="Thai" typeface="Cordia New"/>
+        <a:font script="Ethi" typeface="Nyala"/>
+        <a:font script="Beng" typeface="Vrinda"/>
+        <a:font script="Gujr" typeface="Shruti"/>
+        <a:font script="Khmr" typeface="DaunPenh"/>
+        <a:font script="Knda" typeface="Tunga"/>
+        <a:font script="Guru" typeface="Raavi"/>
+        <a:font script="Cans" typeface="Euphemia"/>
+        <a:font script="Cher" typeface="Plantagenet Cherokee"/>
+        <a:font script="Yiii" typeface="Microsoft Yi Baiti"/>
+        <a:font script="Tibt" typeface="Microsoft Himalaya"/>
+        <a:font script="Thaa" typeface="MV Boli"/>
+        <a:font script="Deva" typeface="Mangal"/>
+        <a:font script="Telu" typeface="Gautami"/>
+        <a:font script="Taml" typeface="Latha"/>
+        <a:font script="Syrc" typeface="Estrangelo Edessa"/>
+        <a:font script="Orya" typeface="Kalinga"/>
+        <a:font script="Mlym" typeface="Kartika"/>
+        <a:font script="Laoo" typeface="DokChampa"/>
+        <a:font script="Sinh" typeface="Iskoola Pota"/>
+        <a:font script="Mong" typeface="Mongolian Baiti"/>
+        <a:font script="Viet" typeface="Arial"/>
+        <a:font script="Uigh" typeface="Microsoft Uighur"/>
+        <a:font script="Geor" typeface="Sylfaen"/>
+      </a:minorFont>
+    </a:fontScheme>
+    <a:fmtScheme name="Office">
+      <a:fillStyleLst>
+        <a:solidFill>
+          <a:schemeClr val="phClr"/>
+        </a:solidFill>
+        <a:gradFill rotWithShape="1">
+          <a:gsLst>
+            <a:gs pos="0">
+              <a:schemeClr val="phClr">
+                <a:tint val="50000"/>
+                <a:satMod val="300000"/>
+              </a:schemeClr>
+            </a:gs>
+            <a:gs pos="35000">
+              <a:schemeClr val="phClr">
+                <a:tint val="37000"/>
+                <a:satMod val="300000"/>
+              </a:schemeClr>
+            </a:gs>
+            <a:gs pos="100000">
+              <a:schemeClr val="phClr">
+                <a:tint val="15000"/>
+                <a:satMod val="350000"/>
+              </a:schemeClr>
+            </a:gs>
+          </a:gsLst>
+          <a:lin ang="16200000" scaled="1"/>
+        </a:gradFill>
+        <a:gradFill rotWithShape="1">
+          <a:gsLst>
+            <a:gs pos="0">
+              <a:schemeClr val="phClr">
+                <a:shade val="51000"/>
+                <a:satMod val="130000"/>
+              </a:schemeClr>
+            </a:gs>
+            <a:gs pos="80000">
+              <a:schemeClr val="phClr">
+                <a:shade val="93000"/>
+                <a:satMod val="130000"/>
+              </a:schemeClr>
+            </a:gs>
+            <a:gs pos="100000">
+              <a:schemeClr val="phClr">
+                <a:shade val="94000"/>
+                <a:satMod val="135000"/>
+              </a:schemeClr>
+            </a:gs>
+          </a:gsLst>
+          <a:lin ang="16200000" scaled="0"/>
+        </a:gradFill>
+      </a:fillStyleLst>
+      <a:lnStyleLst>
+        <a:ln w="9525" cap="flat" cmpd="sng" algn="ctr">
+          <a:solidFill>
+            <a:schemeClr val="phClr">
+              <a:shade val="95000"/>
+              <a:satMod val="105000"/>
+            </a:schemeClr>
+          </a:solidFill>
+          <a:prstDash val="solid"/>
+        </a:ln>
+        <a:ln w="25400" cap="flat" cmpd="sng" algn="ctr">
+          <a:solidFill>
+            <a:schemeClr val="phClr"/>
+          </a:solidFill>
+          <a:prstDash val="solid"/>
+        </a:ln>
+        <a:ln w="38100" cap="flat" cmpd="sng" algn="ctr">
+          <a:solidFill>
+            <a:schemeClr val="phClr"/>
+          </a:solidFill>
+          <a:prstDash val="solid"/>
+        </a:ln>
+      </a:lnStyleLst>
+      <a:effectStyleLst>
+        <a:effectStyle>
+          <a:effectLst>
+            <a:outerShdw blurRad="40000" dist="20000" dir="5400000" rotWithShape="0">
+              <a:srgbClr val="000000">
+                <a:alpha val="38000"/>
+              </a:srgbClr>
+            </a:outerShdw>
+          </a:effectLst>
+        </a:effectStyle>
+        <a:effectStyle>
+          <a:effectLst>
+            <a:outerShdw blurRad="40000" dist="23000" dir="5400000" rotWithShape="0">
+              <a:srgbClr val="000000">
+                <a:alpha val="35000"/>
+              </a:srgbClr>
+            </a:outerShdw>
+          </a:effectLst>
+        </a:effectStyle>
+        <a:effectStyle>
+          <a:effectLst>
+            <a:outerShdw blurRad="40000" dist="23000" dir="5400000" rotWithShape="0">
+              <a:srgbClr val="000000">
+                <a:alpha val="35000"/>
+              </a:srgbClr>
+            </a:outerShdw>
+          </a:effectLst>
+          <a:scene3d>
+            <a:camera prst="orthographicFront">
+              <a:rot lat="0" lon="0" rev="0"/>
+            </a:camera>
+            <a:lightRig rig="threePt" dir="t">
+              <a:rot lat="0" lon="0" rev="1200000"/>
+            </a:lightRig>
+          </a:scene3d>
+          <a:sp3d>
+            <a:bevelT w="63500" h="25400"/>
+          </a:sp3d>
+        </a:effectStyle>
+      </a:effectStyleLst>
+      <a:bgFillStyleLst>
+        <a:solidFill>
+          <a:schemeClr val="phClr"/>
+        </a:solidFill>
+        <a:gradFill rotWithShape="1">
+          <a:gsLst>
+            <a:gs pos="0">
+              <a:schemeClr val="phClr">
+                <a:tint val="40000"/>
+                <a:satMod val="350000"/>
+              </a:schemeClr>
+            </a:gs>
+            <a:gs pos="40000">
+              <a:schemeClr val="phClr">
+                <a:tint val="45000"/>
+                <a:shade val="99000"/>
+                <a:satMod val="350000"/>
+              </a:schemeClr>
+            </a:gs>
+            <a:gs pos="100000">
+              <a:schemeClr val="phClr">
+                <a:shade val="20000"/>
+                <a:satMod val="255000"/>
+              </a:schemeClr>
+            </a:gs>
+          </a:gsLst>
+          <a:path path="circle">
+            <a:fillToRect l="50000" t="-80000" r="50000" b="180000"/>
+          </a:path>
+        </a:gradFill>
+        <a:gradFill rotWithShape="1">
+          <a:gsLst>
+            <a:gs pos="0">
+              <a:schemeClr val="phClr">
+                <a:tint val="80000"/>
+                <a:satMod val="300000"/>
+              </a:schemeClr>
+            </a:gs>
+            <a:gs pos="100000">
+              <a:schemeClr val="phClr">
+                <a:shade val="30000"/>
+                <a:satMod val="200000"/>
+              </a:schemeClr>
+            </a:gs>
+          </a:gsLst>
+          <a:path path="circle">
+            <a:fillToRect l="50000" t="50000" r="50000" b="50000"/>
+          </a:path>
+        </a:gradFill>
+      </a:bgFillStyleLst>
+    </a:fmtScheme>
+  </a:themeElements>
+  <a:objectDefaults/>
+  <a:extraClrSchemeLst/>
+</a:theme>
 </file>